--- a/misc/WISSEN.pptx
+++ b/misc/WISSEN.pptx
@@ -5,7 +5,7 @@
     <p:sldMasterId id="2147484085" r:id="rId1"/>
   </p:sldMasterIdLst>
   <p:notesMasterIdLst>
-    <p:notesMasterId r:id="rId16"/>
+    <p:notesMasterId r:id="rId30"/>
   </p:notesMasterIdLst>
   <p:sldIdLst>
     <p:sldId id="333" r:id="rId2"/>
@@ -21,7 +21,21 @@
     <p:sldId id="442" r:id="rId12"/>
     <p:sldId id="438" r:id="rId13"/>
     <p:sldId id="443" r:id="rId14"/>
-    <p:sldId id="432" r:id="rId15"/>
+    <p:sldId id="478" r:id="rId15"/>
+    <p:sldId id="479" r:id="rId16"/>
+    <p:sldId id="480" r:id="rId17"/>
+    <p:sldId id="481" r:id="rId18"/>
+    <p:sldId id="482" r:id="rId19"/>
+    <p:sldId id="483" r:id="rId20"/>
+    <p:sldId id="485" r:id="rId21"/>
+    <p:sldId id="487" r:id="rId22"/>
+    <p:sldId id="488" r:id="rId23"/>
+    <p:sldId id="489" r:id="rId24"/>
+    <p:sldId id="490" r:id="rId25"/>
+    <p:sldId id="491" r:id="rId26"/>
+    <p:sldId id="492" r:id="rId27"/>
+    <p:sldId id="493" r:id="rId28"/>
+    <p:sldId id="432" r:id="rId29"/>
   </p:sldIdLst>
   <p:sldSz cx="12192000" cy="6858000"/>
   <p:notesSz cx="6858000" cy="9144000"/>
@@ -142,6 +156,10 @@
 </p:presentation>
 </file>
 
+<file path=ppt/revisionInfo.xml><?xml version="1.0" encoding="utf-8"?>
+<p1510:revInfo xmlns:a="http://schemas.openxmlformats.org/drawingml/2006/main" xmlns:r="http://schemas.openxmlformats.org/officeDocument/2006/relationships" xmlns:p1510="http://schemas.microsoft.com/office/powerpoint/2015/10/main"/>
+</file>
+
 <file path=ppt/notesMasters/notesMaster1.xml><?xml version="1.0" encoding="utf-8"?>
 <p:notesMaster xmlns:a="http://schemas.openxmlformats.org/drawingml/2006/main" xmlns:r="http://schemas.openxmlformats.org/officeDocument/2006/relationships" xmlns:p="http://schemas.openxmlformats.org/presentationml/2006/main">
   <p:cSld>
@@ -224,7 +242,7 @@
           <a:p>
             <a:fld id="{7FD3D556-87A9-4F46-8335-2B8C84324512}" type="datetimeFigureOut">
               <a:rPr lang="de-DE" smtClean="0"/>
-              <a:t>12.07.2018</a:t>
+              <a:t>13.07.2018</a:t>
             </a:fld>
             <a:endParaRPr lang="de-DE"/>
           </a:p>
@@ -985,7 +1003,7 @@
           <a:bodyPr/>
           <a:lstStyle/>
           <a:p>
-            <a:endParaRPr lang="de-DE"/>
+            <a:endParaRPr lang="de-DE" dirty="0"/>
           </a:p>
         </p:txBody>
       </p:sp>
@@ -1015,7 +1033,452 @@
     </p:spTree>
     <p:extLst>
       <p:ext uri="{BB962C8B-B14F-4D97-AF65-F5344CB8AC3E}">
-        <p14:creationId xmlns:p14="http://schemas.microsoft.com/office/powerpoint/2010/main" val="3048355984"/>
+        <p14:creationId xmlns:p14="http://schemas.microsoft.com/office/powerpoint/2010/main" val="758805045"/>
+      </p:ext>
+    </p:extLst>
+  </p:cSld>
+  <p:clrMapOvr>
+    <a:masterClrMapping/>
+  </p:clrMapOvr>
+</p:notes>
+</file>
+
+<file path=ppt/notesSlides/notesSlide15.xml><?xml version="1.0" encoding="utf-8"?>
+<p:notes xmlns:a="http://schemas.openxmlformats.org/drawingml/2006/main" xmlns:r="http://schemas.openxmlformats.org/officeDocument/2006/relationships" xmlns:p="http://schemas.openxmlformats.org/presentationml/2006/main">
+  <p:cSld>
+    <p:spTree>
+      <p:nvGrpSpPr>
+        <p:cNvPr id="1" name=""/>
+        <p:cNvGrpSpPr/>
+        <p:nvPr/>
+      </p:nvGrpSpPr>
+      <p:grpSpPr>
+        <a:xfrm>
+          <a:off x="0" y="0"/>
+          <a:ext cx="0" cy="0"/>
+          <a:chOff x="0" y="0"/>
+          <a:chExt cx="0" cy="0"/>
+        </a:xfrm>
+      </p:grpSpPr>
+      <p:sp>
+        <p:nvSpPr>
+          <p:cNvPr id="2" name="Folienbildplatzhalter 1"/>
+          <p:cNvSpPr>
+            <a:spLocks noGrp="1" noRot="1" noChangeAspect="1"/>
+          </p:cNvSpPr>
+          <p:nvPr>
+            <p:ph type="sldImg"/>
+          </p:nvPr>
+        </p:nvSpPr>
+        <p:spPr>
+          <a:xfrm>
+            <a:off x="685800" y="1143000"/>
+            <a:ext cx="5486400" cy="3086100"/>
+          </a:xfrm>
+        </p:spPr>
+      </p:sp>
+      <p:sp>
+        <p:nvSpPr>
+          <p:cNvPr id="3" name="Notizenplatzhalter 2"/>
+          <p:cNvSpPr>
+            <a:spLocks noGrp="1"/>
+          </p:cNvSpPr>
+          <p:nvPr>
+            <p:ph type="body" idx="1"/>
+          </p:nvPr>
+        </p:nvSpPr>
+        <p:spPr/>
+        <p:txBody>
+          <a:bodyPr/>
+          <a:lstStyle/>
+          <a:p>
+            <a:endParaRPr lang="de-DE" dirty="0"/>
+          </a:p>
+        </p:txBody>
+      </p:sp>
+      <p:sp>
+        <p:nvSpPr>
+          <p:cNvPr id="4" name="Foliennummernplatzhalter 3"/>
+          <p:cNvSpPr>
+            <a:spLocks noGrp="1"/>
+          </p:cNvSpPr>
+          <p:nvPr>
+            <p:ph type="sldNum" sz="quarter" idx="10"/>
+          </p:nvPr>
+        </p:nvSpPr>
+        <p:spPr/>
+        <p:txBody>
+          <a:bodyPr/>
+          <a:lstStyle/>
+          <a:p>
+            <a:fld id="{E512E86A-6AF3-4717-B240-660FBE45A78F}" type="slidenum">
+              <a:rPr lang="de-DE" smtClean="0"/>
+              <a:t>15</a:t>
+            </a:fld>
+            <a:endParaRPr lang="de-DE"/>
+          </a:p>
+        </p:txBody>
+      </p:sp>
+    </p:spTree>
+    <p:extLst>
+      <p:ext uri="{BB962C8B-B14F-4D97-AF65-F5344CB8AC3E}">
+        <p14:creationId xmlns:p14="http://schemas.microsoft.com/office/powerpoint/2010/main" val="421161294"/>
+      </p:ext>
+    </p:extLst>
+  </p:cSld>
+  <p:clrMapOvr>
+    <a:masterClrMapping/>
+  </p:clrMapOvr>
+</p:notes>
+</file>
+
+<file path=ppt/notesSlides/notesSlide16.xml><?xml version="1.0" encoding="utf-8"?>
+<p:notes xmlns:a="http://schemas.openxmlformats.org/drawingml/2006/main" xmlns:r="http://schemas.openxmlformats.org/officeDocument/2006/relationships" xmlns:p="http://schemas.openxmlformats.org/presentationml/2006/main">
+  <p:cSld>
+    <p:spTree>
+      <p:nvGrpSpPr>
+        <p:cNvPr id="1" name=""/>
+        <p:cNvGrpSpPr/>
+        <p:nvPr/>
+      </p:nvGrpSpPr>
+      <p:grpSpPr>
+        <a:xfrm>
+          <a:off x="0" y="0"/>
+          <a:ext cx="0" cy="0"/>
+          <a:chOff x="0" y="0"/>
+          <a:chExt cx="0" cy="0"/>
+        </a:xfrm>
+      </p:grpSpPr>
+      <p:sp>
+        <p:nvSpPr>
+          <p:cNvPr id="2" name="Folienbildplatzhalter 1"/>
+          <p:cNvSpPr>
+            <a:spLocks noGrp="1" noRot="1" noChangeAspect="1"/>
+          </p:cNvSpPr>
+          <p:nvPr>
+            <p:ph type="sldImg"/>
+          </p:nvPr>
+        </p:nvSpPr>
+        <p:spPr>
+          <a:xfrm>
+            <a:off x="685800" y="1143000"/>
+            <a:ext cx="5486400" cy="3086100"/>
+          </a:xfrm>
+        </p:spPr>
+      </p:sp>
+      <p:sp>
+        <p:nvSpPr>
+          <p:cNvPr id="3" name="Notizenplatzhalter 2"/>
+          <p:cNvSpPr>
+            <a:spLocks noGrp="1"/>
+          </p:cNvSpPr>
+          <p:nvPr>
+            <p:ph type="body" idx="1"/>
+          </p:nvPr>
+        </p:nvSpPr>
+        <p:spPr/>
+        <p:txBody>
+          <a:bodyPr/>
+          <a:lstStyle/>
+          <a:p>
+            <a:endParaRPr lang="de-DE" dirty="0"/>
+          </a:p>
+        </p:txBody>
+      </p:sp>
+      <p:sp>
+        <p:nvSpPr>
+          <p:cNvPr id="4" name="Foliennummernplatzhalter 3"/>
+          <p:cNvSpPr>
+            <a:spLocks noGrp="1"/>
+          </p:cNvSpPr>
+          <p:nvPr>
+            <p:ph type="sldNum" sz="quarter" idx="10"/>
+          </p:nvPr>
+        </p:nvSpPr>
+        <p:spPr/>
+        <p:txBody>
+          <a:bodyPr/>
+          <a:lstStyle/>
+          <a:p>
+            <a:fld id="{E512E86A-6AF3-4717-B240-660FBE45A78F}" type="slidenum">
+              <a:rPr lang="de-DE" smtClean="0"/>
+              <a:t>16</a:t>
+            </a:fld>
+            <a:endParaRPr lang="de-DE"/>
+          </a:p>
+        </p:txBody>
+      </p:sp>
+    </p:spTree>
+    <p:extLst>
+      <p:ext uri="{BB962C8B-B14F-4D97-AF65-F5344CB8AC3E}">
+        <p14:creationId xmlns:p14="http://schemas.microsoft.com/office/powerpoint/2010/main" val="2999022061"/>
+      </p:ext>
+    </p:extLst>
+  </p:cSld>
+  <p:clrMapOvr>
+    <a:masterClrMapping/>
+  </p:clrMapOvr>
+</p:notes>
+</file>
+
+<file path=ppt/notesSlides/notesSlide17.xml><?xml version="1.0" encoding="utf-8"?>
+<p:notes xmlns:a="http://schemas.openxmlformats.org/drawingml/2006/main" xmlns:r="http://schemas.openxmlformats.org/officeDocument/2006/relationships" xmlns:p="http://schemas.openxmlformats.org/presentationml/2006/main">
+  <p:cSld>
+    <p:spTree>
+      <p:nvGrpSpPr>
+        <p:cNvPr id="1" name=""/>
+        <p:cNvGrpSpPr/>
+        <p:nvPr/>
+      </p:nvGrpSpPr>
+      <p:grpSpPr>
+        <a:xfrm>
+          <a:off x="0" y="0"/>
+          <a:ext cx="0" cy="0"/>
+          <a:chOff x="0" y="0"/>
+          <a:chExt cx="0" cy="0"/>
+        </a:xfrm>
+      </p:grpSpPr>
+      <p:sp>
+        <p:nvSpPr>
+          <p:cNvPr id="2" name="Folienbildplatzhalter 1"/>
+          <p:cNvSpPr>
+            <a:spLocks noGrp="1" noRot="1" noChangeAspect="1"/>
+          </p:cNvSpPr>
+          <p:nvPr>
+            <p:ph type="sldImg"/>
+          </p:nvPr>
+        </p:nvSpPr>
+        <p:spPr>
+          <a:xfrm>
+            <a:off x="685800" y="1143000"/>
+            <a:ext cx="5486400" cy="3086100"/>
+          </a:xfrm>
+        </p:spPr>
+      </p:sp>
+      <p:sp>
+        <p:nvSpPr>
+          <p:cNvPr id="3" name="Notizenplatzhalter 2"/>
+          <p:cNvSpPr>
+            <a:spLocks noGrp="1"/>
+          </p:cNvSpPr>
+          <p:nvPr>
+            <p:ph type="body" idx="1"/>
+          </p:nvPr>
+        </p:nvSpPr>
+        <p:spPr/>
+        <p:txBody>
+          <a:bodyPr/>
+          <a:lstStyle/>
+          <a:p>
+            <a:endParaRPr lang="de-DE" dirty="0"/>
+          </a:p>
+        </p:txBody>
+      </p:sp>
+      <p:sp>
+        <p:nvSpPr>
+          <p:cNvPr id="4" name="Foliennummernplatzhalter 3"/>
+          <p:cNvSpPr>
+            <a:spLocks noGrp="1"/>
+          </p:cNvSpPr>
+          <p:nvPr>
+            <p:ph type="sldNum" sz="quarter" idx="10"/>
+          </p:nvPr>
+        </p:nvSpPr>
+        <p:spPr/>
+        <p:txBody>
+          <a:bodyPr/>
+          <a:lstStyle/>
+          <a:p>
+            <a:fld id="{E512E86A-6AF3-4717-B240-660FBE45A78F}" type="slidenum">
+              <a:rPr lang="de-DE" smtClean="0"/>
+              <a:t>17</a:t>
+            </a:fld>
+            <a:endParaRPr lang="de-DE"/>
+          </a:p>
+        </p:txBody>
+      </p:sp>
+    </p:spTree>
+    <p:extLst>
+      <p:ext uri="{BB962C8B-B14F-4D97-AF65-F5344CB8AC3E}">
+        <p14:creationId xmlns:p14="http://schemas.microsoft.com/office/powerpoint/2010/main" val="103869853"/>
+      </p:ext>
+    </p:extLst>
+  </p:cSld>
+  <p:clrMapOvr>
+    <a:masterClrMapping/>
+  </p:clrMapOvr>
+</p:notes>
+</file>
+
+<file path=ppt/notesSlides/notesSlide18.xml><?xml version="1.0" encoding="utf-8"?>
+<p:notes xmlns:a="http://schemas.openxmlformats.org/drawingml/2006/main" xmlns:r="http://schemas.openxmlformats.org/officeDocument/2006/relationships" xmlns:p="http://schemas.openxmlformats.org/presentationml/2006/main">
+  <p:cSld>
+    <p:spTree>
+      <p:nvGrpSpPr>
+        <p:cNvPr id="1" name=""/>
+        <p:cNvGrpSpPr/>
+        <p:nvPr/>
+      </p:nvGrpSpPr>
+      <p:grpSpPr>
+        <a:xfrm>
+          <a:off x="0" y="0"/>
+          <a:ext cx="0" cy="0"/>
+          <a:chOff x="0" y="0"/>
+          <a:chExt cx="0" cy="0"/>
+        </a:xfrm>
+      </p:grpSpPr>
+      <p:sp>
+        <p:nvSpPr>
+          <p:cNvPr id="2" name="Folienbildplatzhalter 1"/>
+          <p:cNvSpPr>
+            <a:spLocks noGrp="1" noRot="1" noChangeAspect="1"/>
+          </p:cNvSpPr>
+          <p:nvPr>
+            <p:ph type="sldImg"/>
+          </p:nvPr>
+        </p:nvSpPr>
+        <p:spPr>
+          <a:xfrm>
+            <a:off x="685800" y="1143000"/>
+            <a:ext cx="5486400" cy="3086100"/>
+          </a:xfrm>
+        </p:spPr>
+      </p:sp>
+      <p:sp>
+        <p:nvSpPr>
+          <p:cNvPr id="3" name="Notizenplatzhalter 2"/>
+          <p:cNvSpPr>
+            <a:spLocks noGrp="1"/>
+          </p:cNvSpPr>
+          <p:nvPr>
+            <p:ph type="body" idx="1"/>
+          </p:nvPr>
+        </p:nvSpPr>
+        <p:spPr/>
+        <p:txBody>
+          <a:bodyPr/>
+          <a:lstStyle/>
+          <a:p>
+            <a:endParaRPr lang="de-DE" dirty="0"/>
+          </a:p>
+        </p:txBody>
+      </p:sp>
+      <p:sp>
+        <p:nvSpPr>
+          <p:cNvPr id="4" name="Foliennummernplatzhalter 3"/>
+          <p:cNvSpPr>
+            <a:spLocks noGrp="1"/>
+          </p:cNvSpPr>
+          <p:nvPr>
+            <p:ph type="sldNum" sz="quarter" idx="10"/>
+          </p:nvPr>
+        </p:nvSpPr>
+        <p:spPr/>
+        <p:txBody>
+          <a:bodyPr/>
+          <a:lstStyle/>
+          <a:p>
+            <a:fld id="{E512E86A-6AF3-4717-B240-660FBE45A78F}" type="slidenum">
+              <a:rPr lang="de-DE" smtClean="0"/>
+              <a:t>18</a:t>
+            </a:fld>
+            <a:endParaRPr lang="de-DE"/>
+          </a:p>
+        </p:txBody>
+      </p:sp>
+    </p:spTree>
+    <p:extLst>
+      <p:ext uri="{BB962C8B-B14F-4D97-AF65-F5344CB8AC3E}">
+        <p14:creationId xmlns:p14="http://schemas.microsoft.com/office/powerpoint/2010/main" val="1625071486"/>
+      </p:ext>
+    </p:extLst>
+  </p:cSld>
+  <p:clrMapOvr>
+    <a:masterClrMapping/>
+  </p:clrMapOvr>
+</p:notes>
+</file>
+
+<file path=ppt/notesSlides/notesSlide19.xml><?xml version="1.0" encoding="utf-8"?>
+<p:notes xmlns:a="http://schemas.openxmlformats.org/drawingml/2006/main" xmlns:r="http://schemas.openxmlformats.org/officeDocument/2006/relationships" xmlns:p="http://schemas.openxmlformats.org/presentationml/2006/main">
+  <p:cSld>
+    <p:spTree>
+      <p:nvGrpSpPr>
+        <p:cNvPr id="1" name=""/>
+        <p:cNvGrpSpPr/>
+        <p:nvPr/>
+      </p:nvGrpSpPr>
+      <p:grpSpPr>
+        <a:xfrm>
+          <a:off x="0" y="0"/>
+          <a:ext cx="0" cy="0"/>
+          <a:chOff x="0" y="0"/>
+          <a:chExt cx="0" cy="0"/>
+        </a:xfrm>
+      </p:grpSpPr>
+      <p:sp>
+        <p:nvSpPr>
+          <p:cNvPr id="2" name="Folienbildplatzhalter 1"/>
+          <p:cNvSpPr>
+            <a:spLocks noGrp="1" noRot="1" noChangeAspect="1"/>
+          </p:cNvSpPr>
+          <p:nvPr>
+            <p:ph type="sldImg"/>
+          </p:nvPr>
+        </p:nvSpPr>
+        <p:spPr>
+          <a:xfrm>
+            <a:off x="685800" y="1143000"/>
+            <a:ext cx="5486400" cy="3086100"/>
+          </a:xfrm>
+        </p:spPr>
+      </p:sp>
+      <p:sp>
+        <p:nvSpPr>
+          <p:cNvPr id="3" name="Notizenplatzhalter 2"/>
+          <p:cNvSpPr>
+            <a:spLocks noGrp="1"/>
+          </p:cNvSpPr>
+          <p:nvPr>
+            <p:ph type="body" idx="1"/>
+          </p:nvPr>
+        </p:nvSpPr>
+        <p:spPr/>
+        <p:txBody>
+          <a:bodyPr/>
+          <a:lstStyle/>
+          <a:p>
+            <a:endParaRPr lang="de-DE" dirty="0"/>
+          </a:p>
+        </p:txBody>
+      </p:sp>
+      <p:sp>
+        <p:nvSpPr>
+          <p:cNvPr id="4" name="Foliennummernplatzhalter 3"/>
+          <p:cNvSpPr>
+            <a:spLocks noGrp="1"/>
+          </p:cNvSpPr>
+          <p:nvPr>
+            <p:ph type="sldNum" sz="quarter" idx="10"/>
+          </p:nvPr>
+        </p:nvSpPr>
+        <p:spPr/>
+        <p:txBody>
+          <a:bodyPr/>
+          <a:lstStyle/>
+          <a:p>
+            <a:fld id="{E512E86A-6AF3-4717-B240-660FBE45A78F}" type="slidenum">
+              <a:rPr lang="de-DE" smtClean="0"/>
+              <a:t>19</a:t>
+            </a:fld>
+            <a:endParaRPr lang="de-DE"/>
+          </a:p>
+        </p:txBody>
+      </p:sp>
+    </p:spTree>
+    <p:extLst>
+      <p:ext uri="{BB962C8B-B14F-4D97-AF65-F5344CB8AC3E}">
+        <p14:creationId xmlns:p14="http://schemas.microsoft.com/office/powerpoint/2010/main" val="3802243921"/>
       </p:ext>
     </p:extLst>
   </p:cSld>
@@ -1105,6 +1568,807 @@
     <p:extLst>
       <p:ext uri="{BB962C8B-B14F-4D97-AF65-F5344CB8AC3E}">
         <p14:creationId xmlns:p14="http://schemas.microsoft.com/office/powerpoint/2010/main" val="1038963390"/>
+      </p:ext>
+    </p:extLst>
+  </p:cSld>
+  <p:clrMapOvr>
+    <a:masterClrMapping/>
+  </p:clrMapOvr>
+</p:notes>
+</file>
+
+<file path=ppt/notesSlides/notesSlide20.xml><?xml version="1.0" encoding="utf-8"?>
+<p:notes xmlns:a="http://schemas.openxmlformats.org/drawingml/2006/main" xmlns:r="http://schemas.openxmlformats.org/officeDocument/2006/relationships" xmlns:p="http://schemas.openxmlformats.org/presentationml/2006/main">
+  <p:cSld>
+    <p:spTree>
+      <p:nvGrpSpPr>
+        <p:cNvPr id="1" name=""/>
+        <p:cNvGrpSpPr/>
+        <p:nvPr/>
+      </p:nvGrpSpPr>
+      <p:grpSpPr>
+        <a:xfrm>
+          <a:off x="0" y="0"/>
+          <a:ext cx="0" cy="0"/>
+          <a:chOff x="0" y="0"/>
+          <a:chExt cx="0" cy="0"/>
+        </a:xfrm>
+      </p:grpSpPr>
+      <p:sp>
+        <p:nvSpPr>
+          <p:cNvPr id="2" name="Folienbildplatzhalter 1"/>
+          <p:cNvSpPr>
+            <a:spLocks noGrp="1" noRot="1" noChangeAspect="1"/>
+          </p:cNvSpPr>
+          <p:nvPr>
+            <p:ph type="sldImg"/>
+          </p:nvPr>
+        </p:nvSpPr>
+        <p:spPr>
+          <a:xfrm>
+            <a:off x="685800" y="1143000"/>
+            <a:ext cx="5486400" cy="3086100"/>
+          </a:xfrm>
+        </p:spPr>
+      </p:sp>
+      <p:sp>
+        <p:nvSpPr>
+          <p:cNvPr id="3" name="Notizenplatzhalter 2"/>
+          <p:cNvSpPr>
+            <a:spLocks noGrp="1"/>
+          </p:cNvSpPr>
+          <p:nvPr>
+            <p:ph type="body" idx="1"/>
+          </p:nvPr>
+        </p:nvSpPr>
+        <p:spPr/>
+        <p:txBody>
+          <a:bodyPr/>
+          <a:lstStyle/>
+          <a:p>
+            <a:endParaRPr lang="de-DE" dirty="0"/>
+          </a:p>
+        </p:txBody>
+      </p:sp>
+      <p:sp>
+        <p:nvSpPr>
+          <p:cNvPr id="4" name="Foliennummernplatzhalter 3"/>
+          <p:cNvSpPr>
+            <a:spLocks noGrp="1"/>
+          </p:cNvSpPr>
+          <p:nvPr>
+            <p:ph type="sldNum" sz="quarter" idx="10"/>
+          </p:nvPr>
+        </p:nvSpPr>
+        <p:spPr/>
+        <p:txBody>
+          <a:bodyPr/>
+          <a:lstStyle/>
+          <a:p>
+            <a:fld id="{E512E86A-6AF3-4717-B240-660FBE45A78F}" type="slidenum">
+              <a:rPr lang="de-DE" smtClean="0"/>
+              <a:t>20</a:t>
+            </a:fld>
+            <a:endParaRPr lang="de-DE"/>
+          </a:p>
+        </p:txBody>
+      </p:sp>
+    </p:spTree>
+    <p:extLst>
+      <p:ext uri="{BB962C8B-B14F-4D97-AF65-F5344CB8AC3E}">
+        <p14:creationId xmlns:p14="http://schemas.microsoft.com/office/powerpoint/2010/main" val="1544139349"/>
+      </p:ext>
+    </p:extLst>
+  </p:cSld>
+  <p:clrMapOvr>
+    <a:masterClrMapping/>
+  </p:clrMapOvr>
+</p:notes>
+</file>
+
+<file path=ppt/notesSlides/notesSlide21.xml><?xml version="1.0" encoding="utf-8"?>
+<p:notes xmlns:a="http://schemas.openxmlformats.org/drawingml/2006/main" xmlns:r="http://schemas.openxmlformats.org/officeDocument/2006/relationships" xmlns:p="http://schemas.openxmlformats.org/presentationml/2006/main">
+  <p:cSld>
+    <p:spTree>
+      <p:nvGrpSpPr>
+        <p:cNvPr id="1" name=""/>
+        <p:cNvGrpSpPr/>
+        <p:nvPr/>
+      </p:nvGrpSpPr>
+      <p:grpSpPr>
+        <a:xfrm>
+          <a:off x="0" y="0"/>
+          <a:ext cx="0" cy="0"/>
+          <a:chOff x="0" y="0"/>
+          <a:chExt cx="0" cy="0"/>
+        </a:xfrm>
+      </p:grpSpPr>
+      <p:sp>
+        <p:nvSpPr>
+          <p:cNvPr id="2" name="Folienbildplatzhalter 1"/>
+          <p:cNvSpPr>
+            <a:spLocks noGrp="1" noRot="1" noChangeAspect="1"/>
+          </p:cNvSpPr>
+          <p:nvPr>
+            <p:ph type="sldImg"/>
+          </p:nvPr>
+        </p:nvSpPr>
+        <p:spPr>
+          <a:xfrm>
+            <a:off x="685800" y="1143000"/>
+            <a:ext cx="5486400" cy="3086100"/>
+          </a:xfrm>
+        </p:spPr>
+      </p:sp>
+      <p:sp>
+        <p:nvSpPr>
+          <p:cNvPr id="3" name="Notizenplatzhalter 2"/>
+          <p:cNvSpPr>
+            <a:spLocks noGrp="1"/>
+          </p:cNvSpPr>
+          <p:nvPr>
+            <p:ph type="body" idx="1"/>
+          </p:nvPr>
+        </p:nvSpPr>
+        <p:spPr/>
+        <p:txBody>
+          <a:bodyPr/>
+          <a:lstStyle/>
+          <a:p>
+            <a:endParaRPr lang="de-DE" dirty="0"/>
+          </a:p>
+        </p:txBody>
+      </p:sp>
+      <p:sp>
+        <p:nvSpPr>
+          <p:cNvPr id="4" name="Foliennummernplatzhalter 3"/>
+          <p:cNvSpPr>
+            <a:spLocks noGrp="1"/>
+          </p:cNvSpPr>
+          <p:nvPr>
+            <p:ph type="sldNum" sz="quarter" idx="10"/>
+          </p:nvPr>
+        </p:nvSpPr>
+        <p:spPr/>
+        <p:txBody>
+          <a:bodyPr/>
+          <a:lstStyle/>
+          <a:p>
+            <a:fld id="{E512E86A-6AF3-4717-B240-660FBE45A78F}" type="slidenum">
+              <a:rPr lang="de-DE" smtClean="0"/>
+              <a:t>21</a:t>
+            </a:fld>
+            <a:endParaRPr lang="de-DE"/>
+          </a:p>
+        </p:txBody>
+      </p:sp>
+    </p:spTree>
+    <p:extLst>
+      <p:ext uri="{BB962C8B-B14F-4D97-AF65-F5344CB8AC3E}">
+        <p14:creationId xmlns:p14="http://schemas.microsoft.com/office/powerpoint/2010/main" val="3511721461"/>
+      </p:ext>
+    </p:extLst>
+  </p:cSld>
+  <p:clrMapOvr>
+    <a:masterClrMapping/>
+  </p:clrMapOvr>
+</p:notes>
+</file>
+
+<file path=ppt/notesSlides/notesSlide22.xml><?xml version="1.0" encoding="utf-8"?>
+<p:notes xmlns:a="http://schemas.openxmlformats.org/drawingml/2006/main" xmlns:r="http://schemas.openxmlformats.org/officeDocument/2006/relationships" xmlns:p="http://schemas.openxmlformats.org/presentationml/2006/main">
+  <p:cSld>
+    <p:spTree>
+      <p:nvGrpSpPr>
+        <p:cNvPr id="1" name=""/>
+        <p:cNvGrpSpPr/>
+        <p:nvPr/>
+      </p:nvGrpSpPr>
+      <p:grpSpPr>
+        <a:xfrm>
+          <a:off x="0" y="0"/>
+          <a:ext cx="0" cy="0"/>
+          <a:chOff x="0" y="0"/>
+          <a:chExt cx="0" cy="0"/>
+        </a:xfrm>
+      </p:grpSpPr>
+      <p:sp>
+        <p:nvSpPr>
+          <p:cNvPr id="2" name="Folienbildplatzhalter 1"/>
+          <p:cNvSpPr>
+            <a:spLocks noGrp="1" noRot="1" noChangeAspect="1"/>
+          </p:cNvSpPr>
+          <p:nvPr>
+            <p:ph type="sldImg"/>
+          </p:nvPr>
+        </p:nvSpPr>
+        <p:spPr>
+          <a:xfrm>
+            <a:off x="685800" y="1143000"/>
+            <a:ext cx="5486400" cy="3086100"/>
+          </a:xfrm>
+        </p:spPr>
+      </p:sp>
+      <p:sp>
+        <p:nvSpPr>
+          <p:cNvPr id="3" name="Notizenplatzhalter 2"/>
+          <p:cNvSpPr>
+            <a:spLocks noGrp="1"/>
+          </p:cNvSpPr>
+          <p:nvPr>
+            <p:ph type="body" idx="1"/>
+          </p:nvPr>
+        </p:nvSpPr>
+        <p:spPr/>
+        <p:txBody>
+          <a:bodyPr/>
+          <a:lstStyle/>
+          <a:p>
+            <a:endParaRPr lang="de-DE" dirty="0"/>
+          </a:p>
+        </p:txBody>
+      </p:sp>
+      <p:sp>
+        <p:nvSpPr>
+          <p:cNvPr id="4" name="Foliennummernplatzhalter 3"/>
+          <p:cNvSpPr>
+            <a:spLocks noGrp="1"/>
+          </p:cNvSpPr>
+          <p:nvPr>
+            <p:ph type="sldNum" sz="quarter" idx="10"/>
+          </p:nvPr>
+        </p:nvSpPr>
+        <p:spPr/>
+        <p:txBody>
+          <a:bodyPr/>
+          <a:lstStyle/>
+          <a:p>
+            <a:fld id="{E512E86A-6AF3-4717-B240-660FBE45A78F}" type="slidenum">
+              <a:rPr lang="de-DE" smtClean="0"/>
+              <a:t>22</a:t>
+            </a:fld>
+            <a:endParaRPr lang="de-DE"/>
+          </a:p>
+        </p:txBody>
+      </p:sp>
+    </p:spTree>
+    <p:extLst>
+      <p:ext uri="{BB962C8B-B14F-4D97-AF65-F5344CB8AC3E}">
+        <p14:creationId xmlns:p14="http://schemas.microsoft.com/office/powerpoint/2010/main" val="1139686155"/>
+      </p:ext>
+    </p:extLst>
+  </p:cSld>
+  <p:clrMapOvr>
+    <a:masterClrMapping/>
+  </p:clrMapOvr>
+</p:notes>
+</file>
+
+<file path=ppt/notesSlides/notesSlide23.xml><?xml version="1.0" encoding="utf-8"?>
+<p:notes xmlns:a="http://schemas.openxmlformats.org/drawingml/2006/main" xmlns:r="http://schemas.openxmlformats.org/officeDocument/2006/relationships" xmlns:p="http://schemas.openxmlformats.org/presentationml/2006/main">
+  <p:cSld>
+    <p:spTree>
+      <p:nvGrpSpPr>
+        <p:cNvPr id="1" name=""/>
+        <p:cNvGrpSpPr/>
+        <p:nvPr/>
+      </p:nvGrpSpPr>
+      <p:grpSpPr>
+        <a:xfrm>
+          <a:off x="0" y="0"/>
+          <a:ext cx="0" cy="0"/>
+          <a:chOff x="0" y="0"/>
+          <a:chExt cx="0" cy="0"/>
+        </a:xfrm>
+      </p:grpSpPr>
+      <p:sp>
+        <p:nvSpPr>
+          <p:cNvPr id="2" name="Folienbildplatzhalter 1"/>
+          <p:cNvSpPr>
+            <a:spLocks noGrp="1" noRot="1" noChangeAspect="1"/>
+          </p:cNvSpPr>
+          <p:nvPr>
+            <p:ph type="sldImg"/>
+          </p:nvPr>
+        </p:nvSpPr>
+        <p:spPr>
+          <a:xfrm>
+            <a:off x="685800" y="1143000"/>
+            <a:ext cx="5486400" cy="3086100"/>
+          </a:xfrm>
+        </p:spPr>
+      </p:sp>
+      <p:sp>
+        <p:nvSpPr>
+          <p:cNvPr id="3" name="Notizenplatzhalter 2"/>
+          <p:cNvSpPr>
+            <a:spLocks noGrp="1"/>
+          </p:cNvSpPr>
+          <p:nvPr>
+            <p:ph type="body" idx="1"/>
+          </p:nvPr>
+        </p:nvSpPr>
+        <p:spPr/>
+        <p:txBody>
+          <a:bodyPr/>
+          <a:lstStyle/>
+          <a:p>
+            <a:endParaRPr lang="de-DE" dirty="0"/>
+          </a:p>
+        </p:txBody>
+      </p:sp>
+      <p:sp>
+        <p:nvSpPr>
+          <p:cNvPr id="4" name="Foliennummernplatzhalter 3"/>
+          <p:cNvSpPr>
+            <a:spLocks noGrp="1"/>
+          </p:cNvSpPr>
+          <p:nvPr>
+            <p:ph type="sldNum" sz="quarter" idx="10"/>
+          </p:nvPr>
+        </p:nvSpPr>
+        <p:spPr/>
+        <p:txBody>
+          <a:bodyPr/>
+          <a:lstStyle/>
+          <a:p>
+            <a:fld id="{E512E86A-6AF3-4717-B240-660FBE45A78F}" type="slidenum">
+              <a:rPr lang="de-DE" smtClean="0"/>
+              <a:t>23</a:t>
+            </a:fld>
+            <a:endParaRPr lang="de-DE"/>
+          </a:p>
+        </p:txBody>
+      </p:sp>
+    </p:spTree>
+    <p:extLst>
+      <p:ext uri="{BB962C8B-B14F-4D97-AF65-F5344CB8AC3E}">
+        <p14:creationId xmlns:p14="http://schemas.microsoft.com/office/powerpoint/2010/main" val="3351972218"/>
+      </p:ext>
+    </p:extLst>
+  </p:cSld>
+  <p:clrMapOvr>
+    <a:masterClrMapping/>
+  </p:clrMapOvr>
+</p:notes>
+</file>
+
+<file path=ppt/notesSlides/notesSlide24.xml><?xml version="1.0" encoding="utf-8"?>
+<p:notes xmlns:a="http://schemas.openxmlformats.org/drawingml/2006/main" xmlns:r="http://schemas.openxmlformats.org/officeDocument/2006/relationships" xmlns:p="http://schemas.openxmlformats.org/presentationml/2006/main">
+  <p:cSld>
+    <p:spTree>
+      <p:nvGrpSpPr>
+        <p:cNvPr id="1" name=""/>
+        <p:cNvGrpSpPr/>
+        <p:nvPr/>
+      </p:nvGrpSpPr>
+      <p:grpSpPr>
+        <a:xfrm>
+          <a:off x="0" y="0"/>
+          <a:ext cx="0" cy="0"/>
+          <a:chOff x="0" y="0"/>
+          <a:chExt cx="0" cy="0"/>
+        </a:xfrm>
+      </p:grpSpPr>
+      <p:sp>
+        <p:nvSpPr>
+          <p:cNvPr id="2" name="Folienbildplatzhalter 1"/>
+          <p:cNvSpPr>
+            <a:spLocks noGrp="1" noRot="1" noChangeAspect="1"/>
+          </p:cNvSpPr>
+          <p:nvPr>
+            <p:ph type="sldImg"/>
+          </p:nvPr>
+        </p:nvSpPr>
+        <p:spPr>
+          <a:xfrm>
+            <a:off x="685800" y="1143000"/>
+            <a:ext cx="5486400" cy="3086100"/>
+          </a:xfrm>
+        </p:spPr>
+      </p:sp>
+      <p:sp>
+        <p:nvSpPr>
+          <p:cNvPr id="3" name="Notizenplatzhalter 2"/>
+          <p:cNvSpPr>
+            <a:spLocks noGrp="1"/>
+          </p:cNvSpPr>
+          <p:nvPr>
+            <p:ph type="body" idx="1"/>
+          </p:nvPr>
+        </p:nvSpPr>
+        <p:spPr/>
+        <p:txBody>
+          <a:bodyPr/>
+          <a:lstStyle/>
+          <a:p>
+            <a:endParaRPr lang="de-DE" dirty="0"/>
+          </a:p>
+        </p:txBody>
+      </p:sp>
+      <p:sp>
+        <p:nvSpPr>
+          <p:cNvPr id="4" name="Foliennummernplatzhalter 3"/>
+          <p:cNvSpPr>
+            <a:spLocks noGrp="1"/>
+          </p:cNvSpPr>
+          <p:nvPr>
+            <p:ph type="sldNum" sz="quarter" idx="10"/>
+          </p:nvPr>
+        </p:nvSpPr>
+        <p:spPr/>
+        <p:txBody>
+          <a:bodyPr/>
+          <a:lstStyle/>
+          <a:p>
+            <a:fld id="{E512E86A-6AF3-4717-B240-660FBE45A78F}" type="slidenum">
+              <a:rPr lang="de-DE" smtClean="0"/>
+              <a:t>24</a:t>
+            </a:fld>
+            <a:endParaRPr lang="de-DE"/>
+          </a:p>
+        </p:txBody>
+      </p:sp>
+    </p:spTree>
+    <p:extLst>
+      <p:ext uri="{BB962C8B-B14F-4D97-AF65-F5344CB8AC3E}">
+        <p14:creationId xmlns:p14="http://schemas.microsoft.com/office/powerpoint/2010/main" val="3677458609"/>
+      </p:ext>
+    </p:extLst>
+  </p:cSld>
+  <p:clrMapOvr>
+    <a:masterClrMapping/>
+  </p:clrMapOvr>
+</p:notes>
+</file>
+
+<file path=ppt/notesSlides/notesSlide25.xml><?xml version="1.0" encoding="utf-8"?>
+<p:notes xmlns:a="http://schemas.openxmlformats.org/drawingml/2006/main" xmlns:r="http://schemas.openxmlformats.org/officeDocument/2006/relationships" xmlns:p="http://schemas.openxmlformats.org/presentationml/2006/main">
+  <p:cSld>
+    <p:spTree>
+      <p:nvGrpSpPr>
+        <p:cNvPr id="1" name=""/>
+        <p:cNvGrpSpPr/>
+        <p:nvPr/>
+      </p:nvGrpSpPr>
+      <p:grpSpPr>
+        <a:xfrm>
+          <a:off x="0" y="0"/>
+          <a:ext cx="0" cy="0"/>
+          <a:chOff x="0" y="0"/>
+          <a:chExt cx="0" cy="0"/>
+        </a:xfrm>
+      </p:grpSpPr>
+      <p:sp>
+        <p:nvSpPr>
+          <p:cNvPr id="2" name="Folienbildplatzhalter 1"/>
+          <p:cNvSpPr>
+            <a:spLocks noGrp="1" noRot="1" noChangeAspect="1"/>
+          </p:cNvSpPr>
+          <p:nvPr>
+            <p:ph type="sldImg"/>
+          </p:nvPr>
+        </p:nvSpPr>
+        <p:spPr>
+          <a:xfrm>
+            <a:off x="685800" y="1143000"/>
+            <a:ext cx="5486400" cy="3086100"/>
+          </a:xfrm>
+        </p:spPr>
+      </p:sp>
+      <p:sp>
+        <p:nvSpPr>
+          <p:cNvPr id="3" name="Notizenplatzhalter 2"/>
+          <p:cNvSpPr>
+            <a:spLocks noGrp="1"/>
+          </p:cNvSpPr>
+          <p:nvPr>
+            <p:ph type="body" idx="1"/>
+          </p:nvPr>
+        </p:nvSpPr>
+        <p:spPr/>
+        <p:txBody>
+          <a:bodyPr/>
+          <a:lstStyle/>
+          <a:p>
+            <a:endParaRPr lang="de-DE" dirty="0"/>
+          </a:p>
+        </p:txBody>
+      </p:sp>
+      <p:sp>
+        <p:nvSpPr>
+          <p:cNvPr id="4" name="Foliennummernplatzhalter 3"/>
+          <p:cNvSpPr>
+            <a:spLocks noGrp="1"/>
+          </p:cNvSpPr>
+          <p:nvPr>
+            <p:ph type="sldNum" sz="quarter" idx="10"/>
+          </p:nvPr>
+        </p:nvSpPr>
+        <p:spPr/>
+        <p:txBody>
+          <a:bodyPr/>
+          <a:lstStyle/>
+          <a:p>
+            <a:fld id="{E512E86A-6AF3-4717-B240-660FBE45A78F}" type="slidenum">
+              <a:rPr lang="de-DE" smtClean="0"/>
+              <a:t>25</a:t>
+            </a:fld>
+            <a:endParaRPr lang="de-DE"/>
+          </a:p>
+        </p:txBody>
+      </p:sp>
+    </p:spTree>
+    <p:extLst>
+      <p:ext uri="{BB962C8B-B14F-4D97-AF65-F5344CB8AC3E}">
+        <p14:creationId xmlns:p14="http://schemas.microsoft.com/office/powerpoint/2010/main" val="1323778501"/>
+      </p:ext>
+    </p:extLst>
+  </p:cSld>
+  <p:clrMapOvr>
+    <a:masterClrMapping/>
+  </p:clrMapOvr>
+</p:notes>
+</file>
+
+<file path=ppt/notesSlides/notesSlide26.xml><?xml version="1.0" encoding="utf-8"?>
+<p:notes xmlns:a="http://schemas.openxmlformats.org/drawingml/2006/main" xmlns:r="http://schemas.openxmlformats.org/officeDocument/2006/relationships" xmlns:p="http://schemas.openxmlformats.org/presentationml/2006/main">
+  <p:cSld>
+    <p:spTree>
+      <p:nvGrpSpPr>
+        <p:cNvPr id="1" name=""/>
+        <p:cNvGrpSpPr/>
+        <p:nvPr/>
+      </p:nvGrpSpPr>
+      <p:grpSpPr>
+        <a:xfrm>
+          <a:off x="0" y="0"/>
+          <a:ext cx="0" cy="0"/>
+          <a:chOff x="0" y="0"/>
+          <a:chExt cx="0" cy="0"/>
+        </a:xfrm>
+      </p:grpSpPr>
+      <p:sp>
+        <p:nvSpPr>
+          <p:cNvPr id="2" name="Folienbildplatzhalter 1"/>
+          <p:cNvSpPr>
+            <a:spLocks noGrp="1" noRot="1" noChangeAspect="1"/>
+          </p:cNvSpPr>
+          <p:nvPr>
+            <p:ph type="sldImg"/>
+          </p:nvPr>
+        </p:nvSpPr>
+        <p:spPr>
+          <a:xfrm>
+            <a:off x="685800" y="1143000"/>
+            <a:ext cx="5486400" cy="3086100"/>
+          </a:xfrm>
+        </p:spPr>
+      </p:sp>
+      <p:sp>
+        <p:nvSpPr>
+          <p:cNvPr id="3" name="Notizenplatzhalter 2"/>
+          <p:cNvSpPr>
+            <a:spLocks noGrp="1"/>
+          </p:cNvSpPr>
+          <p:nvPr>
+            <p:ph type="body" idx="1"/>
+          </p:nvPr>
+        </p:nvSpPr>
+        <p:spPr/>
+        <p:txBody>
+          <a:bodyPr/>
+          <a:lstStyle/>
+          <a:p>
+            <a:endParaRPr lang="de-DE" dirty="0"/>
+          </a:p>
+        </p:txBody>
+      </p:sp>
+      <p:sp>
+        <p:nvSpPr>
+          <p:cNvPr id="4" name="Foliennummernplatzhalter 3"/>
+          <p:cNvSpPr>
+            <a:spLocks noGrp="1"/>
+          </p:cNvSpPr>
+          <p:nvPr>
+            <p:ph type="sldNum" sz="quarter" idx="10"/>
+          </p:nvPr>
+        </p:nvSpPr>
+        <p:spPr/>
+        <p:txBody>
+          <a:bodyPr/>
+          <a:lstStyle/>
+          <a:p>
+            <a:fld id="{E512E86A-6AF3-4717-B240-660FBE45A78F}" type="slidenum">
+              <a:rPr lang="de-DE" smtClean="0"/>
+              <a:t>26</a:t>
+            </a:fld>
+            <a:endParaRPr lang="de-DE"/>
+          </a:p>
+        </p:txBody>
+      </p:sp>
+    </p:spTree>
+    <p:extLst>
+      <p:ext uri="{BB962C8B-B14F-4D97-AF65-F5344CB8AC3E}">
+        <p14:creationId xmlns:p14="http://schemas.microsoft.com/office/powerpoint/2010/main" val="2649278164"/>
+      </p:ext>
+    </p:extLst>
+  </p:cSld>
+  <p:clrMapOvr>
+    <a:masterClrMapping/>
+  </p:clrMapOvr>
+</p:notes>
+</file>
+
+<file path=ppt/notesSlides/notesSlide27.xml><?xml version="1.0" encoding="utf-8"?>
+<p:notes xmlns:a="http://schemas.openxmlformats.org/drawingml/2006/main" xmlns:r="http://schemas.openxmlformats.org/officeDocument/2006/relationships" xmlns:p="http://schemas.openxmlformats.org/presentationml/2006/main">
+  <p:cSld>
+    <p:spTree>
+      <p:nvGrpSpPr>
+        <p:cNvPr id="1" name=""/>
+        <p:cNvGrpSpPr/>
+        <p:nvPr/>
+      </p:nvGrpSpPr>
+      <p:grpSpPr>
+        <a:xfrm>
+          <a:off x="0" y="0"/>
+          <a:ext cx="0" cy="0"/>
+          <a:chOff x="0" y="0"/>
+          <a:chExt cx="0" cy="0"/>
+        </a:xfrm>
+      </p:grpSpPr>
+      <p:sp>
+        <p:nvSpPr>
+          <p:cNvPr id="2" name="Folienbildplatzhalter 1"/>
+          <p:cNvSpPr>
+            <a:spLocks noGrp="1" noRot="1" noChangeAspect="1"/>
+          </p:cNvSpPr>
+          <p:nvPr>
+            <p:ph type="sldImg"/>
+          </p:nvPr>
+        </p:nvSpPr>
+        <p:spPr>
+          <a:xfrm>
+            <a:off x="685800" y="1143000"/>
+            <a:ext cx="5486400" cy="3086100"/>
+          </a:xfrm>
+        </p:spPr>
+      </p:sp>
+      <p:sp>
+        <p:nvSpPr>
+          <p:cNvPr id="3" name="Notizenplatzhalter 2"/>
+          <p:cNvSpPr>
+            <a:spLocks noGrp="1"/>
+          </p:cNvSpPr>
+          <p:nvPr>
+            <p:ph type="body" idx="1"/>
+          </p:nvPr>
+        </p:nvSpPr>
+        <p:spPr/>
+        <p:txBody>
+          <a:bodyPr/>
+          <a:lstStyle/>
+          <a:p>
+            <a:endParaRPr lang="de-DE" dirty="0"/>
+          </a:p>
+        </p:txBody>
+      </p:sp>
+      <p:sp>
+        <p:nvSpPr>
+          <p:cNvPr id="4" name="Foliennummernplatzhalter 3"/>
+          <p:cNvSpPr>
+            <a:spLocks noGrp="1"/>
+          </p:cNvSpPr>
+          <p:nvPr>
+            <p:ph type="sldNum" sz="quarter" idx="10"/>
+          </p:nvPr>
+        </p:nvSpPr>
+        <p:spPr/>
+        <p:txBody>
+          <a:bodyPr/>
+          <a:lstStyle/>
+          <a:p>
+            <a:fld id="{E512E86A-6AF3-4717-B240-660FBE45A78F}" type="slidenum">
+              <a:rPr lang="de-DE" smtClean="0"/>
+              <a:t>27</a:t>
+            </a:fld>
+            <a:endParaRPr lang="de-DE"/>
+          </a:p>
+        </p:txBody>
+      </p:sp>
+    </p:spTree>
+    <p:extLst>
+      <p:ext uri="{BB962C8B-B14F-4D97-AF65-F5344CB8AC3E}">
+        <p14:creationId xmlns:p14="http://schemas.microsoft.com/office/powerpoint/2010/main" val="1986275093"/>
+      </p:ext>
+    </p:extLst>
+  </p:cSld>
+  <p:clrMapOvr>
+    <a:masterClrMapping/>
+  </p:clrMapOvr>
+</p:notes>
+</file>
+
+<file path=ppt/notesSlides/notesSlide28.xml><?xml version="1.0" encoding="utf-8"?>
+<p:notes xmlns:a="http://schemas.openxmlformats.org/drawingml/2006/main" xmlns:r="http://schemas.openxmlformats.org/officeDocument/2006/relationships" xmlns:p="http://schemas.openxmlformats.org/presentationml/2006/main">
+  <p:cSld>
+    <p:spTree>
+      <p:nvGrpSpPr>
+        <p:cNvPr id="1" name=""/>
+        <p:cNvGrpSpPr/>
+        <p:nvPr/>
+      </p:nvGrpSpPr>
+      <p:grpSpPr>
+        <a:xfrm>
+          <a:off x="0" y="0"/>
+          <a:ext cx="0" cy="0"/>
+          <a:chOff x="0" y="0"/>
+          <a:chExt cx="0" cy="0"/>
+        </a:xfrm>
+      </p:grpSpPr>
+      <p:sp>
+        <p:nvSpPr>
+          <p:cNvPr id="2" name="Folienbildplatzhalter 1"/>
+          <p:cNvSpPr>
+            <a:spLocks noGrp="1" noRot="1" noChangeAspect="1"/>
+          </p:cNvSpPr>
+          <p:nvPr>
+            <p:ph type="sldImg"/>
+          </p:nvPr>
+        </p:nvSpPr>
+        <p:spPr>
+          <a:xfrm>
+            <a:off x="685800" y="1143000"/>
+            <a:ext cx="5486400" cy="3086100"/>
+          </a:xfrm>
+        </p:spPr>
+      </p:sp>
+      <p:sp>
+        <p:nvSpPr>
+          <p:cNvPr id="3" name="Notizenplatzhalter 2"/>
+          <p:cNvSpPr>
+            <a:spLocks noGrp="1"/>
+          </p:cNvSpPr>
+          <p:nvPr>
+            <p:ph type="body" idx="1"/>
+          </p:nvPr>
+        </p:nvSpPr>
+        <p:spPr/>
+        <p:txBody>
+          <a:bodyPr/>
+          <a:lstStyle/>
+          <a:p>
+            <a:endParaRPr lang="de-DE"/>
+          </a:p>
+        </p:txBody>
+      </p:sp>
+      <p:sp>
+        <p:nvSpPr>
+          <p:cNvPr id="4" name="Foliennummernplatzhalter 3"/>
+          <p:cNvSpPr>
+            <a:spLocks noGrp="1"/>
+          </p:cNvSpPr>
+          <p:nvPr>
+            <p:ph type="sldNum" sz="quarter" idx="10"/>
+          </p:nvPr>
+        </p:nvSpPr>
+        <p:spPr/>
+        <p:txBody>
+          <a:bodyPr/>
+          <a:lstStyle/>
+          <a:p>
+            <a:fld id="{E512E86A-6AF3-4717-B240-660FBE45A78F}" type="slidenum">
+              <a:rPr lang="de-DE" smtClean="0"/>
+              <a:t>28</a:t>
+            </a:fld>
+            <a:endParaRPr lang="de-DE"/>
+          </a:p>
+        </p:txBody>
+      </p:sp>
+    </p:spTree>
+    <p:extLst>
+      <p:ext uri="{BB962C8B-B14F-4D97-AF65-F5344CB8AC3E}">
+        <p14:creationId xmlns:p14="http://schemas.microsoft.com/office/powerpoint/2010/main" val="3048355984"/>
       </p:ext>
     </p:extLst>
   </p:cSld>
@@ -2037,7 +3301,7 @@
           <a:p>
             <a:fld id="{FB805BAD-9718-45AE-B29E-CA89C0850BBA}" type="datetime1">
               <a:rPr lang="en-US" smtClean="0"/>
-              <a:t>7/12/2018</a:t>
+              <a:t>7/13/2018</a:t>
             </a:fld>
             <a:endParaRPr lang="en-US"/>
           </a:p>
@@ -2288,7 +3552,7 @@
           <a:p>
             <a:fld id="{E0FC8DD1-29E6-4D61-B966-CDD524F55795}" type="datetime1">
               <a:rPr lang="en-US" smtClean="0"/>
-              <a:t>7/12/2018</a:t>
+              <a:t>7/13/2018</a:t>
             </a:fld>
             <a:endParaRPr lang="en-US"/>
           </a:p>
@@ -2527,7 +3791,7 @@
           <a:p>
             <a:fld id="{95FAA842-EDB3-4EDD-9ED7-76F06137817A}" type="datetime1">
               <a:rPr lang="en-US" smtClean="0"/>
-              <a:t>7/12/2018</a:t>
+              <a:t>7/13/2018</a:t>
             </a:fld>
             <a:endParaRPr lang="en-US"/>
           </a:p>
@@ -2766,7 +4030,7 @@
           <a:p>
             <a:fld id="{F2A702B1-8EC9-46E6-8CB8-7E4D078380A4}" type="datetime1">
               <a:rPr lang="en-US" smtClean="0"/>
-              <a:t>7/12/2018</a:t>
+              <a:t>7/13/2018</a:t>
             </a:fld>
             <a:endParaRPr lang="en-US"/>
           </a:p>
@@ -3071,7 +4335,7 @@
           <a:p>
             <a:fld id="{0964454F-66B6-406D-B4A8-A1DFE17575BF}" type="datetime1">
               <a:rPr lang="en-US" smtClean="0"/>
-              <a:t>7/12/2018</a:t>
+              <a:t>7/13/2018</a:t>
             </a:fld>
             <a:endParaRPr lang="en-US"/>
           </a:p>
@@ -3372,7 +4636,7 @@
           <a:p>
             <a:fld id="{5FF65D2E-3906-4442-85DE-0FD00C070E9F}" type="datetime1">
               <a:rPr lang="en-US" smtClean="0"/>
-              <a:t>7/12/2018</a:t>
+              <a:t>7/13/2018</a:t>
             </a:fld>
             <a:endParaRPr lang="en-US"/>
           </a:p>
@@ -3730,7 +4994,7 @@
           <a:p>
             <a:fld id="{05E84776-43D5-4861-A2F7-2B8A75658358}" type="datetime1">
               <a:rPr lang="en-US" smtClean="0"/>
-              <a:t>7/12/2018</a:t>
+              <a:t>7/13/2018</a:t>
             </a:fld>
             <a:endParaRPr lang="en-US"/>
           </a:p>
@@ -3958,7 +5222,7 @@
           <a:p>
             <a:fld id="{380F40D4-7EF4-4B97-BF51-889215E241BA}" type="datetime1">
               <a:rPr lang="en-US" smtClean="0"/>
-              <a:t>7/12/2018</a:t>
+              <a:t>7/13/2018</a:t>
             </a:fld>
             <a:endParaRPr lang="en-US"/>
           </a:p>
@@ -4057,7 +5321,7 @@
           <a:p>
             <a:fld id="{DF0C3F89-45D5-4ECE-8933-DF226FDDF8FB}" type="datetime1">
               <a:rPr lang="en-US" smtClean="0"/>
-              <a:t>7/12/2018</a:t>
+              <a:t>7/13/2018</a:t>
             </a:fld>
             <a:endParaRPr lang="en-US"/>
           </a:p>
@@ -4439,7 +5703,7 @@
           <a:p>
             <a:fld id="{B767AFF8-F17C-4B0A-A752-4D14B54A3536}" type="datetime1">
               <a:rPr lang="en-US" smtClean="0"/>
-              <a:t>7/12/2018</a:t>
+              <a:t>7/13/2018</a:t>
             </a:fld>
             <a:endParaRPr lang="en-US"/>
           </a:p>
@@ -4732,7 +5996,7 @@
           <a:p>
             <a:fld id="{BDECAD23-405F-4B44-B6A8-F6640D105387}" type="datetime1">
               <a:rPr lang="en-US" smtClean="0"/>
-              <a:t>7/12/2018</a:t>
+              <a:t>7/13/2018</a:t>
             </a:fld>
             <a:endParaRPr lang="en-US"/>
           </a:p>
@@ -4947,7 +6211,7 @@
           <a:p>
             <a:fld id="{3517F4ED-DBF5-47EA-88C9-351A42E079F7}" type="datetime1">
               <a:rPr lang="en-US" smtClean="0"/>
-              <a:t>7/12/2018</a:t>
+              <a:t>7/13/2018</a:t>
             </a:fld>
             <a:endParaRPr lang="en-US"/>
           </a:p>
@@ -6982,271 +8246,133 @@
           </a:p>
         </p:txBody>
       </p:sp>
-      <p:sp>
-        <p:nvSpPr>
-          <p:cNvPr id="5" name="Inhaltsplatzhalter 4">
+      <p:pic>
+        <p:nvPicPr>
+          <p:cNvPr id="8" name="Grafik 7">
             <a:extLst>
               <a:ext uri="{FF2B5EF4-FFF2-40B4-BE49-F238E27FC236}">
-                <a16:creationId xmlns:a16="http://schemas.microsoft.com/office/drawing/2014/main" id="{FF14749A-873F-4B9E-84E7-A3319DAB8179}"/>
+                <a16:creationId xmlns:a16="http://schemas.microsoft.com/office/drawing/2014/main" id="{0F51114A-7E9C-4BCE-A578-15D0AD5AE67A}"/>
               </a:ext>
             </a:extLst>
           </p:cNvPr>
-          <p:cNvSpPr>
-            <a:spLocks noGrp="1"/>
-          </p:cNvSpPr>
-          <p:nvPr>
-            <p:ph idx="1"/>
-          </p:nvPr>
+          <p:cNvPicPr>
+            <a:picLocks noChangeAspect="1"/>
+          </p:cNvPicPr>
+          <p:nvPr/>
+        </p:nvPicPr>
+        <p:blipFill>
+          <a:blip r:embed="rId3"/>
+          <a:stretch>
+            <a:fillRect/>
+          </a:stretch>
+        </p:blipFill>
+        <p:spPr>
+          <a:xfrm>
+            <a:off x="567659" y="1999487"/>
+            <a:ext cx="5376673" cy="3938017"/>
+          </a:xfrm>
+          <a:prstGeom prst="rect">
+            <a:avLst/>
+          </a:prstGeom>
+        </p:spPr>
+      </p:pic>
+      <p:pic>
+        <p:nvPicPr>
+          <p:cNvPr id="10" name="Grafik 9">
+            <a:extLst>
+              <a:ext uri="{FF2B5EF4-FFF2-40B4-BE49-F238E27FC236}">
+                <a16:creationId xmlns:a16="http://schemas.microsoft.com/office/drawing/2014/main" id="{D6C297F5-46C7-4363-AEF2-8C65284497CB}"/>
+              </a:ext>
+            </a:extLst>
+          </p:cNvPr>
+          <p:cNvPicPr>
+            <a:picLocks noChangeAspect="1"/>
+          </p:cNvPicPr>
+          <p:nvPr/>
+        </p:nvPicPr>
+        <p:blipFill>
+          <a:blip r:embed="rId4"/>
+          <a:stretch>
+            <a:fillRect/>
+          </a:stretch>
+        </p:blipFill>
+        <p:spPr>
+          <a:xfrm>
+            <a:off x="6051253" y="1999487"/>
+            <a:ext cx="5376674" cy="3938017"/>
+          </a:xfrm>
+          <a:prstGeom prst="rect">
+            <a:avLst/>
+          </a:prstGeom>
+        </p:spPr>
+      </p:pic>
+      <p:sp>
+        <p:nvSpPr>
+          <p:cNvPr id="12" name="Textfeld 11">
+            <a:extLst>
+              <a:ext uri="{FF2B5EF4-FFF2-40B4-BE49-F238E27FC236}">
+                <a16:creationId xmlns:a16="http://schemas.microsoft.com/office/drawing/2014/main" id="{724F93A6-B4A3-40BD-991F-B924183D6B0C}"/>
+              </a:ext>
+            </a:extLst>
+          </p:cNvPr>
+          <p:cNvSpPr txBox="1"/>
+          <p:nvPr/>
         </p:nvSpPr>
-        <p:spPr/>
+        <p:spPr>
+          <a:xfrm>
+            <a:off x="567659" y="1370364"/>
+            <a:ext cx="4249668" cy="369332"/>
+          </a:xfrm>
+          <a:prstGeom prst="rect">
+            <a:avLst/>
+          </a:prstGeom>
+          <a:noFill/>
+        </p:spPr>
         <p:txBody>
-          <a:bodyPr anchor="t">
-            <a:normAutofit/>
+          <a:bodyPr wrap="square" rtlCol="0">
+            <a:spAutoFit/>
           </a:bodyPr>
           <a:lstStyle/>
           <a:p>
-            <a:pPr>
-              <a:lnSpc>
-                <a:spcPct val="110000"/>
-              </a:lnSpc>
-            </a:pPr>
             <a:r>
-              <a:rPr lang="de-DE" sz="2800" noProof="0" dirty="0" err="1"/>
-              <a:t>IoT</a:t>
+              <a:rPr lang="de-DE"/>
+              <a:t>Aktionsmenge: Normal</a:t>
             </a:r>
+          </a:p>
+        </p:txBody>
+      </p:sp>
+      <p:sp>
+        <p:nvSpPr>
+          <p:cNvPr id="13" name="Textfeld 12">
+            <a:extLst>
+              <a:ext uri="{FF2B5EF4-FFF2-40B4-BE49-F238E27FC236}">
+                <a16:creationId xmlns:a16="http://schemas.microsoft.com/office/drawing/2014/main" id="{FC1E0ADE-BB6A-4669-99F8-F214020E2488}"/>
+              </a:ext>
+            </a:extLst>
+          </p:cNvPr>
+          <p:cNvSpPr txBox="1"/>
+          <p:nvPr/>
+        </p:nvSpPr>
+        <p:spPr>
+          <a:xfrm>
+            <a:off x="3791415" y="1370364"/>
+            <a:ext cx="3423424" cy="369332"/>
+          </a:xfrm>
+          <a:prstGeom prst="rect">
+            <a:avLst/>
+          </a:prstGeom>
+          <a:noFill/>
+        </p:spPr>
+        <p:txBody>
+          <a:bodyPr wrap="square" rtlCol="0">
+            <a:spAutoFit/>
+          </a:bodyPr>
+          <a:lstStyle/>
+          <a:p>
             <a:r>
-              <a:rPr lang="de-DE" sz="2800" noProof="0" dirty="0"/>
-              <a:t> </a:t>
+              <a:rPr lang="de-DE" dirty="0"/>
+              <a:t>Umgebung: Deterministisch</a:t>
             </a:r>
-            <a:r>
-              <a:rPr lang="de-DE" sz="2800" noProof="0" dirty="0" err="1"/>
-              <a:t>is</a:t>
-            </a:r>
-            <a:r>
-              <a:rPr lang="de-DE" sz="2800" noProof="0" dirty="0"/>
-              <a:t> a </a:t>
-            </a:r>
-            <a:r>
-              <a:rPr lang="de-DE" sz="2800" noProof="0" dirty="0" err="1"/>
-              <a:t>current</a:t>
-            </a:r>
-            <a:r>
-              <a:rPr lang="de-DE" sz="2800" noProof="0" dirty="0"/>
-              <a:t> </a:t>
-            </a:r>
-            <a:r>
-              <a:rPr lang="de-DE" sz="2800" noProof="0" dirty="0" err="1"/>
-              <a:t>case</a:t>
-            </a:r>
-            <a:r>
-              <a:rPr lang="de-DE" sz="2800" noProof="0" dirty="0"/>
-              <a:t> in </a:t>
-            </a:r>
-            <a:r>
-              <a:rPr lang="de-DE" sz="2800" noProof="0" dirty="0" err="1"/>
-              <a:t>point</a:t>
-            </a:r>
-            <a:endParaRPr lang="de-DE" sz="2800" noProof="0" dirty="0"/>
-          </a:p>
-          <a:p>
-            <a:pPr>
-              <a:lnSpc>
-                <a:spcPct val="110000"/>
-              </a:lnSpc>
-            </a:pPr>
-            <a:r>
-              <a:rPr lang="de-DE" sz="2800" noProof="0" dirty="0" err="1"/>
-              <a:t>no</a:t>
-            </a:r>
-            <a:r>
-              <a:rPr lang="de-DE" sz="2800" noProof="0" dirty="0"/>
-              <a:t> </a:t>
-            </a:r>
-            <a:r>
-              <a:rPr lang="de-DE" sz="2800" noProof="0" dirty="0" err="1"/>
-              <a:t>unified</a:t>
-            </a:r>
-            <a:r>
-              <a:rPr lang="de-DE" sz="2800" noProof="0" dirty="0"/>
-              <a:t> </a:t>
-            </a:r>
-            <a:r>
-              <a:rPr lang="de-DE" sz="2800" noProof="0" dirty="0" err="1"/>
-              <a:t>definition</a:t>
-            </a:r>
-            <a:endParaRPr lang="de-DE" sz="2800" noProof="0" dirty="0"/>
-          </a:p>
-          <a:p>
-            <a:pPr>
-              <a:lnSpc>
-                <a:spcPct val="110000"/>
-              </a:lnSpc>
-            </a:pPr>
-            <a:r>
-              <a:rPr lang="de-DE" sz="2800" noProof="0" dirty="0" err="1"/>
-              <a:t>where</a:t>
-            </a:r>
-            <a:r>
-              <a:rPr lang="de-DE" sz="2800" noProof="0" dirty="0"/>
-              <a:t> </a:t>
-            </a:r>
-            <a:r>
-              <a:rPr lang="de-DE" sz="2800" noProof="0" dirty="0" err="1"/>
-              <a:t>organizations</a:t>
-            </a:r>
-            <a:r>
-              <a:rPr lang="de-DE" sz="2800" noProof="0" dirty="0"/>
-              <a:t>, </a:t>
-            </a:r>
-            <a:r>
-              <a:rPr lang="de-DE" sz="2800" noProof="0" dirty="0" err="1"/>
-              <a:t>industries</a:t>
-            </a:r>
-            <a:r>
-              <a:rPr lang="de-DE" sz="2800" noProof="0" dirty="0"/>
-              <a:t> and </a:t>
-            </a:r>
-            <a:r>
-              <a:rPr lang="de-DE" sz="2800" noProof="0" dirty="0" err="1"/>
-              <a:t>researchers</a:t>
-            </a:r>
-            <a:endParaRPr lang="de-DE" sz="2800" noProof="0" dirty="0"/>
-          </a:p>
-          <a:p>
-            <a:pPr>
-              <a:lnSpc>
-                <a:spcPct val="110000"/>
-              </a:lnSpc>
-            </a:pPr>
-            <a:r>
-              <a:rPr lang="de-DE" sz="2800" noProof="0" dirty="0" err="1"/>
-              <a:t>extract</a:t>
-            </a:r>
-            <a:r>
-              <a:rPr lang="de-DE" sz="2800" noProof="0" dirty="0"/>
-              <a:t> and </a:t>
-            </a:r>
-            <a:r>
-              <a:rPr lang="de-DE" sz="2800" noProof="0" dirty="0" err="1"/>
-              <a:t>presents</a:t>
-            </a:r>
-            <a:r>
-              <a:rPr lang="de-DE" sz="2800" noProof="0" dirty="0"/>
-              <a:t> different </a:t>
-            </a:r>
-            <a:r>
-              <a:rPr lang="de-DE" sz="2800" noProof="0" dirty="0" err="1"/>
-              <a:t>definitions</a:t>
-            </a:r>
-            <a:r>
-              <a:rPr lang="de-DE" sz="2800" noProof="0" dirty="0"/>
-              <a:t>, </a:t>
-            </a:r>
-            <a:r>
-              <a:rPr lang="de-DE" sz="2800" noProof="0" dirty="0" err="1"/>
-              <a:t>characteristics</a:t>
-            </a:r>
-            <a:r>
-              <a:rPr lang="de-DE" sz="2800" noProof="0" dirty="0"/>
-              <a:t>, and </a:t>
-            </a:r>
-            <a:r>
-              <a:rPr lang="de-DE" sz="2800" noProof="0" dirty="0" err="1"/>
-              <a:t>requirements</a:t>
-            </a:r>
-            <a:r>
-              <a:rPr lang="de-DE" sz="2800" noProof="0" dirty="0"/>
-              <a:t> of </a:t>
-            </a:r>
-            <a:r>
-              <a:rPr lang="de-DE" sz="2800" noProof="0" dirty="0" err="1"/>
-              <a:t>IoT</a:t>
-            </a:r>
-            <a:r>
-              <a:rPr lang="de-DE" sz="2800" noProof="0" dirty="0"/>
-              <a:t> </a:t>
-            </a:r>
-            <a:r>
-              <a:rPr lang="de-DE" sz="2800" noProof="0" dirty="0" err="1"/>
-              <a:t>concept</a:t>
-            </a:r>
-            <a:endParaRPr lang="de-DE" sz="2800" noProof="0" dirty="0"/>
-          </a:p>
-          <a:p>
-            <a:pPr>
-              <a:lnSpc>
-                <a:spcPct val="110000"/>
-              </a:lnSpc>
-            </a:pPr>
-            <a:r>
-              <a:rPr lang="de-DE" sz="2800" noProof="0" dirty="0" err="1"/>
-              <a:t>depending</a:t>
-            </a:r>
-            <a:r>
-              <a:rPr lang="de-DE" sz="2800" noProof="0" dirty="0"/>
-              <a:t> on </a:t>
-            </a:r>
-            <a:r>
-              <a:rPr lang="de-DE" sz="2800" noProof="0" dirty="0" err="1"/>
-              <a:t>provided</a:t>
-            </a:r>
-            <a:r>
-              <a:rPr lang="de-DE" sz="2800" noProof="0" dirty="0"/>
-              <a:t> </a:t>
-            </a:r>
-            <a:r>
-              <a:rPr lang="de-DE" sz="2800" noProof="0" dirty="0" err="1"/>
-              <a:t>services</a:t>
-            </a:r>
-            <a:r>
-              <a:rPr lang="de-DE" sz="2800" noProof="0" dirty="0"/>
-              <a:t>, </a:t>
-            </a:r>
-            <a:r>
-              <a:rPr lang="de-DE" sz="2800" noProof="0" dirty="0" err="1"/>
-              <a:t>purposes</a:t>
-            </a:r>
-            <a:r>
-              <a:rPr lang="de-DE" sz="2800" noProof="0" dirty="0"/>
-              <a:t> and </a:t>
-            </a:r>
-            <a:r>
-              <a:rPr lang="de-DE" sz="2800" noProof="0" dirty="0" err="1"/>
-              <a:t>heterogeneity</a:t>
-            </a:r>
-            <a:r>
-              <a:rPr lang="de-DE" sz="2800" noProof="0" dirty="0"/>
-              <a:t> </a:t>
-            </a:r>
-            <a:r>
-              <a:rPr lang="de-DE" sz="2800" noProof="0" dirty="0" err="1"/>
-              <a:t>based</a:t>
-            </a:r>
-            <a:r>
-              <a:rPr lang="de-DE" sz="2800" noProof="0" dirty="0"/>
-              <a:t> of </a:t>
-            </a:r>
-            <a:r>
-              <a:rPr lang="de-DE" sz="2800" noProof="0" dirty="0" err="1"/>
-              <a:t>the</a:t>
-            </a:r>
-            <a:r>
-              <a:rPr lang="de-DE" sz="2800" noProof="0" dirty="0"/>
-              <a:t> </a:t>
-            </a:r>
-            <a:r>
-              <a:rPr lang="de-DE" sz="2800" noProof="0" dirty="0" err="1"/>
-              <a:t>IoT</a:t>
-            </a:r>
-            <a:r>
-              <a:rPr lang="de-DE" sz="2800" noProof="0" dirty="0"/>
-              <a:t> </a:t>
-            </a:r>
-            <a:r>
-              <a:rPr lang="de-DE" sz="2800" noProof="0" dirty="0" err="1"/>
-              <a:t>architecture</a:t>
-            </a:r>
-            <a:endParaRPr lang="de-DE" sz="2800" noProof="0" dirty="0"/>
           </a:p>
         </p:txBody>
       </p:sp>
@@ -7267,6 +8393,3924 @@
 </file>
 
 <file path=ppt/slides/slide14.xml><?xml version="1.0" encoding="utf-8"?>
+<p:sld xmlns:a="http://schemas.openxmlformats.org/drawingml/2006/main" xmlns:r="http://schemas.openxmlformats.org/officeDocument/2006/relationships" xmlns:p="http://schemas.openxmlformats.org/presentationml/2006/main">
+  <p:cSld>
+    <p:spTree>
+      <p:nvGrpSpPr>
+        <p:cNvPr id="1" name=""/>
+        <p:cNvGrpSpPr/>
+        <p:nvPr/>
+      </p:nvGrpSpPr>
+      <p:grpSpPr>
+        <a:xfrm>
+          <a:off x="0" y="0"/>
+          <a:ext cx="0" cy="0"/>
+          <a:chOff x="0" y="0"/>
+          <a:chExt cx="0" cy="0"/>
+        </a:xfrm>
+      </p:grpSpPr>
+      <p:sp>
+        <p:nvSpPr>
+          <p:cNvPr id="2" name="Titel 1"/>
+          <p:cNvSpPr>
+            <a:spLocks noGrp="1"/>
+          </p:cNvSpPr>
+          <p:nvPr>
+            <p:ph type="title"/>
+          </p:nvPr>
+        </p:nvSpPr>
+        <p:spPr>
+          <a:xfrm>
+            <a:off x="774923" y="636677"/>
+            <a:ext cx="10653003" cy="633326"/>
+          </a:xfrm>
+        </p:spPr>
+        <p:txBody>
+          <a:bodyPr anchor="ctr">
+            <a:noAutofit/>
+          </a:bodyPr>
+          <a:lstStyle/>
+          <a:p>
+            <a:r>
+              <a:rPr lang="de-DE" sz="4400" noProof="0" dirty="0">
+                <a:effectLst>
+                  <a:outerShdw blurRad="38100" dist="38100" dir="2700000" algn="tl">
+                    <a:srgbClr val="000000">
+                      <a:alpha val="43137"/>
+                    </a:srgbClr>
+                  </a:outerShdw>
+                </a:effectLst>
+              </a:rPr>
+              <a:t>Ergebnisse</a:t>
+            </a:r>
+          </a:p>
+        </p:txBody>
+      </p:sp>
+      <p:sp>
+        <p:nvSpPr>
+          <p:cNvPr id="6" name="Foliennummernplatzhalter 5"/>
+          <p:cNvSpPr>
+            <a:spLocks noGrp="1"/>
+          </p:cNvSpPr>
+          <p:nvPr>
+            <p:ph type="sldNum" sz="quarter" idx="12"/>
+          </p:nvPr>
+        </p:nvSpPr>
+        <p:spPr>
+          <a:xfrm>
+            <a:off x="10270837" y="714371"/>
+            <a:ext cx="1291874" cy="477938"/>
+          </a:xfrm>
+        </p:spPr>
+        <p:txBody>
+          <a:bodyPr anchor="ctr"/>
+          <a:lstStyle/>
+          <a:p>
+            <a:fld id="{5D84065D-F351-4B03-BD91-D8A6B8D4B362}" type="slidenum">
+              <a:rPr lang="en-US" sz="4400" smtClean="0">
+                <a:solidFill>
+                  <a:schemeClr val="bg1"/>
+                </a:solidFill>
+                <a:effectLst>
+                  <a:outerShdw blurRad="38100" dist="38100" dir="2700000" algn="tl">
+                    <a:srgbClr val="000000">
+                      <a:alpha val="43137"/>
+                    </a:srgbClr>
+                  </a:outerShdw>
+                </a:effectLst>
+                <a:latin typeface="+mj-lt"/>
+              </a:rPr>
+              <a:t>14</a:t>
+            </a:fld>
+            <a:endParaRPr lang="en-US" sz="4400" dirty="0">
+              <a:solidFill>
+                <a:schemeClr val="bg1"/>
+              </a:solidFill>
+              <a:effectLst>
+                <a:outerShdw blurRad="38100" dist="38100" dir="2700000" algn="tl">
+                  <a:srgbClr val="000000">
+                    <a:alpha val="43137"/>
+                  </a:srgbClr>
+                </a:outerShdw>
+              </a:effectLst>
+              <a:latin typeface="+mj-lt"/>
+            </a:endParaRPr>
+          </a:p>
+        </p:txBody>
+      </p:sp>
+      <p:pic>
+        <p:nvPicPr>
+          <p:cNvPr id="7" name="Grafik 6">
+            <a:extLst>
+              <a:ext uri="{FF2B5EF4-FFF2-40B4-BE49-F238E27FC236}">
+                <a16:creationId xmlns:a16="http://schemas.microsoft.com/office/drawing/2014/main" id="{22FC3AF1-AB99-44CD-8940-ECDE4B5F8102}"/>
+              </a:ext>
+            </a:extLst>
+          </p:cNvPr>
+          <p:cNvPicPr>
+            <a:picLocks noChangeAspect="1"/>
+          </p:cNvPicPr>
+          <p:nvPr/>
+        </p:nvPicPr>
+        <p:blipFill rotWithShape="1">
+          <a:blip r:embed="rId3"/>
+          <a:srcRect l="23232" t="22630" r="30671" b="12273"/>
+          <a:stretch/>
+        </p:blipFill>
+        <p:spPr>
+          <a:xfrm>
+            <a:off x="390293" y="1828798"/>
+            <a:ext cx="5620214" cy="4165829"/>
+          </a:xfrm>
+          <a:prstGeom prst="rect">
+            <a:avLst/>
+          </a:prstGeom>
+        </p:spPr>
+      </p:pic>
+      <p:pic>
+        <p:nvPicPr>
+          <p:cNvPr id="4" name="Grafik 3">
+            <a:extLst>
+              <a:ext uri="{FF2B5EF4-FFF2-40B4-BE49-F238E27FC236}">
+                <a16:creationId xmlns:a16="http://schemas.microsoft.com/office/drawing/2014/main" id="{E0DFE9E1-53DF-4591-AE83-1190DC47A3D7}"/>
+              </a:ext>
+            </a:extLst>
+          </p:cNvPr>
+          <p:cNvPicPr>
+            <a:picLocks noChangeAspect="1"/>
+          </p:cNvPicPr>
+          <p:nvPr/>
+        </p:nvPicPr>
+        <p:blipFill rotWithShape="1">
+          <a:blip r:embed="rId4"/>
+          <a:srcRect l="22957" t="23428" r="30250" b="11228"/>
+          <a:stretch/>
+        </p:blipFill>
+        <p:spPr>
+          <a:xfrm>
+            <a:off x="6101424" y="1828798"/>
+            <a:ext cx="5704964" cy="4181707"/>
+          </a:xfrm>
+          <a:prstGeom prst="rect">
+            <a:avLst/>
+          </a:prstGeom>
+        </p:spPr>
+      </p:pic>
+      <p:sp>
+        <p:nvSpPr>
+          <p:cNvPr id="11" name="Textfeld 10">
+            <a:extLst>
+              <a:ext uri="{FF2B5EF4-FFF2-40B4-BE49-F238E27FC236}">
+                <a16:creationId xmlns:a16="http://schemas.microsoft.com/office/drawing/2014/main" id="{7BC40BA2-307B-439E-98B3-8AFDD788DEED}"/>
+              </a:ext>
+            </a:extLst>
+          </p:cNvPr>
+          <p:cNvSpPr txBox="1"/>
+          <p:nvPr/>
+        </p:nvSpPr>
+        <p:spPr>
+          <a:xfrm>
+            <a:off x="567659" y="1370364"/>
+            <a:ext cx="4249668" cy="369332"/>
+          </a:xfrm>
+          <a:prstGeom prst="rect">
+            <a:avLst/>
+          </a:prstGeom>
+          <a:noFill/>
+        </p:spPr>
+        <p:txBody>
+          <a:bodyPr wrap="square" rtlCol="0">
+            <a:spAutoFit/>
+          </a:bodyPr>
+          <a:lstStyle/>
+          <a:p>
+            <a:r>
+              <a:rPr lang="de-DE"/>
+              <a:t>Aktionsmenge: Normal</a:t>
+            </a:r>
+          </a:p>
+        </p:txBody>
+      </p:sp>
+      <p:sp>
+        <p:nvSpPr>
+          <p:cNvPr id="12" name="Textfeld 11">
+            <a:extLst>
+              <a:ext uri="{FF2B5EF4-FFF2-40B4-BE49-F238E27FC236}">
+                <a16:creationId xmlns:a16="http://schemas.microsoft.com/office/drawing/2014/main" id="{8704B58F-E78A-477F-9428-AC41509DC4C7}"/>
+              </a:ext>
+            </a:extLst>
+          </p:cNvPr>
+          <p:cNvSpPr txBox="1"/>
+          <p:nvPr/>
+        </p:nvSpPr>
+        <p:spPr>
+          <a:xfrm>
+            <a:off x="3791415" y="1370364"/>
+            <a:ext cx="3423424" cy="369332"/>
+          </a:xfrm>
+          <a:prstGeom prst="rect">
+            <a:avLst/>
+          </a:prstGeom>
+          <a:noFill/>
+        </p:spPr>
+        <p:txBody>
+          <a:bodyPr wrap="square" rtlCol="0">
+            <a:spAutoFit/>
+          </a:bodyPr>
+          <a:lstStyle/>
+          <a:p>
+            <a:r>
+              <a:rPr lang="de-DE" dirty="0"/>
+              <a:t>Umgebung: Deterministisch</a:t>
+            </a:r>
+          </a:p>
+        </p:txBody>
+      </p:sp>
+    </p:spTree>
+    <p:extLst>
+      <p:ext uri="{BB962C8B-B14F-4D97-AF65-F5344CB8AC3E}">
+        <p14:creationId xmlns:p14="http://schemas.microsoft.com/office/powerpoint/2010/main" val="2733112903"/>
+      </p:ext>
+    </p:extLst>
+  </p:cSld>
+  <p:clrMapOvr>
+    <a:masterClrMapping/>
+  </p:clrMapOvr>
+  <p:transition spd="slow">
+    <p:push/>
+  </p:transition>
+</p:sld>
+</file>
+
+<file path=ppt/slides/slide15.xml><?xml version="1.0" encoding="utf-8"?>
+<p:sld xmlns:a="http://schemas.openxmlformats.org/drawingml/2006/main" xmlns:r="http://schemas.openxmlformats.org/officeDocument/2006/relationships" xmlns:p="http://schemas.openxmlformats.org/presentationml/2006/main">
+  <p:cSld>
+    <p:spTree>
+      <p:nvGrpSpPr>
+        <p:cNvPr id="1" name=""/>
+        <p:cNvGrpSpPr/>
+        <p:nvPr/>
+      </p:nvGrpSpPr>
+      <p:grpSpPr>
+        <a:xfrm>
+          <a:off x="0" y="0"/>
+          <a:ext cx="0" cy="0"/>
+          <a:chOff x="0" y="0"/>
+          <a:chExt cx="0" cy="0"/>
+        </a:xfrm>
+      </p:grpSpPr>
+      <p:sp>
+        <p:nvSpPr>
+          <p:cNvPr id="2" name="Titel 1"/>
+          <p:cNvSpPr>
+            <a:spLocks noGrp="1"/>
+          </p:cNvSpPr>
+          <p:nvPr>
+            <p:ph type="title"/>
+          </p:nvPr>
+        </p:nvSpPr>
+        <p:spPr>
+          <a:xfrm>
+            <a:off x="774923" y="636677"/>
+            <a:ext cx="10653003" cy="633326"/>
+          </a:xfrm>
+        </p:spPr>
+        <p:txBody>
+          <a:bodyPr anchor="ctr">
+            <a:noAutofit/>
+          </a:bodyPr>
+          <a:lstStyle/>
+          <a:p>
+            <a:r>
+              <a:rPr lang="de-DE" sz="4400" noProof="0" dirty="0">
+                <a:effectLst>
+                  <a:outerShdw blurRad="38100" dist="38100" dir="2700000" algn="tl">
+                    <a:srgbClr val="000000">
+                      <a:alpha val="43137"/>
+                    </a:srgbClr>
+                  </a:outerShdw>
+                </a:effectLst>
+              </a:rPr>
+              <a:t>Ergebnisse</a:t>
+            </a:r>
+          </a:p>
+        </p:txBody>
+      </p:sp>
+      <p:sp>
+        <p:nvSpPr>
+          <p:cNvPr id="6" name="Foliennummernplatzhalter 5"/>
+          <p:cNvSpPr>
+            <a:spLocks noGrp="1"/>
+          </p:cNvSpPr>
+          <p:nvPr>
+            <p:ph type="sldNum" sz="quarter" idx="12"/>
+          </p:nvPr>
+        </p:nvSpPr>
+        <p:spPr>
+          <a:xfrm>
+            <a:off x="10270837" y="714371"/>
+            <a:ext cx="1291874" cy="477938"/>
+          </a:xfrm>
+        </p:spPr>
+        <p:txBody>
+          <a:bodyPr anchor="ctr"/>
+          <a:lstStyle/>
+          <a:p>
+            <a:fld id="{5D84065D-F351-4B03-BD91-D8A6B8D4B362}" type="slidenum">
+              <a:rPr lang="en-US" sz="4400" smtClean="0">
+                <a:solidFill>
+                  <a:schemeClr val="bg1"/>
+                </a:solidFill>
+                <a:effectLst>
+                  <a:outerShdw blurRad="38100" dist="38100" dir="2700000" algn="tl">
+                    <a:srgbClr val="000000">
+                      <a:alpha val="43137"/>
+                    </a:srgbClr>
+                  </a:outerShdw>
+                </a:effectLst>
+                <a:latin typeface="+mj-lt"/>
+              </a:rPr>
+              <a:t>15</a:t>
+            </a:fld>
+            <a:endParaRPr lang="en-US" sz="4400" dirty="0">
+              <a:solidFill>
+                <a:schemeClr val="bg1"/>
+              </a:solidFill>
+              <a:effectLst>
+                <a:outerShdw blurRad="38100" dist="38100" dir="2700000" algn="tl">
+                  <a:srgbClr val="000000">
+                    <a:alpha val="43137"/>
+                  </a:srgbClr>
+                </a:outerShdw>
+              </a:effectLst>
+              <a:latin typeface="+mj-lt"/>
+            </a:endParaRPr>
+          </a:p>
+        </p:txBody>
+      </p:sp>
+      <p:sp>
+        <p:nvSpPr>
+          <p:cNvPr id="7" name="Textfeld 6">
+            <a:extLst>
+              <a:ext uri="{FF2B5EF4-FFF2-40B4-BE49-F238E27FC236}">
+                <a16:creationId xmlns:a16="http://schemas.microsoft.com/office/drawing/2014/main" id="{8DAB33D4-11C8-4EDC-A458-C2B661C3316C}"/>
+              </a:ext>
+            </a:extLst>
+          </p:cNvPr>
+          <p:cNvSpPr txBox="1"/>
+          <p:nvPr/>
+        </p:nvSpPr>
+        <p:spPr>
+          <a:xfrm>
+            <a:off x="567659" y="1370364"/>
+            <a:ext cx="2576985" cy="369332"/>
+          </a:xfrm>
+          <a:prstGeom prst="rect">
+            <a:avLst/>
+          </a:prstGeom>
+          <a:noFill/>
+        </p:spPr>
+        <p:txBody>
+          <a:bodyPr wrap="square" rtlCol="0">
+            <a:spAutoFit/>
+          </a:bodyPr>
+          <a:lstStyle/>
+          <a:p>
+            <a:r>
+              <a:rPr lang="de-DE" dirty="0"/>
+              <a:t>Aktionsmenge: König</a:t>
+            </a:r>
+          </a:p>
+        </p:txBody>
+      </p:sp>
+      <p:sp>
+        <p:nvSpPr>
+          <p:cNvPr id="9" name="Textfeld 8">
+            <a:extLst>
+              <a:ext uri="{FF2B5EF4-FFF2-40B4-BE49-F238E27FC236}">
+                <a16:creationId xmlns:a16="http://schemas.microsoft.com/office/drawing/2014/main" id="{F614746A-8718-458F-B3A8-B0D2AF34D86A}"/>
+              </a:ext>
+            </a:extLst>
+          </p:cNvPr>
+          <p:cNvSpPr txBox="1"/>
+          <p:nvPr/>
+        </p:nvSpPr>
+        <p:spPr>
+          <a:xfrm>
+            <a:off x="3791415" y="1370364"/>
+            <a:ext cx="3423424" cy="369332"/>
+          </a:xfrm>
+          <a:prstGeom prst="rect">
+            <a:avLst/>
+          </a:prstGeom>
+          <a:noFill/>
+        </p:spPr>
+        <p:txBody>
+          <a:bodyPr wrap="square" rtlCol="0">
+            <a:spAutoFit/>
+          </a:bodyPr>
+          <a:lstStyle/>
+          <a:p>
+            <a:r>
+              <a:rPr lang="de-DE" dirty="0"/>
+              <a:t>Umgebung: Deterministisch</a:t>
+            </a:r>
+          </a:p>
+        </p:txBody>
+      </p:sp>
+      <p:pic>
+        <p:nvPicPr>
+          <p:cNvPr id="4" name="Grafik 3">
+            <a:extLst>
+              <a:ext uri="{FF2B5EF4-FFF2-40B4-BE49-F238E27FC236}">
+                <a16:creationId xmlns:a16="http://schemas.microsoft.com/office/drawing/2014/main" id="{CD185A56-6DA7-45BE-AB2F-B10D55B0F0F9}"/>
+              </a:ext>
+            </a:extLst>
+          </p:cNvPr>
+          <p:cNvPicPr>
+            <a:picLocks noChangeAspect="1"/>
+          </p:cNvPicPr>
+          <p:nvPr/>
+        </p:nvPicPr>
+        <p:blipFill>
+          <a:blip r:embed="rId3"/>
+          <a:stretch>
+            <a:fillRect/>
+          </a:stretch>
+        </p:blipFill>
+        <p:spPr>
+          <a:xfrm>
+            <a:off x="6124387" y="2044890"/>
+            <a:ext cx="5470205" cy="4006522"/>
+          </a:xfrm>
+          <a:prstGeom prst="rect">
+            <a:avLst/>
+          </a:prstGeom>
+        </p:spPr>
+      </p:pic>
+      <p:pic>
+        <p:nvPicPr>
+          <p:cNvPr id="11" name="Grafik 10">
+            <a:extLst>
+              <a:ext uri="{FF2B5EF4-FFF2-40B4-BE49-F238E27FC236}">
+                <a16:creationId xmlns:a16="http://schemas.microsoft.com/office/drawing/2014/main" id="{C762C38C-2C00-4ED5-AA6A-AE2A69683EB1}"/>
+              </a:ext>
+            </a:extLst>
+          </p:cNvPr>
+          <p:cNvPicPr>
+            <a:picLocks noChangeAspect="1"/>
+          </p:cNvPicPr>
+          <p:nvPr/>
+        </p:nvPicPr>
+        <p:blipFill>
+          <a:blip r:embed="rId4"/>
+          <a:stretch>
+            <a:fillRect/>
+          </a:stretch>
+        </p:blipFill>
+        <p:spPr>
+          <a:xfrm>
+            <a:off x="516067" y="2044889"/>
+            <a:ext cx="5470206" cy="4006523"/>
+          </a:xfrm>
+          <a:prstGeom prst="rect">
+            <a:avLst/>
+          </a:prstGeom>
+        </p:spPr>
+      </p:pic>
+    </p:spTree>
+    <p:extLst>
+      <p:ext uri="{BB962C8B-B14F-4D97-AF65-F5344CB8AC3E}">
+        <p14:creationId xmlns:p14="http://schemas.microsoft.com/office/powerpoint/2010/main" val="646723726"/>
+      </p:ext>
+    </p:extLst>
+  </p:cSld>
+  <p:clrMapOvr>
+    <a:masterClrMapping/>
+  </p:clrMapOvr>
+  <p:transition spd="slow">
+    <p:push/>
+  </p:transition>
+</p:sld>
+</file>
+
+<file path=ppt/slides/slide16.xml><?xml version="1.0" encoding="utf-8"?>
+<p:sld xmlns:a="http://schemas.openxmlformats.org/drawingml/2006/main" xmlns:r="http://schemas.openxmlformats.org/officeDocument/2006/relationships" xmlns:p="http://schemas.openxmlformats.org/presentationml/2006/main">
+  <p:cSld>
+    <p:spTree>
+      <p:nvGrpSpPr>
+        <p:cNvPr id="1" name=""/>
+        <p:cNvGrpSpPr/>
+        <p:nvPr/>
+      </p:nvGrpSpPr>
+      <p:grpSpPr>
+        <a:xfrm>
+          <a:off x="0" y="0"/>
+          <a:ext cx="0" cy="0"/>
+          <a:chOff x="0" y="0"/>
+          <a:chExt cx="0" cy="0"/>
+        </a:xfrm>
+      </p:grpSpPr>
+      <p:sp>
+        <p:nvSpPr>
+          <p:cNvPr id="2" name="Titel 1"/>
+          <p:cNvSpPr>
+            <a:spLocks noGrp="1"/>
+          </p:cNvSpPr>
+          <p:nvPr>
+            <p:ph type="title"/>
+          </p:nvPr>
+        </p:nvSpPr>
+        <p:spPr>
+          <a:xfrm>
+            <a:off x="774923" y="636677"/>
+            <a:ext cx="10653003" cy="633326"/>
+          </a:xfrm>
+        </p:spPr>
+        <p:txBody>
+          <a:bodyPr anchor="ctr">
+            <a:noAutofit/>
+          </a:bodyPr>
+          <a:lstStyle/>
+          <a:p>
+            <a:r>
+              <a:rPr lang="de-DE" sz="4400" noProof="0" dirty="0">
+                <a:effectLst>
+                  <a:outerShdw blurRad="38100" dist="38100" dir="2700000" algn="tl">
+                    <a:srgbClr val="000000">
+                      <a:alpha val="43137"/>
+                    </a:srgbClr>
+                  </a:outerShdw>
+                </a:effectLst>
+              </a:rPr>
+              <a:t>Ergebnisse</a:t>
+            </a:r>
+          </a:p>
+        </p:txBody>
+      </p:sp>
+      <p:sp>
+        <p:nvSpPr>
+          <p:cNvPr id="6" name="Foliennummernplatzhalter 5"/>
+          <p:cNvSpPr>
+            <a:spLocks noGrp="1"/>
+          </p:cNvSpPr>
+          <p:nvPr>
+            <p:ph type="sldNum" sz="quarter" idx="12"/>
+          </p:nvPr>
+        </p:nvSpPr>
+        <p:spPr>
+          <a:xfrm>
+            <a:off x="10270837" y="714371"/>
+            <a:ext cx="1291874" cy="477938"/>
+          </a:xfrm>
+        </p:spPr>
+        <p:txBody>
+          <a:bodyPr anchor="ctr"/>
+          <a:lstStyle/>
+          <a:p>
+            <a:fld id="{5D84065D-F351-4B03-BD91-D8A6B8D4B362}" type="slidenum">
+              <a:rPr lang="en-US" sz="4400" smtClean="0">
+                <a:solidFill>
+                  <a:schemeClr val="bg1"/>
+                </a:solidFill>
+                <a:effectLst>
+                  <a:outerShdw blurRad="38100" dist="38100" dir="2700000" algn="tl">
+                    <a:srgbClr val="000000">
+                      <a:alpha val="43137"/>
+                    </a:srgbClr>
+                  </a:outerShdw>
+                </a:effectLst>
+                <a:latin typeface="+mj-lt"/>
+              </a:rPr>
+              <a:t>16</a:t>
+            </a:fld>
+            <a:endParaRPr lang="en-US" sz="4400" dirty="0">
+              <a:solidFill>
+                <a:schemeClr val="bg1"/>
+              </a:solidFill>
+              <a:effectLst>
+                <a:outerShdw blurRad="38100" dist="38100" dir="2700000" algn="tl">
+                  <a:srgbClr val="000000">
+                    <a:alpha val="43137"/>
+                  </a:srgbClr>
+                </a:outerShdw>
+              </a:effectLst>
+              <a:latin typeface="+mj-lt"/>
+            </a:endParaRPr>
+          </a:p>
+        </p:txBody>
+      </p:sp>
+      <p:sp>
+        <p:nvSpPr>
+          <p:cNvPr id="11" name="Textfeld 10">
+            <a:extLst>
+              <a:ext uri="{FF2B5EF4-FFF2-40B4-BE49-F238E27FC236}">
+                <a16:creationId xmlns:a16="http://schemas.microsoft.com/office/drawing/2014/main" id="{7BC40BA2-307B-439E-98B3-8AFDD788DEED}"/>
+              </a:ext>
+            </a:extLst>
+          </p:cNvPr>
+          <p:cNvSpPr txBox="1"/>
+          <p:nvPr/>
+        </p:nvSpPr>
+        <p:spPr>
+          <a:xfrm>
+            <a:off x="567659" y="1370364"/>
+            <a:ext cx="3023034" cy="369332"/>
+          </a:xfrm>
+          <a:prstGeom prst="rect">
+            <a:avLst/>
+          </a:prstGeom>
+          <a:noFill/>
+        </p:spPr>
+        <p:txBody>
+          <a:bodyPr wrap="square" rtlCol="0">
+            <a:spAutoFit/>
+          </a:bodyPr>
+          <a:lstStyle/>
+          <a:p>
+            <a:r>
+              <a:rPr lang="de-DE" dirty="0"/>
+              <a:t>Aktionsmenge: König</a:t>
+            </a:r>
+          </a:p>
+        </p:txBody>
+      </p:sp>
+      <p:sp>
+        <p:nvSpPr>
+          <p:cNvPr id="12" name="Textfeld 11">
+            <a:extLst>
+              <a:ext uri="{FF2B5EF4-FFF2-40B4-BE49-F238E27FC236}">
+                <a16:creationId xmlns:a16="http://schemas.microsoft.com/office/drawing/2014/main" id="{8704B58F-E78A-477F-9428-AC41509DC4C7}"/>
+              </a:ext>
+            </a:extLst>
+          </p:cNvPr>
+          <p:cNvSpPr txBox="1"/>
+          <p:nvPr/>
+        </p:nvSpPr>
+        <p:spPr>
+          <a:xfrm>
+            <a:off x="3791415" y="1370364"/>
+            <a:ext cx="3423424" cy="369332"/>
+          </a:xfrm>
+          <a:prstGeom prst="rect">
+            <a:avLst/>
+          </a:prstGeom>
+          <a:noFill/>
+        </p:spPr>
+        <p:txBody>
+          <a:bodyPr wrap="square" rtlCol="0">
+            <a:spAutoFit/>
+          </a:bodyPr>
+          <a:lstStyle/>
+          <a:p>
+            <a:r>
+              <a:rPr lang="de-DE" dirty="0"/>
+              <a:t>Umgebung: Deterministisch</a:t>
+            </a:r>
+          </a:p>
+        </p:txBody>
+      </p:sp>
+      <p:pic>
+        <p:nvPicPr>
+          <p:cNvPr id="5" name="Grafik 4">
+            <a:extLst>
+              <a:ext uri="{FF2B5EF4-FFF2-40B4-BE49-F238E27FC236}">
+                <a16:creationId xmlns:a16="http://schemas.microsoft.com/office/drawing/2014/main" id="{8E6C5FBE-176A-4FD9-8C87-388BEF228E45}"/>
+              </a:ext>
+            </a:extLst>
+          </p:cNvPr>
+          <p:cNvPicPr>
+            <a:picLocks noChangeAspect="1"/>
+          </p:cNvPicPr>
+          <p:nvPr/>
+        </p:nvPicPr>
+        <p:blipFill rotWithShape="1">
+          <a:blip r:embed="rId3"/>
+          <a:srcRect l="23141" t="23602" r="30800" b="11229"/>
+          <a:stretch/>
+        </p:blipFill>
+        <p:spPr>
+          <a:xfrm>
+            <a:off x="567659" y="1951569"/>
+            <a:ext cx="5615605" cy="4170450"/>
+          </a:xfrm>
+          <a:prstGeom prst="rect">
+            <a:avLst/>
+          </a:prstGeom>
+        </p:spPr>
+      </p:pic>
+      <p:pic>
+        <p:nvPicPr>
+          <p:cNvPr id="9" name="Grafik 8">
+            <a:extLst>
+              <a:ext uri="{FF2B5EF4-FFF2-40B4-BE49-F238E27FC236}">
+                <a16:creationId xmlns:a16="http://schemas.microsoft.com/office/drawing/2014/main" id="{04F4E93E-8F3C-487B-9D83-277100BBF0CD}"/>
+              </a:ext>
+            </a:extLst>
+          </p:cNvPr>
+          <p:cNvPicPr>
+            <a:picLocks noChangeAspect="1"/>
+          </p:cNvPicPr>
+          <p:nvPr/>
+        </p:nvPicPr>
+        <p:blipFill rotWithShape="1">
+          <a:blip r:embed="rId4"/>
+          <a:srcRect l="23140" t="23602" r="30800" b="11229"/>
+          <a:stretch/>
+        </p:blipFill>
+        <p:spPr>
+          <a:xfrm>
+            <a:off x="6188929" y="1951569"/>
+            <a:ext cx="5615604" cy="4170450"/>
+          </a:xfrm>
+          <a:prstGeom prst="rect">
+            <a:avLst/>
+          </a:prstGeom>
+        </p:spPr>
+      </p:pic>
+    </p:spTree>
+    <p:extLst>
+      <p:ext uri="{BB962C8B-B14F-4D97-AF65-F5344CB8AC3E}">
+        <p14:creationId xmlns:p14="http://schemas.microsoft.com/office/powerpoint/2010/main" val="3787682778"/>
+      </p:ext>
+    </p:extLst>
+  </p:cSld>
+  <p:clrMapOvr>
+    <a:masterClrMapping/>
+  </p:clrMapOvr>
+  <p:transition spd="slow">
+    <p:push/>
+  </p:transition>
+</p:sld>
+</file>
+
+<file path=ppt/slides/slide17.xml><?xml version="1.0" encoding="utf-8"?>
+<p:sld xmlns:a="http://schemas.openxmlformats.org/drawingml/2006/main" xmlns:r="http://schemas.openxmlformats.org/officeDocument/2006/relationships" xmlns:p="http://schemas.openxmlformats.org/presentationml/2006/main">
+  <p:cSld>
+    <p:spTree>
+      <p:nvGrpSpPr>
+        <p:cNvPr id="1" name=""/>
+        <p:cNvGrpSpPr/>
+        <p:nvPr/>
+      </p:nvGrpSpPr>
+      <p:grpSpPr>
+        <a:xfrm>
+          <a:off x="0" y="0"/>
+          <a:ext cx="0" cy="0"/>
+          <a:chOff x="0" y="0"/>
+          <a:chExt cx="0" cy="0"/>
+        </a:xfrm>
+      </p:grpSpPr>
+      <p:sp>
+        <p:nvSpPr>
+          <p:cNvPr id="2" name="Titel 1"/>
+          <p:cNvSpPr>
+            <a:spLocks noGrp="1"/>
+          </p:cNvSpPr>
+          <p:nvPr>
+            <p:ph type="title"/>
+          </p:nvPr>
+        </p:nvSpPr>
+        <p:spPr>
+          <a:xfrm>
+            <a:off x="774923" y="636677"/>
+            <a:ext cx="10653003" cy="633326"/>
+          </a:xfrm>
+        </p:spPr>
+        <p:txBody>
+          <a:bodyPr anchor="ctr">
+            <a:noAutofit/>
+          </a:bodyPr>
+          <a:lstStyle/>
+          <a:p>
+            <a:r>
+              <a:rPr lang="de-DE" sz="4400" noProof="0" dirty="0">
+                <a:effectLst>
+                  <a:outerShdw blurRad="38100" dist="38100" dir="2700000" algn="tl">
+                    <a:srgbClr val="000000">
+                      <a:alpha val="43137"/>
+                    </a:srgbClr>
+                  </a:outerShdw>
+                </a:effectLst>
+              </a:rPr>
+              <a:t>Ergebnisse</a:t>
+            </a:r>
+          </a:p>
+        </p:txBody>
+      </p:sp>
+      <p:sp>
+        <p:nvSpPr>
+          <p:cNvPr id="6" name="Foliennummernplatzhalter 5"/>
+          <p:cNvSpPr>
+            <a:spLocks noGrp="1"/>
+          </p:cNvSpPr>
+          <p:nvPr>
+            <p:ph type="sldNum" sz="quarter" idx="12"/>
+          </p:nvPr>
+        </p:nvSpPr>
+        <p:spPr>
+          <a:xfrm>
+            <a:off x="10270837" y="714371"/>
+            <a:ext cx="1291874" cy="477938"/>
+          </a:xfrm>
+        </p:spPr>
+        <p:txBody>
+          <a:bodyPr anchor="ctr"/>
+          <a:lstStyle/>
+          <a:p>
+            <a:fld id="{5D84065D-F351-4B03-BD91-D8A6B8D4B362}" type="slidenum">
+              <a:rPr lang="en-US" sz="4400" smtClean="0">
+                <a:solidFill>
+                  <a:schemeClr val="bg1"/>
+                </a:solidFill>
+                <a:effectLst>
+                  <a:outerShdw blurRad="38100" dist="38100" dir="2700000" algn="tl">
+                    <a:srgbClr val="000000">
+                      <a:alpha val="43137"/>
+                    </a:srgbClr>
+                  </a:outerShdw>
+                </a:effectLst>
+                <a:latin typeface="+mj-lt"/>
+              </a:rPr>
+              <a:t>17</a:t>
+            </a:fld>
+            <a:endParaRPr lang="en-US" sz="4400" dirty="0">
+              <a:solidFill>
+                <a:schemeClr val="bg1"/>
+              </a:solidFill>
+              <a:effectLst>
+                <a:outerShdw blurRad="38100" dist="38100" dir="2700000" algn="tl">
+                  <a:srgbClr val="000000">
+                    <a:alpha val="43137"/>
+                  </a:srgbClr>
+                </a:outerShdw>
+              </a:effectLst>
+              <a:latin typeface="+mj-lt"/>
+            </a:endParaRPr>
+          </a:p>
+        </p:txBody>
+      </p:sp>
+      <p:sp>
+        <p:nvSpPr>
+          <p:cNvPr id="7" name="Textfeld 6">
+            <a:extLst>
+              <a:ext uri="{FF2B5EF4-FFF2-40B4-BE49-F238E27FC236}">
+                <a16:creationId xmlns:a16="http://schemas.microsoft.com/office/drawing/2014/main" id="{8DAB33D4-11C8-4EDC-A458-C2B661C3316C}"/>
+              </a:ext>
+            </a:extLst>
+          </p:cNvPr>
+          <p:cNvSpPr txBox="1"/>
+          <p:nvPr/>
+        </p:nvSpPr>
+        <p:spPr>
+          <a:xfrm>
+            <a:off x="567659" y="1370364"/>
+            <a:ext cx="2576985" cy="369332"/>
+          </a:xfrm>
+          <a:prstGeom prst="rect">
+            <a:avLst/>
+          </a:prstGeom>
+          <a:noFill/>
+        </p:spPr>
+        <p:txBody>
+          <a:bodyPr wrap="square" rtlCol="0">
+            <a:spAutoFit/>
+          </a:bodyPr>
+          <a:lstStyle/>
+          <a:p>
+            <a:r>
+              <a:rPr lang="de-DE" dirty="0"/>
+              <a:t>Aktionsmenge: König+</a:t>
+            </a:r>
+          </a:p>
+        </p:txBody>
+      </p:sp>
+      <p:sp>
+        <p:nvSpPr>
+          <p:cNvPr id="9" name="Textfeld 8">
+            <a:extLst>
+              <a:ext uri="{FF2B5EF4-FFF2-40B4-BE49-F238E27FC236}">
+                <a16:creationId xmlns:a16="http://schemas.microsoft.com/office/drawing/2014/main" id="{F614746A-8718-458F-B3A8-B0D2AF34D86A}"/>
+              </a:ext>
+            </a:extLst>
+          </p:cNvPr>
+          <p:cNvSpPr txBox="1"/>
+          <p:nvPr/>
+        </p:nvSpPr>
+        <p:spPr>
+          <a:xfrm>
+            <a:off x="3791415" y="1370364"/>
+            <a:ext cx="3423424" cy="369332"/>
+          </a:xfrm>
+          <a:prstGeom prst="rect">
+            <a:avLst/>
+          </a:prstGeom>
+          <a:noFill/>
+        </p:spPr>
+        <p:txBody>
+          <a:bodyPr wrap="square" rtlCol="0">
+            <a:spAutoFit/>
+          </a:bodyPr>
+          <a:lstStyle/>
+          <a:p>
+            <a:r>
+              <a:rPr lang="de-DE" dirty="0"/>
+              <a:t>Umgebung: Deterministisch</a:t>
+            </a:r>
+          </a:p>
+        </p:txBody>
+      </p:sp>
+      <p:pic>
+        <p:nvPicPr>
+          <p:cNvPr id="5" name="Grafik 4">
+            <a:extLst>
+              <a:ext uri="{FF2B5EF4-FFF2-40B4-BE49-F238E27FC236}">
+                <a16:creationId xmlns:a16="http://schemas.microsoft.com/office/drawing/2014/main" id="{98A4A5F7-66F3-41E7-AED1-283A41802EC6}"/>
+              </a:ext>
+            </a:extLst>
+          </p:cNvPr>
+          <p:cNvPicPr>
+            <a:picLocks noChangeAspect="1"/>
+          </p:cNvPicPr>
+          <p:nvPr/>
+        </p:nvPicPr>
+        <p:blipFill>
+          <a:blip r:embed="rId3"/>
+          <a:stretch>
+            <a:fillRect/>
+          </a:stretch>
+        </p:blipFill>
+        <p:spPr>
+          <a:xfrm>
+            <a:off x="567659" y="2020504"/>
+            <a:ext cx="5470207" cy="4006523"/>
+          </a:xfrm>
+          <a:prstGeom prst="rect">
+            <a:avLst/>
+          </a:prstGeom>
+        </p:spPr>
+      </p:pic>
+      <p:pic>
+        <p:nvPicPr>
+          <p:cNvPr id="10" name="Grafik 9">
+            <a:extLst>
+              <a:ext uri="{FF2B5EF4-FFF2-40B4-BE49-F238E27FC236}">
+                <a16:creationId xmlns:a16="http://schemas.microsoft.com/office/drawing/2014/main" id="{8A10B67E-CEC3-4A10-97A9-B26D455D77B7}"/>
+              </a:ext>
+            </a:extLst>
+          </p:cNvPr>
+          <p:cNvPicPr>
+            <a:picLocks noChangeAspect="1"/>
+          </p:cNvPicPr>
+          <p:nvPr/>
+        </p:nvPicPr>
+        <p:blipFill>
+          <a:blip r:embed="rId4"/>
+          <a:stretch>
+            <a:fillRect/>
+          </a:stretch>
+        </p:blipFill>
+        <p:spPr>
+          <a:xfrm>
+            <a:off x="6154135" y="2020505"/>
+            <a:ext cx="5470206" cy="4006523"/>
+          </a:xfrm>
+          <a:prstGeom prst="rect">
+            <a:avLst/>
+          </a:prstGeom>
+        </p:spPr>
+      </p:pic>
+    </p:spTree>
+    <p:extLst>
+      <p:ext uri="{BB962C8B-B14F-4D97-AF65-F5344CB8AC3E}">
+        <p14:creationId xmlns:p14="http://schemas.microsoft.com/office/powerpoint/2010/main" val="1401339164"/>
+      </p:ext>
+    </p:extLst>
+  </p:cSld>
+  <p:clrMapOvr>
+    <a:masterClrMapping/>
+  </p:clrMapOvr>
+  <p:transition spd="slow">
+    <p:push/>
+  </p:transition>
+</p:sld>
+</file>
+
+<file path=ppt/slides/slide18.xml><?xml version="1.0" encoding="utf-8"?>
+<p:sld xmlns:a="http://schemas.openxmlformats.org/drawingml/2006/main" xmlns:r="http://schemas.openxmlformats.org/officeDocument/2006/relationships" xmlns:p="http://schemas.openxmlformats.org/presentationml/2006/main">
+  <p:cSld>
+    <p:spTree>
+      <p:nvGrpSpPr>
+        <p:cNvPr id="1" name=""/>
+        <p:cNvGrpSpPr/>
+        <p:nvPr/>
+      </p:nvGrpSpPr>
+      <p:grpSpPr>
+        <a:xfrm>
+          <a:off x="0" y="0"/>
+          <a:ext cx="0" cy="0"/>
+          <a:chOff x="0" y="0"/>
+          <a:chExt cx="0" cy="0"/>
+        </a:xfrm>
+      </p:grpSpPr>
+      <p:sp>
+        <p:nvSpPr>
+          <p:cNvPr id="2" name="Titel 1"/>
+          <p:cNvSpPr>
+            <a:spLocks noGrp="1"/>
+          </p:cNvSpPr>
+          <p:nvPr>
+            <p:ph type="title"/>
+          </p:nvPr>
+        </p:nvSpPr>
+        <p:spPr>
+          <a:xfrm>
+            <a:off x="774923" y="636677"/>
+            <a:ext cx="10653003" cy="633326"/>
+          </a:xfrm>
+        </p:spPr>
+        <p:txBody>
+          <a:bodyPr anchor="ctr">
+            <a:noAutofit/>
+          </a:bodyPr>
+          <a:lstStyle/>
+          <a:p>
+            <a:r>
+              <a:rPr lang="de-DE" sz="4400" noProof="0" dirty="0">
+                <a:effectLst>
+                  <a:outerShdw blurRad="38100" dist="38100" dir="2700000" algn="tl">
+                    <a:srgbClr val="000000">
+                      <a:alpha val="43137"/>
+                    </a:srgbClr>
+                  </a:outerShdw>
+                </a:effectLst>
+              </a:rPr>
+              <a:t>Ergebnisse</a:t>
+            </a:r>
+          </a:p>
+        </p:txBody>
+      </p:sp>
+      <p:sp>
+        <p:nvSpPr>
+          <p:cNvPr id="6" name="Foliennummernplatzhalter 5"/>
+          <p:cNvSpPr>
+            <a:spLocks noGrp="1"/>
+          </p:cNvSpPr>
+          <p:nvPr>
+            <p:ph type="sldNum" sz="quarter" idx="12"/>
+          </p:nvPr>
+        </p:nvSpPr>
+        <p:spPr>
+          <a:xfrm>
+            <a:off x="10270837" y="714371"/>
+            <a:ext cx="1291874" cy="477938"/>
+          </a:xfrm>
+        </p:spPr>
+        <p:txBody>
+          <a:bodyPr anchor="ctr"/>
+          <a:lstStyle/>
+          <a:p>
+            <a:fld id="{5D84065D-F351-4B03-BD91-D8A6B8D4B362}" type="slidenum">
+              <a:rPr lang="en-US" sz="4400" smtClean="0">
+                <a:solidFill>
+                  <a:schemeClr val="bg1"/>
+                </a:solidFill>
+                <a:effectLst>
+                  <a:outerShdw blurRad="38100" dist="38100" dir="2700000" algn="tl">
+                    <a:srgbClr val="000000">
+                      <a:alpha val="43137"/>
+                    </a:srgbClr>
+                  </a:outerShdw>
+                </a:effectLst>
+                <a:latin typeface="+mj-lt"/>
+              </a:rPr>
+              <a:t>18</a:t>
+            </a:fld>
+            <a:endParaRPr lang="en-US" sz="4400" dirty="0">
+              <a:solidFill>
+                <a:schemeClr val="bg1"/>
+              </a:solidFill>
+              <a:effectLst>
+                <a:outerShdw blurRad="38100" dist="38100" dir="2700000" algn="tl">
+                  <a:srgbClr val="000000">
+                    <a:alpha val="43137"/>
+                  </a:srgbClr>
+                </a:outerShdw>
+              </a:effectLst>
+              <a:latin typeface="+mj-lt"/>
+            </a:endParaRPr>
+          </a:p>
+        </p:txBody>
+      </p:sp>
+      <p:sp>
+        <p:nvSpPr>
+          <p:cNvPr id="11" name="Textfeld 10">
+            <a:extLst>
+              <a:ext uri="{FF2B5EF4-FFF2-40B4-BE49-F238E27FC236}">
+                <a16:creationId xmlns:a16="http://schemas.microsoft.com/office/drawing/2014/main" id="{7BC40BA2-307B-439E-98B3-8AFDD788DEED}"/>
+              </a:ext>
+            </a:extLst>
+          </p:cNvPr>
+          <p:cNvSpPr txBox="1"/>
+          <p:nvPr/>
+        </p:nvSpPr>
+        <p:spPr>
+          <a:xfrm>
+            <a:off x="567659" y="1370364"/>
+            <a:ext cx="3023034" cy="369332"/>
+          </a:xfrm>
+          <a:prstGeom prst="rect">
+            <a:avLst/>
+          </a:prstGeom>
+          <a:noFill/>
+        </p:spPr>
+        <p:txBody>
+          <a:bodyPr wrap="square" rtlCol="0">
+            <a:spAutoFit/>
+          </a:bodyPr>
+          <a:lstStyle/>
+          <a:p>
+            <a:r>
+              <a:rPr lang="de-DE" dirty="0"/>
+              <a:t>Aktionsmenge: König+</a:t>
+            </a:r>
+          </a:p>
+        </p:txBody>
+      </p:sp>
+      <p:sp>
+        <p:nvSpPr>
+          <p:cNvPr id="12" name="Textfeld 11">
+            <a:extLst>
+              <a:ext uri="{FF2B5EF4-FFF2-40B4-BE49-F238E27FC236}">
+                <a16:creationId xmlns:a16="http://schemas.microsoft.com/office/drawing/2014/main" id="{8704B58F-E78A-477F-9428-AC41509DC4C7}"/>
+              </a:ext>
+            </a:extLst>
+          </p:cNvPr>
+          <p:cNvSpPr txBox="1"/>
+          <p:nvPr/>
+        </p:nvSpPr>
+        <p:spPr>
+          <a:xfrm>
+            <a:off x="3791415" y="1370364"/>
+            <a:ext cx="3423424" cy="369332"/>
+          </a:xfrm>
+          <a:prstGeom prst="rect">
+            <a:avLst/>
+          </a:prstGeom>
+          <a:noFill/>
+        </p:spPr>
+        <p:txBody>
+          <a:bodyPr wrap="square" rtlCol="0">
+            <a:spAutoFit/>
+          </a:bodyPr>
+          <a:lstStyle/>
+          <a:p>
+            <a:r>
+              <a:rPr lang="de-DE" dirty="0"/>
+              <a:t>Umgebung: Deterministisch</a:t>
+            </a:r>
+          </a:p>
+        </p:txBody>
+      </p:sp>
+      <p:pic>
+        <p:nvPicPr>
+          <p:cNvPr id="4" name="Grafik 3">
+            <a:extLst>
+              <a:ext uri="{FF2B5EF4-FFF2-40B4-BE49-F238E27FC236}">
+                <a16:creationId xmlns:a16="http://schemas.microsoft.com/office/drawing/2014/main" id="{01D30EE4-C0E0-493C-A12A-FE168111A251}"/>
+              </a:ext>
+            </a:extLst>
+          </p:cNvPr>
+          <p:cNvPicPr>
+            <a:picLocks noChangeAspect="1"/>
+          </p:cNvPicPr>
+          <p:nvPr/>
+        </p:nvPicPr>
+        <p:blipFill rotWithShape="1">
+          <a:blip r:embed="rId3"/>
+          <a:srcRect l="23323" t="23602" r="30600" b="11751"/>
+          <a:stretch/>
+        </p:blipFill>
+        <p:spPr>
+          <a:xfrm>
+            <a:off x="6266984" y="2109027"/>
+            <a:ext cx="5617687" cy="4136997"/>
+          </a:xfrm>
+          <a:prstGeom prst="rect">
+            <a:avLst/>
+          </a:prstGeom>
+        </p:spPr>
+      </p:pic>
+      <p:pic>
+        <p:nvPicPr>
+          <p:cNvPr id="8" name="Grafik 7">
+            <a:extLst>
+              <a:ext uri="{FF2B5EF4-FFF2-40B4-BE49-F238E27FC236}">
+                <a16:creationId xmlns:a16="http://schemas.microsoft.com/office/drawing/2014/main" id="{8FB63241-01FF-4DCA-95D7-C793FA768001}"/>
+              </a:ext>
+            </a:extLst>
+          </p:cNvPr>
+          <p:cNvPicPr>
+            <a:picLocks noChangeAspect="1"/>
+          </p:cNvPicPr>
+          <p:nvPr/>
+        </p:nvPicPr>
+        <p:blipFill rotWithShape="1">
+          <a:blip r:embed="rId4"/>
+          <a:srcRect l="23323" t="23602" r="30600" b="11751"/>
+          <a:stretch/>
+        </p:blipFill>
+        <p:spPr>
+          <a:xfrm>
+            <a:off x="567659" y="2109028"/>
+            <a:ext cx="5617687" cy="4136997"/>
+          </a:xfrm>
+          <a:prstGeom prst="rect">
+            <a:avLst/>
+          </a:prstGeom>
+        </p:spPr>
+      </p:pic>
+    </p:spTree>
+    <p:extLst>
+      <p:ext uri="{BB962C8B-B14F-4D97-AF65-F5344CB8AC3E}">
+        <p14:creationId xmlns:p14="http://schemas.microsoft.com/office/powerpoint/2010/main" val="2824801992"/>
+      </p:ext>
+    </p:extLst>
+  </p:cSld>
+  <p:clrMapOvr>
+    <a:masterClrMapping/>
+  </p:clrMapOvr>
+  <p:transition spd="slow">
+    <p:push/>
+  </p:transition>
+</p:sld>
+</file>
+
+<file path=ppt/slides/slide19.xml><?xml version="1.0" encoding="utf-8"?>
+<p:sld xmlns:a="http://schemas.openxmlformats.org/drawingml/2006/main" xmlns:r="http://schemas.openxmlformats.org/officeDocument/2006/relationships" xmlns:p="http://schemas.openxmlformats.org/presentationml/2006/main">
+  <p:cSld>
+    <p:spTree>
+      <p:nvGrpSpPr>
+        <p:cNvPr id="1" name=""/>
+        <p:cNvGrpSpPr/>
+        <p:nvPr/>
+      </p:nvGrpSpPr>
+      <p:grpSpPr>
+        <a:xfrm>
+          <a:off x="0" y="0"/>
+          <a:ext cx="0" cy="0"/>
+          <a:chOff x="0" y="0"/>
+          <a:chExt cx="0" cy="0"/>
+        </a:xfrm>
+      </p:grpSpPr>
+      <p:sp>
+        <p:nvSpPr>
+          <p:cNvPr id="2" name="Titel 1"/>
+          <p:cNvSpPr>
+            <a:spLocks noGrp="1"/>
+          </p:cNvSpPr>
+          <p:nvPr>
+            <p:ph type="title"/>
+          </p:nvPr>
+        </p:nvSpPr>
+        <p:spPr>
+          <a:xfrm>
+            <a:off x="774923" y="636677"/>
+            <a:ext cx="10653003" cy="633326"/>
+          </a:xfrm>
+        </p:spPr>
+        <p:txBody>
+          <a:bodyPr anchor="ctr">
+            <a:noAutofit/>
+          </a:bodyPr>
+          <a:lstStyle/>
+          <a:p>
+            <a:r>
+              <a:rPr lang="de-DE" sz="4400" noProof="0" dirty="0">
+                <a:effectLst>
+                  <a:outerShdw blurRad="38100" dist="38100" dir="2700000" algn="tl">
+                    <a:srgbClr val="000000">
+                      <a:alpha val="43137"/>
+                    </a:srgbClr>
+                  </a:outerShdw>
+                </a:effectLst>
+              </a:rPr>
+              <a:t>Ergebnisse</a:t>
+            </a:r>
+          </a:p>
+        </p:txBody>
+      </p:sp>
+      <p:sp>
+        <p:nvSpPr>
+          <p:cNvPr id="6" name="Foliennummernplatzhalter 5"/>
+          <p:cNvSpPr>
+            <a:spLocks noGrp="1"/>
+          </p:cNvSpPr>
+          <p:nvPr>
+            <p:ph type="sldNum" sz="quarter" idx="12"/>
+          </p:nvPr>
+        </p:nvSpPr>
+        <p:spPr>
+          <a:xfrm>
+            <a:off x="10270837" y="714371"/>
+            <a:ext cx="1291874" cy="477938"/>
+          </a:xfrm>
+        </p:spPr>
+        <p:txBody>
+          <a:bodyPr anchor="ctr"/>
+          <a:lstStyle/>
+          <a:p>
+            <a:fld id="{5D84065D-F351-4B03-BD91-D8A6B8D4B362}" type="slidenum">
+              <a:rPr lang="en-US" sz="4400" smtClean="0">
+                <a:solidFill>
+                  <a:schemeClr val="bg1"/>
+                </a:solidFill>
+                <a:effectLst>
+                  <a:outerShdw blurRad="38100" dist="38100" dir="2700000" algn="tl">
+                    <a:srgbClr val="000000">
+                      <a:alpha val="43137"/>
+                    </a:srgbClr>
+                  </a:outerShdw>
+                </a:effectLst>
+                <a:latin typeface="+mj-lt"/>
+              </a:rPr>
+              <a:t>19</a:t>
+            </a:fld>
+            <a:endParaRPr lang="en-US" sz="4400" dirty="0">
+              <a:solidFill>
+                <a:schemeClr val="bg1"/>
+              </a:solidFill>
+              <a:effectLst>
+                <a:outerShdw blurRad="38100" dist="38100" dir="2700000" algn="tl">
+                  <a:srgbClr val="000000">
+                    <a:alpha val="43137"/>
+                  </a:srgbClr>
+                </a:outerShdw>
+              </a:effectLst>
+              <a:latin typeface="+mj-lt"/>
+            </a:endParaRPr>
+          </a:p>
+        </p:txBody>
+      </p:sp>
+      <p:sp>
+        <p:nvSpPr>
+          <p:cNvPr id="12" name="Textfeld 11">
+            <a:extLst>
+              <a:ext uri="{FF2B5EF4-FFF2-40B4-BE49-F238E27FC236}">
+                <a16:creationId xmlns:a16="http://schemas.microsoft.com/office/drawing/2014/main" id="{724F93A6-B4A3-40BD-991F-B924183D6B0C}"/>
+              </a:ext>
+            </a:extLst>
+          </p:cNvPr>
+          <p:cNvSpPr txBox="1"/>
+          <p:nvPr/>
+        </p:nvSpPr>
+        <p:spPr>
+          <a:xfrm>
+            <a:off x="567659" y="1370364"/>
+            <a:ext cx="4249668" cy="369332"/>
+          </a:xfrm>
+          <a:prstGeom prst="rect">
+            <a:avLst/>
+          </a:prstGeom>
+          <a:noFill/>
+        </p:spPr>
+        <p:txBody>
+          <a:bodyPr wrap="square" rtlCol="0">
+            <a:spAutoFit/>
+          </a:bodyPr>
+          <a:lstStyle/>
+          <a:p>
+            <a:r>
+              <a:rPr lang="de-DE"/>
+              <a:t>Aktionsmenge: Normal</a:t>
+            </a:r>
+          </a:p>
+        </p:txBody>
+      </p:sp>
+      <p:sp>
+        <p:nvSpPr>
+          <p:cNvPr id="13" name="Textfeld 12">
+            <a:extLst>
+              <a:ext uri="{FF2B5EF4-FFF2-40B4-BE49-F238E27FC236}">
+                <a16:creationId xmlns:a16="http://schemas.microsoft.com/office/drawing/2014/main" id="{FC1E0ADE-BB6A-4669-99F8-F214020E2488}"/>
+              </a:ext>
+            </a:extLst>
+          </p:cNvPr>
+          <p:cNvSpPr txBox="1"/>
+          <p:nvPr/>
+        </p:nvSpPr>
+        <p:spPr>
+          <a:xfrm>
+            <a:off x="3791415" y="1370364"/>
+            <a:ext cx="3423424" cy="369332"/>
+          </a:xfrm>
+          <a:prstGeom prst="rect">
+            <a:avLst/>
+          </a:prstGeom>
+          <a:noFill/>
+        </p:spPr>
+        <p:txBody>
+          <a:bodyPr wrap="square" rtlCol="0">
+            <a:spAutoFit/>
+          </a:bodyPr>
+          <a:lstStyle/>
+          <a:p>
+            <a:r>
+              <a:rPr lang="de-DE" dirty="0"/>
+              <a:t>Umgebung: Stochastisch</a:t>
+            </a:r>
+          </a:p>
+        </p:txBody>
+      </p:sp>
+      <p:pic>
+        <p:nvPicPr>
+          <p:cNvPr id="4" name="Grafik 3">
+            <a:extLst>
+              <a:ext uri="{FF2B5EF4-FFF2-40B4-BE49-F238E27FC236}">
+                <a16:creationId xmlns:a16="http://schemas.microsoft.com/office/drawing/2014/main" id="{D4540728-DE95-425D-80AB-D1E7099F8C32}"/>
+              </a:ext>
+            </a:extLst>
+          </p:cNvPr>
+          <p:cNvPicPr>
+            <a:picLocks noChangeAspect="1"/>
+          </p:cNvPicPr>
+          <p:nvPr/>
+        </p:nvPicPr>
+        <p:blipFill>
+          <a:blip r:embed="rId3"/>
+          <a:stretch>
+            <a:fillRect/>
+          </a:stretch>
+        </p:blipFill>
+        <p:spPr>
+          <a:xfrm>
+            <a:off x="2360448" y="1840057"/>
+            <a:ext cx="6285357" cy="4603561"/>
+          </a:xfrm>
+          <a:prstGeom prst="rect">
+            <a:avLst/>
+          </a:prstGeom>
+        </p:spPr>
+      </p:pic>
+    </p:spTree>
+    <p:extLst>
+      <p:ext uri="{BB962C8B-B14F-4D97-AF65-F5344CB8AC3E}">
+        <p14:creationId xmlns:p14="http://schemas.microsoft.com/office/powerpoint/2010/main" val="1442185913"/>
+      </p:ext>
+    </p:extLst>
+  </p:cSld>
+  <p:clrMapOvr>
+    <a:masterClrMapping/>
+  </p:clrMapOvr>
+  <p:transition spd="slow">
+    <p:push/>
+  </p:transition>
+</p:sld>
+</file>
+
+<file path=ppt/slides/slide2.xml><?xml version="1.0" encoding="utf-8"?>
+<p:sld xmlns:a="http://schemas.openxmlformats.org/drawingml/2006/main" xmlns:r="http://schemas.openxmlformats.org/officeDocument/2006/relationships" xmlns:p="http://schemas.openxmlformats.org/presentationml/2006/main">
+  <p:cSld>
+    <p:spTree>
+      <p:nvGrpSpPr>
+        <p:cNvPr id="1" name=""/>
+        <p:cNvGrpSpPr/>
+        <p:nvPr/>
+      </p:nvGrpSpPr>
+      <p:grpSpPr>
+        <a:xfrm>
+          <a:off x="0" y="0"/>
+          <a:ext cx="0" cy="0"/>
+          <a:chOff x="0" y="0"/>
+          <a:chExt cx="0" cy="0"/>
+        </a:xfrm>
+      </p:grpSpPr>
+      <p:sp>
+        <p:nvSpPr>
+          <p:cNvPr id="2" name="Titel 1"/>
+          <p:cNvSpPr>
+            <a:spLocks noGrp="1"/>
+          </p:cNvSpPr>
+          <p:nvPr>
+            <p:ph type="title"/>
+          </p:nvPr>
+        </p:nvSpPr>
+        <p:spPr>
+          <a:xfrm>
+            <a:off x="774923" y="636677"/>
+            <a:ext cx="10653003" cy="633326"/>
+          </a:xfrm>
+        </p:spPr>
+        <p:txBody>
+          <a:bodyPr anchor="ctr">
+            <a:noAutofit/>
+          </a:bodyPr>
+          <a:lstStyle/>
+          <a:p>
+            <a:r>
+              <a:rPr lang="de-DE" sz="4400" noProof="0" dirty="0">
+                <a:effectLst>
+                  <a:outerShdw blurRad="38100" dist="38100" dir="2700000" algn="tl">
+                    <a:srgbClr val="000000">
+                      <a:alpha val="43137"/>
+                    </a:srgbClr>
+                  </a:outerShdw>
+                </a:effectLst>
+              </a:rPr>
+              <a:t>Gliederung</a:t>
+            </a:r>
+          </a:p>
+        </p:txBody>
+      </p:sp>
+      <p:sp>
+        <p:nvSpPr>
+          <p:cNvPr id="4" name="Inhaltsplatzhalter 3"/>
+          <p:cNvSpPr>
+            <a:spLocks noGrp="1"/>
+          </p:cNvSpPr>
+          <p:nvPr>
+            <p:ph idx="1"/>
+          </p:nvPr>
+        </p:nvSpPr>
+        <p:spPr>
+          <a:xfrm>
+            <a:off x="774923" y="1408550"/>
+            <a:ext cx="10653003" cy="5161932"/>
+          </a:xfrm>
+        </p:spPr>
+        <p:txBody>
+          <a:bodyPr anchor="t">
+            <a:normAutofit fontScale="85000" lnSpcReduction="20000"/>
+          </a:bodyPr>
+          <a:lstStyle/>
+          <a:p>
+            <a:pPr marL="538163" indent="-538163">
+              <a:lnSpc>
+                <a:spcPct val="150000"/>
+              </a:lnSpc>
+              <a:buClr>
+                <a:srgbClr val="0070C0"/>
+              </a:buClr>
+              <a:buSzPct val="80000"/>
+              <a:buFont typeface="+mj-lt"/>
+              <a:buAutoNum type="arabicPeriod"/>
+            </a:pPr>
+            <a:r>
+              <a:rPr lang="de-DE" sz="4000" noProof="0" dirty="0">
+                <a:solidFill>
+                  <a:srgbClr val="373545"/>
+                </a:solidFill>
+              </a:rPr>
+              <a:t>Aufgabenstellung</a:t>
+            </a:r>
+          </a:p>
+          <a:p>
+            <a:pPr marL="538163" indent="-538163">
+              <a:lnSpc>
+                <a:spcPct val="150000"/>
+              </a:lnSpc>
+              <a:buClr>
+                <a:srgbClr val="0070C0"/>
+              </a:buClr>
+              <a:buSzPct val="80000"/>
+              <a:buFont typeface="+mj-lt"/>
+              <a:buAutoNum type="arabicPeriod"/>
+            </a:pPr>
+            <a:r>
+              <a:rPr lang="de-DE" sz="4000" dirty="0">
+                <a:solidFill>
+                  <a:srgbClr val="373545"/>
+                </a:solidFill>
+              </a:rPr>
+              <a:t>SARSA Algorithmus</a:t>
+            </a:r>
+          </a:p>
+          <a:p>
+            <a:pPr marL="538163" indent="-538163">
+              <a:lnSpc>
+                <a:spcPct val="150000"/>
+              </a:lnSpc>
+              <a:buClr>
+                <a:srgbClr val="0070C0"/>
+              </a:buClr>
+              <a:buSzPct val="80000"/>
+              <a:buFont typeface="+mj-lt"/>
+              <a:buAutoNum type="arabicPeriod"/>
+            </a:pPr>
+            <a:r>
+              <a:rPr lang="de-DE" sz="4000" dirty="0">
+                <a:solidFill>
+                  <a:srgbClr val="373545"/>
+                </a:solidFill>
+              </a:rPr>
+              <a:t>Parameter</a:t>
+            </a:r>
+          </a:p>
+          <a:p>
+            <a:pPr marL="538163" indent="-538163">
+              <a:lnSpc>
+                <a:spcPct val="150000"/>
+              </a:lnSpc>
+              <a:buClr>
+                <a:srgbClr val="0070C0"/>
+              </a:buClr>
+              <a:buSzPct val="80000"/>
+              <a:buFont typeface="+mj-lt"/>
+              <a:buAutoNum type="arabicPeriod"/>
+            </a:pPr>
+            <a:r>
+              <a:rPr lang="de-DE" sz="4000" dirty="0">
+                <a:solidFill>
+                  <a:srgbClr val="373545"/>
+                </a:solidFill>
+              </a:rPr>
+              <a:t>Implementierung</a:t>
+            </a:r>
+          </a:p>
+          <a:p>
+            <a:pPr marL="538163" indent="-538163">
+              <a:lnSpc>
+                <a:spcPct val="150000"/>
+              </a:lnSpc>
+              <a:buClr>
+                <a:srgbClr val="0070C0"/>
+              </a:buClr>
+              <a:buSzPct val="80000"/>
+              <a:buFont typeface="+mj-lt"/>
+              <a:buAutoNum type="arabicPeriod"/>
+            </a:pPr>
+            <a:r>
+              <a:rPr lang="de-DE" sz="4000" noProof="0" dirty="0">
+                <a:solidFill>
+                  <a:srgbClr val="373545"/>
+                </a:solidFill>
+              </a:rPr>
+              <a:t>Demonstration</a:t>
+            </a:r>
+            <a:endParaRPr lang="de-DE" sz="4000" dirty="0">
+              <a:solidFill>
+                <a:srgbClr val="373545"/>
+              </a:solidFill>
+            </a:endParaRPr>
+          </a:p>
+          <a:p>
+            <a:pPr marL="538163" indent="-538163">
+              <a:lnSpc>
+                <a:spcPct val="150000"/>
+              </a:lnSpc>
+              <a:buClr>
+                <a:srgbClr val="0070C0"/>
+              </a:buClr>
+              <a:buSzPct val="80000"/>
+              <a:buFont typeface="+mj-lt"/>
+              <a:buAutoNum type="arabicPeriod"/>
+            </a:pPr>
+            <a:r>
+              <a:rPr lang="de-DE" sz="4000" noProof="0" dirty="0">
+                <a:solidFill>
+                  <a:srgbClr val="373545"/>
+                </a:solidFill>
+              </a:rPr>
+              <a:t>Ergebnisse</a:t>
+            </a:r>
+          </a:p>
+        </p:txBody>
+      </p:sp>
+      <p:sp>
+        <p:nvSpPr>
+          <p:cNvPr id="6" name="Foliennummernplatzhalter 5"/>
+          <p:cNvSpPr>
+            <a:spLocks noGrp="1"/>
+          </p:cNvSpPr>
+          <p:nvPr>
+            <p:ph type="sldNum" sz="quarter" idx="12"/>
+          </p:nvPr>
+        </p:nvSpPr>
+        <p:spPr>
+          <a:xfrm>
+            <a:off x="10270837" y="714371"/>
+            <a:ext cx="1291874" cy="477938"/>
+          </a:xfrm>
+        </p:spPr>
+        <p:txBody>
+          <a:bodyPr anchor="ctr"/>
+          <a:lstStyle/>
+          <a:p>
+            <a:fld id="{5D84065D-F351-4B03-BD91-D8A6B8D4B362}" type="slidenum">
+              <a:rPr lang="en-US" sz="4400" smtClean="0">
+                <a:solidFill>
+                  <a:schemeClr val="bg1"/>
+                </a:solidFill>
+                <a:effectLst>
+                  <a:outerShdw blurRad="38100" dist="38100" dir="2700000" algn="tl">
+                    <a:srgbClr val="000000">
+                      <a:alpha val="43137"/>
+                    </a:srgbClr>
+                  </a:outerShdw>
+                </a:effectLst>
+                <a:latin typeface="+mj-lt"/>
+              </a:rPr>
+              <a:t>2</a:t>
+            </a:fld>
+            <a:endParaRPr lang="en-US" sz="4400" dirty="0">
+              <a:solidFill>
+                <a:schemeClr val="bg1"/>
+              </a:solidFill>
+              <a:effectLst>
+                <a:outerShdw blurRad="38100" dist="38100" dir="2700000" algn="tl">
+                  <a:srgbClr val="000000">
+                    <a:alpha val="43137"/>
+                  </a:srgbClr>
+                </a:outerShdw>
+              </a:effectLst>
+              <a:latin typeface="+mj-lt"/>
+            </a:endParaRPr>
+          </a:p>
+        </p:txBody>
+      </p:sp>
+    </p:spTree>
+    <p:extLst>
+      <p:ext uri="{BB962C8B-B14F-4D97-AF65-F5344CB8AC3E}">
+        <p14:creationId xmlns:p14="http://schemas.microsoft.com/office/powerpoint/2010/main" val="3639010779"/>
+      </p:ext>
+    </p:extLst>
+  </p:cSld>
+  <p:clrMapOvr>
+    <a:masterClrMapping/>
+  </p:clrMapOvr>
+  <p:transition spd="slow">
+    <p:push/>
+  </p:transition>
+</p:sld>
+</file>
+
+<file path=ppt/slides/slide20.xml><?xml version="1.0" encoding="utf-8"?>
+<p:sld xmlns:a="http://schemas.openxmlformats.org/drawingml/2006/main" xmlns:r="http://schemas.openxmlformats.org/officeDocument/2006/relationships" xmlns:p="http://schemas.openxmlformats.org/presentationml/2006/main">
+  <p:cSld>
+    <p:spTree>
+      <p:nvGrpSpPr>
+        <p:cNvPr id="1" name=""/>
+        <p:cNvGrpSpPr/>
+        <p:nvPr/>
+      </p:nvGrpSpPr>
+      <p:grpSpPr>
+        <a:xfrm>
+          <a:off x="0" y="0"/>
+          <a:ext cx="0" cy="0"/>
+          <a:chOff x="0" y="0"/>
+          <a:chExt cx="0" cy="0"/>
+        </a:xfrm>
+      </p:grpSpPr>
+      <p:sp>
+        <p:nvSpPr>
+          <p:cNvPr id="2" name="Titel 1"/>
+          <p:cNvSpPr>
+            <a:spLocks noGrp="1"/>
+          </p:cNvSpPr>
+          <p:nvPr>
+            <p:ph type="title"/>
+          </p:nvPr>
+        </p:nvSpPr>
+        <p:spPr>
+          <a:xfrm>
+            <a:off x="774923" y="636677"/>
+            <a:ext cx="10653003" cy="633326"/>
+          </a:xfrm>
+        </p:spPr>
+        <p:txBody>
+          <a:bodyPr anchor="ctr">
+            <a:noAutofit/>
+          </a:bodyPr>
+          <a:lstStyle/>
+          <a:p>
+            <a:r>
+              <a:rPr lang="de-DE" sz="4400" noProof="0" dirty="0">
+                <a:effectLst>
+                  <a:outerShdw blurRad="38100" dist="38100" dir="2700000" algn="tl">
+                    <a:srgbClr val="000000">
+                      <a:alpha val="43137"/>
+                    </a:srgbClr>
+                  </a:outerShdw>
+                </a:effectLst>
+              </a:rPr>
+              <a:t>Ergebnisse</a:t>
+            </a:r>
+          </a:p>
+        </p:txBody>
+      </p:sp>
+      <p:sp>
+        <p:nvSpPr>
+          <p:cNvPr id="6" name="Foliennummernplatzhalter 5"/>
+          <p:cNvSpPr>
+            <a:spLocks noGrp="1"/>
+          </p:cNvSpPr>
+          <p:nvPr>
+            <p:ph type="sldNum" sz="quarter" idx="12"/>
+          </p:nvPr>
+        </p:nvSpPr>
+        <p:spPr>
+          <a:xfrm>
+            <a:off x="10270837" y="714371"/>
+            <a:ext cx="1291874" cy="477938"/>
+          </a:xfrm>
+        </p:spPr>
+        <p:txBody>
+          <a:bodyPr anchor="ctr"/>
+          <a:lstStyle/>
+          <a:p>
+            <a:fld id="{5D84065D-F351-4B03-BD91-D8A6B8D4B362}" type="slidenum">
+              <a:rPr lang="en-US" sz="4400" smtClean="0">
+                <a:solidFill>
+                  <a:schemeClr val="bg1"/>
+                </a:solidFill>
+                <a:effectLst>
+                  <a:outerShdw blurRad="38100" dist="38100" dir="2700000" algn="tl">
+                    <a:srgbClr val="000000">
+                      <a:alpha val="43137"/>
+                    </a:srgbClr>
+                  </a:outerShdw>
+                </a:effectLst>
+                <a:latin typeface="+mj-lt"/>
+              </a:rPr>
+              <a:t>20</a:t>
+            </a:fld>
+            <a:endParaRPr lang="en-US" sz="4400" dirty="0">
+              <a:solidFill>
+                <a:schemeClr val="bg1"/>
+              </a:solidFill>
+              <a:effectLst>
+                <a:outerShdw blurRad="38100" dist="38100" dir="2700000" algn="tl">
+                  <a:srgbClr val="000000">
+                    <a:alpha val="43137"/>
+                  </a:srgbClr>
+                </a:outerShdw>
+              </a:effectLst>
+              <a:latin typeface="+mj-lt"/>
+            </a:endParaRPr>
+          </a:p>
+        </p:txBody>
+      </p:sp>
+      <p:sp>
+        <p:nvSpPr>
+          <p:cNvPr id="7" name="Textfeld 6">
+            <a:extLst>
+              <a:ext uri="{FF2B5EF4-FFF2-40B4-BE49-F238E27FC236}">
+                <a16:creationId xmlns:a16="http://schemas.microsoft.com/office/drawing/2014/main" id="{8DAB33D4-11C8-4EDC-A458-C2B661C3316C}"/>
+              </a:ext>
+            </a:extLst>
+          </p:cNvPr>
+          <p:cNvSpPr txBox="1"/>
+          <p:nvPr/>
+        </p:nvSpPr>
+        <p:spPr>
+          <a:xfrm>
+            <a:off x="567659" y="1370364"/>
+            <a:ext cx="2576985" cy="369332"/>
+          </a:xfrm>
+          <a:prstGeom prst="rect">
+            <a:avLst/>
+          </a:prstGeom>
+          <a:noFill/>
+        </p:spPr>
+        <p:txBody>
+          <a:bodyPr wrap="square" rtlCol="0">
+            <a:spAutoFit/>
+          </a:bodyPr>
+          <a:lstStyle/>
+          <a:p>
+            <a:r>
+              <a:rPr lang="de-DE" dirty="0"/>
+              <a:t>Aktionsmenge: König</a:t>
+            </a:r>
+          </a:p>
+        </p:txBody>
+      </p:sp>
+      <p:sp>
+        <p:nvSpPr>
+          <p:cNvPr id="9" name="Textfeld 8">
+            <a:extLst>
+              <a:ext uri="{FF2B5EF4-FFF2-40B4-BE49-F238E27FC236}">
+                <a16:creationId xmlns:a16="http://schemas.microsoft.com/office/drawing/2014/main" id="{F614746A-8718-458F-B3A8-B0D2AF34D86A}"/>
+              </a:ext>
+            </a:extLst>
+          </p:cNvPr>
+          <p:cNvSpPr txBox="1"/>
+          <p:nvPr/>
+        </p:nvSpPr>
+        <p:spPr>
+          <a:xfrm>
+            <a:off x="3791415" y="1370364"/>
+            <a:ext cx="3423424" cy="369332"/>
+          </a:xfrm>
+          <a:prstGeom prst="rect">
+            <a:avLst/>
+          </a:prstGeom>
+          <a:noFill/>
+        </p:spPr>
+        <p:txBody>
+          <a:bodyPr wrap="square" rtlCol="0">
+            <a:spAutoFit/>
+          </a:bodyPr>
+          <a:lstStyle/>
+          <a:p>
+            <a:r>
+              <a:rPr lang="de-DE" dirty="0"/>
+              <a:t>Umgebung: Stochastisch</a:t>
+            </a:r>
+          </a:p>
+        </p:txBody>
+      </p:sp>
+      <p:pic>
+        <p:nvPicPr>
+          <p:cNvPr id="5" name="Grafik 4">
+            <a:extLst>
+              <a:ext uri="{FF2B5EF4-FFF2-40B4-BE49-F238E27FC236}">
+                <a16:creationId xmlns:a16="http://schemas.microsoft.com/office/drawing/2014/main" id="{4D3A6E18-10D6-407A-9ECE-C1B00E110BC3}"/>
+              </a:ext>
+            </a:extLst>
+          </p:cNvPr>
+          <p:cNvPicPr>
+            <a:picLocks noChangeAspect="1"/>
+          </p:cNvPicPr>
+          <p:nvPr/>
+        </p:nvPicPr>
+        <p:blipFill>
+          <a:blip r:embed="rId3"/>
+          <a:stretch>
+            <a:fillRect/>
+          </a:stretch>
+        </p:blipFill>
+        <p:spPr>
+          <a:xfrm>
+            <a:off x="2317776" y="1840057"/>
+            <a:ext cx="6370701" cy="4666069"/>
+          </a:xfrm>
+          <a:prstGeom prst="rect">
+            <a:avLst/>
+          </a:prstGeom>
+        </p:spPr>
+      </p:pic>
+    </p:spTree>
+    <p:extLst>
+      <p:ext uri="{BB962C8B-B14F-4D97-AF65-F5344CB8AC3E}">
+        <p14:creationId xmlns:p14="http://schemas.microsoft.com/office/powerpoint/2010/main" val="2124830047"/>
+      </p:ext>
+    </p:extLst>
+  </p:cSld>
+  <p:clrMapOvr>
+    <a:masterClrMapping/>
+  </p:clrMapOvr>
+  <p:transition spd="slow">
+    <p:push/>
+  </p:transition>
+</p:sld>
+</file>
+
+<file path=ppt/slides/slide21.xml><?xml version="1.0" encoding="utf-8"?>
+<p:sld xmlns:a="http://schemas.openxmlformats.org/drawingml/2006/main" xmlns:r="http://schemas.openxmlformats.org/officeDocument/2006/relationships" xmlns:p="http://schemas.openxmlformats.org/presentationml/2006/main">
+  <p:cSld>
+    <p:spTree>
+      <p:nvGrpSpPr>
+        <p:cNvPr id="1" name=""/>
+        <p:cNvGrpSpPr/>
+        <p:nvPr/>
+      </p:nvGrpSpPr>
+      <p:grpSpPr>
+        <a:xfrm>
+          <a:off x="0" y="0"/>
+          <a:ext cx="0" cy="0"/>
+          <a:chOff x="0" y="0"/>
+          <a:chExt cx="0" cy="0"/>
+        </a:xfrm>
+      </p:grpSpPr>
+      <p:sp>
+        <p:nvSpPr>
+          <p:cNvPr id="2" name="Titel 1"/>
+          <p:cNvSpPr>
+            <a:spLocks noGrp="1"/>
+          </p:cNvSpPr>
+          <p:nvPr>
+            <p:ph type="title"/>
+          </p:nvPr>
+        </p:nvSpPr>
+        <p:spPr>
+          <a:xfrm>
+            <a:off x="774923" y="636677"/>
+            <a:ext cx="10653003" cy="633326"/>
+          </a:xfrm>
+        </p:spPr>
+        <p:txBody>
+          <a:bodyPr anchor="ctr">
+            <a:noAutofit/>
+          </a:bodyPr>
+          <a:lstStyle/>
+          <a:p>
+            <a:r>
+              <a:rPr lang="de-DE" sz="4400" noProof="0" dirty="0">
+                <a:effectLst>
+                  <a:outerShdw blurRad="38100" dist="38100" dir="2700000" algn="tl">
+                    <a:srgbClr val="000000">
+                      <a:alpha val="43137"/>
+                    </a:srgbClr>
+                  </a:outerShdw>
+                </a:effectLst>
+              </a:rPr>
+              <a:t>Ergebnisse</a:t>
+            </a:r>
+          </a:p>
+        </p:txBody>
+      </p:sp>
+      <p:sp>
+        <p:nvSpPr>
+          <p:cNvPr id="6" name="Foliennummernplatzhalter 5"/>
+          <p:cNvSpPr>
+            <a:spLocks noGrp="1"/>
+          </p:cNvSpPr>
+          <p:nvPr>
+            <p:ph type="sldNum" sz="quarter" idx="12"/>
+          </p:nvPr>
+        </p:nvSpPr>
+        <p:spPr>
+          <a:xfrm>
+            <a:off x="10270837" y="714371"/>
+            <a:ext cx="1291874" cy="477938"/>
+          </a:xfrm>
+        </p:spPr>
+        <p:txBody>
+          <a:bodyPr anchor="ctr"/>
+          <a:lstStyle/>
+          <a:p>
+            <a:fld id="{5D84065D-F351-4B03-BD91-D8A6B8D4B362}" type="slidenum">
+              <a:rPr lang="en-US" sz="4400" smtClean="0">
+                <a:solidFill>
+                  <a:schemeClr val="bg1"/>
+                </a:solidFill>
+                <a:effectLst>
+                  <a:outerShdw blurRad="38100" dist="38100" dir="2700000" algn="tl">
+                    <a:srgbClr val="000000">
+                      <a:alpha val="43137"/>
+                    </a:srgbClr>
+                  </a:outerShdw>
+                </a:effectLst>
+                <a:latin typeface="+mj-lt"/>
+              </a:rPr>
+              <a:t>21</a:t>
+            </a:fld>
+            <a:endParaRPr lang="en-US" sz="4400" dirty="0">
+              <a:solidFill>
+                <a:schemeClr val="bg1"/>
+              </a:solidFill>
+              <a:effectLst>
+                <a:outerShdw blurRad="38100" dist="38100" dir="2700000" algn="tl">
+                  <a:srgbClr val="000000">
+                    <a:alpha val="43137"/>
+                  </a:srgbClr>
+                </a:outerShdw>
+              </a:effectLst>
+              <a:latin typeface="+mj-lt"/>
+            </a:endParaRPr>
+          </a:p>
+        </p:txBody>
+      </p:sp>
+      <p:sp>
+        <p:nvSpPr>
+          <p:cNvPr id="7" name="Textfeld 6">
+            <a:extLst>
+              <a:ext uri="{FF2B5EF4-FFF2-40B4-BE49-F238E27FC236}">
+                <a16:creationId xmlns:a16="http://schemas.microsoft.com/office/drawing/2014/main" id="{8DAB33D4-11C8-4EDC-A458-C2B661C3316C}"/>
+              </a:ext>
+            </a:extLst>
+          </p:cNvPr>
+          <p:cNvSpPr txBox="1"/>
+          <p:nvPr/>
+        </p:nvSpPr>
+        <p:spPr>
+          <a:xfrm>
+            <a:off x="567659" y="1370364"/>
+            <a:ext cx="2576985" cy="369332"/>
+          </a:xfrm>
+          <a:prstGeom prst="rect">
+            <a:avLst/>
+          </a:prstGeom>
+          <a:noFill/>
+        </p:spPr>
+        <p:txBody>
+          <a:bodyPr wrap="square" rtlCol="0">
+            <a:spAutoFit/>
+          </a:bodyPr>
+          <a:lstStyle/>
+          <a:p>
+            <a:r>
+              <a:rPr lang="de-DE" dirty="0"/>
+              <a:t>Aktionsmenge: König+</a:t>
+            </a:r>
+          </a:p>
+        </p:txBody>
+      </p:sp>
+      <p:sp>
+        <p:nvSpPr>
+          <p:cNvPr id="9" name="Textfeld 8">
+            <a:extLst>
+              <a:ext uri="{FF2B5EF4-FFF2-40B4-BE49-F238E27FC236}">
+                <a16:creationId xmlns:a16="http://schemas.microsoft.com/office/drawing/2014/main" id="{F614746A-8718-458F-B3A8-B0D2AF34D86A}"/>
+              </a:ext>
+            </a:extLst>
+          </p:cNvPr>
+          <p:cNvSpPr txBox="1"/>
+          <p:nvPr/>
+        </p:nvSpPr>
+        <p:spPr>
+          <a:xfrm>
+            <a:off x="3791415" y="1370364"/>
+            <a:ext cx="3423424" cy="369332"/>
+          </a:xfrm>
+          <a:prstGeom prst="rect">
+            <a:avLst/>
+          </a:prstGeom>
+          <a:noFill/>
+        </p:spPr>
+        <p:txBody>
+          <a:bodyPr wrap="square" rtlCol="0">
+            <a:spAutoFit/>
+          </a:bodyPr>
+          <a:lstStyle/>
+          <a:p>
+            <a:r>
+              <a:rPr lang="de-DE" dirty="0"/>
+              <a:t>Umgebung: Stochastisch</a:t>
+            </a:r>
+          </a:p>
+        </p:txBody>
+      </p:sp>
+      <p:pic>
+        <p:nvPicPr>
+          <p:cNvPr id="4" name="Grafik 3">
+            <a:extLst>
+              <a:ext uri="{FF2B5EF4-FFF2-40B4-BE49-F238E27FC236}">
+                <a16:creationId xmlns:a16="http://schemas.microsoft.com/office/drawing/2014/main" id="{BF6C4EDD-169D-4C13-B24E-AC6DCB20038C}"/>
+              </a:ext>
+            </a:extLst>
+          </p:cNvPr>
+          <p:cNvPicPr>
+            <a:picLocks noChangeAspect="1"/>
+          </p:cNvPicPr>
+          <p:nvPr/>
+        </p:nvPicPr>
+        <p:blipFill>
+          <a:blip r:embed="rId3"/>
+          <a:stretch>
+            <a:fillRect/>
+          </a:stretch>
+        </p:blipFill>
+        <p:spPr>
+          <a:xfrm>
+            <a:off x="2897785" y="1840057"/>
+            <a:ext cx="6407277" cy="4692858"/>
+          </a:xfrm>
+          <a:prstGeom prst="rect">
+            <a:avLst/>
+          </a:prstGeom>
+        </p:spPr>
+      </p:pic>
+    </p:spTree>
+    <p:extLst>
+      <p:ext uri="{BB962C8B-B14F-4D97-AF65-F5344CB8AC3E}">
+        <p14:creationId xmlns:p14="http://schemas.microsoft.com/office/powerpoint/2010/main" val="3169949565"/>
+      </p:ext>
+    </p:extLst>
+  </p:cSld>
+  <p:clrMapOvr>
+    <a:masterClrMapping/>
+  </p:clrMapOvr>
+  <p:transition spd="slow">
+    <p:push/>
+  </p:transition>
+</p:sld>
+</file>
+
+<file path=ppt/slides/slide22.xml><?xml version="1.0" encoding="utf-8"?>
+<p:sld xmlns:a="http://schemas.openxmlformats.org/drawingml/2006/main" xmlns:r="http://schemas.openxmlformats.org/officeDocument/2006/relationships" xmlns:p="http://schemas.openxmlformats.org/presentationml/2006/main">
+  <p:cSld>
+    <p:spTree>
+      <p:nvGrpSpPr>
+        <p:cNvPr id="1" name=""/>
+        <p:cNvGrpSpPr/>
+        <p:nvPr/>
+      </p:nvGrpSpPr>
+      <p:grpSpPr>
+        <a:xfrm>
+          <a:off x="0" y="0"/>
+          <a:ext cx="0" cy="0"/>
+          <a:chOff x="0" y="0"/>
+          <a:chExt cx="0" cy="0"/>
+        </a:xfrm>
+      </p:grpSpPr>
+      <p:sp>
+        <p:nvSpPr>
+          <p:cNvPr id="2" name="Titel 1"/>
+          <p:cNvSpPr>
+            <a:spLocks noGrp="1"/>
+          </p:cNvSpPr>
+          <p:nvPr>
+            <p:ph type="title"/>
+          </p:nvPr>
+        </p:nvSpPr>
+        <p:spPr>
+          <a:xfrm>
+            <a:off x="774923" y="636677"/>
+            <a:ext cx="10653003" cy="633326"/>
+          </a:xfrm>
+        </p:spPr>
+        <p:txBody>
+          <a:bodyPr anchor="ctr">
+            <a:noAutofit/>
+          </a:bodyPr>
+          <a:lstStyle/>
+          <a:p>
+            <a:r>
+              <a:rPr lang="de-DE" sz="4400" noProof="0" dirty="0">
+                <a:effectLst>
+                  <a:outerShdw blurRad="38100" dist="38100" dir="2700000" algn="tl">
+                    <a:srgbClr val="000000">
+                      <a:alpha val="43137"/>
+                    </a:srgbClr>
+                  </a:outerShdw>
+                </a:effectLst>
+              </a:rPr>
+              <a:t>Ergebnisse</a:t>
+            </a:r>
+          </a:p>
+        </p:txBody>
+      </p:sp>
+      <p:sp>
+        <p:nvSpPr>
+          <p:cNvPr id="6" name="Foliennummernplatzhalter 5"/>
+          <p:cNvSpPr>
+            <a:spLocks noGrp="1"/>
+          </p:cNvSpPr>
+          <p:nvPr>
+            <p:ph type="sldNum" sz="quarter" idx="12"/>
+          </p:nvPr>
+        </p:nvSpPr>
+        <p:spPr>
+          <a:xfrm>
+            <a:off x="10270837" y="714371"/>
+            <a:ext cx="1291874" cy="477938"/>
+          </a:xfrm>
+        </p:spPr>
+        <p:txBody>
+          <a:bodyPr anchor="ctr"/>
+          <a:lstStyle/>
+          <a:p>
+            <a:fld id="{5D84065D-F351-4B03-BD91-D8A6B8D4B362}" type="slidenum">
+              <a:rPr lang="en-US" sz="4400" smtClean="0">
+                <a:solidFill>
+                  <a:schemeClr val="bg1"/>
+                </a:solidFill>
+                <a:effectLst>
+                  <a:outerShdw blurRad="38100" dist="38100" dir="2700000" algn="tl">
+                    <a:srgbClr val="000000">
+                      <a:alpha val="43137"/>
+                    </a:srgbClr>
+                  </a:outerShdw>
+                </a:effectLst>
+                <a:latin typeface="+mj-lt"/>
+              </a:rPr>
+              <a:t>22</a:t>
+            </a:fld>
+            <a:endParaRPr lang="en-US" sz="4400" dirty="0">
+              <a:solidFill>
+                <a:schemeClr val="bg1"/>
+              </a:solidFill>
+              <a:effectLst>
+                <a:outerShdw blurRad="38100" dist="38100" dir="2700000" algn="tl">
+                  <a:srgbClr val="000000">
+                    <a:alpha val="43137"/>
+                  </a:srgbClr>
+                </a:outerShdw>
+              </a:effectLst>
+              <a:latin typeface="+mj-lt"/>
+            </a:endParaRPr>
+          </a:p>
+        </p:txBody>
+      </p:sp>
+      <p:sp>
+        <p:nvSpPr>
+          <p:cNvPr id="7" name="Textfeld 6">
+            <a:extLst>
+              <a:ext uri="{FF2B5EF4-FFF2-40B4-BE49-F238E27FC236}">
+                <a16:creationId xmlns:a16="http://schemas.microsoft.com/office/drawing/2014/main" id="{8DAB33D4-11C8-4EDC-A458-C2B661C3316C}"/>
+              </a:ext>
+            </a:extLst>
+          </p:cNvPr>
+          <p:cNvSpPr txBox="1"/>
+          <p:nvPr/>
+        </p:nvSpPr>
+        <p:spPr>
+          <a:xfrm>
+            <a:off x="567659" y="1370364"/>
+            <a:ext cx="2576985" cy="369332"/>
+          </a:xfrm>
+          <a:prstGeom prst="rect">
+            <a:avLst/>
+          </a:prstGeom>
+          <a:noFill/>
+        </p:spPr>
+        <p:txBody>
+          <a:bodyPr wrap="square" rtlCol="0">
+            <a:spAutoFit/>
+          </a:bodyPr>
+          <a:lstStyle/>
+          <a:p>
+            <a:r>
+              <a:rPr lang="de-DE" dirty="0"/>
+              <a:t>Aktionsmenge: Normal</a:t>
+            </a:r>
+          </a:p>
+        </p:txBody>
+      </p:sp>
+      <p:sp>
+        <p:nvSpPr>
+          <p:cNvPr id="9" name="Textfeld 8">
+            <a:extLst>
+              <a:ext uri="{FF2B5EF4-FFF2-40B4-BE49-F238E27FC236}">
+                <a16:creationId xmlns:a16="http://schemas.microsoft.com/office/drawing/2014/main" id="{F614746A-8718-458F-B3A8-B0D2AF34D86A}"/>
+              </a:ext>
+            </a:extLst>
+          </p:cNvPr>
+          <p:cNvSpPr txBox="1"/>
+          <p:nvPr/>
+        </p:nvSpPr>
+        <p:spPr>
+          <a:xfrm>
+            <a:off x="3791415" y="1370364"/>
+            <a:ext cx="3423424" cy="369332"/>
+          </a:xfrm>
+          <a:prstGeom prst="rect">
+            <a:avLst/>
+          </a:prstGeom>
+          <a:noFill/>
+        </p:spPr>
+        <p:txBody>
+          <a:bodyPr wrap="square" rtlCol="0">
+            <a:spAutoFit/>
+          </a:bodyPr>
+          <a:lstStyle/>
+          <a:p>
+            <a:r>
+              <a:rPr lang="de-DE" dirty="0"/>
+              <a:t>Umgebung: Deterministisch</a:t>
+            </a:r>
+          </a:p>
+        </p:txBody>
+      </p:sp>
+      <p:sp>
+        <p:nvSpPr>
+          <p:cNvPr id="8" name="Textfeld 7">
+            <a:extLst>
+              <a:ext uri="{FF2B5EF4-FFF2-40B4-BE49-F238E27FC236}">
+                <a16:creationId xmlns:a16="http://schemas.microsoft.com/office/drawing/2014/main" id="{13C1E899-D7AE-4C28-A10C-DF17DF808572}"/>
+              </a:ext>
+            </a:extLst>
+          </p:cNvPr>
+          <p:cNvSpPr txBox="1"/>
+          <p:nvPr/>
+        </p:nvSpPr>
+        <p:spPr>
+          <a:xfrm>
+            <a:off x="7861610" y="1347697"/>
+            <a:ext cx="3423424" cy="369332"/>
+          </a:xfrm>
+          <a:prstGeom prst="rect">
+            <a:avLst/>
+          </a:prstGeom>
+          <a:noFill/>
+        </p:spPr>
+        <p:txBody>
+          <a:bodyPr wrap="square" rtlCol="0">
+            <a:spAutoFit/>
+          </a:bodyPr>
+          <a:lstStyle/>
+          <a:p>
+            <a:r>
+              <a:rPr lang="de-DE" dirty="0"/>
+              <a:t>Beobachten von ε = 0.1</a:t>
+            </a:r>
+          </a:p>
+        </p:txBody>
+      </p:sp>
+      <p:pic>
+        <p:nvPicPr>
+          <p:cNvPr id="15" name="Grafik 14">
+            <a:extLst>
+              <a:ext uri="{FF2B5EF4-FFF2-40B4-BE49-F238E27FC236}">
+                <a16:creationId xmlns:a16="http://schemas.microsoft.com/office/drawing/2014/main" id="{AFE0C429-D131-4793-8EF8-9000E25E03D8}"/>
+              </a:ext>
+            </a:extLst>
+          </p:cNvPr>
+          <p:cNvPicPr>
+            <a:picLocks noChangeAspect="1"/>
+          </p:cNvPicPr>
+          <p:nvPr/>
+        </p:nvPicPr>
+        <p:blipFill>
+          <a:blip r:embed="rId3"/>
+          <a:stretch>
+            <a:fillRect/>
+          </a:stretch>
+        </p:blipFill>
+        <p:spPr>
+          <a:xfrm>
+            <a:off x="6240522" y="2052796"/>
+            <a:ext cx="5534877" cy="4053889"/>
+          </a:xfrm>
+          <a:prstGeom prst="rect">
+            <a:avLst/>
+          </a:prstGeom>
+        </p:spPr>
+      </p:pic>
+      <p:pic>
+        <p:nvPicPr>
+          <p:cNvPr id="17" name="Grafik 16">
+            <a:extLst>
+              <a:ext uri="{FF2B5EF4-FFF2-40B4-BE49-F238E27FC236}">
+                <a16:creationId xmlns:a16="http://schemas.microsoft.com/office/drawing/2014/main" id="{0F18BA40-9680-4400-997B-9F2C8037635B}"/>
+              </a:ext>
+            </a:extLst>
+          </p:cNvPr>
+          <p:cNvPicPr>
+            <a:picLocks noChangeAspect="1"/>
+          </p:cNvPicPr>
+          <p:nvPr/>
+        </p:nvPicPr>
+        <p:blipFill>
+          <a:blip r:embed="rId4"/>
+          <a:stretch>
+            <a:fillRect/>
+          </a:stretch>
+        </p:blipFill>
+        <p:spPr>
+          <a:xfrm>
+            <a:off x="567659" y="2052795"/>
+            <a:ext cx="5534878" cy="4053890"/>
+          </a:xfrm>
+          <a:prstGeom prst="rect">
+            <a:avLst/>
+          </a:prstGeom>
+        </p:spPr>
+      </p:pic>
+    </p:spTree>
+    <p:extLst>
+      <p:ext uri="{BB962C8B-B14F-4D97-AF65-F5344CB8AC3E}">
+        <p14:creationId xmlns:p14="http://schemas.microsoft.com/office/powerpoint/2010/main" val="348219763"/>
+      </p:ext>
+    </p:extLst>
+  </p:cSld>
+  <p:clrMapOvr>
+    <a:masterClrMapping/>
+  </p:clrMapOvr>
+  <p:transition spd="slow">
+    <p:push/>
+  </p:transition>
+</p:sld>
+</file>
+
+<file path=ppt/slides/slide23.xml><?xml version="1.0" encoding="utf-8"?>
+<p:sld xmlns:a="http://schemas.openxmlformats.org/drawingml/2006/main" xmlns:r="http://schemas.openxmlformats.org/officeDocument/2006/relationships" xmlns:p="http://schemas.openxmlformats.org/presentationml/2006/main">
+  <p:cSld>
+    <p:spTree>
+      <p:nvGrpSpPr>
+        <p:cNvPr id="1" name=""/>
+        <p:cNvGrpSpPr/>
+        <p:nvPr/>
+      </p:nvGrpSpPr>
+      <p:grpSpPr>
+        <a:xfrm>
+          <a:off x="0" y="0"/>
+          <a:ext cx="0" cy="0"/>
+          <a:chOff x="0" y="0"/>
+          <a:chExt cx="0" cy="0"/>
+        </a:xfrm>
+      </p:grpSpPr>
+      <p:sp>
+        <p:nvSpPr>
+          <p:cNvPr id="2" name="Titel 1"/>
+          <p:cNvSpPr>
+            <a:spLocks noGrp="1"/>
+          </p:cNvSpPr>
+          <p:nvPr>
+            <p:ph type="title"/>
+          </p:nvPr>
+        </p:nvSpPr>
+        <p:spPr>
+          <a:xfrm>
+            <a:off x="774923" y="636677"/>
+            <a:ext cx="10653003" cy="633326"/>
+          </a:xfrm>
+        </p:spPr>
+        <p:txBody>
+          <a:bodyPr anchor="ctr">
+            <a:noAutofit/>
+          </a:bodyPr>
+          <a:lstStyle/>
+          <a:p>
+            <a:r>
+              <a:rPr lang="de-DE" sz="4400" noProof="0" dirty="0">
+                <a:effectLst>
+                  <a:outerShdw blurRad="38100" dist="38100" dir="2700000" algn="tl">
+                    <a:srgbClr val="000000">
+                      <a:alpha val="43137"/>
+                    </a:srgbClr>
+                  </a:outerShdw>
+                </a:effectLst>
+              </a:rPr>
+              <a:t>Ergebnisse</a:t>
+            </a:r>
+          </a:p>
+        </p:txBody>
+      </p:sp>
+      <p:sp>
+        <p:nvSpPr>
+          <p:cNvPr id="6" name="Foliennummernplatzhalter 5"/>
+          <p:cNvSpPr>
+            <a:spLocks noGrp="1"/>
+          </p:cNvSpPr>
+          <p:nvPr>
+            <p:ph type="sldNum" sz="quarter" idx="12"/>
+          </p:nvPr>
+        </p:nvSpPr>
+        <p:spPr>
+          <a:xfrm>
+            <a:off x="10270837" y="714371"/>
+            <a:ext cx="1291874" cy="477938"/>
+          </a:xfrm>
+        </p:spPr>
+        <p:txBody>
+          <a:bodyPr anchor="ctr"/>
+          <a:lstStyle/>
+          <a:p>
+            <a:fld id="{5D84065D-F351-4B03-BD91-D8A6B8D4B362}" type="slidenum">
+              <a:rPr lang="en-US" sz="4400" smtClean="0">
+                <a:solidFill>
+                  <a:schemeClr val="bg1"/>
+                </a:solidFill>
+                <a:effectLst>
+                  <a:outerShdw blurRad="38100" dist="38100" dir="2700000" algn="tl">
+                    <a:srgbClr val="000000">
+                      <a:alpha val="43137"/>
+                    </a:srgbClr>
+                  </a:outerShdw>
+                </a:effectLst>
+                <a:latin typeface="+mj-lt"/>
+              </a:rPr>
+              <a:t>23</a:t>
+            </a:fld>
+            <a:endParaRPr lang="en-US" sz="4400" dirty="0">
+              <a:solidFill>
+                <a:schemeClr val="bg1"/>
+              </a:solidFill>
+              <a:effectLst>
+                <a:outerShdw blurRad="38100" dist="38100" dir="2700000" algn="tl">
+                  <a:srgbClr val="000000">
+                    <a:alpha val="43137"/>
+                  </a:srgbClr>
+                </a:outerShdw>
+              </a:effectLst>
+              <a:latin typeface="+mj-lt"/>
+            </a:endParaRPr>
+          </a:p>
+        </p:txBody>
+      </p:sp>
+      <p:sp>
+        <p:nvSpPr>
+          <p:cNvPr id="7" name="Textfeld 6">
+            <a:extLst>
+              <a:ext uri="{FF2B5EF4-FFF2-40B4-BE49-F238E27FC236}">
+                <a16:creationId xmlns:a16="http://schemas.microsoft.com/office/drawing/2014/main" id="{8DAB33D4-11C8-4EDC-A458-C2B661C3316C}"/>
+              </a:ext>
+            </a:extLst>
+          </p:cNvPr>
+          <p:cNvSpPr txBox="1"/>
+          <p:nvPr/>
+        </p:nvSpPr>
+        <p:spPr>
+          <a:xfrm>
+            <a:off x="567659" y="1370364"/>
+            <a:ext cx="2576985" cy="369332"/>
+          </a:xfrm>
+          <a:prstGeom prst="rect">
+            <a:avLst/>
+          </a:prstGeom>
+          <a:noFill/>
+        </p:spPr>
+        <p:txBody>
+          <a:bodyPr wrap="square" rtlCol="0">
+            <a:spAutoFit/>
+          </a:bodyPr>
+          <a:lstStyle/>
+          <a:p>
+            <a:r>
+              <a:rPr lang="de-DE" dirty="0"/>
+              <a:t>Aktionsmenge: Normal</a:t>
+            </a:r>
+          </a:p>
+        </p:txBody>
+      </p:sp>
+      <p:sp>
+        <p:nvSpPr>
+          <p:cNvPr id="9" name="Textfeld 8">
+            <a:extLst>
+              <a:ext uri="{FF2B5EF4-FFF2-40B4-BE49-F238E27FC236}">
+                <a16:creationId xmlns:a16="http://schemas.microsoft.com/office/drawing/2014/main" id="{F614746A-8718-458F-B3A8-B0D2AF34D86A}"/>
+              </a:ext>
+            </a:extLst>
+          </p:cNvPr>
+          <p:cNvSpPr txBox="1"/>
+          <p:nvPr/>
+        </p:nvSpPr>
+        <p:spPr>
+          <a:xfrm>
+            <a:off x="3791415" y="1370364"/>
+            <a:ext cx="3423424" cy="369332"/>
+          </a:xfrm>
+          <a:prstGeom prst="rect">
+            <a:avLst/>
+          </a:prstGeom>
+          <a:noFill/>
+        </p:spPr>
+        <p:txBody>
+          <a:bodyPr wrap="square" rtlCol="0">
+            <a:spAutoFit/>
+          </a:bodyPr>
+          <a:lstStyle/>
+          <a:p>
+            <a:r>
+              <a:rPr lang="de-DE" dirty="0"/>
+              <a:t>Umgebung: Deterministisch</a:t>
+            </a:r>
+          </a:p>
+        </p:txBody>
+      </p:sp>
+      <p:sp>
+        <p:nvSpPr>
+          <p:cNvPr id="8" name="Textfeld 7">
+            <a:extLst>
+              <a:ext uri="{FF2B5EF4-FFF2-40B4-BE49-F238E27FC236}">
+                <a16:creationId xmlns:a16="http://schemas.microsoft.com/office/drawing/2014/main" id="{13C1E899-D7AE-4C28-A10C-DF17DF808572}"/>
+              </a:ext>
+            </a:extLst>
+          </p:cNvPr>
+          <p:cNvSpPr txBox="1"/>
+          <p:nvPr/>
+        </p:nvSpPr>
+        <p:spPr>
+          <a:xfrm>
+            <a:off x="7861610" y="1347697"/>
+            <a:ext cx="3423424" cy="369332"/>
+          </a:xfrm>
+          <a:prstGeom prst="rect">
+            <a:avLst/>
+          </a:prstGeom>
+          <a:noFill/>
+        </p:spPr>
+        <p:txBody>
+          <a:bodyPr wrap="square" rtlCol="0">
+            <a:spAutoFit/>
+          </a:bodyPr>
+          <a:lstStyle/>
+          <a:p>
+            <a:r>
+              <a:rPr lang="de-DE" dirty="0"/>
+              <a:t>Beobachten von ε = 0.2</a:t>
+            </a:r>
+          </a:p>
+        </p:txBody>
+      </p:sp>
+      <p:pic>
+        <p:nvPicPr>
+          <p:cNvPr id="4" name="Grafik 3">
+            <a:extLst>
+              <a:ext uri="{FF2B5EF4-FFF2-40B4-BE49-F238E27FC236}">
+                <a16:creationId xmlns:a16="http://schemas.microsoft.com/office/drawing/2014/main" id="{E06FB5E8-BEAE-49FB-81E6-DDDEA78ED1D9}"/>
+              </a:ext>
+            </a:extLst>
+          </p:cNvPr>
+          <p:cNvPicPr>
+            <a:picLocks noChangeAspect="1"/>
+          </p:cNvPicPr>
+          <p:nvPr/>
+        </p:nvPicPr>
+        <p:blipFill>
+          <a:blip r:embed="rId3"/>
+          <a:stretch>
+            <a:fillRect/>
+          </a:stretch>
+        </p:blipFill>
+        <p:spPr>
+          <a:xfrm>
+            <a:off x="6249799" y="2052795"/>
+            <a:ext cx="5536751" cy="4055262"/>
+          </a:xfrm>
+          <a:prstGeom prst="rect">
+            <a:avLst/>
+          </a:prstGeom>
+        </p:spPr>
+      </p:pic>
+      <p:pic>
+        <p:nvPicPr>
+          <p:cNvPr id="10" name="Grafik 9">
+            <a:extLst>
+              <a:ext uri="{FF2B5EF4-FFF2-40B4-BE49-F238E27FC236}">
+                <a16:creationId xmlns:a16="http://schemas.microsoft.com/office/drawing/2014/main" id="{FDF882B3-870C-41A6-935A-F52C530C0D47}"/>
+              </a:ext>
+            </a:extLst>
+          </p:cNvPr>
+          <p:cNvPicPr>
+            <a:picLocks noChangeAspect="1"/>
+          </p:cNvPicPr>
+          <p:nvPr/>
+        </p:nvPicPr>
+        <p:blipFill>
+          <a:blip r:embed="rId4"/>
+          <a:stretch>
+            <a:fillRect/>
+          </a:stretch>
+        </p:blipFill>
+        <p:spPr>
+          <a:xfrm>
+            <a:off x="579740" y="2052795"/>
+            <a:ext cx="5536751" cy="4055262"/>
+          </a:xfrm>
+          <a:prstGeom prst="rect">
+            <a:avLst/>
+          </a:prstGeom>
+        </p:spPr>
+      </p:pic>
+    </p:spTree>
+    <p:extLst>
+      <p:ext uri="{BB962C8B-B14F-4D97-AF65-F5344CB8AC3E}">
+        <p14:creationId xmlns:p14="http://schemas.microsoft.com/office/powerpoint/2010/main" val="932885602"/>
+      </p:ext>
+    </p:extLst>
+  </p:cSld>
+  <p:clrMapOvr>
+    <a:masterClrMapping/>
+  </p:clrMapOvr>
+  <p:transition spd="slow">
+    <p:push/>
+  </p:transition>
+</p:sld>
+</file>
+
+<file path=ppt/slides/slide24.xml><?xml version="1.0" encoding="utf-8"?>
+<p:sld xmlns:a="http://schemas.openxmlformats.org/drawingml/2006/main" xmlns:r="http://schemas.openxmlformats.org/officeDocument/2006/relationships" xmlns:p="http://schemas.openxmlformats.org/presentationml/2006/main">
+  <p:cSld>
+    <p:spTree>
+      <p:nvGrpSpPr>
+        <p:cNvPr id="1" name=""/>
+        <p:cNvGrpSpPr/>
+        <p:nvPr/>
+      </p:nvGrpSpPr>
+      <p:grpSpPr>
+        <a:xfrm>
+          <a:off x="0" y="0"/>
+          <a:ext cx="0" cy="0"/>
+          <a:chOff x="0" y="0"/>
+          <a:chExt cx="0" cy="0"/>
+        </a:xfrm>
+      </p:grpSpPr>
+      <p:sp>
+        <p:nvSpPr>
+          <p:cNvPr id="2" name="Titel 1"/>
+          <p:cNvSpPr>
+            <a:spLocks noGrp="1"/>
+          </p:cNvSpPr>
+          <p:nvPr>
+            <p:ph type="title"/>
+          </p:nvPr>
+        </p:nvSpPr>
+        <p:spPr>
+          <a:xfrm>
+            <a:off x="774923" y="636677"/>
+            <a:ext cx="10653003" cy="633326"/>
+          </a:xfrm>
+        </p:spPr>
+        <p:txBody>
+          <a:bodyPr anchor="ctr">
+            <a:noAutofit/>
+          </a:bodyPr>
+          <a:lstStyle/>
+          <a:p>
+            <a:r>
+              <a:rPr lang="de-DE" sz="4400" noProof="0" dirty="0">
+                <a:effectLst>
+                  <a:outerShdw blurRad="38100" dist="38100" dir="2700000" algn="tl">
+                    <a:srgbClr val="000000">
+                      <a:alpha val="43137"/>
+                    </a:srgbClr>
+                  </a:outerShdw>
+                </a:effectLst>
+              </a:rPr>
+              <a:t>Ergebnisse</a:t>
+            </a:r>
+          </a:p>
+        </p:txBody>
+      </p:sp>
+      <p:sp>
+        <p:nvSpPr>
+          <p:cNvPr id="6" name="Foliennummernplatzhalter 5"/>
+          <p:cNvSpPr>
+            <a:spLocks noGrp="1"/>
+          </p:cNvSpPr>
+          <p:nvPr>
+            <p:ph type="sldNum" sz="quarter" idx="12"/>
+          </p:nvPr>
+        </p:nvSpPr>
+        <p:spPr>
+          <a:xfrm>
+            <a:off x="10270837" y="714371"/>
+            <a:ext cx="1291874" cy="477938"/>
+          </a:xfrm>
+        </p:spPr>
+        <p:txBody>
+          <a:bodyPr anchor="ctr"/>
+          <a:lstStyle/>
+          <a:p>
+            <a:fld id="{5D84065D-F351-4B03-BD91-D8A6B8D4B362}" type="slidenum">
+              <a:rPr lang="en-US" sz="4400" smtClean="0">
+                <a:solidFill>
+                  <a:schemeClr val="bg1"/>
+                </a:solidFill>
+                <a:effectLst>
+                  <a:outerShdw blurRad="38100" dist="38100" dir="2700000" algn="tl">
+                    <a:srgbClr val="000000">
+                      <a:alpha val="43137"/>
+                    </a:srgbClr>
+                  </a:outerShdw>
+                </a:effectLst>
+                <a:latin typeface="+mj-lt"/>
+              </a:rPr>
+              <a:t>24</a:t>
+            </a:fld>
+            <a:endParaRPr lang="en-US" sz="4400" dirty="0">
+              <a:solidFill>
+                <a:schemeClr val="bg1"/>
+              </a:solidFill>
+              <a:effectLst>
+                <a:outerShdw blurRad="38100" dist="38100" dir="2700000" algn="tl">
+                  <a:srgbClr val="000000">
+                    <a:alpha val="43137"/>
+                  </a:srgbClr>
+                </a:outerShdw>
+              </a:effectLst>
+              <a:latin typeface="+mj-lt"/>
+            </a:endParaRPr>
+          </a:p>
+        </p:txBody>
+      </p:sp>
+      <p:sp>
+        <p:nvSpPr>
+          <p:cNvPr id="7" name="Textfeld 6">
+            <a:extLst>
+              <a:ext uri="{FF2B5EF4-FFF2-40B4-BE49-F238E27FC236}">
+                <a16:creationId xmlns:a16="http://schemas.microsoft.com/office/drawing/2014/main" id="{8DAB33D4-11C8-4EDC-A458-C2B661C3316C}"/>
+              </a:ext>
+            </a:extLst>
+          </p:cNvPr>
+          <p:cNvSpPr txBox="1"/>
+          <p:nvPr/>
+        </p:nvSpPr>
+        <p:spPr>
+          <a:xfrm>
+            <a:off x="567659" y="1370364"/>
+            <a:ext cx="2576985" cy="369332"/>
+          </a:xfrm>
+          <a:prstGeom prst="rect">
+            <a:avLst/>
+          </a:prstGeom>
+          <a:noFill/>
+        </p:spPr>
+        <p:txBody>
+          <a:bodyPr wrap="square" rtlCol="0">
+            <a:spAutoFit/>
+          </a:bodyPr>
+          <a:lstStyle/>
+          <a:p>
+            <a:r>
+              <a:rPr lang="de-DE" dirty="0"/>
+              <a:t>Aktionsmenge: Normal</a:t>
+            </a:r>
+          </a:p>
+        </p:txBody>
+      </p:sp>
+      <p:sp>
+        <p:nvSpPr>
+          <p:cNvPr id="9" name="Textfeld 8">
+            <a:extLst>
+              <a:ext uri="{FF2B5EF4-FFF2-40B4-BE49-F238E27FC236}">
+                <a16:creationId xmlns:a16="http://schemas.microsoft.com/office/drawing/2014/main" id="{F614746A-8718-458F-B3A8-B0D2AF34D86A}"/>
+              </a:ext>
+            </a:extLst>
+          </p:cNvPr>
+          <p:cNvSpPr txBox="1"/>
+          <p:nvPr/>
+        </p:nvSpPr>
+        <p:spPr>
+          <a:xfrm>
+            <a:off x="3791415" y="1370364"/>
+            <a:ext cx="3423424" cy="369332"/>
+          </a:xfrm>
+          <a:prstGeom prst="rect">
+            <a:avLst/>
+          </a:prstGeom>
+          <a:noFill/>
+        </p:spPr>
+        <p:txBody>
+          <a:bodyPr wrap="square" rtlCol="0">
+            <a:spAutoFit/>
+          </a:bodyPr>
+          <a:lstStyle/>
+          <a:p>
+            <a:r>
+              <a:rPr lang="de-DE" dirty="0"/>
+              <a:t>Umgebung: Deterministisch</a:t>
+            </a:r>
+          </a:p>
+        </p:txBody>
+      </p:sp>
+      <p:sp>
+        <p:nvSpPr>
+          <p:cNvPr id="8" name="Textfeld 7">
+            <a:extLst>
+              <a:ext uri="{FF2B5EF4-FFF2-40B4-BE49-F238E27FC236}">
+                <a16:creationId xmlns:a16="http://schemas.microsoft.com/office/drawing/2014/main" id="{13C1E899-D7AE-4C28-A10C-DF17DF808572}"/>
+              </a:ext>
+            </a:extLst>
+          </p:cNvPr>
+          <p:cNvSpPr txBox="1"/>
+          <p:nvPr/>
+        </p:nvSpPr>
+        <p:spPr>
+          <a:xfrm>
+            <a:off x="7861610" y="1347697"/>
+            <a:ext cx="3423424" cy="369332"/>
+          </a:xfrm>
+          <a:prstGeom prst="rect">
+            <a:avLst/>
+          </a:prstGeom>
+          <a:noFill/>
+        </p:spPr>
+        <p:txBody>
+          <a:bodyPr wrap="square" rtlCol="0">
+            <a:spAutoFit/>
+          </a:bodyPr>
+          <a:lstStyle/>
+          <a:p>
+            <a:r>
+              <a:rPr lang="de-DE" dirty="0"/>
+              <a:t>Beobachten von ε = 0.3</a:t>
+            </a:r>
+          </a:p>
+        </p:txBody>
+      </p:sp>
+      <p:pic>
+        <p:nvPicPr>
+          <p:cNvPr id="4" name="Grafik 3">
+            <a:extLst>
+              <a:ext uri="{FF2B5EF4-FFF2-40B4-BE49-F238E27FC236}">
+                <a16:creationId xmlns:a16="http://schemas.microsoft.com/office/drawing/2014/main" id="{A0ED0180-A357-47DD-9200-532EEC85C313}"/>
+              </a:ext>
+            </a:extLst>
+          </p:cNvPr>
+          <p:cNvPicPr>
+            <a:picLocks noChangeAspect="1"/>
+          </p:cNvPicPr>
+          <p:nvPr/>
+        </p:nvPicPr>
+        <p:blipFill>
+          <a:blip r:embed="rId3"/>
+          <a:stretch>
+            <a:fillRect/>
+          </a:stretch>
+        </p:blipFill>
+        <p:spPr>
+          <a:xfrm>
+            <a:off x="6193755" y="2038909"/>
+            <a:ext cx="5553837" cy="4067776"/>
+          </a:xfrm>
+          <a:prstGeom prst="rect">
+            <a:avLst/>
+          </a:prstGeom>
+        </p:spPr>
+      </p:pic>
+      <p:pic>
+        <p:nvPicPr>
+          <p:cNvPr id="10" name="Grafik 9">
+            <a:extLst>
+              <a:ext uri="{FF2B5EF4-FFF2-40B4-BE49-F238E27FC236}">
+                <a16:creationId xmlns:a16="http://schemas.microsoft.com/office/drawing/2014/main" id="{F6039C61-B1D0-4AF5-86CE-9CB5FBA6C8A3}"/>
+              </a:ext>
+            </a:extLst>
+          </p:cNvPr>
+          <p:cNvPicPr>
+            <a:picLocks noChangeAspect="1"/>
+          </p:cNvPicPr>
+          <p:nvPr/>
+        </p:nvPicPr>
+        <p:blipFill>
+          <a:blip r:embed="rId4"/>
+          <a:stretch>
+            <a:fillRect/>
+          </a:stretch>
+        </p:blipFill>
+        <p:spPr>
+          <a:xfrm>
+            <a:off x="546775" y="2038909"/>
+            <a:ext cx="5553837" cy="4067776"/>
+          </a:xfrm>
+          <a:prstGeom prst="rect">
+            <a:avLst/>
+          </a:prstGeom>
+        </p:spPr>
+      </p:pic>
+    </p:spTree>
+    <p:extLst>
+      <p:ext uri="{BB962C8B-B14F-4D97-AF65-F5344CB8AC3E}">
+        <p14:creationId xmlns:p14="http://schemas.microsoft.com/office/powerpoint/2010/main" val="4274000806"/>
+      </p:ext>
+    </p:extLst>
+  </p:cSld>
+  <p:clrMapOvr>
+    <a:masterClrMapping/>
+  </p:clrMapOvr>
+  <p:transition spd="slow">
+    <p:push/>
+  </p:transition>
+</p:sld>
+</file>
+
+<file path=ppt/slides/slide25.xml><?xml version="1.0" encoding="utf-8"?>
+<p:sld xmlns:a="http://schemas.openxmlformats.org/drawingml/2006/main" xmlns:r="http://schemas.openxmlformats.org/officeDocument/2006/relationships" xmlns:p="http://schemas.openxmlformats.org/presentationml/2006/main">
+  <p:cSld>
+    <p:spTree>
+      <p:nvGrpSpPr>
+        <p:cNvPr id="1" name=""/>
+        <p:cNvGrpSpPr/>
+        <p:nvPr/>
+      </p:nvGrpSpPr>
+      <p:grpSpPr>
+        <a:xfrm>
+          <a:off x="0" y="0"/>
+          <a:ext cx="0" cy="0"/>
+          <a:chOff x="0" y="0"/>
+          <a:chExt cx="0" cy="0"/>
+        </a:xfrm>
+      </p:grpSpPr>
+      <p:pic>
+        <p:nvPicPr>
+          <p:cNvPr id="12" name="Grafik 11">
+            <a:extLst>
+              <a:ext uri="{FF2B5EF4-FFF2-40B4-BE49-F238E27FC236}">
+                <a16:creationId xmlns:a16="http://schemas.microsoft.com/office/drawing/2014/main" id="{833E1173-9890-402E-A916-22C609714752}"/>
+              </a:ext>
+            </a:extLst>
+          </p:cNvPr>
+          <p:cNvPicPr>
+            <a:picLocks noChangeAspect="1"/>
+          </p:cNvPicPr>
+          <p:nvPr/>
+        </p:nvPicPr>
+        <p:blipFill>
+          <a:blip r:embed="rId3"/>
+          <a:stretch>
+            <a:fillRect/>
+          </a:stretch>
+        </p:blipFill>
+        <p:spPr>
+          <a:xfrm>
+            <a:off x="546775" y="2038909"/>
+            <a:ext cx="5553837" cy="4067776"/>
+          </a:xfrm>
+          <a:prstGeom prst="rect">
+            <a:avLst/>
+          </a:prstGeom>
+        </p:spPr>
+      </p:pic>
+      <p:pic>
+        <p:nvPicPr>
+          <p:cNvPr id="5" name="Grafik 4">
+            <a:extLst>
+              <a:ext uri="{FF2B5EF4-FFF2-40B4-BE49-F238E27FC236}">
+                <a16:creationId xmlns:a16="http://schemas.microsoft.com/office/drawing/2014/main" id="{5452FB9B-3B51-4A71-BB1D-14623C152B02}"/>
+              </a:ext>
+            </a:extLst>
+          </p:cNvPr>
+          <p:cNvPicPr>
+            <a:picLocks noChangeAspect="1"/>
+          </p:cNvPicPr>
+          <p:nvPr/>
+        </p:nvPicPr>
+        <p:blipFill>
+          <a:blip r:embed="rId4"/>
+          <a:stretch>
+            <a:fillRect/>
+          </a:stretch>
+        </p:blipFill>
+        <p:spPr>
+          <a:xfrm>
+            <a:off x="6193754" y="2038909"/>
+            <a:ext cx="5553837" cy="4067776"/>
+          </a:xfrm>
+          <a:prstGeom prst="rect">
+            <a:avLst/>
+          </a:prstGeom>
+        </p:spPr>
+      </p:pic>
+      <p:sp>
+        <p:nvSpPr>
+          <p:cNvPr id="2" name="Titel 1"/>
+          <p:cNvSpPr>
+            <a:spLocks noGrp="1"/>
+          </p:cNvSpPr>
+          <p:nvPr>
+            <p:ph type="title"/>
+          </p:nvPr>
+        </p:nvSpPr>
+        <p:spPr>
+          <a:xfrm>
+            <a:off x="774923" y="636677"/>
+            <a:ext cx="10653003" cy="633326"/>
+          </a:xfrm>
+        </p:spPr>
+        <p:txBody>
+          <a:bodyPr anchor="ctr">
+            <a:noAutofit/>
+          </a:bodyPr>
+          <a:lstStyle/>
+          <a:p>
+            <a:r>
+              <a:rPr lang="de-DE" sz="4400" noProof="0" dirty="0">
+                <a:effectLst>
+                  <a:outerShdw blurRad="38100" dist="38100" dir="2700000" algn="tl">
+                    <a:srgbClr val="000000">
+                      <a:alpha val="43137"/>
+                    </a:srgbClr>
+                  </a:outerShdw>
+                </a:effectLst>
+              </a:rPr>
+              <a:t>Ergebnisse</a:t>
+            </a:r>
+          </a:p>
+        </p:txBody>
+      </p:sp>
+      <p:sp>
+        <p:nvSpPr>
+          <p:cNvPr id="6" name="Foliennummernplatzhalter 5"/>
+          <p:cNvSpPr>
+            <a:spLocks noGrp="1"/>
+          </p:cNvSpPr>
+          <p:nvPr>
+            <p:ph type="sldNum" sz="quarter" idx="12"/>
+          </p:nvPr>
+        </p:nvSpPr>
+        <p:spPr>
+          <a:xfrm>
+            <a:off x="10270837" y="714371"/>
+            <a:ext cx="1291874" cy="477938"/>
+          </a:xfrm>
+        </p:spPr>
+        <p:txBody>
+          <a:bodyPr anchor="ctr"/>
+          <a:lstStyle/>
+          <a:p>
+            <a:fld id="{5D84065D-F351-4B03-BD91-D8A6B8D4B362}" type="slidenum">
+              <a:rPr lang="en-US" sz="4400" smtClean="0">
+                <a:solidFill>
+                  <a:schemeClr val="bg1"/>
+                </a:solidFill>
+                <a:effectLst>
+                  <a:outerShdw blurRad="38100" dist="38100" dir="2700000" algn="tl">
+                    <a:srgbClr val="000000">
+                      <a:alpha val="43137"/>
+                    </a:srgbClr>
+                  </a:outerShdw>
+                </a:effectLst>
+                <a:latin typeface="+mj-lt"/>
+              </a:rPr>
+              <a:t>25</a:t>
+            </a:fld>
+            <a:endParaRPr lang="en-US" sz="4400" dirty="0">
+              <a:solidFill>
+                <a:schemeClr val="bg1"/>
+              </a:solidFill>
+              <a:effectLst>
+                <a:outerShdw blurRad="38100" dist="38100" dir="2700000" algn="tl">
+                  <a:srgbClr val="000000">
+                    <a:alpha val="43137"/>
+                  </a:srgbClr>
+                </a:outerShdw>
+              </a:effectLst>
+              <a:latin typeface="+mj-lt"/>
+            </a:endParaRPr>
+          </a:p>
+        </p:txBody>
+      </p:sp>
+      <p:sp>
+        <p:nvSpPr>
+          <p:cNvPr id="7" name="Textfeld 6">
+            <a:extLst>
+              <a:ext uri="{FF2B5EF4-FFF2-40B4-BE49-F238E27FC236}">
+                <a16:creationId xmlns:a16="http://schemas.microsoft.com/office/drawing/2014/main" id="{8DAB33D4-11C8-4EDC-A458-C2B661C3316C}"/>
+              </a:ext>
+            </a:extLst>
+          </p:cNvPr>
+          <p:cNvSpPr txBox="1"/>
+          <p:nvPr/>
+        </p:nvSpPr>
+        <p:spPr>
+          <a:xfrm>
+            <a:off x="567659" y="1370364"/>
+            <a:ext cx="2576985" cy="369332"/>
+          </a:xfrm>
+          <a:prstGeom prst="rect">
+            <a:avLst/>
+          </a:prstGeom>
+          <a:noFill/>
+        </p:spPr>
+        <p:txBody>
+          <a:bodyPr wrap="square" rtlCol="0">
+            <a:spAutoFit/>
+          </a:bodyPr>
+          <a:lstStyle/>
+          <a:p>
+            <a:r>
+              <a:rPr lang="de-DE" dirty="0"/>
+              <a:t>Aktionsmenge: Normal</a:t>
+            </a:r>
+          </a:p>
+        </p:txBody>
+      </p:sp>
+      <p:sp>
+        <p:nvSpPr>
+          <p:cNvPr id="9" name="Textfeld 8">
+            <a:extLst>
+              <a:ext uri="{FF2B5EF4-FFF2-40B4-BE49-F238E27FC236}">
+                <a16:creationId xmlns:a16="http://schemas.microsoft.com/office/drawing/2014/main" id="{F614746A-8718-458F-B3A8-B0D2AF34D86A}"/>
+              </a:ext>
+            </a:extLst>
+          </p:cNvPr>
+          <p:cNvSpPr txBox="1"/>
+          <p:nvPr/>
+        </p:nvSpPr>
+        <p:spPr>
+          <a:xfrm>
+            <a:off x="3791415" y="1370364"/>
+            <a:ext cx="3423424" cy="369332"/>
+          </a:xfrm>
+          <a:prstGeom prst="rect">
+            <a:avLst/>
+          </a:prstGeom>
+          <a:noFill/>
+        </p:spPr>
+        <p:txBody>
+          <a:bodyPr wrap="square" rtlCol="0">
+            <a:spAutoFit/>
+          </a:bodyPr>
+          <a:lstStyle/>
+          <a:p>
+            <a:r>
+              <a:rPr lang="de-DE" dirty="0"/>
+              <a:t>Umgebung: Deterministisch</a:t>
+            </a:r>
+          </a:p>
+        </p:txBody>
+      </p:sp>
+      <p:sp>
+        <p:nvSpPr>
+          <p:cNvPr id="8" name="Textfeld 7">
+            <a:extLst>
+              <a:ext uri="{FF2B5EF4-FFF2-40B4-BE49-F238E27FC236}">
+                <a16:creationId xmlns:a16="http://schemas.microsoft.com/office/drawing/2014/main" id="{13C1E899-D7AE-4C28-A10C-DF17DF808572}"/>
+              </a:ext>
+            </a:extLst>
+          </p:cNvPr>
+          <p:cNvSpPr txBox="1"/>
+          <p:nvPr/>
+        </p:nvSpPr>
+        <p:spPr>
+          <a:xfrm>
+            <a:off x="7861610" y="1347697"/>
+            <a:ext cx="3423424" cy="369332"/>
+          </a:xfrm>
+          <a:prstGeom prst="rect">
+            <a:avLst/>
+          </a:prstGeom>
+          <a:noFill/>
+        </p:spPr>
+        <p:txBody>
+          <a:bodyPr wrap="square" rtlCol="0">
+            <a:spAutoFit/>
+          </a:bodyPr>
+          <a:lstStyle/>
+          <a:p>
+            <a:r>
+              <a:rPr lang="de-DE" dirty="0"/>
+              <a:t>Beobachten von r = 0</a:t>
+            </a:r>
+          </a:p>
+        </p:txBody>
+      </p:sp>
+    </p:spTree>
+    <p:extLst>
+      <p:ext uri="{BB962C8B-B14F-4D97-AF65-F5344CB8AC3E}">
+        <p14:creationId xmlns:p14="http://schemas.microsoft.com/office/powerpoint/2010/main" val="270991888"/>
+      </p:ext>
+    </p:extLst>
+  </p:cSld>
+  <p:clrMapOvr>
+    <a:masterClrMapping/>
+  </p:clrMapOvr>
+  <p:transition spd="slow">
+    <p:push/>
+  </p:transition>
+</p:sld>
+</file>
+
+<file path=ppt/slides/slide26.xml><?xml version="1.0" encoding="utf-8"?>
+<p:sld xmlns:a="http://schemas.openxmlformats.org/drawingml/2006/main" xmlns:r="http://schemas.openxmlformats.org/officeDocument/2006/relationships" xmlns:p="http://schemas.openxmlformats.org/presentationml/2006/main">
+  <p:cSld>
+    <p:spTree>
+      <p:nvGrpSpPr>
+        <p:cNvPr id="1" name=""/>
+        <p:cNvGrpSpPr/>
+        <p:nvPr/>
+      </p:nvGrpSpPr>
+      <p:grpSpPr>
+        <a:xfrm>
+          <a:off x="0" y="0"/>
+          <a:ext cx="0" cy="0"/>
+          <a:chOff x="0" y="0"/>
+          <a:chExt cx="0" cy="0"/>
+        </a:xfrm>
+      </p:grpSpPr>
+      <p:sp>
+        <p:nvSpPr>
+          <p:cNvPr id="2" name="Titel 1"/>
+          <p:cNvSpPr>
+            <a:spLocks noGrp="1"/>
+          </p:cNvSpPr>
+          <p:nvPr>
+            <p:ph type="title"/>
+          </p:nvPr>
+        </p:nvSpPr>
+        <p:spPr>
+          <a:xfrm>
+            <a:off x="774923" y="636677"/>
+            <a:ext cx="10653003" cy="633326"/>
+          </a:xfrm>
+        </p:spPr>
+        <p:txBody>
+          <a:bodyPr anchor="ctr">
+            <a:noAutofit/>
+          </a:bodyPr>
+          <a:lstStyle/>
+          <a:p>
+            <a:r>
+              <a:rPr lang="de-DE" sz="4400" noProof="0" dirty="0">
+                <a:effectLst>
+                  <a:outerShdw blurRad="38100" dist="38100" dir="2700000" algn="tl">
+                    <a:srgbClr val="000000">
+                      <a:alpha val="43137"/>
+                    </a:srgbClr>
+                  </a:outerShdw>
+                </a:effectLst>
+              </a:rPr>
+              <a:t>Ergebnisse</a:t>
+            </a:r>
+          </a:p>
+        </p:txBody>
+      </p:sp>
+      <p:sp>
+        <p:nvSpPr>
+          <p:cNvPr id="6" name="Foliennummernplatzhalter 5"/>
+          <p:cNvSpPr>
+            <a:spLocks noGrp="1"/>
+          </p:cNvSpPr>
+          <p:nvPr>
+            <p:ph type="sldNum" sz="quarter" idx="12"/>
+          </p:nvPr>
+        </p:nvSpPr>
+        <p:spPr>
+          <a:xfrm>
+            <a:off x="10270837" y="714371"/>
+            <a:ext cx="1291874" cy="477938"/>
+          </a:xfrm>
+        </p:spPr>
+        <p:txBody>
+          <a:bodyPr anchor="ctr"/>
+          <a:lstStyle/>
+          <a:p>
+            <a:fld id="{5D84065D-F351-4B03-BD91-D8A6B8D4B362}" type="slidenum">
+              <a:rPr lang="en-US" sz="4400" smtClean="0">
+                <a:solidFill>
+                  <a:schemeClr val="bg1"/>
+                </a:solidFill>
+                <a:effectLst>
+                  <a:outerShdw blurRad="38100" dist="38100" dir="2700000" algn="tl">
+                    <a:srgbClr val="000000">
+                      <a:alpha val="43137"/>
+                    </a:srgbClr>
+                  </a:outerShdw>
+                </a:effectLst>
+                <a:latin typeface="+mj-lt"/>
+              </a:rPr>
+              <a:t>26</a:t>
+            </a:fld>
+            <a:endParaRPr lang="en-US" sz="4400" dirty="0">
+              <a:solidFill>
+                <a:schemeClr val="bg1"/>
+              </a:solidFill>
+              <a:effectLst>
+                <a:outerShdw blurRad="38100" dist="38100" dir="2700000" algn="tl">
+                  <a:srgbClr val="000000">
+                    <a:alpha val="43137"/>
+                  </a:srgbClr>
+                </a:outerShdw>
+              </a:effectLst>
+              <a:latin typeface="+mj-lt"/>
+            </a:endParaRPr>
+          </a:p>
+        </p:txBody>
+      </p:sp>
+      <p:sp>
+        <p:nvSpPr>
+          <p:cNvPr id="7" name="Textfeld 6">
+            <a:extLst>
+              <a:ext uri="{FF2B5EF4-FFF2-40B4-BE49-F238E27FC236}">
+                <a16:creationId xmlns:a16="http://schemas.microsoft.com/office/drawing/2014/main" id="{8DAB33D4-11C8-4EDC-A458-C2B661C3316C}"/>
+              </a:ext>
+            </a:extLst>
+          </p:cNvPr>
+          <p:cNvSpPr txBox="1"/>
+          <p:nvPr/>
+        </p:nvSpPr>
+        <p:spPr>
+          <a:xfrm>
+            <a:off x="567659" y="1370364"/>
+            <a:ext cx="2576985" cy="369332"/>
+          </a:xfrm>
+          <a:prstGeom prst="rect">
+            <a:avLst/>
+          </a:prstGeom>
+          <a:noFill/>
+        </p:spPr>
+        <p:txBody>
+          <a:bodyPr wrap="square" rtlCol="0">
+            <a:spAutoFit/>
+          </a:bodyPr>
+          <a:lstStyle/>
+          <a:p>
+            <a:r>
+              <a:rPr lang="de-DE" dirty="0"/>
+              <a:t>Aktionsmenge: Normal</a:t>
+            </a:r>
+          </a:p>
+        </p:txBody>
+      </p:sp>
+      <p:sp>
+        <p:nvSpPr>
+          <p:cNvPr id="9" name="Textfeld 8">
+            <a:extLst>
+              <a:ext uri="{FF2B5EF4-FFF2-40B4-BE49-F238E27FC236}">
+                <a16:creationId xmlns:a16="http://schemas.microsoft.com/office/drawing/2014/main" id="{F614746A-8718-458F-B3A8-B0D2AF34D86A}"/>
+              </a:ext>
+            </a:extLst>
+          </p:cNvPr>
+          <p:cNvSpPr txBox="1"/>
+          <p:nvPr/>
+        </p:nvSpPr>
+        <p:spPr>
+          <a:xfrm>
+            <a:off x="3791415" y="1370364"/>
+            <a:ext cx="3423424" cy="369332"/>
+          </a:xfrm>
+          <a:prstGeom prst="rect">
+            <a:avLst/>
+          </a:prstGeom>
+          <a:noFill/>
+        </p:spPr>
+        <p:txBody>
+          <a:bodyPr wrap="square" rtlCol="0">
+            <a:spAutoFit/>
+          </a:bodyPr>
+          <a:lstStyle/>
+          <a:p>
+            <a:r>
+              <a:rPr lang="de-DE" dirty="0"/>
+              <a:t>Umgebung: Deterministisch</a:t>
+            </a:r>
+          </a:p>
+        </p:txBody>
+      </p:sp>
+      <p:sp>
+        <p:nvSpPr>
+          <p:cNvPr id="8" name="Textfeld 7">
+            <a:extLst>
+              <a:ext uri="{FF2B5EF4-FFF2-40B4-BE49-F238E27FC236}">
+                <a16:creationId xmlns:a16="http://schemas.microsoft.com/office/drawing/2014/main" id="{13C1E899-D7AE-4C28-A10C-DF17DF808572}"/>
+              </a:ext>
+            </a:extLst>
+          </p:cNvPr>
+          <p:cNvSpPr txBox="1"/>
+          <p:nvPr/>
+        </p:nvSpPr>
+        <p:spPr>
+          <a:xfrm>
+            <a:off x="7861610" y="1347697"/>
+            <a:ext cx="3423424" cy="369332"/>
+          </a:xfrm>
+          <a:prstGeom prst="rect">
+            <a:avLst/>
+          </a:prstGeom>
+          <a:noFill/>
+        </p:spPr>
+        <p:txBody>
+          <a:bodyPr wrap="square" rtlCol="0">
+            <a:spAutoFit/>
+          </a:bodyPr>
+          <a:lstStyle/>
+          <a:p>
+            <a:r>
+              <a:rPr lang="de-DE" dirty="0"/>
+              <a:t>Beobachten von r = 100</a:t>
+            </a:r>
+          </a:p>
+        </p:txBody>
+      </p:sp>
+      <p:pic>
+        <p:nvPicPr>
+          <p:cNvPr id="15" name="Grafik 14">
+            <a:extLst>
+              <a:ext uri="{FF2B5EF4-FFF2-40B4-BE49-F238E27FC236}">
+                <a16:creationId xmlns:a16="http://schemas.microsoft.com/office/drawing/2014/main" id="{AFE0C429-D131-4793-8EF8-9000E25E03D8}"/>
+              </a:ext>
+            </a:extLst>
+          </p:cNvPr>
+          <p:cNvPicPr>
+            <a:picLocks noChangeAspect="1"/>
+          </p:cNvPicPr>
+          <p:nvPr/>
+        </p:nvPicPr>
+        <p:blipFill>
+          <a:blip r:embed="rId3"/>
+          <a:stretch>
+            <a:fillRect/>
+          </a:stretch>
+        </p:blipFill>
+        <p:spPr>
+          <a:xfrm>
+            <a:off x="6240522" y="2052796"/>
+            <a:ext cx="5534877" cy="4053889"/>
+          </a:xfrm>
+          <a:prstGeom prst="rect">
+            <a:avLst/>
+          </a:prstGeom>
+        </p:spPr>
+      </p:pic>
+      <p:pic>
+        <p:nvPicPr>
+          <p:cNvPr id="17" name="Grafik 16">
+            <a:extLst>
+              <a:ext uri="{FF2B5EF4-FFF2-40B4-BE49-F238E27FC236}">
+                <a16:creationId xmlns:a16="http://schemas.microsoft.com/office/drawing/2014/main" id="{0F18BA40-9680-4400-997B-9F2C8037635B}"/>
+              </a:ext>
+            </a:extLst>
+          </p:cNvPr>
+          <p:cNvPicPr>
+            <a:picLocks noChangeAspect="1"/>
+          </p:cNvPicPr>
+          <p:nvPr/>
+        </p:nvPicPr>
+        <p:blipFill>
+          <a:blip r:embed="rId4"/>
+          <a:stretch>
+            <a:fillRect/>
+          </a:stretch>
+        </p:blipFill>
+        <p:spPr>
+          <a:xfrm>
+            <a:off x="567659" y="2052795"/>
+            <a:ext cx="5534878" cy="4053890"/>
+          </a:xfrm>
+          <a:prstGeom prst="rect">
+            <a:avLst/>
+          </a:prstGeom>
+        </p:spPr>
+      </p:pic>
+    </p:spTree>
+    <p:extLst>
+      <p:ext uri="{BB962C8B-B14F-4D97-AF65-F5344CB8AC3E}">
+        <p14:creationId xmlns:p14="http://schemas.microsoft.com/office/powerpoint/2010/main" val="2619476515"/>
+      </p:ext>
+    </p:extLst>
+  </p:cSld>
+  <p:clrMapOvr>
+    <a:masterClrMapping/>
+  </p:clrMapOvr>
+  <p:transition spd="slow">
+    <p:push/>
+  </p:transition>
+</p:sld>
+</file>
+
+<file path=ppt/slides/slide27.xml><?xml version="1.0" encoding="utf-8"?>
+<p:sld xmlns:a="http://schemas.openxmlformats.org/drawingml/2006/main" xmlns:r="http://schemas.openxmlformats.org/officeDocument/2006/relationships" xmlns:p="http://schemas.openxmlformats.org/presentationml/2006/main">
+  <p:cSld>
+    <p:spTree>
+      <p:nvGrpSpPr>
+        <p:cNvPr id="1" name=""/>
+        <p:cNvGrpSpPr/>
+        <p:nvPr/>
+      </p:nvGrpSpPr>
+      <p:grpSpPr>
+        <a:xfrm>
+          <a:off x="0" y="0"/>
+          <a:ext cx="0" cy="0"/>
+          <a:chOff x="0" y="0"/>
+          <a:chExt cx="0" cy="0"/>
+        </a:xfrm>
+      </p:grpSpPr>
+      <p:pic>
+        <p:nvPicPr>
+          <p:cNvPr id="10" name="Grafik 9">
+            <a:extLst>
+              <a:ext uri="{FF2B5EF4-FFF2-40B4-BE49-F238E27FC236}">
+                <a16:creationId xmlns:a16="http://schemas.microsoft.com/office/drawing/2014/main" id="{BEBC4A1C-6161-4B91-AF09-2788A58A86C0}"/>
+              </a:ext>
+            </a:extLst>
+          </p:cNvPr>
+          <p:cNvPicPr>
+            <a:picLocks noChangeAspect="1"/>
+          </p:cNvPicPr>
+          <p:nvPr/>
+        </p:nvPicPr>
+        <p:blipFill>
+          <a:blip r:embed="rId3"/>
+          <a:stretch>
+            <a:fillRect/>
+          </a:stretch>
+        </p:blipFill>
+        <p:spPr>
+          <a:xfrm>
+            <a:off x="577953" y="2044890"/>
+            <a:ext cx="5545670" cy="4061795"/>
+          </a:xfrm>
+          <a:prstGeom prst="rect">
+            <a:avLst/>
+          </a:prstGeom>
+        </p:spPr>
+      </p:pic>
+      <p:pic>
+        <p:nvPicPr>
+          <p:cNvPr id="4" name="Grafik 3">
+            <a:extLst>
+              <a:ext uri="{FF2B5EF4-FFF2-40B4-BE49-F238E27FC236}">
+                <a16:creationId xmlns:a16="http://schemas.microsoft.com/office/drawing/2014/main" id="{B7E35C1C-8A01-43C4-925A-199FB489175F}"/>
+              </a:ext>
+            </a:extLst>
+          </p:cNvPr>
+          <p:cNvPicPr>
+            <a:picLocks noChangeAspect="1"/>
+          </p:cNvPicPr>
+          <p:nvPr/>
+        </p:nvPicPr>
+        <p:blipFill>
+          <a:blip r:embed="rId4"/>
+          <a:stretch>
+            <a:fillRect/>
+          </a:stretch>
+        </p:blipFill>
+        <p:spPr>
+          <a:xfrm>
+            <a:off x="6240521" y="2052795"/>
+            <a:ext cx="5534878" cy="4053890"/>
+          </a:xfrm>
+          <a:prstGeom prst="rect">
+            <a:avLst/>
+          </a:prstGeom>
+        </p:spPr>
+      </p:pic>
+      <p:sp>
+        <p:nvSpPr>
+          <p:cNvPr id="2" name="Titel 1"/>
+          <p:cNvSpPr>
+            <a:spLocks noGrp="1"/>
+          </p:cNvSpPr>
+          <p:nvPr>
+            <p:ph type="title"/>
+          </p:nvPr>
+        </p:nvSpPr>
+        <p:spPr>
+          <a:xfrm>
+            <a:off x="774923" y="636677"/>
+            <a:ext cx="10653003" cy="633326"/>
+          </a:xfrm>
+        </p:spPr>
+        <p:txBody>
+          <a:bodyPr anchor="ctr">
+            <a:noAutofit/>
+          </a:bodyPr>
+          <a:lstStyle/>
+          <a:p>
+            <a:r>
+              <a:rPr lang="de-DE" sz="4400" noProof="0" dirty="0">
+                <a:effectLst>
+                  <a:outerShdw blurRad="38100" dist="38100" dir="2700000" algn="tl">
+                    <a:srgbClr val="000000">
+                      <a:alpha val="43137"/>
+                    </a:srgbClr>
+                  </a:outerShdw>
+                </a:effectLst>
+              </a:rPr>
+              <a:t>Ergebnisse</a:t>
+            </a:r>
+          </a:p>
+        </p:txBody>
+      </p:sp>
+      <p:sp>
+        <p:nvSpPr>
+          <p:cNvPr id="6" name="Foliennummernplatzhalter 5"/>
+          <p:cNvSpPr>
+            <a:spLocks noGrp="1"/>
+          </p:cNvSpPr>
+          <p:nvPr>
+            <p:ph type="sldNum" sz="quarter" idx="12"/>
+          </p:nvPr>
+        </p:nvSpPr>
+        <p:spPr>
+          <a:xfrm>
+            <a:off x="10270837" y="714371"/>
+            <a:ext cx="1291874" cy="477938"/>
+          </a:xfrm>
+        </p:spPr>
+        <p:txBody>
+          <a:bodyPr anchor="ctr"/>
+          <a:lstStyle/>
+          <a:p>
+            <a:fld id="{5D84065D-F351-4B03-BD91-D8A6B8D4B362}" type="slidenum">
+              <a:rPr lang="en-US" sz="4400" smtClean="0">
+                <a:solidFill>
+                  <a:schemeClr val="bg1"/>
+                </a:solidFill>
+                <a:effectLst>
+                  <a:outerShdw blurRad="38100" dist="38100" dir="2700000" algn="tl">
+                    <a:srgbClr val="000000">
+                      <a:alpha val="43137"/>
+                    </a:srgbClr>
+                  </a:outerShdw>
+                </a:effectLst>
+                <a:latin typeface="+mj-lt"/>
+              </a:rPr>
+              <a:t>27</a:t>
+            </a:fld>
+            <a:endParaRPr lang="en-US" sz="4400" dirty="0">
+              <a:solidFill>
+                <a:schemeClr val="bg1"/>
+              </a:solidFill>
+              <a:effectLst>
+                <a:outerShdw blurRad="38100" dist="38100" dir="2700000" algn="tl">
+                  <a:srgbClr val="000000">
+                    <a:alpha val="43137"/>
+                  </a:srgbClr>
+                </a:outerShdw>
+              </a:effectLst>
+              <a:latin typeface="+mj-lt"/>
+            </a:endParaRPr>
+          </a:p>
+        </p:txBody>
+      </p:sp>
+      <p:sp>
+        <p:nvSpPr>
+          <p:cNvPr id="7" name="Textfeld 6">
+            <a:extLst>
+              <a:ext uri="{FF2B5EF4-FFF2-40B4-BE49-F238E27FC236}">
+                <a16:creationId xmlns:a16="http://schemas.microsoft.com/office/drawing/2014/main" id="{8DAB33D4-11C8-4EDC-A458-C2B661C3316C}"/>
+              </a:ext>
+            </a:extLst>
+          </p:cNvPr>
+          <p:cNvSpPr txBox="1"/>
+          <p:nvPr/>
+        </p:nvSpPr>
+        <p:spPr>
+          <a:xfrm>
+            <a:off x="567659" y="1370364"/>
+            <a:ext cx="2576985" cy="369332"/>
+          </a:xfrm>
+          <a:prstGeom prst="rect">
+            <a:avLst/>
+          </a:prstGeom>
+          <a:noFill/>
+        </p:spPr>
+        <p:txBody>
+          <a:bodyPr wrap="square" rtlCol="0">
+            <a:spAutoFit/>
+          </a:bodyPr>
+          <a:lstStyle/>
+          <a:p>
+            <a:r>
+              <a:rPr lang="de-DE" dirty="0"/>
+              <a:t>Aktionsmenge: Normal</a:t>
+            </a:r>
+          </a:p>
+        </p:txBody>
+      </p:sp>
+      <p:sp>
+        <p:nvSpPr>
+          <p:cNvPr id="9" name="Textfeld 8">
+            <a:extLst>
+              <a:ext uri="{FF2B5EF4-FFF2-40B4-BE49-F238E27FC236}">
+                <a16:creationId xmlns:a16="http://schemas.microsoft.com/office/drawing/2014/main" id="{F614746A-8718-458F-B3A8-B0D2AF34D86A}"/>
+              </a:ext>
+            </a:extLst>
+          </p:cNvPr>
+          <p:cNvSpPr txBox="1"/>
+          <p:nvPr/>
+        </p:nvSpPr>
+        <p:spPr>
+          <a:xfrm>
+            <a:off x="3791415" y="1370364"/>
+            <a:ext cx="3423424" cy="369332"/>
+          </a:xfrm>
+          <a:prstGeom prst="rect">
+            <a:avLst/>
+          </a:prstGeom>
+          <a:noFill/>
+        </p:spPr>
+        <p:txBody>
+          <a:bodyPr wrap="square" rtlCol="0">
+            <a:spAutoFit/>
+          </a:bodyPr>
+          <a:lstStyle/>
+          <a:p>
+            <a:r>
+              <a:rPr lang="de-DE" dirty="0"/>
+              <a:t>Umgebung: Deterministisch</a:t>
+            </a:r>
+          </a:p>
+        </p:txBody>
+      </p:sp>
+      <p:sp>
+        <p:nvSpPr>
+          <p:cNvPr id="8" name="Textfeld 7">
+            <a:extLst>
+              <a:ext uri="{FF2B5EF4-FFF2-40B4-BE49-F238E27FC236}">
+                <a16:creationId xmlns:a16="http://schemas.microsoft.com/office/drawing/2014/main" id="{13C1E899-D7AE-4C28-A10C-DF17DF808572}"/>
+              </a:ext>
+            </a:extLst>
+          </p:cNvPr>
+          <p:cNvSpPr txBox="1"/>
+          <p:nvPr/>
+        </p:nvSpPr>
+        <p:spPr>
+          <a:xfrm>
+            <a:off x="7861610" y="1347697"/>
+            <a:ext cx="3423424" cy="369332"/>
+          </a:xfrm>
+          <a:prstGeom prst="rect">
+            <a:avLst/>
+          </a:prstGeom>
+          <a:noFill/>
+        </p:spPr>
+        <p:txBody>
+          <a:bodyPr wrap="square" rtlCol="0">
+            <a:spAutoFit/>
+          </a:bodyPr>
+          <a:lstStyle/>
+          <a:p>
+            <a:r>
+              <a:rPr lang="de-DE" dirty="0"/>
+              <a:t>Beobachten von r = 10000</a:t>
+            </a:r>
+          </a:p>
+        </p:txBody>
+      </p:sp>
+    </p:spTree>
+    <p:extLst>
+      <p:ext uri="{BB962C8B-B14F-4D97-AF65-F5344CB8AC3E}">
+        <p14:creationId xmlns:p14="http://schemas.microsoft.com/office/powerpoint/2010/main" val="1604086336"/>
+      </p:ext>
+    </p:extLst>
+  </p:cSld>
+  <p:clrMapOvr>
+    <a:masterClrMapping/>
+  </p:clrMapOvr>
+  <p:transition spd="slow">
+    <p:push/>
+  </p:transition>
+</p:sld>
+</file>
+
+<file path=ppt/slides/slide28.xml><?xml version="1.0" encoding="utf-8"?>
 <p:sld xmlns:a="http://schemas.openxmlformats.org/drawingml/2006/main" xmlns:r="http://schemas.openxmlformats.org/officeDocument/2006/relationships" xmlns:p="http://schemas.openxmlformats.org/presentationml/2006/main">
   <p:cSld>
     <p:bg>
@@ -8100,282 +13144,6 @@
 </p:sld>
 </file>
 
-<file path=ppt/slides/slide2.xml><?xml version="1.0" encoding="utf-8"?>
-<p:sld xmlns:a="http://schemas.openxmlformats.org/drawingml/2006/main" xmlns:r="http://schemas.openxmlformats.org/officeDocument/2006/relationships" xmlns:p="http://schemas.openxmlformats.org/presentationml/2006/main">
-  <p:cSld>
-    <p:spTree>
-      <p:nvGrpSpPr>
-        <p:cNvPr id="1" name=""/>
-        <p:cNvGrpSpPr/>
-        <p:nvPr/>
-      </p:nvGrpSpPr>
-      <p:grpSpPr>
-        <a:xfrm>
-          <a:off x="0" y="0"/>
-          <a:ext cx="0" cy="0"/>
-          <a:chOff x="0" y="0"/>
-          <a:chExt cx="0" cy="0"/>
-        </a:xfrm>
-      </p:grpSpPr>
-      <p:sp>
-        <p:nvSpPr>
-          <p:cNvPr id="2" name="Titel 1"/>
-          <p:cNvSpPr>
-            <a:spLocks noGrp="1"/>
-          </p:cNvSpPr>
-          <p:nvPr>
-            <p:ph type="title"/>
-          </p:nvPr>
-        </p:nvSpPr>
-        <p:spPr>
-          <a:xfrm>
-            <a:off x="774923" y="636677"/>
-            <a:ext cx="10653003" cy="633326"/>
-          </a:xfrm>
-        </p:spPr>
-        <p:txBody>
-          <a:bodyPr anchor="ctr">
-            <a:noAutofit/>
-          </a:bodyPr>
-          <a:lstStyle/>
-          <a:p>
-            <a:r>
-              <a:rPr lang="de-DE" sz="4400" noProof="0" dirty="0">
-                <a:effectLst>
-                  <a:outerShdw blurRad="38100" dist="38100" dir="2700000" algn="tl">
-                    <a:srgbClr val="000000">
-                      <a:alpha val="43137"/>
-                    </a:srgbClr>
-                  </a:outerShdw>
-                </a:effectLst>
-              </a:rPr>
-              <a:t>Gliederung</a:t>
-            </a:r>
-          </a:p>
-        </p:txBody>
-      </p:sp>
-      <p:sp>
-        <p:nvSpPr>
-          <p:cNvPr id="4" name="Inhaltsplatzhalter 3"/>
-          <p:cNvSpPr>
-            <a:spLocks noGrp="1"/>
-          </p:cNvSpPr>
-          <p:nvPr>
-            <p:ph idx="1"/>
-          </p:nvPr>
-        </p:nvSpPr>
-        <p:spPr>
-          <a:xfrm>
-            <a:off x="774923" y="1408550"/>
-            <a:ext cx="10653003" cy="5161932"/>
-          </a:xfrm>
-        </p:spPr>
-        <p:txBody>
-          <a:bodyPr anchor="t">
-            <a:normAutofit fontScale="85000" lnSpcReduction="20000"/>
-          </a:bodyPr>
-          <a:lstStyle/>
-          <a:p>
-            <a:pPr marL="538163" indent="-538163">
-              <a:lnSpc>
-                <a:spcPct val="150000"/>
-              </a:lnSpc>
-              <a:buClr>
-                <a:srgbClr val="0070C0"/>
-              </a:buClr>
-              <a:buSzPct val="80000"/>
-              <a:buFont typeface="+mj-lt"/>
-              <a:buAutoNum type="arabicPeriod"/>
-            </a:pPr>
-            <a:r>
-              <a:rPr lang="de-DE" sz="4000" noProof="0" dirty="0">
-                <a:solidFill>
-                  <a:srgbClr val="373545"/>
-                </a:solidFill>
-              </a:rPr>
-              <a:t>Aufgabenstellung</a:t>
-            </a:r>
-          </a:p>
-          <a:p>
-            <a:pPr marL="538163" indent="-538163">
-              <a:lnSpc>
-                <a:spcPct val="150000"/>
-              </a:lnSpc>
-              <a:buClr>
-                <a:srgbClr val="0070C0"/>
-              </a:buClr>
-              <a:buSzPct val="80000"/>
-              <a:buFont typeface="+mj-lt"/>
-              <a:buAutoNum type="arabicPeriod"/>
-            </a:pPr>
-            <a:r>
-              <a:rPr lang="de-DE" sz="4000" dirty="0">
-                <a:solidFill>
-                  <a:srgbClr val="373545"/>
-                </a:solidFill>
-              </a:rPr>
-              <a:t>SARSA Algorithmus</a:t>
-            </a:r>
-          </a:p>
-          <a:p>
-            <a:pPr marL="538163" indent="-538163">
-              <a:lnSpc>
-                <a:spcPct val="150000"/>
-              </a:lnSpc>
-              <a:buClr>
-                <a:srgbClr val="0070C0"/>
-              </a:buClr>
-              <a:buSzPct val="80000"/>
-              <a:buFont typeface="+mj-lt"/>
-              <a:buAutoNum type="arabicPeriod"/>
-            </a:pPr>
-            <a:r>
-              <a:rPr lang="de-DE" sz="4000" dirty="0">
-                <a:solidFill>
-                  <a:srgbClr val="373545"/>
-                </a:solidFill>
-              </a:rPr>
-              <a:t>Parameter</a:t>
-            </a:r>
-          </a:p>
-          <a:p>
-            <a:pPr marL="538163" indent="-538163">
-              <a:lnSpc>
-                <a:spcPct val="150000"/>
-              </a:lnSpc>
-              <a:buClr>
-                <a:srgbClr val="0070C0"/>
-              </a:buClr>
-              <a:buSzPct val="80000"/>
-              <a:buFont typeface="+mj-lt"/>
-              <a:buAutoNum type="arabicPeriod"/>
-            </a:pPr>
-            <a:r>
-              <a:rPr lang="de-DE" sz="4000" dirty="0">
-                <a:solidFill>
-                  <a:srgbClr val="373545"/>
-                </a:solidFill>
-              </a:rPr>
-              <a:t>Implementierung</a:t>
-            </a:r>
-          </a:p>
-          <a:p>
-            <a:pPr marL="538163" indent="-538163">
-              <a:lnSpc>
-                <a:spcPct val="150000"/>
-              </a:lnSpc>
-              <a:buClr>
-                <a:srgbClr val="0070C0"/>
-              </a:buClr>
-              <a:buSzPct val="80000"/>
-              <a:buFont typeface="+mj-lt"/>
-              <a:buAutoNum type="arabicPeriod"/>
-            </a:pPr>
-            <a:r>
-              <a:rPr lang="de-DE" sz="4000" noProof="0" dirty="0">
-                <a:solidFill>
-                  <a:srgbClr val="373545"/>
-                </a:solidFill>
-              </a:rPr>
-              <a:t>Demonstration</a:t>
-            </a:r>
-            <a:endParaRPr lang="de-DE" sz="4000" dirty="0">
-              <a:solidFill>
-                <a:srgbClr val="373545"/>
-              </a:solidFill>
-            </a:endParaRPr>
-          </a:p>
-          <a:p>
-            <a:pPr marL="538163" indent="-538163">
-              <a:lnSpc>
-                <a:spcPct val="150000"/>
-              </a:lnSpc>
-              <a:buClr>
-                <a:srgbClr val="0070C0"/>
-              </a:buClr>
-              <a:buSzPct val="80000"/>
-              <a:buFont typeface="+mj-lt"/>
-              <a:buAutoNum type="arabicPeriod"/>
-            </a:pPr>
-            <a:r>
-              <a:rPr lang="de-DE" sz="4000" noProof="0" dirty="0">
-                <a:solidFill>
-                  <a:srgbClr val="373545"/>
-                </a:solidFill>
-              </a:rPr>
-              <a:t>Ergebnisse</a:t>
-            </a:r>
-          </a:p>
-        </p:txBody>
-      </p:sp>
-      <p:sp>
-        <p:nvSpPr>
-          <p:cNvPr id="6" name="Foliennummernplatzhalter 5"/>
-          <p:cNvSpPr>
-            <a:spLocks noGrp="1"/>
-          </p:cNvSpPr>
-          <p:nvPr>
-            <p:ph type="sldNum" sz="quarter" idx="12"/>
-          </p:nvPr>
-        </p:nvSpPr>
-        <p:spPr>
-          <a:xfrm>
-            <a:off x="10270837" y="714371"/>
-            <a:ext cx="1291874" cy="477938"/>
-          </a:xfrm>
-        </p:spPr>
-        <p:txBody>
-          <a:bodyPr anchor="ctr"/>
-          <a:lstStyle/>
-          <a:p>
-            <a:fld id="{5D84065D-F351-4B03-BD91-D8A6B8D4B362}" type="slidenum">
-              <a:rPr lang="en-US" sz="4400" smtClean="0">
-                <a:solidFill>
-                  <a:schemeClr val="bg1"/>
-                </a:solidFill>
-                <a:effectLst>
-                  <a:outerShdw blurRad="38100" dist="38100" dir="2700000" algn="tl">
-                    <a:srgbClr val="000000">
-                      <a:alpha val="43137"/>
-                    </a:srgbClr>
-                  </a:outerShdw>
-                </a:effectLst>
-                <a:latin typeface="+mj-lt"/>
-              </a:rPr>
-              <a:t>2</a:t>
-            </a:fld>
-            <a:endParaRPr lang="en-US" sz="4400" dirty="0">
-              <a:solidFill>
-                <a:schemeClr val="bg1"/>
-              </a:solidFill>
-              <a:effectLst>
-                <a:outerShdw blurRad="38100" dist="38100" dir="2700000" algn="tl">
-                  <a:srgbClr val="000000">
-                    <a:alpha val="43137"/>
-                  </a:srgbClr>
-                </a:outerShdw>
-              </a:effectLst>
-              <a:latin typeface="+mj-lt"/>
-            </a:endParaRPr>
-          </a:p>
-        </p:txBody>
-      </p:sp>
-    </p:spTree>
-    <p:extLst>
-      <p:ext uri="{BB962C8B-B14F-4D97-AF65-F5344CB8AC3E}">
-        <p14:creationId xmlns:p14="http://schemas.microsoft.com/office/powerpoint/2010/main" val="3639010779"/>
-      </p:ext>
-    </p:extLst>
-  </p:cSld>
-  <p:clrMapOvr>
-    <a:masterClrMapping/>
-  </p:clrMapOvr>
-  <p:transition spd="slow">
-    <p:push/>
-  </p:transition>
-</p:sld>
-</file>
-
 <file path=ppt/slides/slide3.xml><?xml version="1.0" encoding="utf-8"?>
 <p:sld xmlns:a="http://schemas.openxmlformats.org/drawingml/2006/main" xmlns:r="http://schemas.openxmlformats.org/officeDocument/2006/relationships" xmlns:p="http://schemas.openxmlformats.org/presentationml/2006/main">
   <p:cSld>
@@ -8655,7 +13423,7 @@
                 <a16:creationId xmlns:a16="http://schemas.microsoft.com/office/drawing/2014/main" id="{DB691D59-8F51-4DD8-AD41-D568D29B08F8}"/>
               </a:ext>
               <a:ext uri="{C183D7F6-B498-43B3-948B-1728B52AA6E4}">
-                <adec:decorative xmlns:adec="http://schemas.microsoft.com/office/drawing/2017/decorative" val="1"/>
+                <adec:decorative xmlns:adec="http://schemas.microsoft.com/office/drawing/2017/decorative" xmlns="" val="1"/>
               </a:ext>
             </a:extLst>
           </p:cNvPr>
@@ -8709,7 +13477,7 @@
                 <a16:creationId xmlns:a16="http://schemas.microsoft.com/office/drawing/2014/main" id="{204AEF18-0627-48F3-9B3D-F7E8F050B1D4}"/>
               </a:ext>
               <a:ext uri="{C183D7F6-B498-43B3-948B-1728B52AA6E4}">
-                <adec:decorative xmlns:adec="http://schemas.microsoft.com/office/drawing/2017/decorative" val="1"/>
+                <adec:decorative xmlns:adec="http://schemas.microsoft.com/office/drawing/2017/decorative" xmlns="" val="1"/>
               </a:ext>
             </a:extLst>
           </p:cNvPr>
@@ -8763,7 +13531,7 @@
                 <a16:creationId xmlns:a16="http://schemas.microsoft.com/office/drawing/2014/main" id="{CEAEE08A-C572-438F-9753-B0D527A515A7}"/>
               </a:ext>
               <a:ext uri="{C183D7F6-B498-43B3-948B-1728B52AA6E4}">
-                <adec:decorative xmlns:adec="http://schemas.microsoft.com/office/drawing/2017/decorative" val="1"/>
+                <adec:decorative xmlns:adec="http://schemas.microsoft.com/office/drawing/2017/decorative" xmlns="" val="1"/>
               </a:ext>
             </a:extLst>
           </p:cNvPr>
@@ -8817,7 +13585,7 @@
                 <a16:creationId xmlns:a16="http://schemas.microsoft.com/office/drawing/2014/main" id="{DB93146F-62ED-4C59-844C-0935D0FB5031}"/>
               </a:ext>
               <a:ext uri="{C183D7F6-B498-43B3-948B-1728B52AA6E4}">
-                <adec:decorative xmlns:adec="http://schemas.microsoft.com/office/drawing/2017/decorative" val="1"/>
+                <adec:decorative xmlns:adec="http://schemas.microsoft.com/office/drawing/2017/decorative" xmlns="" val="1"/>
               </a:ext>
             </a:extLst>
           </p:cNvPr>
@@ -8871,7 +13639,7 @@
                 <a16:creationId xmlns:a16="http://schemas.microsoft.com/office/drawing/2014/main" id="{0883F11E-ECB3-4046-A121-A45C6FF6316B}"/>
               </a:ext>
               <a:ext uri="{C183D7F6-B498-43B3-948B-1728B52AA6E4}">
-                <adec:decorative xmlns:adec="http://schemas.microsoft.com/office/drawing/2017/decorative" val="1"/>
+                <adec:decorative xmlns:adec="http://schemas.microsoft.com/office/drawing/2017/decorative" xmlns="" val="1"/>
               </a:ext>
             </a:extLst>
           </p:cNvPr>
@@ -8960,7 +13728,7 @@
                 <a16:creationId xmlns:a16="http://schemas.microsoft.com/office/drawing/2014/main" id="{7B28B346-1639-4F05-9EBC-808A9DC6657D}"/>
               </a:ext>
               <a:ext uri="{C183D7F6-B498-43B3-948B-1728B52AA6E4}">
-                <adec:decorative xmlns:adec="http://schemas.microsoft.com/office/drawing/2017/decorative" val="1"/>
+                <adec:decorative xmlns:adec="http://schemas.microsoft.com/office/drawing/2017/decorative" xmlns="" val="1"/>
               </a:ext>
             </a:extLst>
           </p:cNvPr>
@@ -9014,7 +13782,7 @@
                 <a16:creationId xmlns:a16="http://schemas.microsoft.com/office/drawing/2014/main" id="{5CF77191-9839-40D9-B04E-85DF01BB029F}"/>
               </a:ext>
               <a:ext uri="{C183D7F6-B498-43B3-948B-1728B52AA6E4}">
-                <adec:decorative xmlns:adec="http://schemas.microsoft.com/office/drawing/2017/decorative" val="1"/>
+                <adec:decorative xmlns:adec="http://schemas.microsoft.com/office/drawing/2017/decorative" xmlns="" val="1"/>
               </a:ext>
             </a:extLst>
           </p:cNvPr>
@@ -9068,7 +13836,7 @@
                 <a16:creationId xmlns:a16="http://schemas.microsoft.com/office/drawing/2014/main" id="{BF007B11-F4C3-4A9E-AAA8-D52C8C1AD988}"/>
               </a:ext>
               <a:ext uri="{C183D7F6-B498-43B3-948B-1728B52AA6E4}">
-                <adec:decorative xmlns:adec="http://schemas.microsoft.com/office/drawing/2017/decorative" val="1"/>
+                <adec:decorative xmlns:adec="http://schemas.microsoft.com/office/drawing/2017/decorative" xmlns="" val="1"/>
               </a:ext>
             </a:extLst>
           </p:cNvPr>
@@ -9122,7 +13890,7 @@
                 <a16:creationId xmlns:a16="http://schemas.microsoft.com/office/drawing/2014/main" id="{871D0F6C-C993-4E97-A103-9448E35FEEA0}"/>
               </a:ext>
               <a:ext uri="{C183D7F6-B498-43B3-948B-1728B52AA6E4}">
-                <adec:decorative xmlns:adec="http://schemas.microsoft.com/office/drawing/2017/decorative" val="1"/>
+                <adec:decorative xmlns:adec="http://schemas.microsoft.com/office/drawing/2017/decorative" xmlns="" val="1"/>
               </a:ext>
             </a:extLst>
           </p:cNvPr>
@@ -19878,7 +24646,7 @@
         </p:spPr>
         <p:txBody>
           <a:bodyPr vert="horz" lIns="91440" tIns="45720" rIns="91440" bIns="45720" rtlCol="0" anchor="t">
-            <a:normAutofit fontScale="92500"/>
+            <a:normAutofit fontScale="92500" lnSpcReduction="10000"/>
           </a:bodyPr>
           <a:lstStyle>
             <a:lvl1pPr marL="306000" indent="-306000" algn="l" defTabSz="457200" rtl="0" eaLnBrk="1" latinLnBrk="0" hangingPunct="1">
@@ -20164,7 +24932,7 @@
         </p:spPr>
         <p:txBody>
           <a:bodyPr vert="horz" lIns="91440" tIns="45720" rIns="91440" bIns="45720" rtlCol="0" anchor="t">
-            <a:normAutofit fontScale="92500"/>
+            <a:normAutofit fontScale="92500" lnSpcReduction="10000"/>
           </a:bodyPr>
           <a:lstStyle>
             <a:lvl1pPr marL="306000" indent="-306000" algn="l" defTabSz="457200" rtl="0" eaLnBrk="1" latinLnBrk="0" hangingPunct="1">
@@ -20468,8 +25236,8 @@
           </a:fontRef>
         </p:style>
       </p:cxnSp>
-      <mc:AlternateContent xmlns:mc="http://schemas.openxmlformats.org/markup-compatibility/2006">
-        <mc:Choice xmlns:a14="http://schemas.microsoft.com/office/drawing/2010/main" Requires="a14">
+      <mc:AlternateContent xmlns:mc="http://schemas.openxmlformats.org/markup-compatibility/2006" xmlns:a14="http://schemas.microsoft.com/office/drawing/2010/main">
+        <mc:Choice Requires="a14">
           <p:sp>
             <p:nvSpPr>
               <p:cNvPr id="50" name="Textfeld 49">
@@ -20531,7 +25299,7 @@
             </p:txBody>
           </p:sp>
         </mc:Choice>
-        <mc:Fallback>
+        <mc:Fallback xmlns="">
           <p:sp>
             <p:nvSpPr>
               <p:cNvPr id="50" name="Textfeld 49">
@@ -20736,8 +25504,8 @@
           </a:fontRef>
         </p:style>
       </p:cxnSp>
-      <mc:AlternateContent xmlns:mc="http://schemas.openxmlformats.org/markup-compatibility/2006">
-        <mc:Choice xmlns:a14="http://schemas.microsoft.com/office/drawing/2010/main" Requires="a14">
+      <mc:AlternateContent xmlns:mc="http://schemas.openxmlformats.org/markup-compatibility/2006" xmlns:a14="http://schemas.microsoft.com/office/drawing/2010/main">
+        <mc:Choice Requires="a14">
           <p:sp>
             <p:nvSpPr>
               <p:cNvPr id="69" name="Textfeld 68">
@@ -20787,7 +25555,7 @@
             </p:txBody>
           </p:sp>
         </mc:Choice>
-        <mc:Fallback>
+        <mc:Fallback xmlns="">
           <p:sp>
             <p:nvSpPr>
               <p:cNvPr id="69" name="Textfeld 68">
@@ -20990,8 +25758,8 @@
           </a:fontRef>
         </p:style>
       </p:cxnSp>
-      <mc:AlternateContent xmlns:mc="http://schemas.openxmlformats.org/markup-compatibility/2006">
-        <mc:Choice xmlns:a14="http://schemas.microsoft.com/office/drawing/2010/main" Requires="a14">
+      <mc:AlternateContent xmlns:mc="http://schemas.openxmlformats.org/markup-compatibility/2006" xmlns:a14="http://schemas.microsoft.com/office/drawing/2010/main">
+        <mc:Choice Requires="a14">
           <p:sp>
             <p:nvSpPr>
               <p:cNvPr id="76" name="Textfeld 75">
@@ -21053,7 +25821,7 @@
             </p:txBody>
           </p:sp>
         </mc:Choice>
-        <mc:Fallback>
+        <mc:Fallback xmlns="">
           <p:sp>
             <p:nvSpPr>
               <p:cNvPr id="76" name="Textfeld 75">
@@ -21258,8 +26026,8 @@
           </a:fontRef>
         </p:style>
       </p:cxnSp>
-      <mc:AlternateContent xmlns:mc="http://schemas.openxmlformats.org/markup-compatibility/2006">
-        <mc:Choice xmlns:a14="http://schemas.microsoft.com/office/drawing/2010/main" Requires="a14">
+      <mc:AlternateContent xmlns:mc="http://schemas.openxmlformats.org/markup-compatibility/2006" xmlns:a14="http://schemas.microsoft.com/office/drawing/2010/main">
+        <mc:Choice Requires="a14">
           <p:sp>
             <p:nvSpPr>
               <p:cNvPr id="81" name="Textfeld 80">
@@ -21309,7 +26077,7 @@
             </p:txBody>
           </p:sp>
         </mc:Choice>
-        <mc:Fallback>
+        <mc:Fallback xmlns="">
           <p:sp>
             <p:nvSpPr>
               <p:cNvPr id="81" name="Textfeld 80">
@@ -21700,8 +26468,8 @@
           </a:fontRef>
         </p:style>
       </p:cxnSp>
-      <mc:AlternateContent xmlns:mc="http://schemas.openxmlformats.org/markup-compatibility/2006">
-        <mc:Choice xmlns:a14="http://schemas.microsoft.com/office/drawing/2010/main" Requires="a14">
+      <mc:AlternateContent xmlns:mc="http://schemas.openxmlformats.org/markup-compatibility/2006" xmlns:a14="http://schemas.microsoft.com/office/drawing/2010/main">
+        <mc:Choice Requires="a14">
           <p:sp>
             <p:nvSpPr>
               <p:cNvPr id="95" name="Textfeld 94">
@@ -21751,7 +26519,7 @@
             </p:txBody>
           </p:sp>
         </mc:Choice>
-        <mc:Fallback>
+        <mc:Fallback xmlns="">
           <p:sp>
             <p:nvSpPr>
               <p:cNvPr id="95" name="Textfeld 94">
@@ -21840,8 +26608,8 @@
           </a:fontRef>
         </p:style>
       </p:cxnSp>
-      <mc:AlternateContent xmlns:mc="http://schemas.openxmlformats.org/markup-compatibility/2006">
-        <mc:Choice xmlns:a14="http://schemas.microsoft.com/office/drawing/2010/main" Requires="a14">
+      <mc:AlternateContent xmlns:mc="http://schemas.openxmlformats.org/markup-compatibility/2006" xmlns:a14="http://schemas.microsoft.com/office/drawing/2010/main">
+        <mc:Choice Requires="a14">
           <p:sp>
             <p:nvSpPr>
               <p:cNvPr id="39" name="Textfeld 38">
@@ -21903,7 +26671,7 @@
             </p:txBody>
           </p:sp>
         </mc:Choice>
-        <mc:Fallback>
+        <mc:Fallback xmlns="">
           <p:sp>
             <p:nvSpPr>
               <p:cNvPr id="39" name="Textfeld 38">
@@ -22108,8 +26876,8 @@
           </a:fontRef>
         </p:style>
       </p:cxnSp>
-      <mc:AlternateContent xmlns:mc="http://schemas.openxmlformats.org/markup-compatibility/2006">
-        <mc:Choice xmlns:a14="http://schemas.microsoft.com/office/drawing/2010/main" Requires="a14">
+      <mc:AlternateContent xmlns:mc="http://schemas.openxmlformats.org/markup-compatibility/2006" xmlns:a14="http://schemas.microsoft.com/office/drawing/2010/main">
+        <mc:Choice Requires="a14">
           <p:sp>
             <p:nvSpPr>
               <p:cNvPr id="46" name="Textfeld 45">
@@ -22159,7 +26927,7 @@
             </p:txBody>
           </p:sp>
         </mc:Choice>
-        <mc:Fallback>
+        <mc:Fallback xmlns="">
           <p:sp>
             <p:nvSpPr>
               <p:cNvPr id="46" name="Textfeld 45">
@@ -22248,8 +27016,8 @@
           </a:fontRef>
         </p:style>
       </p:cxnSp>
-      <mc:AlternateContent xmlns:mc="http://schemas.openxmlformats.org/markup-compatibility/2006">
-        <mc:Choice xmlns:a14="http://schemas.microsoft.com/office/drawing/2010/main" Requires="a14">
+      <mc:AlternateContent xmlns:mc="http://schemas.openxmlformats.org/markup-compatibility/2006" xmlns:a14="http://schemas.microsoft.com/office/drawing/2010/main">
+        <mc:Choice Requires="a14">
           <p:sp>
             <p:nvSpPr>
               <p:cNvPr id="51" name="Textfeld 50">
@@ -22311,7 +27079,7 @@
             </p:txBody>
           </p:sp>
         </mc:Choice>
-        <mc:Fallback>
+        <mc:Fallback xmlns="">
           <p:sp>
             <p:nvSpPr>
               <p:cNvPr id="51" name="Textfeld 50">
@@ -22862,8 +27630,8 @@
           </a:fontRef>
         </p:style>
       </p:cxnSp>
-      <mc:AlternateContent xmlns:mc="http://schemas.openxmlformats.org/markup-compatibility/2006">
-        <mc:Choice xmlns:a14="http://schemas.microsoft.com/office/drawing/2010/main" Requires="a14">
+      <mc:AlternateContent xmlns:mc="http://schemas.openxmlformats.org/markup-compatibility/2006" xmlns:a14="http://schemas.microsoft.com/office/drawing/2010/main">
+        <mc:Choice Requires="a14">
           <p:sp>
             <p:nvSpPr>
               <p:cNvPr id="59" name="Textfeld 58">
@@ -22913,7 +27681,7 @@
             </p:txBody>
           </p:sp>
         </mc:Choice>
-        <mc:Fallback>
+        <mc:Fallback xmlns="">
           <p:sp>
             <p:nvSpPr>
               <p:cNvPr id="59" name="Textfeld 58">
@@ -23318,8 +28086,8 @@
           </p:spPr>
         </p:pic>
       </p:grpSp>
-      <mc:AlternateContent xmlns:mc="http://schemas.openxmlformats.org/markup-compatibility/2006">
-        <mc:Choice xmlns:a14="http://schemas.microsoft.com/office/drawing/2010/main" Requires="a14">
+      <mc:AlternateContent xmlns:mc="http://schemas.openxmlformats.org/markup-compatibility/2006" xmlns:a14="http://schemas.microsoft.com/office/drawing/2010/main">
+        <mc:Choice Requires="a14">
           <p:sp>
             <p:nvSpPr>
               <p:cNvPr id="62" name="Textfeld 61">
@@ -23369,7 +28137,7 @@
             </p:txBody>
           </p:sp>
         </mc:Choice>
-        <mc:Fallback>
+        <mc:Fallback xmlns="">
           <p:sp>
             <p:nvSpPr>
               <p:cNvPr id="62" name="Textfeld 61">
@@ -23460,8 +28228,8 @@
           </a:fontRef>
         </p:style>
       </p:cxnSp>
-      <mc:AlternateContent xmlns:mc="http://schemas.openxmlformats.org/markup-compatibility/2006">
-        <mc:Choice xmlns:a14="http://schemas.microsoft.com/office/drawing/2010/main" Requires="a14">
+      <mc:AlternateContent xmlns:mc="http://schemas.openxmlformats.org/markup-compatibility/2006" xmlns:a14="http://schemas.microsoft.com/office/drawing/2010/main">
+        <mc:Choice Requires="a14">
           <p:sp>
             <p:nvSpPr>
               <p:cNvPr id="64" name="Textfeld 63">
@@ -23511,7 +28279,7 @@
             </p:txBody>
           </p:sp>
         </mc:Choice>
-        <mc:Fallback>
+        <mc:Fallback xmlns="">
           <p:sp>
             <p:nvSpPr>
               <p:cNvPr id="64" name="Textfeld 63">
@@ -23600,8 +28368,8 @@
           </a:fontRef>
         </p:style>
       </p:cxnSp>
-      <mc:AlternateContent xmlns:mc="http://schemas.openxmlformats.org/markup-compatibility/2006">
-        <mc:Choice xmlns:a14="http://schemas.microsoft.com/office/drawing/2010/main" Requires="a14">
+      <mc:AlternateContent xmlns:mc="http://schemas.openxmlformats.org/markup-compatibility/2006" xmlns:a14="http://schemas.microsoft.com/office/drawing/2010/main">
+        <mc:Choice Requires="a14">
           <p:sp>
             <p:nvSpPr>
               <p:cNvPr id="107" name="Textfeld 106">
@@ -23663,7 +28431,7 @@
             </p:txBody>
           </p:sp>
         </mc:Choice>
-        <mc:Fallback>
+        <mc:Fallback xmlns="">
           <p:sp>
             <p:nvSpPr>
               <p:cNvPr id="107" name="Textfeld 106">
@@ -23868,8 +28636,8 @@
           </a:fontRef>
         </p:style>
       </p:cxnSp>
-      <mc:AlternateContent xmlns:mc="http://schemas.openxmlformats.org/markup-compatibility/2006">
-        <mc:Choice xmlns:a14="http://schemas.microsoft.com/office/drawing/2010/main" Requires="a14">
+      <mc:AlternateContent xmlns:mc="http://schemas.openxmlformats.org/markup-compatibility/2006" xmlns:a14="http://schemas.microsoft.com/office/drawing/2010/main">
+        <mc:Choice Requires="a14">
           <p:sp>
             <p:nvSpPr>
               <p:cNvPr id="112" name="Textfeld 111">
@@ -23919,7 +28687,7 @@
             </p:txBody>
           </p:sp>
         </mc:Choice>
-        <mc:Fallback>
+        <mc:Fallback xmlns="">
           <p:sp>
             <p:nvSpPr>
               <p:cNvPr id="112" name="Textfeld 111">
@@ -24008,8 +28776,8 @@
           </a:fontRef>
         </p:style>
       </p:cxnSp>
-      <mc:AlternateContent xmlns:mc="http://schemas.openxmlformats.org/markup-compatibility/2006">
-        <mc:Choice xmlns:a14="http://schemas.microsoft.com/office/drawing/2010/main" Requires="a14">
+      <mc:AlternateContent xmlns:mc="http://schemas.openxmlformats.org/markup-compatibility/2006" xmlns:a14="http://schemas.microsoft.com/office/drawing/2010/main">
+        <mc:Choice Requires="a14">
           <p:sp>
             <p:nvSpPr>
               <p:cNvPr id="114" name="Textfeld 113">
@@ -24071,7 +28839,7 @@
             </p:txBody>
           </p:sp>
         </mc:Choice>
-        <mc:Fallback>
+        <mc:Fallback xmlns="">
           <p:sp>
             <p:nvSpPr>
               <p:cNvPr id="114" name="Textfeld 113">
@@ -24487,8 +29255,8 @@
           </a:fontRef>
         </p:style>
       </p:cxnSp>
-      <mc:AlternateContent xmlns:mc="http://schemas.openxmlformats.org/markup-compatibility/2006">
-        <mc:Choice xmlns:a14="http://schemas.microsoft.com/office/drawing/2010/main" Requires="a14">
+      <mc:AlternateContent xmlns:mc="http://schemas.openxmlformats.org/markup-compatibility/2006" xmlns:a14="http://schemas.microsoft.com/office/drawing/2010/main">
+        <mc:Choice Requires="a14">
           <p:sp>
             <p:nvSpPr>
               <p:cNvPr id="125" name="Textfeld 124">
@@ -24538,7 +29306,7 @@
             </p:txBody>
           </p:sp>
         </mc:Choice>
-        <mc:Fallback>
+        <mc:Fallback xmlns="">
           <p:sp>
             <p:nvSpPr>
               <p:cNvPr id="125" name="Textfeld 124">
@@ -24583,8 +29351,8 @@
           </p:sp>
         </mc:Fallback>
       </mc:AlternateContent>
-      <mc:AlternateContent xmlns:mc="http://schemas.openxmlformats.org/markup-compatibility/2006">
-        <mc:Choice xmlns:a14="http://schemas.microsoft.com/office/drawing/2010/main" Requires="a14">
+      <mc:AlternateContent xmlns:mc="http://schemas.openxmlformats.org/markup-compatibility/2006" xmlns:a14="http://schemas.microsoft.com/office/drawing/2010/main">
+        <mc:Choice Requires="a14">
           <p:sp>
             <p:nvSpPr>
               <p:cNvPr id="126" name="Textfeld 125">
@@ -24634,7 +29402,7 @@
             </p:txBody>
           </p:sp>
         </mc:Choice>
-        <mc:Fallback>
+        <mc:Fallback xmlns="">
           <p:sp>
             <p:nvSpPr>
               <p:cNvPr id="126" name="Textfeld 125">
@@ -24725,8 +29493,8 @@
           </a:fontRef>
         </p:style>
       </p:cxnSp>
-      <mc:AlternateContent xmlns:mc="http://schemas.openxmlformats.org/markup-compatibility/2006">
-        <mc:Choice xmlns:a14="http://schemas.microsoft.com/office/drawing/2010/main" Requires="a14">
+      <mc:AlternateContent xmlns:mc="http://schemas.openxmlformats.org/markup-compatibility/2006" xmlns:a14="http://schemas.microsoft.com/office/drawing/2010/main">
+        <mc:Choice Requires="a14">
           <p:sp>
             <p:nvSpPr>
               <p:cNvPr id="128" name="Textfeld 127">
@@ -24776,7 +29544,7 @@
             </p:txBody>
           </p:sp>
         </mc:Choice>
-        <mc:Fallback>
+        <mc:Fallback xmlns="">
           <p:sp>
             <p:nvSpPr>
               <p:cNvPr id="128" name="Textfeld 127">
@@ -26464,7 +31232,19 @@
                   <a:rPr lang="de-DE" sz="2800" noProof="0" dirty="0">
                     <a:sym typeface="Wingdings" panose="05000000000000000000" pitchFamily="2" charset="2"/>
                   </a:rPr>
-                  <a:t> 10.000 Episoden</a:t>
+                  <a:t> </a:t>
+                </a:r>
+                <a:r>
+                  <a:rPr lang="de-DE" sz="2800" dirty="0">
+                    <a:sym typeface="Wingdings" panose="05000000000000000000" pitchFamily="2" charset="2"/>
+                  </a:rPr>
+                  <a:t>5</a:t>
+                </a:r>
+                <a:r>
+                  <a:rPr lang="de-DE" sz="2800" noProof="0" dirty="0">
+                    <a:sym typeface="Wingdings" panose="05000000000000000000" pitchFamily="2" charset="2"/>
+                  </a:rPr>
+                  <a:t>.000 Episoden</a:t>
                 </a:r>
                 <a:endParaRPr lang="de-DE" sz="2800" noProof="0" dirty="0"/>
               </a:p>

--- a/misc/WISSEN.pptx
+++ b/misc/WISSEN.pptx
@@ -5,7 +5,7 @@
     <p:sldMasterId id="2147484085" r:id="rId1"/>
   </p:sldMasterIdLst>
   <p:notesMasterIdLst>
-    <p:notesMasterId r:id="rId30"/>
+    <p:notesMasterId r:id="rId32"/>
   </p:notesMasterIdLst>
   <p:sldIdLst>
     <p:sldId id="333" r:id="rId2"/>
@@ -17,25 +17,27 @@
     <p:sldId id="447" r:id="rId8"/>
     <p:sldId id="441" r:id="rId9"/>
     <p:sldId id="477" r:id="rId10"/>
-    <p:sldId id="476" r:id="rId11"/>
-    <p:sldId id="442" r:id="rId12"/>
-    <p:sldId id="438" r:id="rId13"/>
-    <p:sldId id="443" r:id="rId14"/>
-    <p:sldId id="478" r:id="rId15"/>
-    <p:sldId id="479" r:id="rId16"/>
-    <p:sldId id="480" r:id="rId17"/>
-    <p:sldId id="481" r:id="rId18"/>
-    <p:sldId id="482" r:id="rId19"/>
-    <p:sldId id="483" r:id="rId20"/>
+    <p:sldId id="442" r:id="rId11"/>
+    <p:sldId id="479" r:id="rId12"/>
+    <p:sldId id="480" r:id="rId13"/>
+    <p:sldId id="481" r:id="rId14"/>
+    <p:sldId id="438" r:id="rId15"/>
+    <p:sldId id="443" r:id="rId16"/>
+    <p:sldId id="478" r:id="rId17"/>
+    <p:sldId id="482" r:id="rId18"/>
+    <p:sldId id="483" r:id="rId19"/>
+    <p:sldId id="484" r:id="rId20"/>
     <p:sldId id="485" r:id="rId21"/>
-    <p:sldId id="487" r:id="rId22"/>
-    <p:sldId id="488" r:id="rId23"/>
-    <p:sldId id="489" r:id="rId24"/>
-    <p:sldId id="490" r:id="rId25"/>
-    <p:sldId id="491" r:id="rId26"/>
-    <p:sldId id="492" r:id="rId27"/>
-    <p:sldId id="493" r:id="rId28"/>
-    <p:sldId id="432" r:id="rId29"/>
+    <p:sldId id="486" r:id="rId22"/>
+    <p:sldId id="487" r:id="rId23"/>
+    <p:sldId id="488" r:id="rId24"/>
+    <p:sldId id="489" r:id="rId25"/>
+    <p:sldId id="490" r:id="rId26"/>
+    <p:sldId id="491" r:id="rId27"/>
+    <p:sldId id="492" r:id="rId28"/>
+    <p:sldId id="493" r:id="rId29"/>
+    <p:sldId id="494" r:id="rId30"/>
+    <p:sldId id="432" r:id="rId31"/>
   </p:sldIdLst>
   <p:sldSz cx="12192000" cy="6858000"/>
   <p:notesSz cx="6858000" cy="9144000"/>
@@ -154,10 +156,6 @@
     </p:ext>
   </p:extLst>
 </p:presentation>
-</file>
-
-<file path=ppt/revisionInfo.xml><?xml version="1.0" encoding="utf-8"?>
-<p1510:revInfo xmlns:a="http://schemas.openxmlformats.org/drawingml/2006/main" xmlns:r="http://schemas.openxmlformats.org/officeDocument/2006/relationships" xmlns:p1510="http://schemas.microsoft.com/office/powerpoint/2015/10/main"/>
 </file>
 
 <file path=ppt/notesMasters/notesMaster1.xml><?xml version="1.0" encoding="utf-8"?>
@@ -677,7 +675,7 @@
     </p:spTree>
     <p:extLst>
       <p:ext uri="{BB962C8B-B14F-4D97-AF65-F5344CB8AC3E}">
-        <p14:creationId xmlns:p14="http://schemas.microsoft.com/office/powerpoint/2010/main" val="3098603809"/>
+        <p14:creationId xmlns:p14="http://schemas.microsoft.com/office/powerpoint/2010/main" val="2120082618"/>
       </p:ext>
     </p:extLst>
   </p:cSld>
@@ -766,7 +764,7 @@
     </p:spTree>
     <p:extLst>
       <p:ext uri="{BB962C8B-B14F-4D97-AF65-F5344CB8AC3E}">
-        <p14:creationId xmlns:p14="http://schemas.microsoft.com/office/powerpoint/2010/main" val="2120082618"/>
+        <p14:creationId xmlns:p14="http://schemas.microsoft.com/office/powerpoint/2010/main" val="1619001999"/>
       </p:ext>
     </p:extLst>
   </p:cSld>
@@ -825,7 +823,7 @@
           <a:bodyPr/>
           <a:lstStyle/>
           <a:p>
-            <a:endParaRPr lang="de-DE"/>
+            <a:endParaRPr lang="de-DE" dirty="0"/>
           </a:p>
         </p:txBody>
       </p:sp>
@@ -855,7 +853,7 @@
     </p:spTree>
     <p:extLst>
       <p:ext uri="{BB962C8B-B14F-4D97-AF65-F5344CB8AC3E}">
-        <p14:creationId xmlns:p14="http://schemas.microsoft.com/office/powerpoint/2010/main" val="1104719572"/>
+        <p14:creationId xmlns:p14="http://schemas.microsoft.com/office/powerpoint/2010/main" val="1259901229"/>
       </p:ext>
     </p:extLst>
   </p:cSld>
@@ -944,7 +942,7 @@
     </p:spTree>
     <p:extLst>
       <p:ext uri="{BB962C8B-B14F-4D97-AF65-F5344CB8AC3E}">
-        <p14:creationId xmlns:p14="http://schemas.microsoft.com/office/powerpoint/2010/main" val="1440076904"/>
+        <p14:creationId xmlns:p14="http://schemas.microsoft.com/office/powerpoint/2010/main" val="2229499220"/>
       </p:ext>
     </p:extLst>
   </p:cSld>
@@ -1003,7 +1001,7 @@
           <a:bodyPr/>
           <a:lstStyle/>
           <a:p>
-            <a:endParaRPr lang="de-DE" dirty="0"/>
+            <a:endParaRPr lang="de-DE"/>
           </a:p>
         </p:txBody>
       </p:sp>
@@ -1033,7 +1031,7 @@
     </p:spTree>
     <p:extLst>
       <p:ext uri="{BB962C8B-B14F-4D97-AF65-F5344CB8AC3E}">
-        <p14:creationId xmlns:p14="http://schemas.microsoft.com/office/powerpoint/2010/main" val="758805045"/>
+        <p14:creationId xmlns:p14="http://schemas.microsoft.com/office/powerpoint/2010/main" val="1104719572"/>
       </p:ext>
     </p:extLst>
   </p:cSld>
@@ -1122,7 +1120,7 @@
     </p:spTree>
     <p:extLst>
       <p:ext uri="{BB962C8B-B14F-4D97-AF65-F5344CB8AC3E}">
-        <p14:creationId xmlns:p14="http://schemas.microsoft.com/office/powerpoint/2010/main" val="421161294"/>
+        <p14:creationId xmlns:p14="http://schemas.microsoft.com/office/powerpoint/2010/main" val="1440076904"/>
       </p:ext>
     </p:extLst>
   </p:cSld>
@@ -1211,7 +1209,7 @@
     </p:spTree>
     <p:extLst>
       <p:ext uri="{BB962C8B-B14F-4D97-AF65-F5344CB8AC3E}">
-        <p14:creationId xmlns:p14="http://schemas.microsoft.com/office/powerpoint/2010/main" val="2999022061"/>
+        <p14:creationId xmlns:p14="http://schemas.microsoft.com/office/powerpoint/2010/main" val="758805045"/>
       </p:ext>
     </p:extLst>
   </p:cSld>
@@ -1300,7 +1298,7 @@
     </p:spTree>
     <p:extLst>
       <p:ext uri="{BB962C8B-B14F-4D97-AF65-F5344CB8AC3E}">
-        <p14:creationId xmlns:p14="http://schemas.microsoft.com/office/powerpoint/2010/main" val="103869853"/>
+        <p14:creationId xmlns:p14="http://schemas.microsoft.com/office/powerpoint/2010/main" val="421161294"/>
       </p:ext>
     </p:extLst>
   </p:cSld>
@@ -1389,7 +1387,7 @@
     </p:spTree>
     <p:extLst>
       <p:ext uri="{BB962C8B-B14F-4D97-AF65-F5344CB8AC3E}">
-        <p14:creationId xmlns:p14="http://schemas.microsoft.com/office/powerpoint/2010/main" val="1625071486"/>
+        <p14:creationId xmlns:p14="http://schemas.microsoft.com/office/powerpoint/2010/main" val="2999022061"/>
       </p:ext>
     </p:extLst>
   </p:cSld>
@@ -1478,7 +1476,7 @@
     </p:spTree>
     <p:extLst>
       <p:ext uri="{BB962C8B-B14F-4D97-AF65-F5344CB8AC3E}">
-        <p14:creationId xmlns:p14="http://schemas.microsoft.com/office/powerpoint/2010/main" val="3802243921"/>
+        <p14:creationId xmlns:p14="http://schemas.microsoft.com/office/powerpoint/2010/main" val="103869853"/>
       </p:ext>
     </p:extLst>
   </p:cSld>
@@ -1656,7 +1654,7 @@
     </p:spTree>
     <p:extLst>
       <p:ext uri="{BB962C8B-B14F-4D97-AF65-F5344CB8AC3E}">
-        <p14:creationId xmlns:p14="http://schemas.microsoft.com/office/powerpoint/2010/main" val="1544139349"/>
+        <p14:creationId xmlns:p14="http://schemas.microsoft.com/office/powerpoint/2010/main" val="1625071486"/>
       </p:ext>
     </p:extLst>
   </p:cSld>
@@ -1745,7 +1743,7 @@
     </p:spTree>
     <p:extLst>
       <p:ext uri="{BB962C8B-B14F-4D97-AF65-F5344CB8AC3E}">
-        <p14:creationId xmlns:p14="http://schemas.microsoft.com/office/powerpoint/2010/main" val="3511721461"/>
+        <p14:creationId xmlns:p14="http://schemas.microsoft.com/office/powerpoint/2010/main" val="3802243921"/>
       </p:ext>
     </p:extLst>
   </p:cSld>
@@ -1834,7 +1832,7 @@
     </p:spTree>
     <p:extLst>
       <p:ext uri="{BB962C8B-B14F-4D97-AF65-F5344CB8AC3E}">
-        <p14:creationId xmlns:p14="http://schemas.microsoft.com/office/powerpoint/2010/main" val="1139686155"/>
+        <p14:creationId xmlns:p14="http://schemas.microsoft.com/office/powerpoint/2010/main" val="1544139349"/>
       </p:ext>
     </p:extLst>
   </p:cSld>
@@ -1923,7 +1921,7 @@
     </p:spTree>
     <p:extLst>
       <p:ext uri="{BB962C8B-B14F-4D97-AF65-F5344CB8AC3E}">
-        <p14:creationId xmlns:p14="http://schemas.microsoft.com/office/powerpoint/2010/main" val="3351972218"/>
+        <p14:creationId xmlns:p14="http://schemas.microsoft.com/office/powerpoint/2010/main" val="3511721461"/>
       </p:ext>
     </p:extLst>
   </p:cSld>
@@ -2012,7 +2010,7 @@
     </p:spTree>
     <p:extLst>
       <p:ext uri="{BB962C8B-B14F-4D97-AF65-F5344CB8AC3E}">
-        <p14:creationId xmlns:p14="http://schemas.microsoft.com/office/powerpoint/2010/main" val="3677458609"/>
+        <p14:creationId xmlns:p14="http://schemas.microsoft.com/office/powerpoint/2010/main" val="1139686155"/>
       </p:ext>
     </p:extLst>
   </p:cSld>
@@ -2101,7 +2099,7 @@
     </p:spTree>
     <p:extLst>
       <p:ext uri="{BB962C8B-B14F-4D97-AF65-F5344CB8AC3E}">
-        <p14:creationId xmlns:p14="http://schemas.microsoft.com/office/powerpoint/2010/main" val="1323778501"/>
+        <p14:creationId xmlns:p14="http://schemas.microsoft.com/office/powerpoint/2010/main" val="3351972218"/>
       </p:ext>
     </p:extLst>
   </p:cSld>
@@ -2190,7 +2188,7 @@
     </p:spTree>
     <p:extLst>
       <p:ext uri="{BB962C8B-B14F-4D97-AF65-F5344CB8AC3E}">
-        <p14:creationId xmlns:p14="http://schemas.microsoft.com/office/powerpoint/2010/main" val="2649278164"/>
+        <p14:creationId xmlns:p14="http://schemas.microsoft.com/office/powerpoint/2010/main" val="3677458609"/>
       </p:ext>
     </p:extLst>
   </p:cSld>
@@ -2279,7 +2277,7 @@
     </p:spTree>
     <p:extLst>
       <p:ext uri="{BB962C8B-B14F-4D97-AF65-F5344CB8AC3E}">
-        <p14:creationId xmlns:p14="http://schemas.microsoft.com/office/powerpoint/2010/main" val="1986275093"/>
+        <p14:creationId xmlns:p14="http://schemas.microsoft.com/office/powerpoint/2010/main" val="1323778501"/>
       </p:ext>
     </p:extLst>
   </p:cSld>
@@ -2338,7 +2336,7 @@
           <a:bodyPr/>
           <a:lstStyle/>
           <a:p>
-            <a:endParaRPr lang="de-DE"/>
+            <a:endParaRPr lang="de-DE" dirty="0"/>
           </a:p>
         </p:txBody>
       </p:sp>
@@ -2368,7 +2366,96 @@
     </p:spTree>
     <p:extLst>
       <p:ext uri="{BB962C8B-B14F-4D97-AF65-F5344CB8AC3E}">
-        <p14:creationId xmlns:p14="http://schemas.microsoft.com/office/powerpoint/2010/main" val="3048355984"/>
+        <p14:creationId xmlns:p14="http://schemas.microsoft.com/office/powerpoint/2010/main" val="2649278164"/>
+      </p:ext>
+    </p:extLst>
+  </p:cSld>
+  <p:clrMapOvr>
+    <a:masterClrMapping/>
+  </p:clrMapOvr>
+</p:notes>
+</file>
+
+<file path=ppt/notesSlides/notesSlide29.xml><?xml version="1.0" encoding="utf-8"?>
+<p:notes xmlns:a="http://schemas.openxmlformats.org/drawingml/2006/main" xmlns:r="http://schemas.openxmlformats.org/officeDocument/2006/relationships" xmlns:p="http://schemas.openxmlformats.org/presentationml/2006/main">
+  <p:cSld>
+    <p:spTree>
+      <p:nvGrpSpPr>
+        <p:cNvPr id="1" name=""/>
+        <p:cNvGrpSpPr/>
+        <p:nvPr/>
+      </p:nvGrpSpPr>
+      <p:grpSpPr>
+        <a:xfrm>
+          <a:off x="0" y="0"/>
+          <a:ext cx="0" cy="0"/>
+          <a:chOff x="0" y="0"/>
+          <a:chExt cx="0" cy="0"/>
+        </a:xfrm>
+      </p:grpSpPr>
+      <p:sp>
+        <p:nvSpPr>
+          <p:cNvPr id="2" name="Folienbildplatzhalter 1"/>
+          <p:cNvSpPr>
+            <a:spLocks noGrp="1" noRot="1" noChangeAspect="1"/>
+          </p:cNvSpPr>
+          <p:nvPr>
+            <p:ph type="sldImg"/>
+          </p:nvPr>
+        </p:nvSpPr>
+        <p:spPr>
+          <a:xfrm>
+            <a:off x="685800" y="1143000"/>
+            <a:ext cx="5486400" cy="3086100"/>
+          </a:xfrm>
+        </p:spPr>
+      </p:sp>
+      <p:sp>
+        <p:nvSpPr>
+          <p:cNvPr id="3" name="Notizenplatzhalter 2"/>
+          <p:cNvSpPr>
+            <a:spLocks noGrp="1"/>
+          </p:cNvSpPr>
+          <p:nvPr>
+            <p:ph type="body" idx="1"/>
+          </p:nvPr>
+        </p:nvSpPr>
+        <p:spPr/>
+        <p:txBody>
+          <a:bodyPr/>
+          <a:lstStyle/>
+          <a:p>
+            <a:endParaRPr lang="de-DE" dirty="0"/>
+          </a:p>
+        </p:txBody>
+      </p:sp>
+      <p:sp>
+        <p:nvSpPr>
+          <p:cNvPr id="4" name="Foliennummernplatzhalter 3"/>
+          <p:cNvSpPr>
+            <a:spLocks noGrp="1"/>
+          </p:cNvSpPr>
+          <p:nvPr>
+            <p:ph type="sldNum" sz="quarter" idx="10"/>
+          </p:nvPr>
+        </p:nvSpPr>
+        <p:spPr/>
+        <p:txBody>
+          <a:bodyPr/>
+          <a:lstStyle/>
+          <a:p>
+            <a:fld id="{E512E86A-6AF3-4717-B240-660FBE45A78F}" type="slidenum">
+              <a:rPr lang="de-DE" smtClean="0"/>
+              <a:t>29</a:t>
+            </a:fld>
+            <a:endParaRPr lang="de-DE"/>
+          </a:p>
+        </p:txBody>
+      </p:sp>
+    </p:spTree>
+    <p:extLst>
+      <p:ext uri="{BB962C8B-B14F-4D97-AF65-F5344CB8AC3E}">
+        <p14:creationId xmlns:p14="http://schemas.microsoft.com/office/powerpoint/2010/main" val="1986275093"/>
       </p:ext>
     </p:extLst>
   </p:cSld>
@@ -2458,6 +2545,95 @@
     <p:extLst>
       <p:ext uri="{BB962C8B-B14F-4D97-AF65-F5344CB8AC3E}">
         <p14:creationId xmlns:p14="http://schemas.microsoft.com/office/powerpoint/2010/main" val="3400043193"/>
+      </p:ext>
+    </p:extLst>
+  </p:cSld>
+  <p:clrMapOvr>
+    <a:masterClrMapping/>
+  </p:clrMapOvr>
+</p:notes>
+</file>
+
+<file path=ppt/notesSlides/notesSlide30.xml><?xml version="1.0" encoding="utf-8"?>
+<p:notes xmlns:a="http://schemas.openxmlformats.org/drawingml/2006/main" xmlns:r="http://schemas.openxmlformats.org/officeDocument/2006/relationships" xmlns:p="http://schemas.openxmlformats.org/presentationml/2006/main">
+  <p:cSld>
+    <p:spTree>
+      <p:nvGrpSpPr>
+        <p:cNvPr id="1" name=""/>
+        <p:cNvGrpSpPr/>
+        <p:nvPr/>
+      </p:nvGrpSpPr>
+      <p:grpSpPr>
+        <a:xfrm>
+          <a:off x="0" y="0"/>
+          <a:ext cx="0" cy="0"/>
+          <a:chOff x="0" y="0"/>
+          <a:chExt cx="0" cy="0"/>
+        </a:xfrm>
+      </p:grpSpPr>
+      <p:sp>
+        <p:nvSpPr>
+          <p:cNvPr id="2" name="Folienbildplatzhalter 1"/>
+          <p:cNvSpPr>
+            <a:spLocks noGrp="1" noRot="1" noChangeAspect="1"/>
+          </p:cNvSpPr>
+          <p:nvPr>
+            <p:ph type="sldImg"/>
+          </p:nvPr>
+        </p:nvSpPr>
+        <p:spPr>
+          <a:xfrm>
+            <a:off x="685800" y="1143000"/>
+            <a:ext cx="5486400" cy="3086100"/>
+          </a:xfrm>
+        </p:spPr>
+      </p:sp>
+      <p:sp>
+        <p:nvSpPr>
+          <p:cNvPr id="3" name="Notizenplatzhalter 2"/>
+          <p:cNvSpPr>
+            <a:spLocks noGrp="1"/>
+          </p:cNvSpPr>
+          <p:nvPr>
+            <p:ph type="body" idx="1"/>
+          </p:nvPr>
+        </p:nvSpPr>
+        <p:spPr/>
+        <p:txBody>
+          <a:bodyPr/>
+          <a:lstStyle/>
+          <a:p>
+            <a:endParaRPr lang="de-DE"/>
+          </a:p>
+        </p:txBody>
+      </p:sp>
+      <p:sp>
+        <p:nvSpPr>
+          <p:cNvPr id="4" name="Foliennummernplatzhalter 3"/>
+          <p:cNvSpPr>
+            <a:spLocks noGrp="1"/>
+          </p:cNvSpPr>
+          <p:nvPr>
+            <p:ph type="sldNum" sz="quarter" idx="10"/>
+          </p:nvPr>
+        </p:nvSpPr>
+        <p:spPr/>
+        <p:txBody>
+          <a:bodyPr/>
+          <a:lstStyle/>
+          <a:p>
+            <a:fld id="{E512E86A-6AF3-4717-B240-660FBE45A78F}" type="slidenum">
+              <a:rPr lang="de-DE" smtClean="0"/>
+              <a:t>30</a:t>
+            </a:fld>
+            <a:endParaRPr lang="de-DE"/>
+          </a:p>
+        </p:txBody>
+      </p:sp>
+    </p:spTree>
+    <p:extLst>
+      <p:ext uri="{BB962C8B-B14F-4D97-AF65-F5344CB8AC3E}">
+        <p14:creationId xmlns:p14="http://schemas.microsoft.com/office/powerpoint/2010/main" val="3048355984"/>
       </p:ext>
     </p:extLst>
   </p:cSld>
@@ -7265,15 +7441,28 @@
   <p:clrMapOvr>
     <a:masterClrMapping/>
   </p:clrMapOvr>
-  <p:transition spd="slow">
-    <p:push/>
-  </p:transition>
+  <mc:AlternateContent xmlns:mc="http://schemas.openxmlformats.org/markup-compatibility/2006">
+    <mc:Choice xmlns:p14="http://schemas.microsoft.com/office/powerpoint/2010/main" Requires="p14">
+      <p:transition p14:dur="0"/>
+    </mc:Choice>
+    <mc:Fallback>
+      <p:transition/>
+    </mc:Fallback>
+  </mc:AlternateContent>
 </p:sld>
 </file>
 
 <file path=ppt/slides/slide10.xml><?xml version="1.0" encoding="utf-8"?>
 <p:sld xmlns:a="http://schemas.openxmlformats.org/drawingml/2006/main" xmlns:r="http://schemas.openxmlformats.org/officeDocument/2006/relationships" xmlns:p="http://schemas.openxmlformats.org/presentationml/2006/main">
   <p:cSld>
+    <p:bg>
+      <p:bgPr>
+        <a:solidFill>
+          <a:schemeClr val="bg1"/>
+        </a:solidFill>
+        <a:effectLst/>
+      </p:bgPr>
+    </p:bg>
     <p:spTree>
       <p:nvGrpSpPr>
         <p:cNvPr id="1" name=""/>
@@ -7290,6 +7479,366 @@
       </p:grpSpPr>
       <p:sp>
         <p:nvSpPr>
+          <p:cNvPr id="12" name="Rectangle 11">
+            <a:extLst>
+              <a:ext uri="{FF2B5EF4-FFF2-40B4-BE49-F238E27FC236}">
+                <a16:creationId xmlns:a16="http://schemas.microsoft.com/office/drawing/2014/main" id="{DB691D59-8F51-4DD8-AD41-D568D29B08F8}"/>
+              </a:ext>
+              <a:ext uri="{C183D7F6-B498-43B3-948B-1728B52AA6E4}">
+                <adec:decorative xmlns:adec="http://schemas.microsoft.com/office/drawing/2017/decorative" val="1"/>
+              </a:ext>
+            </a:extLst>
+          </p:cNvPr>
+          <p:cNvSpPr>
+            <a:spLocks noGrp="1" noRot="1" noChangeAspect="1" noMove="1" noResize="1" noEditPoints="1" noAdjustHandles="1" noChangeArrowheads="1" noChangeShapeType="1" noTextEdit="1"/>
+          </p:cNvSpPr>
+          <p:nvPr>
+            <p:extLst>
+              <p:ext uri="{386F3935-93C4-4BCD-93E2-E3B085C9AB24}">
+                <p16:designElem xmlns:p16="http://schemas.microsoft.com/office/powerpoint/2015/main" val="1"/>
+              </p:ext>
+            </p:extLst>
+          </p:nvPr>
+        </p:nvSpPr>
+        <p:spPr>
+          <a:xfrm>
+            <a:off x="446534" y="457200"/>
+            <a:ext cx="3703320" cy="94997"/>
+          </a:xfrm>
+          <a:prstGeom prst="rect">
+            <a:avLst/>
+          </a:prstGeom>
+          <a:solidFill>
+            <a:schemeClr val="accent1"/>
+          </a:solidFill>
+          <a:ln>
+            <a:noFill/>
+          </a:ln>
+          <a:effectLst/>
+        </p:spPr>
+        <p:style>
+          <a:lnRef idx="1">
+            <a:schemeClr val="accent1"/>
+          </a:lnRef>
+          <a:fillRef idx="3">
+            <a:schemeClr val="accent1"/>
+          </a:fillRef>
+          <a:effectRef idx="2">
+            <a:schemeClr val="accent1"/>
+          </a:effectRef>
+          <a:fontRef idx="minor">
+            <a:schemeClr val="lt1"/>
+          </a:fontRef>
+        </p:style>
+      </p:sp>
+      <p:sp>
+        <p:nvSpPr>
+          <p:cNvPr id="14" name="Rectangle 13">
+            <a:extLst>
+              <a:ext uri="{FF2B5EF4-FFF2-40B4-BE49-F238E27FC236}">
+                <a16:creationId xmlns:a16="http://schemas.microsoft.com/office/drawing/2014/main" id="{204AEF18-0627-48F3-9B3D-F7E8F050B1D4}"/>
+              </a:ext>
+              <a:ext uri="{C183D7F6-B498-43B3-948B-1728B52AA6E4}">
+                <adec:decorative xmlns:adec="http://schemas.microsoft.com/office/drawing/2017/decorative" val="1"/>
+              </a:ext>
+            </a:extLst>
+          </p:cNvPr>
+          <p:cNvSpPr>
+            <a:spLocks noGrp="1" noRot="1" noChangeAspect="1" noMove="1" noResize="1" noEditPoints="1" noAdjustHandles="1" noChangeArrowheads="1" noChangeShapeType="1" noTextEdit="1"/>
+          </p:cNvSpPr>
+          <p:nvPr>
+            <p:extLst>
+              <p:ext uri="{386F3935-93C4-4BCD-93E2-E3B085C9AB24}">
+                <p16:designElem xmlns:p16="http://schemas.microsoft.com/office/powerpoint/2015/main" val="1"/>
+              </p:ext>
+            </p:extLst>
+          </p:nvPr>
+        </p:nvSpPr>
+        <p:spPr>
+          <a:xfrm>
+            <a:off x="8042147" y="453643"/>
+            <a:ext cx="3703320" cy="98554"/>
+          </a:xfrm>
+          <a:prstGeom prst="rect">
+            <a:avLst/>
+          </a:prstGeom>
+          <a:solidFill>
+            <a:schemeClr val="accent4"/>
+          </a:solidFill>
+          <a:ln>
+            <a:noFill/>
+          </a:ln>
+          <a:effectLst/>
+        </p:spPr>
+        <p:style>
+          <a:lnRef idx="1">
+            <a:schemeClr val="accent1"/>
+          </a:lnRef>
+          <a:fillRef idx="3">
+            <a:schemeClr val="accent1"/>
+          </a:fillRef>
+          <a:effectRef idx="2">
+            <a:schemeClr val="accent1"/>
+          </a:effectRef>
+          <a:fontRef idx="minor">
+            <a:schemeClr val="lt1"/>
+          </a:fontRef>
+        </p:style>
+      </p:sp>
+      <p:sp>
+        <p:nvSpPr>
+          <p:cNvPr id="16" name="Rectangle 15">
+            <a:extLst>
+              <a:ext uri="{FF2B5EF4-FFF2-40B4-BE49-F238E27FC236}">
+                <a16:creationId xmlns:a16="http://schemas.microsoft.com/office/drawing/2014/main" id="{CEAEE08A-C572-438F-9753-B0D527A515A7}"/>
+              </a:ext>
+              <a:ext uri="{C183D7F6-B498-43B3-948B-1728B52AA6E4}">
+                <adec:decorative xmlns:adec="http://schemas.microsoft.com/office/drawing/2017/decorative" val="1"/>
+              </a:ext>
+            </a:extLst>
+          </p:cNvPr>
+          <p:cNvSpPr>
+            <a:spLocks noGrp="1" noRot="1" noChangeAspect="1" noMove="1" noResize="1" noEditPoints="1" noAdjustHandles="1" noChangeArrowheads="1" noChangeShapeType="1" noTextEdit="1"/>
+          </p:cNvSpPr>
+          <p:nvPr>
+            <p:extLst>
+              <p:ext uri="{386F3935-93C4-4BCD-93E2-E3B085C9AB24}">
+                <p16:designElem xmlns:p16="http://schemas.microsoft.com/office/powerpoint/2015/main" val="1"/>
+              </p:ext>
+            </p:extLst>
+          </p:nvPr>
+        </p:nvSpPr>
+        <p:spPr>
+          <a:xfrm>
+            <a:off x="4241830" y="457200"/>
+            <a:ext cx="3703320" cy="91440"/>
+          </a:xfrm>
+          <a:prstGeom prst="rect">
+            <a:avLst/>
+          </a:prstGeom>
+          <a:solidFill>
+            <a:schemeClr val="accent2"/>
+          </a:solidFill>
+          <a:ln>
+            <a:noFill/>
+          </a:ln>
+          <a:effectLst/>
+        </p:spPr>
+        <p:style>
+          <a:lnRef idx="1">
+            <a:schemeClr val="accent1"/>
+          </a:lnRef>
+          <a:fillRef idx="3">
+            <a:schemeClr val="accent1"/>
+          </a:fillRef>
+          <a:effectRef idx="2">
+            <a:schemeClr val="accent1"/>
+          </a:effectRef>
+          <a:fontRef idx="minor">
+            <a:schemeClr val="lt1"/>
+          </a:fontRef>
+        </p:style>
+      </p:sp>
+      <p:sp>
+        <p:nvSpPr>
+          <p:cNvPr id="18" name="Rectangle 17">
+            <a:extLst>
+              <a:ext uri="{FF2B5EF4-FFF2-40B4-BE49-F238E27FC236}">
+                <a16:creationId xmlns:a16="http://schemas.microsoft.com/office/drawing/2014/main" id="{DB93146F-62ED-4C59-844C-0935D0FB5031}"/>
+              </a:ext>
+              <a:ext uri="{C183D7F6-B498-43B3-948B-1728B52AA6E4}">
+                <adec:decorative xmlns:adec="http://schemas.microsoft.com/office/drawing/2017/decorative" val="1"/>
+              </a:ext>
+            </a:extLst>
+          </p:cNvPr>
+          <p:cNvSpPr>
+            <a:spLocks noGrp="1" noRot="1" noChangeAspect="1" noMove="1" noResize="1" noEditPoints="1" noAdjustHandles="1" noChangeArrowheads="1" noChangeShapeType="1" noTextEdit="1"/>
+          </p:cNvSpPr>
+          <p:nvPr>
+            <p:extLst>
+              <p:ext uri="{386F3935-93C4-4BCD-93E2-E3B085C9AB24}">
+                <p16:designElem xmlns:p16="http://schemas.microsoft.com/office/powerpoint/2015/main" val="1"/>
+              </p:ext>
+            </p:extLst>
+          </p:nvPr>
+        </p:nvSpPr>
+        <p:spPr>
+          <a:xfrm>
+            <a:off x="446534" y="3085765"/>
+            <a:ext cx="11262866" cy="3304800"/>
+          </a:xfrm>
+          <a:prstGeom prst="rect">
+            <a:avLst/>
+          </a:prstGeom>
+          <a:solidFill>
+            <a:schemeClr val="accent1"/>
+          </a:solidFill>
+          <a:ln>
+            <a:noFill/>
+          </a:ln>
+          <a:effectLst/>
+        </p:spPr>
+        <p:style>
+          <a:lnRef idx="1">
+            <a:schemeClr val="accent1"/>
+          </a:lnRef>
+          <a:fillRef idx="3">
+            <a:schemeClr val="accent1"/>
+          </a:fillRef>
+          <a:effectRef idx="2">
+            <a:schemeClr val="accent1"/>
+          </a:effectRef>
+          <a:fontRef idx="minor">
+            <a:schemeClr val="lt1"/>
+          </a:fontRef>
+        </p:style>
+      </p:sp>
+      <p:sp useBgFill="1">
+        <p:nvSpPr>
+          <p:cNvPr id="20" name="Rectangle 19">
+            <a:extLst>
+              <a:ext uri="{FF2B5EF4-FFF2-40B4-BE49-F238E27FC236}">
+                <a16:creationId xmlns:a16="http://schemas.microsoft.com/office/drawing/2014/main" id="{BF3D65BA-1C65-40FB-92EF-83951BDC1D7C}"/>
+              </a:ext>
+              <a:ext uri="{C183D7F6-B498-43B3-948B-1728B52AA6E4}">
+                <adec:decorative xmlns:adec="http://schemas.microsoft.com/office/drawing/2017/decorative" val="1"/>
+              </a:ext>
+            </a:extLst>
+          </p:cNvPr>
+          <p:cNvSpPr>
+            <a:spLocks noGrp="1" noRot="1" noChangeAspect="1" noMove="1" noResize="1" noEditPoints="1" noAdjustHandles="1" noChangeArrowheads="1" noChangeShapeType="1" noTextEdit="1"/>
+          </p:cNvSpPr>
+          <p:nvPr>
+            <p:extLst>
+              <p:ext uri="{386F3935-93C4-4BCD-93E2-E3B085C9AB24}">
+                <p16:designElem xmlns:p16="http://schemas.microsoft.com/office/powerpoint/2015/main" val="1"/>
+              </p:ext>
+            </p:extLst>
+          </p:nvPr>
+        </p:nvSpPr>
+        <p:spPr>
+          <a:xfrm>
+            <a:off x="0" y="638175"/>
+            <a:ext cx="12191999" cy="6219825"/>
+          </a:xfrm>
+          <a:prstGeom prst="rect">
+            <a:avLst/>
+          </a:prstGeom>
+          <a:ln>
+            <a:noFill/>
+          </a:ln>
+        </p:spPr>
+        <p:style>
+          <a:lnRef idx="2">
+            <a:schemeClr val="accent1">
+              <a:shade val="50000"/>
+            </a:schemeClr>
+          </a:lnRef>
+          <a:fillRef idx="1">
+            <a:schemeClr val="accent1"/>
+          </a:fillRef>
+          <a:effectRef idx="0">
+            <a:schemeClr val="accent1"/>
+          </a:effectRef>
+          <a:fontRef idx="minor">
+            <a:schemeClr val="lt1"/>
+          </a:fontRef>
+        </p:style>
+        <p:txBody>
+          <a:bodyPr rtlCol="0" anchor="ctr"/>
+          <a:lstStyle/>
+          <a:p>
+            <a:pPr algn="ctr"/>
+            <a:endParaRPr lang="en-US"/>
+          </a:p>
+        </p:txBody>
+      </p:sp>
+      <p:pic>
+        <p:nvPicPr>
+          <p:cNvPr id="7" name="Grafik 6">
+            <a:extLst>
+              <a:ext uri="{FF2B5EF4-FFF2-40B4-BE49-F238E27FC236}">
+                <a16:creationId xmlns:a16="http://schemas.microsoft.com/office/drawing/2014/main" id="{2FF0ABAB-860D-4221-A861-F9082EBD68CD}"/>
+              </a:ext>
+            </a:extLst>
+          </p:cNvPr>
+          <p:cNvPicPr>
+            <a:picLocks noChangeAspect="1"/>
+          </p:cNvPicPr>
+          <p:nvPr/>
+        </p:nvPicPr>
+        <p:blipFill>
+          <a:blip r:embed="rId3"/>
+          <a:stretch>
+            <a:fillRect/>
+          </a:stretch>
+        </p:blipFill>
+        <p:spPr>
+          <a:xfrm>
+            <a:off x="1042323" y="641732"/>
+            <a:ext cx="6506229" cy="6001997"/>
+          </a:xfrm>
+          <a:prstGeom prst="rect">
+            <a:avLst/>
+          </a:prstGeom>
+        </p:spPr>
+      </p:pic>
+      <p:sp>
+        <p:nvSpPr>
+          <p:cNvPr id="22" name="Rectangle 21">
+            <a:extLst>
+              <a:ext uri="{FF2B5EF4-FFF2-40B4-BE49-F238E27FC236}">
+                <a16:creationId xmlns:a16="http://schemas.microsoft.com/office/drawing/2014/main" id="{ADF52CCA-FCDD-49A0-BFFC-3BD41F1B827A}"/>
+              </a:ext>
+              <a:ext uri="{C183D7F6-B498-43B3-948B-1728B52AA6E4}">
+                <adec:decorative xmlns:adec="http://schemas.microsoft.com/office/drawing/2017/decorative" val="1"/>
+              </a:ext>
+            </a:extLst>
+          </p:cNvPr>
+          <p:cNvSpPr>
+            <a:spLocks noGrp="1" noRot="1" noChangeAspect="1" noMove="1" noResize="1" noEditPoints="1" noAdjustHandles="1" noChangeArrowheads="1" noChangeShapeType="1" noTextEdit="1"/>
+          </p:cNvSpPr>
+          <p:nvPr>
+            <p:extLst>
+              <p:ext uri="{386F3935-93C4-4BCD-93E2-E3B085C9AB24}">
+                <p16:designElem xmlns:p16="http://schemas.microsoft.com/office/powerpoint/2015/main" val="1"/>
+              </p:ext>
+            </p:extLst>
+          </p:nvPr>
+        </p:nvSpPr>
+        <p:spPr>
+          <a:xfrm>
+            <a:off x="8042147" y="723899"/>
+            <a:ext cx="3703320" cy="5666666"/>
+          </a:xfrm>
+          <a:prstGeom prst="rect">
+            <a:avLst/>
+          </a:prstGeom>
+          <a:solidFill>
+            <a:schemeClr val="accent1"/>
+          </a:solidFill>
+          <a:ln>
+            <a:noFill/>
+          </a:ln>
+          <a:effectLst/>
+        </p:spPr>
+        <p:style>
+          <a:lnRef idx="1">
+            <a:schemeClr val="accent1"/>
+          </a:lnRef>
+          <a:fillRef idx="3">
+            <a:schemeClr val="accent1"/>
+          </a:fillRef>
+          <a:effectRef idx="2">
+            <a:schemeClr val="accent1"/>
+          </a:effectRef>
+          <a:fontRef idx="minor">
+            <a:schemeClr val="lt1"/>
+          </a:fontRef>
+        </p:style>
+      </p:sp>
+      <p:sp>
+        <p:nvSpPr>
           <p:cNvPr id="2" name="Titel 1"/>
           <p:cNvSpPr>
             <a:spLocks noGrp="1"/>
@@ -7300,18 +7849,22 @@
         </p:nvSpPr>
         <p:spPr>
           <a:xfrm>
-            <a:off x="774923" y="636677"/>
-            <a:ext cx="10653003" cy="633326"/>
+            <a:off x="8236982" y="894570"/>
+            <a:ext cx="3337757" cy="570250"/>
           </a:xfrm>
         </p:spPr>
         <p:txBody>
-          <a:bodyPr anchor="ctr">
-            <a:noAutofit/>
+          <a:bodyPr vert="horz" lIns="91440" tIns="45720" rIns="91440" bIns="45720" rtlCol="0" anchor="b">
+            <a:normAutofit/>
           </a:bodyPr>
           <a:lstStyle/>
           <a:p>
+            <a:pPr algn="ctr"/>
             <a:r>
-              <a:rPr lang="en-US" sz="4400" noProof="0" dirty="0" err="1">
+              <a:rPr lang="en-US" sz="2500" noProof="0" dirty="0" err="1">
+                <a:solidFill>
+                  <a:srgbClr val="FFFFFF"/>
+                </a:solidFill>
                 <a:effectLst>
                   <a:outerShdw blurRad="38100" dist="38100" dir="2700000" algn="tl">
                     <a:srgbClr val="000000">
@@ -7322,7 +7875,10 @@
               </a:rPr>
               <a:t>Implementierung</a:t>
             </a:r>
-            <a:endParaRPr lang="en-US" sz="4400" noProof="0" dirty="0">
+            <a:endParaRPr lang="en-US" sz="2500" noProof="0" dirty="0">
+              <a:solidFill>
+                <a:srgbClr val="FFFFFF"/>
+              </a:solidFill>
               <a:effectLst>
                 <a:outerShdw blurRad="38100" dist="38100" dir="2700000" algn="tl">
                   <a:srgbClr val="000000">
@@ -7346,18 +7902,28 @@
         </p:nvSpPr>
         <p:spPr>
           <a:xfrm>
-            <a:off x="10270837" y="714371"/>
-            <a:ext cx="1291874" cy="477938"/>
+            <a:off x="10558300" y="6400800"/>
+            <a:ext cx="1016440" cy="365125"/>
           </a:xfrm>
         </p:spPr>
         <p:txBody>
-          <a:bodyPr anchor="ctr"/>
+          <a:bodyPr vert="horz" lIns="91440" tIns="45720" rIns="91440" bIns="45720" rtlCol="0" anchor="ctr">
+            <a:normAutofit/>
+          </a:bodyPr>
           <a:lstStyle/>
           <a:p>
+            <a:pPr defTabSz="914400">
+              <a:spcAft>
+                <a:spcPts val="600"/>
+              </a:spcAft>
+            </a:pPr>
             <a:fld id="{5D84065D-F351-4B03-BD91-D8A6B8D4B362}" type="slidenum">
-              <a:rPr lang="en-US" sz="4400" smtClean="0">
+              <a:rPr lang="en-US" smtClean="0">
                 <a:solidFill>
-                  <a:schemeClr val="bg1"/>
+                  <a:schemeClr val="accent1">
+                    <a:lumMod val="75000"/>
+                    <a:lumOff val="25000"/>
+                  </a:schemeClr>
                 </a:solidFill>
                 <a:effectLst>
                   <a:outerShdw blurRad="38100" dist="38100" dir="2700000" algn="tl">
@@ -7366,13 +7932,20 @@
                     </a:srgbClr>
                   </a:outerShdw>
                 </a:effectLst>
-                <a:latin typeface="+mj-lt"/>
               </a:rPr>
+              <a:pPr defTabSz="914400">
+                <a:spcAft>
+                  <a:spcPts val="600"/>
+                </a:spcAft>
+              </a:pPr>
               <a:t>10</a:t>
             </a:fld>
-            <a:endParaRPr lang="en-US" sz="4400" dirty="0">
+            <a:endParaRPr lang="en-US">
               <a:solidFill>
-                <a:schemeClr val="bg1"/>
+                <a:schemeClr val="accent1">
+                  <a:lumMod val="75000"/>
+                  <a:lumOff val="25000"/>
+                </a:schemeClr>
               </a:solidFill>
               <a:effectLst>
                 <a:outerShdw blurRad="38100" dist="38100" dir="2700000" algn="tl">
@@ -7381,90 +7954,96 @@
                   </a:srgbClr>
                 </a:outerShdw>
               </a:effectLst>
-              <a:latin typeface="+mj-lt"/>
             </a:endParaRPr>
           </a:p>
         </p:txBody>
       </p:sp>
-      <p:pic>
-        <p:nvPicPr>
-          <p:cNvPr id="8" name="Grafik 7">
+      <p:sp>
+        <p:nvSpPr>
+          <p:cNvPr id="9" name="Rechteck 8">
             <a:extLst>
               <a:ext uri="{FF2B5EF4-FFF2-40B4-BE49-F238E27FC236}">
-                <a16:creationId xmlns:a16="http://schemas.microsoft.com/office/drawing/2014/main" id="{350ACAE2-0972-4959-BF67-9C66E0976558}"/>
+                <a16:creationId xmlns:a16="http://schemas.microsoft.com/office/drawing/2014/main" id="{A4366BC2-F0EE-4EA5-A788-5C73C53697BF}"/>
               </a:ext>
             </a:extLst>
           </p:cNvPr>
-          <p:cNvPicPr>
-            <a:picLocks noChangeAspect="1"/>
-          </p:cNvPicPr>
+          <p:cNvSpPr/>
           <p:nvPr/>
-        </p:nvPicPr>
-        <p:blipFill>
-          <a:blip r:embed="rId3"/>
-          <a:stretch>
-            <a:fillRect/>
-          </a:stretch>
-        </p:blipFill>
+        </p:nvSpPr>
         <p:spPr>
           <a:xfrm>
-            <a:off x="714375" y="1464685"/>
-            <a:ext cx="5381625" cy="5286375"/>
+            <a:off x="7363543" y="1708879"/>
+            <a:ext cx="4792391" cy="4934850"/>
           </a:xfrm>
           <a:prstGeom prst="rect">
             <a:avLst/>
           </a:prstGeom>
-        </p:spPr>
-      </p:pic>
-      <p:pic>
-        <p:nvPicPr>
-          <p:cNvPr id="9" name="Grafik 8">
-            <a:extLst>
-              <a:ext uri="{FF2B5EF4-FFF2-40B4-BE49-F238E27FC236}">
-                <a16:creationId xmlns:a16="http://schemas.microsoft.com/office/drawing/2014/main" id="{23DF26DD-C6EC-4196-A9CF-BABA875B9049}"/>
-              </a:ext>
-            </a:extLst>
-          </p:cNvPr>
-          <p:cNvPicPr>
-            <a:picLocks noChangeAspect="1"/>
-          </p:cNvPicPr>
-          <p:nvPr/>
-        </p:nvPicPr>
-        <p:blipFill>
-          <a:blip r:embed="rId4"/>
-          <a:stretch>
-            <a:fillRect/>
-          </a:stretch>
-        </p:blipFill>
-        <p:spPr>
-          <a:xfrm>
-            <a:off x="6232753" y="2369127"/>
-            <a:ext cx="5329958" cy="3035011"/>
-          </a:xfrm>
-          <a:prstGeom prst="rect">
-            <a:avLst/>
-          </a:prstGeom>
-        </p:spPr>
-      </p:pic>
+          <a:solidFill>
+            <a:schemeClr val="bg1"/>
+          </a:solidFill>
+          <a:ln>
+            <a:solidFill>
+              <a:schemeClr val="bg1"/>
+            </a:solidFill>
+          </a:ln>
+        </p:spPr>
+        <p:style>
+          <a:lnRef idx="2">
+            <a:schemeClr val="accent1">
+              <a:shade val="50000"/>
+            </a:schemeClr>
+          </a:lnRef>
+          <a:fillRef idx="1">
+            <a:schemeClr val="accent1"/>
+          </a:fillRef>
+          <a:effectRef idx="0">
+            <a:schemeClr val="accent1"/>
+          </a:effectRef>
+          <a:fontRef idx="minor">
+            <a:schemeClr val="lt1"/>
+          </a:fontRef>
+        </p:style>
+        <p:txBody>
+          <a:bodyPr rtlCol="0" anchor="ctr"/>
+          <a:lstStyle/>
+          <a:p>
+            <a:pPr algn="ctr"/>
+            <a:endParaRPr lang="en-US"/>
+          </a:p>
+        </p:txBody>
+      </p:sp>
     </p:spTree>
     <p:extLst>
       <p:ext uri="{BB962C8B-B14F-4D97-AF65-F5344CB8AC3E}">
-        <p14:creationId xmlns:p14="http://schemas.microsoft.com/office/powerpoint/2010/main" val="3985293950"/>
+        <p14:creationId xmlns:p14="http://schemas.microsoft.com/office/powerpoint/2010/main" val="2908674618"/>
       </p:ext>
     </p:extLst>
   </p:cSld>
   <p:clrMapOvr>
     <a:masterClrMapping/>
   </p:clrMapOvr>
-  <p:transition spd="slow">
-    <p:push dir="u"/>
-  </p:transition>
+  <mc:AlternateContent xmlns:mc="http://schemas.openxmlformats.org/markup-compatibility/2006">
+    <mc:Choice xmlns:p14="http://schemas.microsoft.com/office/powerpoint/2010/main" Requires="p14">
+      <p:transition p14:dur="0"/>
+    </mc:Choice>
+    <mc:Fallback>
+      <p:transition/>
+    </mc:Fallback>
+  </mc:AlternateContent>
 </p:sld>
 </file>
 
 <file path=ppt/slides/slide11.xml><?xml version="1.0" encoding="utf-8"?>
 <p:sld xmlns:a="http://schemas.openxmlformats.org/drawingml/2006/main" xmlns:r="http://schemas.openxmlformats.org/officeDocument/2006/relationships" xmlns:p="http://schemas.openxmlformats.org/presentationml/2006/main">
   <p:cSld>
+    <p:bg>
+      <p:bgPr>
+        <a:solidFill>
+          <a:schemeClr val="bg1"/>
+        </a:solidFill>
+        <a:effectLst/>
+      </p:bgPr>
+    </p:bg>
     <p:spTree>
       <p:nvGrpSpPr>
         <p:cNvPr id="1" name=""/>
@@ -7481,6 +8060,336 @@
       </p:grpSpPr>
       <p:sp>
         <p:nvSpPr>
+          <p:cNvPr id="12" name="Rectangle 11">
+            <a:extLst>
+              <a:ext uri="{FF2B5EF4-FFF2-40B4-BE49-F238E27FC236}">
+                <a16:creationId xmlns:a16="http://schemas.microsoft.com/office/drawing/2014/main" id="{DB691D59-8F51-4DD8-AD41-D568D29B08F8}"/>
+              </a:ext>
+              <a:ext uri="{C183D7F6-B498-43B3-948B-1728B52AA6E4}">
+                <adec:decorative xmlns:adec="http://schemas.microsoft.com/office/drawing/2017/decorative" val="1"/>
+              </a:ext>
+            </a:extLst>
+          </p:cNvPr>
+          <p:cNvSpPr>
+            <a:spLocks noGrp="1" noRot="1" noChangeAspect="1" noMove="1" noResize="1" noEditPoints="1" noAdjustHandles="1" noChangeArrowheads="1" noChangeShapeType="1" noTextEdit="1"/>
+          </p:cNvSpPr>
+          <p:nvPr>
+            <p:extLst>
+              <p:ext uri="{386F3935-93C4-4BCD-93E2-E3B085C9AB24}">
+                <p16:designElem xmlns:p16="http://schemas.microsoft.com/office/powerpoint/2015/main" val="1"/>
+              </p:ext>
+            </p:extLst>
+          </p:nvPr>
+        </p:nvSpPr>
+        <p:spPr>
+          <a:xfrm>
+            <a:off x="446534" y="457200"/>
+            <a:ext cx="3703320" cy="94997"/>
+          </a:xfrm>
+          <a:prstGeom prst="rect">
+            <a:avLst/>
+          </a:prstGeom>
+          <a:solidFill>
+            <a:schemeClr val="accent1"/>
+          </a:solidFill>
+          <a:ln>
+            <a:noFill/>
+          </a:ln>
+          <a:effectLst/>
+        </p:spPr>
+        <p:style>
+          <a:lnRef idx="1">
+            <a:schemeClr val="accent1"/>
+          </a:lnRef>
+          <a:fillRef idx="3">
+            <a:schemeClr val="accent1"/>
+          </a:fillRef>
+          <a:effectRef idx="2">
+            <a:schemeClr val="accent1"/>
+          </a:effectRef>
+          <a:fontRef idx="minor">
+            <a:schemeClr val="lt1"/>
+          </a:fontRef>
+        </p:style>
+      </p:sp>
+      <p:sp>
+        <p:nvSpPr>
+          <p:cNvPr id="14" name="Rectangle 13">
+            <a:extLst>
+              <a:ext uri="{FF2B5EF4-FFF2-40B4-BE49-F238E27FC236}">
+                <a16:creationId xmlns:a16="http://schemas.microsoft.com/office/drawing/2014/main" id="{204AEF18-0627-48F3-9B3D-F7E8F050B1D4}"/>
+              </a:ext>
+              <a:ext uri="{C183D7F6-B498-43B3-948B-1728B52AA6E4}">
+                <adec:decorative xmlns:adec="http://schemas.microsoft.com/office/drawing/2017/decorative" val="1"/>
+              </a:ext>
+            </a:extLst>
+          </p:cNvPr>
+          <p:cNvSpPr>
+            <a:spLocks noGrp="1" noRot="1" noChangeAspect="1" noMove="1" noResize="1" noEditPoints="1" noAdjustHandles="1" noChangeArrowheads="1" noChangeShapeType="1" noTextEdit="1"/>
+          </p:cNvSpPr>
+          <p:nvPr>
+            <p:extLst>
+              <p:ext uri="{386F3935-93C4-4BCD-93E2-E3B085C9AB24}">
+                <p16:designElem xmlns:p16="http://schemas.microsoft.com/office/powerpoint/2015/main" val="1"/>
+              </p:ext>
+            </p:extLst>
+          </p:nvPr>
+        </p:nvSpPr>
+        <p:spPr>
+          <a:xfrm>
+            <a:off x="8042147" y="453643"/>
+            <a:ext cx="3703320" cy="98554"/>
+          </a:xfrm>
+          <a:prstGeom prst="rect">
+            <a:avLst/>
+          </a:prstGeom>
+          <a:solidFill>
+            <a:schemeClr val="accent4"/>
+          </a:solidFill>
+          <a:ln>
+            <a:noFill/>
+          </a:ln>
+          <a:effectLst/>
+        </p:spPr>
+        <p:style>
+          <a:lnRef idx="1">
+            <a:schemeClr val="accent1"/>
+          </a:lnRef>
+          <a:fillRef idx="3">
+            <a:schemeClr val="accent1"/>
+          </a:fillRef>
+          <a:effectRef idx="2">
+            <a:schemeClr val="accent1"/>
+          </a:effectRef>
+          <a:fontRef idx="minor">
+            <a:schemeClr val="lt1"/>
+          </a:fontRef>
+        </p:style>
+      </p:sp>
+      <p:sp>
+        <p:nvSpPr>
+          <p:cNvPr id="16" name="Rectangle 15">
+            <a:extLst>
+              <a:ext uri="{FF2B5EF4-FFF2-40B4-BE49-F238E27FC236}">
+                <a16:creationId xmlns:a16="http://schemas.microsoft.com/office/drawing/2014/main" id="{CEAEE08A-C572-438F-9753-B0D527A515A7}"/>
+              </a:ext>
+              <a:ext uri="{C183D7F6-B498-43B3-948B-1728B52AA6E4}">
+                <adec:decorative xmlns:adec="http://schemas.microsoft.com/office/drawing/2017/decorative" val="1"/>
+              </a:ext>
+            </a:extLst>
+          </p:cNvPr>
+          <p:cNvSpPr>
+            <a:spLocks noGrp="1" noRot="1" noChangeAspect="1" noMove="1" noResize="1" noEditPoints="1" noAdjustHandles="1" noChangeArrowheads="1" noChangeShapeType="1" noTextEdit="1"/>
+          </p:cNvSpPr>
+          <p:nvPr>
+            <p:extLst>
+              <p:ext uri="{386F3935-93C4-4BCD-93E2-E3B085C9AB24}">
+                <p16:designElem xmlns:p16="http://schemas.microsoft.com/office/powerpoint/2015/main" val="1"/>
+              </p:ext>
+            </p:extLst>
+          </p:nvPr>
+        </p:nvSpPr>
+        <p:spPr>
+          <a:xfrm>
+            <a:off x="4241830" y="457200"/>
+            <a:ext cx="3703320" cy="91440"/>
+          </a:xfrm>
+          <a:prstGeom prst="rect">
+            <a:avLst/>
+          </a:prstGeom>
+          <a:solidFill>
+            <a:schemeClr val="accent2"/>
+          </a:solidFill>
+          <a:ln>
+            <a:noFill/>
+          </a:ln>
+          <a:effectLst/>
+        </p:spPr>
+        <p:style>
+          <a:lnRef idx="1">
+            <a:schemeClr val="accent1"/>
+          </a:lnRef>
+          <a:fillRef idx="3">
+            <a:schemeClr val="accent1"/>
+          </a:fillRef>
+          <a:effectRef idx="2">
+            <a:schemeClr val="accent1"/>
+          </a:effectRef>
+          <a:fontRef idx="minor">
+            <a:schemeClr val="lt1"/>
+          </a:fontRef>
+        </p:style>
+      </p:sp>
+      <p:sp>
+        <p:nvSpPr>
+          <p:cNvPr id="18" name="Rectangle 17">
+            <a:extLst>
+              <a:ext uri="{FF2B5EF4-FFF2-40B4-BE49-F238E27FC236}">
+                <a16:creationId xmlns:a16="http://schemas.microsoft.com/office/drawing/2014/main" id="{DB93146F-62ED-4C59-844C-0935D0FB5031}"/>
+              </a:ext>
+              <a:ext uri="{C183D7F6-B498-43B3-948B-1728B52AA6E4}">
+                <adec:decorative xmlns:adec="http://schemas.microsoft.com/office/drawing/2017/decorative" val="1"/>
+              </a:ext>
+            </a:extLst>
+          </p:cNvPr>
+          <p:cNvSpPr>
+            <a:spLocks noGrp="1" noRot="1" noChangeAspect="1" noMove="1" noResize="1" noEditPoints="1" noAdjustHandles="1" noChangeArrowheads="1" noChangeShapeType="1" noTextEdit="1"/>
+          </p:cNvSpPr>
+          <p:nvPr>
+            <p:extLst>
+              <p:ext uri="{386F3935-93C4-4BCD-93E2-E3B085C9AB24}">
+                <p16:designElem xmlns:p16="http://schemas.microsoft.com/office/powerpoint/2015/main" val="1"/>
+              </p:ext>
+            </p:extLst>
+          </p:nvPr>
+        </p:nvSpPr>
+        <p:spPr>
+          <a:xfrm>
+            <a:off x="446534" y="3085765"/>
+            <a:ext cx="11262866" cy="3304800"/>
+          </a:xfrm>
+          <a:prstGeom prst="rect">
+            <a:avLst/>
+          </a:prstGeom>
+          <a:solidFill>
+            <a:schemeClr val="accent1"/>
+          </a:solidFill>
+          <a:ln>
+            <a:noFill/>
+          </a:ln>
+          <a:effectLst/>
+        </p:spPr>
+        <p:style>
+          <a:lnRef idx="1">
+            <a:schemeClr val="accent1"/>
+          </a:lnRef>
+          <a:fillRef idx="3">
+            <a:schemeClr val="accent1"/>
+          </a:fillRef>
+          <a:effectRef idx="2">
+            <a:schemeClr val="accent1"/>
+          </a:effectRef>
+          <a:fontRef idx="minor">
+            <a:schemeClr val="lt1"/>
+          </a:fontRef>
+        </p:style>
+      </p:sp>
+      <p:sp useBgFill="1">
+        <p:nvSpPr>
+          <p:cNvPr id="20" name="Rectangle 19">
+            <a:extLst>
+              <a:ext uri="{FF2B5EF4-FFF2-40B4-BE49-F238E27FC236}">
+                <a16:creationId xmlns:a16="http://schemas.microsoft.com/office/drawing/2014/main" id="{BF3D65BA-1C65-40FB-92EF-83951BDC1D7C}"/>
+              </a:ext>
+              <a:ext uri="{C183D7F6-B498-43B3-948B-1728B52AA6E4}">
+                <adec:decorative xmlns:adec="http://schemas.microsoft.com/office/drawing/2017/decorative" val="1"/>
+              </a:ext>
+            </a:extLst>
+          </p:cNvPr>
+          <p:cNvSpPr>
+            <a:spLocks noGrp="1" noRot="1" noChangeAspect="1" noMove="1" noResize="1" noEditPoints="1" noAdjustHandles="1" noChangeArrowheads="1" noChangeShapeType="1" noTextEdit="1"/>
+          </p:cNvSpPr>
+          <p:nvPr>
+            <p:extLst>
+              <p:ext uri="{386F3935-93C4-4BCD-93E2-E3B085C9AB24}">
+                <p16:designElem xmlns:p16="http://schemas.microsoft.com/office/powerpoint/2015/main" val="1"/>
+              </p:ext>
+            </p:extLst>
+          </p:nvPr>
+        </p:nvSpPr>
+        <p:spPr>
+          <a:xfrm>
+            <a:off x="0" y="638175"/>
+            <a:ext cx="12191999" cy="6219825"/>
+          </a:xfrm>
+          <a:prstGeom prst="rect">
+            <a:avLst/>
+          </a:prstGeom>
+          <a:ln>
+            <a:noFill/>
+          </a:ln>
+        </p:spPr>
+        <p:style>
+          <a:lnRef idx="2">
+            <a:schemeClr val="accent1">
+              <a:shade val="50000"/>
+            </a:schemeClr>
+          </a:lnRef>
+          <a:fillRef idx="1">
+            <a:schemeClr val="accent1"/>
+          </a:fillRef>
+          <a:effectRef idx="0">
+            <a:schemeClr val="accent1"/>
+          </a:effectRef>
+          <a:fontRef idx="minor">
+            <a:schemeClr val="lt1"/>
+          </a:fontRef>
+        </p:style>
+        <p:txBody>
+          <a:bodyPr rtlCol="0" anchor="ctr"/>
+          <a:lstStyle/>
+          <a:p>
+            <a:pPr algn="ctr"/>
+            <a:endParaRPr lang="en-US"/>
+          </a:p>
+        </p:txBody>
+      </p:sp>
+      <p:sp>
+        <p:nvSpPr>
+          <p:cNvPr id="22" name="Rectangle 21">
+            <a:extLst>
+              <a:ext uri="{FF2B5EF4-FFF2-40B4-BE49-F238E27FC236}">
+                <a16:creationId xmlns:a16="http://schemas.microsoft.com/office/drawing/2014/main" id="{ADF52CCA-FCDD-49A0-BFFC-3BD41F1B827A}"/>
+              </a:ext>
+              <a:ext uri="{C183D7F6-B498-43B3-948B-1728B52AA6E4}">
+                <adec:decorative xmlns:adec="http://schemas.microsoft.com/office/drawing/2017/decorative" val="1"/>
+              </a:ext>
+            </a:extLst>
+          </p:cNvPr>
+          <p:cNvSpPr>
+            <a:spLocks noGrp="1" noRot="1" noChangeAspect="1" noMove="1" noResize="1" noEditPoints="1" noAdjustHandles="1" noChangeArrowheads="1" noChangeShapeType="1" noTextEdit="1"/>
+          </p:cNvSpPr>
+          <p:nvPr>
+            <p:extLst>
+              <p:ext uri="{386F3935-93C4-4BCD-93E2-E3B085C9AB24}">
+                <p16:designElem xmlns:p16="http://schemas.microsoft.com/office/powerpoint/2015/main" val="1"/>
+              </p:ext>
+            </p:extLst>
+          </p:nvPr>
+        </p:nvSpPr>
+        <p:spPr>
+          <a:xfrm>
+            <a:off x="8042147" y="723899"/>
+            <a:ext cx="3703320" cy="5666666"/>
+          </a:xfrm>
+          <a:prstGeom prst="rect">
+            <a:avLst/>
+          </a:prstGeom>
+          <a:solidFill>
+            <a:schemeClr val="accent1"/>
+          </a:solidFill>
+          <a:ln>
+            <a:noFill/>
+          </a:ln>
+          <a:effectLst/>
+        </p:spPr>
+        <p:style>
+          <a:lnRef idx="1">
+            <a:schemeClr val="accent1"/>
+          </a:lnRef>
+          <a:fillRef idx="3">
+            <a:schemeClr val="accent1"/>
+          </a:fillRef>
+          <a:effectRef idx="2">
+            <a:schemeClr val="accent1"/>
+          </a:effectRef>
+          <a:fontRef idx="minor">
+            <a:schemeClr val="lt1"/>
+          </a:fontRef>
+        </p:style>
+      </p:sp>
+      <p:sp>
+        <p:nvSpPr>
           <p:cNvPr id="2" name="Titel 1"/>
           <p:cNvSpPr>
             <a:spLocks noGrp="1"/>
@@ -7491,18 +8400,22 @@
         </p:nvSpPr>
         <p:spPr>
           <a:xfrm>
-            <a:off x="774923" y="636677"/>
-            <a:ext cx="10653003" cy="633326"/>
+            <a:off x="8236982" y="894570"/>
+            <a:ext cx="3337757" cy="570250"/>
           </a:xfrm>
         </p:spPr>
         <p:txBody>
-          <a:bodyPr anchor="ctr">
-            <a:noAutofit/>
+          <a:bodyPr vert="horz" lIns="91440" tIns="45720" rIns="91440" bIns="45720" rtlCol="0" anchor="b">
+            <a:normAutofit/>
           </a:bodyPr>
           <a:lstStyle/>
           <a:p>
+            <a:pPr algn="ctr"/>
             <a:r>
-              <a:rPr lang="de-DE" sz="4400" noProof="0" dirty="0">
+              <a:rPr lang="en-US" sz="2500" noProof="0" dirty="0" err="1">
+                <a:solidFill>
+                  <a:srgbClr val="FFFFFF"/>
+                </a:solidFill>
                 <a:effectLst>
                   <a:outerShdw blurRad="38100" dist="38100" dir="2700000" algn="tl">
                     <a:srgbClr val="000000">
@@ -7513,6 +8426,18 @@
               </a:rPr>
               <a:t>Implementierung</a:t>
             </a:r>
+            <a:endParaRPr lang="en-US" sz="2500" noProof="0" dirty="0">
+              <a:solidFill>
+                <a:srgbClr val="FFFFFF"/>
+              </a:solidFill>
+              <a:effectLst>
+                <a:outerShdw blurRad="38100" dist="38100" dir="2700000" algn="tl">
+                  <a:srgbClr val="000000">
+                    <a:alpha val="43137"/>
+                  </a:srgbClr>
+                </a:outerShdw>
+              </a:effectLst>
+            </a:endParaRPr>
           </a:p>
         </p:txBody>
       </p:sp>
@@ -7528,18 +8453,28 @@
         </p:nvSpPr>
         <p:spPr>
           <a:xfrm>
-            <a:off x="10270837" y="714371"/>
-            <a:ext cx="1291874" cy="477938"/>
+            <a:off x="10558300" y="6400800"/>
+            <a:ext cx="1016440" cy="365125"/>
           </a:xfrm>
         </p:spPr>
         <p:txBody>
-          <a:bodyPr anchor="ctr"/>
+          <a:bodyPr vert="horz" lIns="91440" tIns="45720" rIns="91440" bIns="45720" rtlCol="0" anchor="ctr">
+            <a:normAutofit/>
+          </a:bodyPr>
           <a:lstStyle/>
           <a:p>
+            <a:pPr defTabSz="914400">
+              <a:spcAft>
+                <a:spcPts val="600"/>
+              </a:spcAft>
+            </a:pPr>
             <a:fld id="{5D84065D-F351-4B03-BD91-D8A6B8D4B362}" type="slidenum">
-              <a:rPr lang="en-US" sz="4400" smtClean="0">
+              <a:rPr lang="en-US" smtClean="0">
                 <a:solidFill>
-                  <a:schemeClr val="bg1"/>
+                  <a:schemeClr val="accent1">
+                    <a:lumMod val="75000"/>
+                    <a:lumOff val="25000"/>
+                  </a:schemeClr>
                 </a:solidFill>
                 <a:effectLst>
                   <a:outerShdw blurRad="38100" dist="38100" dir="2700000" algn="tl">
@@ -7548,13 +8483,20 @@
                     </a:srgbClr>
                   </a:outerShdw>
                 </a:effectLst>
-                <a:latin typeface="+mj-lt"/>
               </a:rPr>
+              <a:pPr defTabSz="914400">
+                <a:spcAft>
+                  <a:spcPts val="600"/>
+                </a:spcAft>
+              </a:pPr>
               <a:t>11</a:t>
             </a:fld>
-            <a:endParaRPr lang="en-US" sz="4400" dirty="0">
+            <a:endParaRPr lang="en-US">
               <a:solidFill>
-                <a:schemeClr val="bg1"/>
+                <a:schemeClr val="accent1">
+                  <a:lumMod val="75000"/>
+                  <a:lumOff val="25000"/>
+                </a:schemeClr>
               </a:solidFill>
               <a:effectLst>
                 <a:outerShdw blurRad="38100" dist="38100" dir="2700000" algn="tl">
@@ -7563,296 +8505,1358 @@
                   </a:srgbClr>
                 </a:outerShdw>
               </a:effectLst>
-              <a:latin typeface="+mj-lt"/>
             </a:endParaRPr>
           </a:p>
         </p:txBody>
       </p:sp>
       <p:sp>
         <p:nvSpPr>
-          <p:cNvPr id="5" name="Inhaltsplatzhalter 4">
+          <p:cNvPr id="9" name="Rechteck 8">
             <a:extLst>
               <a:ext uri="{FF2B5EF4-FFF2-40B4-BE49-F238E27FC236}">
-                <a16:creationId xmlns:a16="http://schemas.microsoft.com/office/drawing/2014/main" id="{FF14749A-873F-4B9E-84E7-A3319DAB8179}"/>
+                <a16:creationId xmlns:a16="http://schemas.microsoft.com/office/drawing/2014/main" id="{A4366BC2-F0EE-4EA5-A788-5C73C53697BF}"/>
+              </a:ext>
+            </a:extLst>
+          </p:cNvPr>
+          <p:cNvSpPr/>
+          <p:nvPr/>
+        </p:nvSpPr>
+        <p:spPr>
+          <a:xfrm>
+            <a:off x="7363543" y="1708879"/>
+            <a:ext cx="4792391" cy="4934850"/>
+          </a:xfrm>
+          <a:prstGeom prst="rect">
+            <a:avLst/>
+          </a:prstGeom>
+          <a:solidFill>
+            <a:schemeClr val="bg1"/>
+          </a:solidFill>
+          <a:ln>
+            <a:solidFill>
+              <a:schemeClr val="bg1"/>
+            </a:solidFill>
+          </a:ln>
+        </p:spPr>
+        <p:style>
+          <a:lnRef idx="2">
+            <a:schemeClr val="accent1">
+              <a:shade val="50000"/>
+            </a:schemeClr>
+          </a:lnRef>
+          <a:fillRef idx="1">
+            <a:schemeClr val="accent1"/>
+          </a:fillRef>
+          <a:effectRef idx="0">
+            <a:schemeClr val="accent1"/>
+          </a:effectRef>
+          <a:fontRef idx="minor">
+            <a:schemeClr val="lt1"/>
+          </a:fontRef>
+        </p:style>
+        <p:txBody>
+          <a:bodyPr rtlCol="0" anchor="ctr"/>
+          <a:lstStyle/>
+          <a:p>
+            <a:pPr algn="ctr"/>
+            <a:endParaRPr lang="en-US"/>
+          </a:p>
+        </p:txBody>
+      </p:sp>
+      <p:pic>
+        <p:nvPicPr>
+          <p:cNvPr id="13" name="Grafik 12">
+            <a:extLst>
+              <a:ext uri="{FF2B5EF4-FFF2-40B4-BE49-F238E27FC236}">
+                <a16:creationId xmlns:a16="http://schemas.microsoft.com/office/drawing/2014/main" id="{ED0054AB-2790-4150-9F53-6EFB2AC24BCF}"/>
+              </a:ext>
+            </a:extLst>
+          </p:cNvPr>
+          <p:cNvPicPr>
+            <a:picLocks noChangeAspect="1"/>
+          </p:cNvPicPr>
+          <p:nvPr/>
+        </p:nvPicPr>
+        <p:blipFill>
+          <a:blip r:embed="rId3"/>
+          <a:stretch>
+            <a:fillRect/>
+          </a:stretch>
+        </p:blipFill>
+        <p:spPr>
+          <a:xfrm>
+            <a:off x="678748" y="1708879"/>
+            <a:ext cx="7558234" cy="3821264"/>
+          </a:xfrm>
+          <a:prstGeom prst="rect">
+            <a:avLst/>
+          </a:prstGeom>
+        </p:spPr>
+      </p:pic>
+    </p:spTree>
+    <p:extLst>
+      <p:ext uri="{BB962C8B-B14F-4D97-AF65-F5344CB8AC3E}">
+        <p14:creationId xmlns:p14="http://schemas.microsoft.com/office/powerpoint/2010/main" val="2135145652"/>
+      </p:ext>
+    </p:extLst>
+  </p:cSld>
+  <p:clrMapOvr>
+    <a:masterClrMapping/>
+  </p:clrMapOvr>
+  <mc:AlternateContent xmlns:mc="http://schemas.openxmlformats.org/markup-compatibility/2006">
+    <mc:Choice xmlns:p14="http://schemas.microsoft.com/office/powerpoint/2010/main" Requires="p14">
+      <p:transition p14:dur="0"/>
+    </mc:Choice>
+    <mc:Fallback>
+      <p:transition/>
+    </mc:Fallback>
+  </mc:AlternateContent>
+</p:sld>
+</file>
+
+<file path=ppt/slides/slide12.xml><?xml version="1.0" encoding="utf-8"?>
+<p:sld xmlns:a="http://schemas.openxmlformats.org/drawingml/2006/main" xmlns:r="http://schemas.openxmlformats.org/officeDocument/2006/relationships" xmlns:p="http://schemas.openxmlformats.org/presentationml/2006/main">
+  <p:cSld>
+    <p:bg>
+      <p:bgPr>
+        <a:solidFill>
+          <a:schemeClr val="bg1"/>
+        </a:solidFill>
+        <a:effectLst/>
+      </p:bgPr>
+    </p:bg>
+    <p:spTree>
+      <p:nvGrpSpPr>
+        <p:cNvPr id="1" name=""/>
+        <p:cNvGrpSpPr/>
+        <p:nvPr/>
+      </p:nvGrpSpPr>
+      <p:grpSpPr>
+        <a:xfrm>
+          <a:off x="0" y="0"/>
+          <a:ext cx="0" cy="0"/>
+          <a:chOff x="0" y="0"/>
+          <a:chExt cx="0" cy="0"/>
+        </a:xfrm>
+      </p:grpSpPr>
+      <p:sp>
+        <p:nvSpPr>
+          <p:cNvPr id="12" name="Rectangle 11">
+            <a:extLst>
+              <a:ext uri="{FF2B5EF4-FFF2-40B4-BE49-F238E27FC236}">
+                <a16:creationId xmlns:a16="http://schemas.microsoft.com/office/drawing/2014/main" id="{DB691D59-8F51-4DD8-AD41-D568D29B08F8}"/>
+              </a:ext>
+              <a:ext uri="{C183D7F6-B498-43B3-948B-1728B52AA6E4}">
+                <adec:decorative xmlns:adec="http://schemas.microsoft.com/office/drawing/2017/decorative" val="1"/>
               </a:ext>
             </a:extLst>
           </p:cNvPr>
           <p:cNvSpPr>
+            <a:spLocks noGrp="1" noRot="1" noChangeAspect="1" noMove="1" noResize="1" noEditPoints="1" noAdjustHandles="1" noChangeArrowheads="1" noChangeShapeType="1" noTextEdit="1"/>
+          </p:cNvSpPr>
+          <p:nvPr>
+            <p:extLst>
+              <p:ext uri="{386F3935-93C4-4BCD-93E2-E3B085C9AB24}">
+                <p16:designElem xmlns:p16="http://schemas.microsoft.com/office/powerpoint/2015/main" val="1"/>
+              </p:ext>
+            </p:extLst>
+          </p:nvPr>
+        </p:nvSpPr>
+        <p:spPr>
+          <a:xfrm>
+            <a:off x="446534" y="457200"/>
+            <a:ext cx="3703320" cy="94997"/>
+          </a:xfrm>
+          <a:prstGeom prst="rect">
+            <a:avLst/>
+          </a:prstGeom>
+          <a:solidFill>
+            <a:schemeClr val="accent1"/>
+          </a:solidFill>
+          <a:ln>
+            <a:noFill/>
+          </a:ln>
+          <a:effectLst/>
+        </p:spPr>
+        <p:style>
+          <a:lnRef idx="1">
+            <a:schemeClr val="accent1"/>
+          </a:lnRef>
+          <a:fillRef idx="3">
+            <a:schemeClr val="accent1"/>
+          </a:fillRef>
+          <a:effectRef idx="2">
+            <a:schemeClr val="accent1"/>
+          </a:effectRef>
+          <a:fontRef idx="minor">
+            <a:schemeClr val="lt1"/>
+          </a:fontRef>
+        </p:style>
+      </p:sp>
+      <p:sp>
+        <p:nvSpPr>
+          <p:cNvPr id="14" name="Rectangle 13">
+            <a:extLst>
+              <a:ext uri="{FF2B5EF4-FFF2-40B4-BE49-F238E27FC236}">
+                <a16:creationId xmlns:a16="http://schemas.microsoft.com/office/drawing/2014/main" id="{204AEF18-0627-48F3-9B3D-F7E8F050B1D4}"/>
+              </a:ext>
+              <a:ext uri="{C183D7F6-B498-43B3-948B-1728B52AA6E4}">
+                <adec:decorative xmlns:adec="http://schemas.microsoft.com/office/drawing/2017/decorative" val="1"/>
+              </a:ext>
+            </a:extLst>
+          </p:cNvPr>
+          <p:cNvSpPr>
+            <a:spLocks noGrp="1" noRot="1" noChangeAspect="1" noMove="1" noResize="1" noEditPoints="1" noAdjustHandles="1" noChangeArrowheads="1" noChangeShapeType="1" noTextEdit="1"/>
+          </p:cNvSpPr>
+          <p:nvPr>
+            <p:extLst>
+              <p:ext uri="{386F3935-93C4-4BCD-93E2-E3B085C9AB24}">
+                <p16:designElem xmlns:p16="http://schemas.microsoft.com/office/powerpoint/2015/main" val="1"/>
+              </p:ext>
+            </p:extLst>
+          </p:nvPr>
+        </p:nvSpPr>
+        <p:spPr>
+          <a:xfrm>
+            <a:off x="8042147" y="453643"/>
+            <a:ext cx="3703320" cy="98554"/>
+          </a:xfrm>
+          <a:prstGeom prst="rect">
+            <a:avLst/>
+          </a:prstGeom>
+          <a:solidFill>
+            <a:schemeClr val="accent4"/>
+          </a:solidFill>
+          <a:ln>
+            <a:noFill/>
+          </a:ln>
+          <a:effectLst/>
+        </p:spPr>
+        <p:style>
+          <a:lnRef idx="1">
+            <a:schemeClr val="accent1"/>
+          </a:lnRef>
+          <a:fillRef idx="3">
+            <a:schemeClr val="accent1"/>
+          </a:fillRef>
+          <a:effectRef idx="2">
+            <a:schemeClr val="accent1"/>
+          </a:effectRef>
+          <a:fontRef idx="minor">
+            <a:schemeClr val="lt1"/>
+          </a:fontRef>
+        </p:style>
+      </p:sp>
+      <p:sp>
+        <p:nvSpPr>
+          <p:cNvPr id="16" name="Rectangle 15">
+            <a:extLst>
+              <a:ext uri="{FF2B5EF4-FFF2-40B4-BE49-F238E27FC236}">
+                <a16:creationId xmlns:a16="http://schemas.microsoft.com/office/drawing/2014/main" id="{CEAEE08A-C572-438F-9753-B0D527A515A7}"/>
+              </a:ext>
+              <a:ext uri="{C183D7F6-B498-43B3-948B-1728B52AA6E4}">
+                <adec:decorative xmlns:adec="http://schemas.microsoft.com/office/drawing/2017/decorative" val="1"/>
+              </a:ext>
+            </a:extLst>
+          </p:cNvPr>
+          <p:cNvSpPr>
+            <a:spLocks noGrp="1" noRot="1" noChangeAspect="1" noMove="1" noResize="1" noEditPoints="1" noAdjustHandles="1" noChangeArrowheads="1" noChangeShapeType="1" noTextEdit="1"/>
+          </p:cNvSpPr>
+          <p:nvPr>
+            <p:extLst>
+              <p:ext uri="{386F3935-93C4-4BCD-93E2-E3B085C9AB24}">
+                <p16:designElem xmlns:p16="http://schemas.microsoft.com/office/powerpoint/2015/main" val="1"/>
+              </p:ext>
+            </p:extLst>
+          </p:nvPr>
+        </p:nvSpPr>
+        <p:spPr>
+          <a:xfrm>
+            <a:off x="4241830" y="457200"/>
+            <a:ext cx="3703320" cy="91440"/>
+          </a:xfrm>
+          <a:prstGeom prst="rect">
+            <a:avLst/>
+          </a:prstGeom>
+          <a:solidFill>
+            <a:schemeClr val="accent2"/>
+          </a:solidFill>
+          <a:ln>
+            <a:noFill/>
+          </a:ln>
+          <a:effectLst/>
+        </p:spPr>
+        <p:style>
+          <a:lnRef idx="1">
+            <a:schemeClr val="accent1"/>
+          </a:lnRef>
+          <a:fillRef idx="3">
+            <a:schemeClr val="accent1"/>
+          </a:fillRef>
+          <a:effectRef idx="2">
+            <a:schemeClr val="accent1"/>
+          </a:effectRef>
+          <a:fontRef idx="minor">
+            <a:schemeClr val="lt1"/>
+          </a:fontRef>
+        </p:style>
+      </p:sp>
+      <p:sp>
+        <p:nvSpPr>
+          <p:cNvPr id="18" name="Rectangle 17">
+            <a:extLst>
+              <a:ext uri="{FF2B5EF4-FFF2-40B4-BE49-F238E27FC236}">
+                <a16:creationId xmlns:a16="http://schemas.microsoft.com/office/drawing/2014/main" id="{DB93146F-62ED-4C59-844C-0935D0FB5031}"/>
+              </a:ext>
+              <a:ext uri="{C183D7F6-B498-43B3-948B-1728B52AA6E4}">
+                <adec:decorative xmlns:adec="http://schemas.microsoft.com/office/drawing/2017/decorative" val="1"/>
+              </a:ext>
+            </a:extLst>
+          </p:cNvPr>
+          <p:cNvSpPr>
+            <a:spLocks noGrp="1" noRot="1" noChangeAspect="1" noMove="1" noResize="1" noEditPoints="1" noAdjustHandles="1" noChangeArrowheads="1" noChangeShapeType="1" noTextEdit="1"/>
+          </p:cNvSpPr>
+          <p:nvPr>
+            <p:extLst>
+              <p:ext uri="{386F3935-93C4-4BCD-93E2-E3B085C9AB24}">
+                <p16:designElem xmlns:p16="http://schemas.microsoft.com/office/powerpoint/2015/main" val="1"/>
+              </p:ext>
+            </p:extLst>
+          </p:nvPr>
+        </p:nvSpPr>
+        <p:spPr>
+          <a:xfrm>
+            <a:off x="446534" y="3085765"/>
+            <a:ext cx="11262866" cy="3304800"/>
+          </a:xfrm>
+          <a:prstGeom prst="rect">
+            <a:avLst/>
+          </a:prstGeom>
+          <a:solidFill>
+            <a:schemeClr val="accent1"/>
+          </a:solidFill>
+          <a:ln>
+            <a:noFill/>
+          </a:ln>
+          <a:effectLst/>
+        </p:spPr>
+        <p:style>
+          <a:lnRef idx="1">
+            <a:schemeClr val="accent1"/>
+          </a:lnRef>
+          <a:fillRef idx="3">
+            <a:schemeClr val="accent1"/>
+          </a:fillRef>
+          <a:effectRef idx="2">
+            <a:schemeClr val="accent1"/>
+          </a:effectRef>
+          <a:fontRef idx="minor">
+            <a:schemeClr val="lt1"/>
+          </a:fontRef>
+        </p:style>
+      </p:sp>
+      <p:sp useBgFill="1">
+        <p:nvSpPr>
+          <p:cNvPr id="20" name="Rectangle 19">
+            <a:extLst>
+              <a:ext uri="{FF2B5EF4-FFF2-40B4-BE49-F238E27FC236}">
+                <a16:creationId xmlns:a16="http://schemas.microsoft.com/office/drawing/2014/main" id="{BF3D65BA-1C65-40FB-92EF-83951BDC1D7C}"/>
+              </a:ext>
+              <a:ext uri="{C183D7F6-B498-43B3-948B-1728B52AA6E4}">
+                <adec:decorative xmlns:adec="http://schemas.microsoft.com/office/drawing/2017/decorative" val="1"/>
+              </a:ext>
+            </a:extLst>
+          </p:cNvPr>
+          <p:cNvSpPr>
+            <a:spLocks noGrp="1" noRot="1" noChangeAspect="1" noMove="1" noResize="1" noEditPoints="1" noAdjustHandles="1" noChangeArrowheads="1" noChangeShapeType="1" noTextEdit="1"/>
+          </p:cNvSpPr>
+          <p:nvPr>
+            <p:extLst>
+              <p:ext uri="{386F3935-93C4-4BCD-93E2-E3B085C9AB24}">
+                <p16:designElem xmlns:p16="http://schemas.microsoft.com/office/powerpoint/2015/main" val="1"/>
+              </p:ext>
+            </p:extLst>
+          </p:nvPr>
+        </p:nvSpPr>
+        <p:spPr>
+          <a:xfrm>
+            <a:off x="0" y="638175"/>
+            <a:ext cx="12191999" cy="6219825"/>
+          </a:xfrm>
+          <a:prstGeom prst="rect">
+            <a:avLst/>
+          </a:prstGeom>
+          <a:ln>
+            <a:noFill/>
+          </a:ln>
+        </p:spPr>
+        <p:style>
+          <a:lnRef idx="2">
+            <a:schemeClr val="accent1">
+              <a:shade val="50000"/>
+            </a:schemeClr>
+          </a:lnRef>
+          <a:fillRef idx="1">
+            <a:schemeClr val="accent1"/>
+          </a:fillRef>
+          <a:effectRef idx="0">
+            <a:schemeClr val="accent1"/>
+          </a:effectRef>
+          <a:fontRef idx="minor">
+            <a:schemeClr val="lt1"/>
+          </a:fontRef>
+        </p:style>
+        <p:txBody>
+          <a:bodyPr rtlCol="0" anchor="ctr"/>
+          <a:lstStyle/>
+          <a:p>
+            <a:pPr algn="ctr"/>
+            <a:endParaRPr lang="en-US"/>
+          </a:p>
+        </p:txBody>
+      </p:sp>
+      <p:sp>
+        <p:nvSpPr>
+          <p:cNvPr id="22" name="Rectangle 21">
+            <a:extLst>
+              <a:ext uri="{FF2B5EF4-FFF2-40B4-BE49-F238E27FC236}">
+                <a16:creationId xmlns:a16="http://schemas.microsoft.com/office/drawing/2014/main" id="{ADF52CCA-FCDD-49A0-BFFC-3BD41F1B827A}"/>
+              </a:ext>
+              <a:ext uri="{C183D7F6-B498-43B3-948B-1728B52AA6E4}">
+                <adec:decorative xmlns:adec="http://schemas.microsoft.com/office/drawing/2017/decorative" val="1"/>
+              </a:ext>
+            </a:extLst>
+          </p:cNvPr>
+          <p:cNvSpPr>
+            <a:spLocks noGrp="1" noRot="1" noChangeAspect="1" noMove="1" noResize="1" noEditPoints="1" noAdjustHandles="1" noChangeArrowheads="1" noChangeShapeType="1" noTextEdit="1"/>
+          </p:cNvSpPr>
+          <p:nvPr>
+            <p:extLst>
+              <p:ext uri="{386F3935-93C4-4BCD-93E2-E3B085C9AB24}">
+                <p16:designElem xmlns:p16="http://schemas.microsoft.com/office/powerpoint/2015/main" val="1"/>
+              </p:ext>
+            </p:extLst>
+          </p:nvPr>
+        </p:nvSpPr>
+        <p:spPr>
+          <a:xfrm>
+            <a:off x="8042147" y="723899"/>
+            <a:ext cx="3703320" cy="5666666"/>
+          </a:xfrm>
+          <a:prstGeom prst="rect">
+            <a:avLst/>
+          </a:prstGeom>
+          <a:solidFill>
+            <a:schemeClr val="accent1"/>
+          </a:solidFill>
+          <a:ln>
+            <a:noFill/>
+          </a:ln>
+          <a:effectLst/>
+        </p:spPr>
+        <p:style>
+          <a:lnRef idx="1">
+            <a:schemeClr val="accent1"/>
+          </a:lnRef>
+          <a:fillRef idx="3">
+            <a:schemeClr val="accent1"/>
+          </a:fillRef>
+          <a:effectRef idx="2">
+            <a:schemeClr val="accent1"/>
+          </a:effectRef>
+          <a:fontRef idx="minor">
+            <a:schemeClr val="lt1"/>
+          </a:fontRef>
+        </p:style>
+      </p:sp>
+      <p:sp>
+        <p:nvSpPr>
+          <p:cNvPr id="2" name="Titel 1"/>
+          <p:cNvSpPr>
             <a:spLocks noGrp="1"/>
           </p:cNvSpPr>
           <p:nvPr>
-            <p:ph idx="1"/>
+            <p:ph type="title"/>
           </p:nvPr>
         </p:nvSpPr>
-        <p:spPr/>
+        <p:spPr>
+          <a:xfrm>
+            <a:off x="8236982" y="894570"/>
+            <a:ext cx="3337757" cy="570250"/>
+          </a:xfrm>
+        </p:spPr>
         <p:txBody>
-          <a:bodyPr anchor="t">
+          <a:bodyPr vert="horz" lIns="91440" tIns="45720" rIns="91440" bIns="45720" rtlCol="0" anchor="b">
             <a:normAutofit/>
           </a:bodyPr>
           <a:lstStyle/>
           <a:p>
-            <a:pPr>
-              <a:lnSpc>
-                <a:spcPct val="110000"/>
-              </a:lnSpc>
+            <a:pPr algn="ctr"/>
+            <a:r>
+              <a:rPr lang="en-US" sz="2500" noProof="0" dirty="0" err="1">
+                <a:solidFill>
+                  <a:srgbClr val="FFFFFF"/>
+                </a:solidFill>
+                <a:effectLst>
+                  <a:outerShdw blurRad="38100" dist="38100" dir="2700000" algn="tl">
+                    <a:srgbClr val="000000">
+                      <a:alpha val="43137"/>
+                    </a:srgbClr>
+                  </a:outerShdw>
+                </a:effectLst>
+              </a:rPr>
+              <a:t>Implementierung</a:t>
+            </a:r>
+            <a:endParaRPr lang="en-US" sz="2500" noProof="0" dirty="0">
+              <a:solidFill>
+                <a:srgbClr val="FFFFFF"/>
+              </a:solidFill>
+              <a:effectLst>
+                <a:outerShdw blurRad="38100" dist="38100" dir="2700000" algn="tl">
+                  <a:srgbClr val="000000">
+                    <a:alpha val="43137"/>
+                  </a:srgbClr>
+                </a:outerShdw>
+              </a:effectLst>
+            </a:endParaRPr>
+          </a:p>
+        </p:txBody>
+      </p:sp>
+      <p:sp>
+        <p:nvSpPr>
+          <p:cNvPr id="6" name="Foliennummernplatzhalter 5"/>
+          <p:cNvSpPr>
+            <a:spLocks noGrp="1"/>
+          </p:cNvSpPr>
+          <p:nvPr>
+            <p:ph type="sldNum" sz="quarter" idx="12"/>
+          </p:nvPr>
+        </p:nvSpPr>
+        <p:spPr>
+          <a:xfrm>
+            <a:off x="10558300" y="6400800"/>
+            <a:ext cx="1016440" cy="365125"/>
+          </a:xfrm>
+        </p:spPr>
+        <p:txBody>
+          <a:bodyPr vert="horz" lIns="91440" tIns="45720" rIns="91440" bIns="45720" rtlCol="0" anchor="ctr">
+            <a:normAutofit/>
+          </a:bodyPr>
+          <a:lstStyle/>
+          <a:p>
+            <a:pPr defTabSz="914400">
+              <a:spcAft>
+                <a:spcPts val="600"/>
+              </a:spcAft>
             </a:pPr>
+            <a:fld id="{5D84065D-F351-4B03-BD91-D8A6B8D4B362}" type="slidenum">
+              <a:rPr lang="en-US" smtClean="0">
+                <a:solidFill>
+                  <a:schemeClr val="accent1">
+                    <a:lumMod val="75000"/>
+                    <a:lumOff val="25000"/>
+                  </a:schemeClr>
+                </a:solidFill>
+                <a:effectLst>
+                  <a:outerShdw blurRad="38100" dist="38100" dir="2700000" algn="tl">
+                    <a:srgbClr val="000000">
+                      <a:alpha val="43137"/>
+                    </a:srgbClr>
+                  </a:outerShdw>
+                </a:effectLst>
+              </a:rPr>
+              <a:pPr defTabSz="914400">
+                <a:spcAft>
+                  <a:spcPts val="600"/>
+                </a:spcAft>
+              </a:pPr>
+              <a:t>12</a:t>
+            </a:fld>
+            <a:endParaRPr lang="en-US">
+              <a:solidFill>
+                <a:schemeClr val="accent1">
+                  <a:lumMod val="75000"/>
+                  <a:lumOff val="25000"/>
+                </a:schemeClr>
+              </a:solidFill>
+              <a:effectLst>
+                <a:outerShdw blurRad="38100" dist="38100" dir="2700000" algn="tl">
+                  <a:srgbClr val="000000">
+                    <a:alpha val="43137"/>
+                  </a:srgbClr>
+                </a:outerShdw>
+              </a:effectLst>
+            </a:endParaRPr>
+          </a:p>
+        </p:txBody>
+      </p:sp>
+      <p:sp>
+        <p:nvSpPr>
+          <p:cNvPr id="9" name="Rechteck 8">
+            <a:extLst>
+              <a:ext uri="{FF2B5EF4-FFF2-40B4-BE49-F238E27FC236}">
+                <a16:creationId xmlns:a16="http://schemas.microsoft.com/office/drawing/2014/main" id="{A4366BC2-F0EE-4EA5-A788-5C73C53697BF}"/>
+              </a:ext>
+            </a:extLst>
+          </p:cNvPr>
+          <p:cNvSpPr/>
+          <p:nvPr/>
+        </p:nvSpPr>
+        <p:spPr>
+          <a:xfrm>
+            <a:off x="7363543" y="1708879"/>
+            <a:ext cx="4792391" cy="4934850"/>
+          </a:xfrm>
+          <a:prstGeom prst="rect">
+            <a:avLst/>
+          </a:prstGeom>
+          <a:solidFill>
+            <a:schemeClr val="bg1"/>
+          </a:solidFill>
+          <a:ln>
+            <a:solidFill>
+              <a:schemeClr val="bg1"/>
+            </a:solidFill>
+          </a:ln>
+        </p:spPr>
+        <p:style>
+          <a:lnRef idx="2">
+            <a:schemeClr val="accent1">
+              <a:shade val="50000"/>
+            </a:schemeClr>
+          </a:lnRef>
+          <a:fillRef idx="1">
+            <a:schemeClr val="accent1"/>
+          </a:fillRef>
+          <a:effectRef idx="0">
+            <a:schemeClr val="accent1"/>
+          </a:effectRef>
+          <a:fontRef idx="minor">
+            <a:schemeClr val="lt1"/>
+          </a:fontRef>
+        </p:style>
+        <p:txBody>
+          <a:bodyPr rtlCol="0" anchor="ctr"/>
+          <a:lstStyle/>
+          <a:p>
+            <a:pPr algn="ctr"/>
+            <a:endParaRPr lang="en-US"/>
+          </a:p>
+        </p:txBody>
+      </p:sp>
+      <p:pic>
+        <p:nvPicPr>
+          <p:cNvPr id="3" name="Grafik 2">
+            <a:extLst>
+              <a:ext uri="{FF2B5EF4-FFF2-40B4-BE49-F238E27FC236}">
+                <a16:creationId xmlns:a16="http://schemas.microsoft.com/office/drawing/2014/main" id="{ABAEEA05-F37B-4104-B062-A40F92834535}"/>
+              </a:ext>
+            </a:extLst>
+          </p:cNvPr>
+          <p:cNvPicPr>
+            <a:picLocks noChangeAspect="1"/>
+          </p:cNvPicPr>
+          <p:nvPr/>
+        </p:nvPicPr>
+        <p:blipFill>
+          <a:blip r:embed="rId3"/>
+          <a:stretch>
+            <a:fillRect/>
+          </a:stretch>
+        </p:blipFill>
+        <p:spPr>
+          <a:xfrm>
+            <a:off x="799295" y="641732"/>
+            <a:ext cx="6796320" cy="6121779"/>
+          </a:xfrm>
+          <a:prstGeom prst="rect">
+            <a:avLst/>
+          </a:prstGeom>
+        </p:spPr>
+      </p:pic>
+    </p:spTree>
+    <p:extLst>
+      <p:ext uri="{BB962C8B-B14F-4D97-AF65-F5344CB8AC3E}">
+        <p14:creationId xmlns:p14="http://schemas.microsoft.com/office/powerpoint/2010/main" val="1568462904"/>
+      </p:ext>
+    </p:extLst>
+  </p:cSld>
+  <p:clrMapOvr>
+    <a:masterClrMapping/>
+  </p:clrMapOvr>
+  <mc:AlternateContent xmlns:mc="http://schemas.openxmlformats.org/markup-compatibility/2006">
+    <mc:Choice xmlns:p14="http://schemas.microsoft.com/office/powerpoint/2010/main" Requires="p14">
+      <p:transition p14:dur="0"/>
+    </mc:Choice>
+    <mc:Fallback>
+      <p:transition/>
+    </mc:Fallback>
+  </mc:AlternateContent>
+</p:sld>
+</file>
+
+<file path=ppt/slides/slide13.xml><?xml version="1.0" encoding="utf-8"?>
+<p:sld xmlns:a="http://schemas.openxmlformats.org/drawingml/2006/main" xmlns:r="http://schemas.openxmlformats.org/officeDocument/2006/relationships" xmlns:p="http://schemas.openxmlformats.org/presentationml/2006/main">
+  <p:cSld>
+    <p:bg>
+      <p:bgPr>
+        <a:solidFill>
+          <a:schemeClr val="bg1"/>
+        </a:solidFill>
+        <a:effectLst/>
+      </p:bgPr>
+    </p:bg>
+    <p:spTree>
+      <p:nvGrpSpPr>
+        <p:cNvPr id="1" name=""/>
+        <p:cNvGrpSpPr/>
+        <p:nvPr/>
+      </p:nvGrpSpPr>
+      <p:grpSpPr>
+        <a:xfrm>
+          <a:off x="0" y="0"/>
+          <a:ext cx="0" cy="0"/>
+          <a:chOff x="0" y="0"/>
+          <a:chExt cx="0" cy="0"/>
+        </a:xfrm>
+      </p:grpSpPr>
+      <p:sp>
+        <p:nvSpPr>
+          <p:cNvPr id="12" name="Rectangle 11">
+            <a:extLst>
+              <a:ext uri="{FF2B5EF4-FFF2-40B4-BE49-F238E27FC236}">
+                <a16:creationId xmlns:a16="http://schemas.microsoft.com/office/drawing/2014/main" id="{DB691D59-8F51-4DD8-AD41-D568D29B08F8}"/>
+              </a:ext>
+              <a:ext uri="{C183D7F6-B498-43B3-948B-1728B52AA6E4}">
+                <adec:decorative xmlns:adec="http://schemas.microsoft.com/office/drawing/2017/decorative" val="1"/>
+              </a:ext>
+            </a:extLst>
+          </p:cNvPr>
+          <p:cNvSpPr>
+            <a:spLocks noGrp="1" noRot="1" noChangeAspect="1" noMove="1" noResize="1" noEditPoints="1" noAdjustHandles="1" noChangeArrowheads="1" noChangeShapeType="1" noTextEdit="1"/>
+          </p:cNvSpPr>
+          <p:nvPr>
+            <p:extLst>
+              <p:ext uri="{386F3935-93C4-4BCD-93E2-E3B085C9AB24}">
+                <p16:designElem xmlns:p16="http://schemas.microsoft.com/office/powerpoint/2015/main" val="1"/>
+              </p:ext>
+            </p:extLst>
+          </p:nvPr>
+        </p:nvSpPr>
+        <p:spPr>
+          <a:xfrm>
+            <a:off x="446534" y="457200"/>
+            <a:ext cx="3703320" cy="94997"/>
+          </a:xfrm>
+          <a:prstGeom prst="rect">
+            <a:avLst/>
+          </a:prstGeom>
+          <a:solidFill>
+            <a:schemeClr val="accent1"/>
+          </a:solidFill>
+          <a:ln>
+            <a:noFill/>
+          </a:ln>
+          <a:effectLst/>
+        </p:spPr>
+        <p:style>
+          <a:lnRef idx="1">
+            <a:schemeClr val="accent1"/>
+          </a:lnRef>
+          <a:fillRef idx="3">
+            <a:schemeClr val="accent1"/>
+          </a:fillRef>
+          <a:effectRef idx="2">
+            <a:schemeClr val="accent1"/>
+          </a:effectRef>
+          <a:fontRef idx="minor">
+            <a:schemeClr val="lt1"/>
+          </a:fontRef>
+        </p:style>
+      </p:sp>
+      <p:sp>
+        <p:nvSpPr>
+          <p:cNvPr id="14" name="Rectangle 13">
+            <a:extLst>
+              <a:ext uri="{FF2B5EF4-FFF2-40B4-BE49-F238E27FC236}">
+                <a16:creationId xmlns:a16="http://schemas.microsoft.com/office/drawing/2014/main" id="{204AEF18-0627-48F3-9B3D-F7E8F050B1D4}"/>
+              </a:ext>
+              <a:ext uri="{C183D7F6-B498-43B3-948B-1728B52AA6E4}">
+                <adec:decorative xmlns:adec="http://schemas.microsoft.com/office/drawing/2017/decorative" val="1"/>
+              </a:ext>
+            </a:extLst>
+          </p:cNvPr>
+          <p:cNvSpPr>
+            <a:spLocks noGrp="1" noRot="1" noChangeAspect="1" noMove="1" noResize="1" noEditPoints="1" noAdjustHandles="1" noChangeArrowheads="1" noChangeShapeType="1" noTextEdit="1"/>
+          </p:cNvSpPr>
+          <p:nvPr>
+            <p:extLst>
+              <p:ext uri="{386F3935-93C4-4BCD-93E2-E3B085C9AB24}">
+                <p16:designElem xmlns:p16="http://schemas.microsoft.com/office/powerpoint/2015/main" val="1"/>
+              </p:ext>
+            </p:extLst>
+          </p:nvPr>
+        </p:nvSpPr>
+        <p:spPr>
+          <a:xfrm>
+            <a:off x="8042147" y="453643"/>
+            <a:ext cx="3703320" cy="98554"/>
+          </a:xfrm>
+          <a:prstGeom prst="rect">
+            <a:avLst/>
+          </a:prstGeom>
+          <a:solidFill>
+            <a:schemeClr val="accent4"/>
+          </a:solidFill>
+          <a:ln>
+            <a:noFill/>
+          </a:ln>
+          <a:effectLst/>
+        </p:spPr>
+        <p:style>
+          <a:lnRef idx="1">
+            <a:schemeClr val="accent1"/>
+          </a:lnRef>
+          <a:fillRef idx="3">
+            <a:schemeClr val="accent1"/>
+          </a:fillRef>
+          <a:effectRef idx="2">
+            <a:schemeClr val="accent1"/>
+          </a:effectRef>
+          <a:fontRef idx="minor">
+            <a:schemeClr val="lt1"/>
+          </a:fontRef>
+        </p:style>
+      </p:sp>
+      <p:sp>
+        <p:nvSpPr>
+          <p:cNvPr id="16" name="Rectangle 15">
+            <a:extLst>
+              <a:ext uri="{FF2B5EF4-FFF2-40B4-BE49-F238E27FC236}">
+                <a16:creationId xmlns:a16="http://schemas.microsoft.com/office/drawing/2014/main" id="{CEAEE08A-C572-438F-9753-B0D527A515A7}"/>
+              </a:ext>
+              <a:ext uri="{C183D7F6-B498-43B3-948B-1728B52AA6E4}">
+                <adec:decorative xmlns:adec="http://schemas.microsoft.com/office/drawing/2017/decorative" val="1"/>
+              </a:ext>
+            </a:extLst>
+          </p:cNvPr>
+          <p:cNvSpPr>
+            <a:spLocks noGrp="1" noRot="1" noChangeAspect="1" noMove="1" noResize="1" noEditPoints="1" noAdjustHandles="1" noChangeArrowheads="1" noChangeShapeType="1" noTextEdit="1"/>
+          </p:cNvSpPr>
+          <p:nvPr>
+            <p:extLst>
+              <p:ext uri="{386F3935-93C4-4BCD-93E2-E3B085C9AB24}">
+                <p16:designElem xmlns:p16="http://schemas.microsoft.com/office/powerpoint/2015/main" val="1"/>
+              </p:ext>
+            </p:extLst>
+          </p:nvPr>
+        </p:nvSpPr>
+        <p:spPr>
+          <a:xfrm>
+            <a:off x="4241830" y="457200"/>
+            <a:ext cx="3703320" cy="91440"/>
+          </a:xfrm>
+          <a:prstGeom prst="rect">
+            <a:avLst/>
+          </a:prstGeom>
+          <a:solidFill>
+            <a:schemeClr val="accent2"/>
+          </a:solidFill>
+          <a:ln>
+            <a:noFill/>
+          </a:ln>
+          <a:effectLst/>
+        </p:spPr>
+        <p:style>
+          <a:lnRef idx="1">
+            <a:schemeClr val="accent1"/>
+          </a:lnRef>
+          <a:fillRef idx="3">
+            <a:schemeClr val="accent1"/>
+          </a:fillRef>
+          <a:effectRef idx="2">
+            <a:schemeClr val="accent1"/>
+          </a:effectRef>
+          <a:fontRef idx="minor">
+            <a:schemeClr val="lt1"/>
+          </a:fontRef>
+        </p:style>
+      </p:sp>
+      <p:sp>
+        <p:nvSpPr>
+          <p:cNvPr id="18" name="Rectangle 17">
+            <a:extLst>
+              <a:ext uri="{FF2B5EF4-FFF2-40B4-BE49-F238E27FC236}">
+                <a16:creationId xmlns:a16="http://schemas.microsoft.com/office/drawing/2014/main" id="{DB93146F-62ED-4C59-844C-0935D0FB5031}"/>
+              </a:ext>
+              <a:ext uri="{C183D7F6-B498-43B3-948B-1728B52AA6E4}">
+                <adec:decorative xmlns:adec="http://schemas.microsoft.com/office/drawing/2017/decorative" val="1"/>
+              </a:ext>
+            </a:extLst>
+          </p:cNvPr>
+          <p:cNvSpPr>
+            <a:spLocks noGrp="1" noRot="1" noChangeAspect="1" noMove="1" noResize="1" noEditPoints="1" noAdjustHandles="1" noChangeArrowheads="1" noChangeShapeType="1" noTextEdit="1"/>
+          </p:cNvSpPr>
+          <p:nvPr>
+            <p:extLst>
+              <p:ext uri="{386F3935-93C4-4BCD-93E2-E3B085C9AB24}">
+                <p16:designElem xmlns:p16="http://schemas.microsoft.com/office/powerpoint/2015/main" val="1"/>
+              </p:ext>
+            </p:extLst>
+          </p:nvPr>
+        </p:nvSpPr>
+        <p:spPr>
+          <a:xfrm>
+            <a:off x="446534" y="3085765"/>
+            <a:ext cx="11262866" cy="3304800"/>
+          </a:xfrm>
+          <a:prstGeom prst="rect">
+            <a:avLst/>
+          </a:prstGeom>
+          <a:solidFill>
+            <a:schemeClr val="accent1"/>
+          </a:solidFill>
+          <a:ln>
+            <a:noFill/>
+          </a:ln>
+          <a:effectLst/>
+        </p:spPr>
+        <p:style>
+          <a:lnRef idx="1">
+            <a:schemeClr val="accent1"/>
+          </a:lnRef>
+          <a:fillRef idx="3">
+            <a:schemeClr val="accent1"/>
+          </a:fillRef>
+          <a:effectRef idx="2">
+            <a:schemeClr val="accent1"/>
+          </a:effectRef>
+          <a:fontRef idx="minor">
+            <a:schemeClr val="lt1"/>
+          </a:fontRef>
+        </p:style>
+      </p:sp>
+      <p:sp useBgFill="1">
+        <p:nvSpPr>
+          <p:cNvPr id="20" name="Rectangle 19">
+            <a:extLst>
+              <a:ext uri="{FF2B5EF4-FFF2-40B4-BE49-F238E27FC236}">
+                <a16:creationId xmlns:a16="http://schemas.microsoft.com/office/drawing/2014/main" id="{BF3D65BA-1C65-40FB-92EF-83951BDC1D7C}"/>
+              </a:ext>
+              <a:ext uri="{C183D7F6-B498-43B3-948B-1728B52AA6E4}">
+                <adec:decorative xmlns:adec="http://schemas.microsoft.com/office/drawing/2017/decorative" val="1"/>
+              </a:ext>
+            </a:extLst>
+          </p:cNvPr>
+          <p:cNvSpPr>
+            <a:spLocks noGrp="1" noRot="1" noChangeAspect="1" noMove="1" noResize="1" noEditPoints="1" noAdjustHandles="1" noChangeArrowheads="1" noChangeShapeType="1" noTextEdit="1"/>
+          </p:cNvSpPr>
+          <p:nvPr>
+            <p:extLst>
+              <p:ext uri="{386F3935-93C4-4BCD-93E2-E3B085C9AB24}">
+                <p16:designElem xmlns:p16="http://schemas.microsoft.com/office/powerpoint/2015/main" val="1"/>
+              </p:ext>
+            </p:extLst>
+          </p:nvPr>
+        </p:nvSpPr>
+        <p:spPr>
+          <a:xfrm>
+            <a:off x="0" y="638175"/>
+            <a:ext cx="12191999" cy="6219825"/>
+          </a:xfrm>
+          <a:prstGeom prst="rect">
+            <a:avLst/>
+          </a:prstGeom>
+          <a:ln>
+            <a:noFill/>
+          </a:ln>
+        </p:spPr>
+        <p:style>
+          <a:lnRef idx="2">
+            <a:schemeClr val="accent1">
+              <a:shade val="50000"/>
+            </a:schemeClr>
+          </a:lnRef>
+          <a:fillRef idx="1">
+            <a:schemeClr val="accent1"/>
+          </a:fillRef>
+          <a:effectRef idx="0">
+            <a:schemeClr val="accent1"/>
+          </a:effectRef>
+          <a:fontRef idx="minor">
+            <a:schemeClr val="lt1"/>
+          </a:fontRef>
+        </p:style>
+        <p:txBody>
+          <a:bodyPr rtlCol="0" anchor="ctr"/>
+          <a:lstStyle/>
+          <a:p>
+            <a:pPr algn="ctr"/>
+            <a:endParaRPr lang="en-US"/>
+          </a:p>
+        </p:txBody>
+      </p:sp>
+      <p:sp>
+        <p:nvSpPr>
+          <p:cNvPr id="22" name="Rectangle 21">
+            <a:extLst>
+              <a:ext uri="{FF2B5EF4-FFF2-40B4-BE49-F238E27FC236}">
+                <a16:creationId xmlns:a16="http://schemas.microsoft.com/office/drawing/2014/main" id="{ADF52CCA-FCDD-49A0-BFFC-3BD41F1B827A}"/>
+              </a:ext>
+              <a:ext uri="{C183D7F6-B498-43B3-948B-1728B52AA6E4}">
+                <adec:decorative xmlns:adec="http://schemas.microsoft.com/office/drawing/2017/decorative" val="1"/>
+              </a:ext>
+            </a:extLst>
+          </p:cNvPr>
+          <p:cNvSpPr>
+            <a:spLocks noGrp="1" noRot="1" noChangeAspect="1" noMove="1" noResize="1" noEditPoints="1" noAdjustHandles="1" noChangeArrowheads="1" noChangeShapeType="1" noTextEdit="1"/>
+          </p:cNvSpPr>
+          <p:nvPr>
+            <p:extLst>
+              <p:ext uri="{386F3935-93C4-4BCD-93E2-E3B085C9AB24}">
+                <p16:designElem xmlns:p16="http://schemas.microsoft.com/office/powerpoint/2015/main" val="1"/>
+              </p:ext>
+            </p:extLst>
+          </p:nvPr>
+        </p:nvSpPr>
+        <p:spPr>
+          <a:xfrm>
+            <a:off x="8042147" y="723899"/>
+            <a:ext cx="3703320" cy="5666666"/>
+          </a:xfrm>
+          <a:prstGeom prst="rect">
+            <a:avLst/>
+          </a:prstGeom>
+          <a:solidFill>
+            <a:schemeClr val="accent1"/>
+          </a:solidFill>
+          <a:ln>
+            <a:noFill/>
+          </a:ln>
+          <a:effectLst/>
+        </p:spPr>
+        <p:style>
+          <a:lnRef idx="1">
+            <a:schemeClr val="accent1"/>
+          </a:lnRef>
+          <a:fillRef idx="3">
+            <a:schemeClr val="accent1"/>
+          </a:fillRef>
+          <a:effectRef idx="2">
+            <a:schemeClr val="accent1"/>
+          </a:effectRef>
+          <a:fontRef idx="minor">
+            <a:schemeClr val="lt1"/>
+          </a:fontRef>
+        </p:style>
+      </p:sp>
+      <p:sp>
+        <p:nvSpPr>
+          <p:cNvPr id="2" name="Titel 1"/>
+          <p:cNvSpPr>
+            <a:spLocks noGrp="1"/>
+          </p:cNvSpPr>
+          <p:nvPr>
+            <p:ph type="title"/>
+          </p:nvPr>
+        </p:nvSpPr>
+        <p:spPr>
+          <a:xfrm>
+            <a:off x="8236982" y="894570"/>
+            <a:ext cx="3337757" cy="570250"/>
+          </a:xfrm>
+        </p:spPr>
+        <p:txBody>
+          <a:bodyPr vert="horz" lIns="91440" tIns="45720" rIns="91440" bIns="45720" rtlCol="0" anchor="b">
+            <a:normAutofit/>
+          </a:bodyPr>
+          <a:lstStyle/>
+          <a:p>
+            <a:pPr algn="ctr"/>
             <a:r>
-              <a:rPr lang="de-DE" sz="2800" noProof="0" dirty="0" err="1"/>
-              <a:t>IoT</a:t>
+              <a:rPr lang="en-US" sz="2500" noProof="0" dirty="0" err="1">
+                <a:solidFill>
+                  <a:srgbClr val="FFFFFF"/>
+                </a:solidFill>
+                <a:effectLst>
+                  <a:outerShdw blurRad="38100" dist="38100" dir="2700000" algn="tl">
+                    <a:srgbClr val="000000">
+                      <a:alpha val="43137"/>
+                    </a:srgbClr>
+                  </a:outerShdw>
+                </a:effectLst>
+              </a:rPr>
+              <a:t>Implementierung</a:t>
             </a:r>
-            <a:r>
-              <a:rPr lang="de-DE" sz="2800" noProof="0" dirty="0"/>
-              <a:t> </a:t>
-            </a:r>
-            <a:r>
-              <a:rPr lang="de-DE" sz="2800" noProof="0" dirty="0" err="1"/>
-              <a:t>is</a:t>
-            </a:r>
-            <a:r>
-              <a:rPr lang="de-DE" sz="2800" noProof="0" dirty="0"/>
-              <a:t> a </a:t>
-            </a:r>
-            <a:r>
-              <a:rPr lang="de-DE" sz="2800" noProof="0" dirty="0" err="1"/>
-              <a:t>current</a:t>
-            </a:r>
-            <a:r>
-              <a:rPr lang="de-DE" sz="2800" noProof="0" dirty="0"/>
-              <a:t> </a:t>
-            </a:r>
-            <a:r>
-              <a:rPr lang="de-DE" sz="2800" noProof="0" dirty="0" err="1"/>
-              <a:t>case</a:t>
-            </a:r>
-            <a:r>
-              <a:rPr lang="de-DE" sz="2800" noProof="0" dirty="0"/>
-              <a:t> in </a:t>
-            </a:r>
-            <a:r>
-              <a:rPr lang="de-DE" sz="2800" noProof="0" dirty="0" err="1"/>
-              <a:t>point</a:t>
-            </a:r>
-            <a:endParaRPr lang="de-DE" sz="2800" noProof="0" dirty="0"/>
+            <a:endParaRPr lang="en-US" sz="2500" noProof="0" dirty="0">
+              <a:solidFill>
+                <a:srgbClr val="FFFFFF"/>
+              </a:solidFill>
+              <a:effectLst>
+                <a:outerShdw blurRad="38100" dist="38100" dir="2700000" algn="tl">
+                  <a:srgbClr val="000000">
+                    <a:alpha val="43137"/>
+                  </a:srgbClr>
+                </a:outerShdw>
+              </a:effectLst>
+            </a:endParaRPr>
           </a:p>
+        </p:txBody>
+      </p:sp>
+      <p:sp>
+        <p:nvSpPr>
+          <p:cNvPr id="6" name="Foliennummernplatzhalter 5"/>
+          <p:cNvSpPr>
+            <a:spLocks noGrp="1"/>
+          </p:cNvSpPr>
+          <p:nvPr>
+            <p:ph type="sldNum" sz="quarter" idx="12"/>
+          </p:nvPr>
+        </p:nvSpPr>
+        <p:spPr>
+          <a:xfrm>
+            <a:off x="10558300" y="6400800"/>
+            <a:ext cx="1016440" cy="365125"/>
+          </a:xfrm>
+        </p:spPr>
+        <p:txBody>
+          <a:bodyPr vert="horz" lIns="91440" tIns="45720" rIns="91440" bIns="45720" rtlCol="0" anchor="ctr">
+            <a:normAutofit/>
+          </a:bodyPr>
+          <a:lstStyle/>
           <a:p>
-            <a:pPr>
-              <a:lnSpc>
-                <a:spcPct val="110000"/>
-              </a:lnSpc>
+            <a:pPr defTabSz="914400">
+              <a:spcAft>
+                <a:spcPts val="600"/>
+              </a:spcAft>
             </a:pPr>
-            <a:r>
-              <a:rPr lang="de-DE" sz="2800" noProof="0" dirty="0" err="1"/>
-              <a:t>no</a:t>
-            </a:r>
-            <a:r>
-              <a:rPr lang="de-DE" sz="2800" noProof="0" dirty="0"/>
-              <a:t> </a:t>
-            </a:r>
-            <a:r>
-              <a:rPr lang="de-DE" sz="2800" noProof="0" dirty="0" err="1"/>
-              <a:t>unified</a:t>
-            </a:r>
-            <a:r>
-              <a:rPr lang="de-DE" sz="2800" noProof="0" dirty="0"/>
-              <a:t> </a:t>
-            </a:r>
-            <a:r>
-              <a:rPr lang="de-DE" sz="2800" noProof="0" dirty="0" err="1"/>
-              <a:t>definition</a:t>
-            </a:r>
-            <a:endParaRPr lang="de-DE" sz="2800" noProof="0" dirty="0"/>
+            <a:fld id="{5D84065D-F351-4B03-BD91-D8A6B8D4B362}" type="slidenum">
+              <a:rPr lang="en-US" smtClean="0">
+                <a:solidFill>
+                  <a:schemeClr val="accent1">
+                    <a:lumMod val="75000"/>
+                    <a:lumOff val="25000"/>
+                  </a:schemeClr>
+                </a:solidFill>
+                <a:effectLst>
+                  <a:outerShdw blurRad="38100" dist="38100" dir="2700000" algn="tl">
+                    <a:srgbClr val="000000">
+                      <a:alpha val="43137"/>
+                    </a:srgbClr>
+                  </a:outerShdw>
+                </a:effectLst>
+              </a:rPr>
+              <a:pPr defTabSz="914400">
+                <a:spcAft>
+                  <a:spcPts val="600"/>
+                </a:spcAft>
+              </a:pPr>
+              <a:t>13</a:t>
+            </a:fld>
+            <a:endParaRPr lang="en-US">
+              <a:solidFill>
+                <a:schemeClr val="accent1">
+                  <a:lumMod val="75000"/>
+                  <a:lumOff val="25000"/>
+                </a:schemeClr>
+              </a:solidFill>
+              <a:effectLst>
+                <a:outerShdw blurRad="38100" dist="38100" dir="2700000" algn="tl">
+                  <a:srgbClr val="000000">
+                    <a:alpha val="43137"/>
+                  </a:srgbClr>
+                </a:outerShdw>
+              </a:effectLst>
+            </a:endParaRPr>
           </a:p>
+        </p:txBody>
+      </p:sp>
+      <p:sp>
+        <p:nvSpPr>
+          <p:cNvPr id="9" name="Rechteck 8">
+            <a:extLst>
+              <a:ext uri="{FF2B5EF4-FFF2-40B4-BE49-F238E27FC236}">
+                <a16:creationId xmlns:a16="http://schemas.microsoft.com/office/drawing/2014/main" id="{A4366BC2-F0EE-4EA5-A788-5C73C53697BF}"/>
+              </a:ext>
+            </a:extLst>
+          </p:cNvPr>
+          <p:cNvSpPr/>
+          <p:nvPr/>
+        </p:nvSpPr>
+        <p:spPr>
+          <a:xfrm>
+            <a:off x="7363543" y="1708879"/>
+            <a:ext cx="4792391" cy="4934850"/>
+          </a:xfrm>
+          <a:prstGeom prst="rect">
+            <a:avLst/>
+          </a:prstGeom>
+          <a:solidFill>
+            <a:schemeClr val="bg1"/>
+          </a:solidFill>
+          <a:ln>
+            <a:solidFill>
+              <a:schemeClr val="bg1"/>
+            </a:solidFill>
+          </a:ln>
+        </p:spPr>
+        <p:style>
+          <a:lnRef idx="2">
+            <a:schemeClr val="accent1">
+              <a:shade val="50000"/>
+            </a:schemeClr>
+          </a:lnRef>
+          <a:fillRef idx="1">
+            <a:schemeClr val="accent1"/>
+          </a:fillRef>
+          <a:effectRef idx="0">
+            <a:schemeClr val="accent1"/>
+          </a:effectRef>
+          <a:fontRef idx="minor">
+            <a:schemeClr val="lt1"/>
+          </a:fontRef>
+        </p:style>
+        <p:txBody>
+          <a:bodyPr rtlCol="0" anchor="ctr"/>
+          <a:lstStyle/>
           <a:p>
-            <a:pPr>
-              <a:lnSpc>
-                <a:spcPct val="110000"/>
-              </a:lnSpc>
-            </a:pPr>
-            <a:r>
-              <a:rPr lang="de-DE" sz="2800" noProof="0" dirty="0" err="1"/>
-              <a:t>where</a:t>
-            </a:r>
-            <a:r>
-              <a:rPr lang="de-DE" sz="2800" noProof="0" dirty="0"/>
-              <a:t> </a:t>
-            </a:r>
-            <a:r>
-              <a:rPr lang="de-DE" sz="2800" noProof="0" dirty="0" err="1"/>
-              <a:t>organizations</a:t>
-            </a:r>
-            <a:r>
-              <a:rPr lang="de-DE" sz="2800" noProof="0" dirty="0"/>
-              <a:t>, </a:t>
-            </a:r>
-            <a:r>
-              <a:rPr lang="de-DE" sz="2800" noProof="0" dirty="0" err="1"/>
-              <a:t>industries</a:t>
-            </a:r>
-            <a:r>
-              <a:rPr lang="de-DE" sz="2800" noProof="0" dirty="0"/>
-              <a:t> and </a:t>
-            </a:r>
-            <a:r>
-              <a:rPr lang="de-DE" sz="2800" noProof="0" dirty="0" err="1"/>
-              <a:t>researchers</a:t>
-            </a:r>
-            <a:endParaRPr lang="de-DE" sz="2800" noProof="0" dirty="0"/>
+            <a:pPr algn="ctr"/>
+            <a:endParaRPr lang="en-US"/>
           </a:p>
+        </p:txBody>
+      </p:sp>
+      <p:pic>
+        <p:nvPicPr>
+          <p:cNvPr id="4" name="Grafik 3">
+            <a:extLst>
+              <a:ext uri="{FF2B5EF4-FFF2-40B4-BE49-F238E27FC236}">
+                <a16:creationId xmlns:a16="http://schemas.microsoft.com/office/drawing/2014/main" id="{1EE67360-44AC-4B0E-8228-B2FA8BDC3DBE}"/>
+              </a:ext>
+            </a:extLst>
+          </p:cNvPr>
+          <p:cNvPicPr>
+            <a:picLocks noChangeAspect="1"/>
+          </p:cNvPicPr>
+          <p:nvPr/>
+        </p:nvPicPr>
+        <p:blipFill>
+          <a:blip r:embed="rId3"/>
+          <a:stretch>
+            <a:fillRect/>
+          </a:stretch>
+        </p:blipFill>
+        <p:spPr>
+          <a:xfrm>
+            <a:off x="998724" y="711334"/>
+            <a:ext cx="6850318" cy="4169201"/>
+          </a:xfrm>
+          <a:prstGeom prst="rect">
+            <a:avLst/>
+          </a:prstGeom>
+        </p:spPr>
+      </p:pic>
+      <p:pic>
+        <p:nvPicPr>
+          <p:cNvPr id="13" name="Grafik 12">
+            <a:extLst>
+              <a:ext uri="{FF2B5EF4-FFF2-40B4-BE49-F238E27FC236}">
+                <a16:creationId xmlns:a16="http://schemas.microsoft.com/office/drawing/2014/main" id="{14A92F25-CD06-4E59-B61A-00AFBB737AB3}"/>
+              </a:ext>
+            </a:extLst>
+          </p:cNvPr>
+          <p:cNvPicPr>
+            <a:picLocks noChangeAspect="1"/>
+          </p:cNvPicPr>
+          <p:nvPr/>
+        </p:nvPicPr>
+        <p:blipFill>
+          <a:blip r:embed="rId4"/>
+          <a:stretch>
+            <a:fillRect/>
+          </a:stretch>
+        </p:blipFill>
+        <p:spPr>
+          <a:xfrm>
+            <a:off x="2336520" y="5067637"/>
+            <a:ext cx="7513940" cy="1556646"/>
+          </a:xfrm>
+          <a:prstGeom prst="rect">
+            <a:avLst/>
+          </a:prstGeom>
+        </p:spPr>
+      </p:pic>
+      <p:sp>
+        <p:nvSpPr>
+          <p:cNvPr id="5" name="Pfeil: gebogen 4">
+            <a:extLst>
+              <a:ext uri="{FF2B5EF4-FFF2-40B4-BE49-F238E27FC236}">
+                <a16:creationId xmlns:a16="http://schemas.microsoft.com/office/drawing/2014/main" id="{89596B5D-4A73-4B61-8122-96A623242AA8}"/>
+              </a:ext>
+            </a:extLst>
+          </p:cNvPr>
+          <p:cNvSpPr/>
+          <p:nvPr/>
+        </p:nvSpPr>
+        <p:spPr>
+          <a:xfrm flipV="1">
+            <a:off x="1262061" y="4837972"/>
+            <a:ext cx="914400" cy="1308694"/>
+          </a:xfrm>
+          <a:prstGeom prst="bentArrow">
+            <a:avLst/>
+          </a:prstGeom>
+        </p:spPr>
+        <p:style>
+          <a:lnRef idx="2">
+            <a:schemeClr val="accent1">
+              <a:shade val="50000"/>
+            </a:schemeClr>
+          </a:lnRef>
+          <a:fillRef idx="1">
+            <a:schemeClr val="accent1"/>
+          </a:fillRef>
+          <a:effectRef idx="0">
+            <a:schemeClr val="accent1"/>
+          </a:effectRef>
+          <a:fontRef idx="minor">
+            <a:schemeClr val="lt1"/>
+          </a:fontRef>
+        </p:style>
+        <p:txBody>
+          <a:bodyPr rtlCol="0" anchor="ctr"/>
+          <a:lstStyle/>
           <a:p>
-            <a:pPr>
-              <a:lnSpc>
-                <a:spcPct val="110000"/>
-              </a:lnSpc>
-            </a:pPr>
-            <a:r>
-              <a:rPr lang="de-DE" sz="2800" noProof="0" dirty="0" err="1"/>
-              <a:t>extract</a:t>
-            </a:r>
-            <a:r>
-              <a:rPr lang="de-DE" sz="2800" noProof="0" dirty="0"/>
-              <a:t> and </a:t>
-            </a:r>
-            <a:r>
-              <a:rPr lang="de-DE" sz="2800" noProof="0" dirty="0" err="1"/>
-              <a:t>presents</a:t>
-            </a:r>
-            <a:r>
-              <a:rPr lang="de-DE" sz="2800" noProof="0" dirty="0"/>
-              <a:t> different </a:t>
-            </a:r>
-            <a:r>
-              <a:rPr lang="de-DE" sz="2800" noProof="0" dirty="0" err="1"/>
-              <a:t>definitions</a:t>
-            </a:r>
-            <a:r>
-              <a:rPr lang="de-DE" sz="2800" noProof="0" dirty="0"/>
-              <a:t>, </a:t>
-            </a:r>
-            <a:r>
-              <a:rPr lang="de-DE" sz="2800" noProof="0" dirty="0" err="1"/>
-              <a:t>characteristics</a:t>
-            </a:r>
-            <a:r>
-              <a:rPr lang="de-DE" sz="2800" noProof="0" dirty="0"/>
-              <a:t>, and </a:t>
-            </a:r>
-            <a:r>
-              <a:rPr lang="de-DE" sz="2800" noProof="0" dirty="0" err="1"/>
-              <a:t>requirements</a:t>
-            </a:r>
-            <a:r>
-              <a:rPr lang="de-DE" sz="2800" noProof="0" dirty="0"/>
-              <a:t> of </a:t>
-            </a:r>
-            <a:r>
-              <a:rPr lang="de-DE" sz="2800" noProof="0" dirty="0" err="1"/>
-              <a:t>IoT</a:t>
-            </a:r>
-            <a:r>
-              <a:rPr lang="de-DE" sz="2800" noProof="0" dirty="0"/>
-              <a:t> </a:t>
-            </a:r>
-            <a:r>
-              <a:rPr lang="de-DE" sz="2800" noProof="0" dirty="0" err="1"/>
-              <a:t>concept</a:t>
-            </a:r>
-            <a:endParaRPr lang="de-DE" sz="2800" noProof="0" dirty="0"/>
-          </a:p>
-          <a:p>
-            <a:pPr>
-              <a:lnSpc>
-                <a:spcPct val="110000"/>
-              </a:lnSpc>
-            </a:pPr>
-            <a:r>
-              <a:rPr lang="de-DE" sz="2800" noProof="0" dirty="0" err="1"/>
-              <a:t>depending</a:t>
-            </a:r>
-            <a:r>
-              <a:rPr lang="de-DE" sz="2800" noProof="0" dirty="0"/>
-              <a:t> on </a:t>
-            </a:r>
-            <a:r>
-              <a:rPr lang="de-DE" sz="2800" noProof="0" dirty="0" err="1"/>
-              <a:t>provided</a:t>
-            </a:r>
-            <a:r>
-              <a:rPr lang="de-DE" sz="2800" noProof="0" dirty="0"/>
-              <a:t> </a:t>
-            </a:r>
-            <a:r>
-              <a:rPr lang="de-DE" sz="2800" noProof="0" dirty="0" err="1"/>
-              <a:t>services</a:t>
-            </a:r>
-            <a:r>
-              <a:rPr lang="de-DE" sz="2800" noProof="0" dirty="0"/>
-              <a:t>, </a:t>
-            </a:r>
-            <a:r>
-              <a:rPr lang="de-DE" sz="2800" noProof="0" dirty="0" err="1"/>
-              <a:t>purposes</a:t>
-            </a:r>
-            <a:r>
-              <a:rPr lang="de-DE" sz="2800" noProof="0" dirty="0"/>
-              <a:t> and </a:t>
-            </a:r>
-            <a:r>
-              <a:rPr lang="de-DE" sz="2800" noProof="0" dirty="0" err="1"/>
-              <a:t>heterogeneity</a:t>
-            </a:r>
-            <a:r>
-              <a:rPr lang="de-DE" sz="2800" noProof="0" dirty="0"/>
-              <a:t> </a:t>
-            </a:r>
-            <a:r>
-              <a:rPr lang="de-DE" sz="2800" noProof="0" dirty="0" err="1"/>
-              <a:t>based</a:t>
-            </a:r>
-            <a:r>
-              <a:rPr lang="de-DE" sz="2800" noProof="0" dirty="0"/>
-              <a:t> of </a:t>
-            </a:r>
-            <a:r>
-              <a:rPr lang="de-DE" sz="2800" noProof="0" dirty="0" err="1"/>
-              <a:t>the</a:t>
-            </a:r>
-            <a:r>
-              <a:rPr lang="de-DE" sz="2800" noProof="0" dirty="0"/>
-              <a:t> </a:t>
-            </a:r>
-            <a:r>
-              <a:rPr lang="de-DE" sz="2800" noProof="0" dirty="0" err="1"/>
-              <a:t>IoT</a:t>
-            </a:r>
-            <a:r>
-              <a:rPr lang="de-DE" sz="2800" noProof="0" dirty="0"/>
-              <a:t> </a:t>
-            </a:r>
-            <a:r>
-              <a:rPr lang="de-DE" sz="2800" noProof="0" dirty="0" err="1"/>
-              <a:t>architecture</a:t>
-            </a:r>
-            <a:endParaRPr lang="de-DE" sz="2800" noProof="0" dirty="0"/>
+            <a:pPr algn="ctr"/>
+            <a:endParaRPr lang="en-US">
+              <a:solidFill>
+                <a:schemeClr val="tx1"/>
+              </a:solidFill>
+            </a:endParaRPr>
           </a:p>
         </p:txBody>
       </p:sp>
     </p:spTree>
     <p:extLst>
       <p:ext uri="{BB962C8B-B14F-4D97-AF65-F5344CB8AC3E}">
-        <p14:creationId xmlns:p14="http://schemas.microsoft.com/office/powerpoint/2010/main" val="2908674618"/>
+        <p14:creationId xmlns:p14="http://schemas.microsoft.com/office/powerpoint/2010/main" val="1361988891"/>
       </p:ext>
     </p:extLst>
   </p:cSld>
   <p:clrMapOvr>
     <a:masterClrMapping/>
   </p:clrMapOvr>
-  <p:transition spd="slow">
-    <p:push/>
-  </p:transition>
+  <mc:AlternateContent xmlns:mc="http://schemas.openxmlformats.org/markup-compatibility/2006">
+    <mc:Choice xmlns:p14="http://schemas.microsoft.com/office/powerpoint/2010/main" Requires="p14">
+      <p:transition p14:dur="0"/>
+    </mc:Choice>
+    <mc:Fallback>
+      <p:transition/>
+    </mc:Fallback>
+  </mc:AlternateContent>
 </p:sld>
 </file>
 
-<file path=ppt/slides/slide12.xml><?xml version="1.0" encoding="utf-8"?>
+<file path=ppt/slides/slide14.xml><?xml version="1.0" encoding="utf-8"?>
 <p:sld xmlns:a="http://schemas.openxmlformats.org/drawingml/2006/main" xmlns:r="http://schemas.openxmlformats.org/officeDocument/2006/relationships" xmlns:p="http://schemas.openxmlformats.org/presentationml/2006/main">
   <p:cSld>
     <p:spTree>
@@ -8134,13 +10138,18 @@
   <p:clrMapOvr>
     <a:masterClrMapping/>
   </p:clrMapOvr>
-  <p:transition spd="slow">
-    <p:push/>
-  </p:transition>
+  <mc:AlternateContent xmlns:mc="http://schemas.openxmlformats.org/markup-compatibility/2006">
+    <mc:Choice xmlns:p14="http://schemas.microsoft.com/office/powerpoint/2010/main" Requires="p14">
+      <p:transition p14:dur="0"/>
+    </mc:Choice>
+    <mc:Fallback>
+      <p:transition/>
+    </mc:Fallback>
+  </mc:AlternateContent>
 </p:sld>
 </file>
 
-<file path=ppt/slides/slide13.xml><?xml version="1.0" encoding="utf-8"?>
+<file path=ppt/slides/slide15.xml><?xml version="1.0" encoding="utf-8"?>
 <p:sld xmlns:a="http://schemas.openxmlformats.org/drawingml/2006/main" xmlns:r="http://schemas.openxmlformats.org/officeDocument/2006/relationships" xmlns:p="http://schemas.openxmlformats.org/presentationml/2006/main">
   <p:cSld>
     <p:spTree>
@@ -8228,7 +10237,7 @@
                 </a:effectLst>
                 <a:latin typeface="+mj-lt"/>
               </a:rPr>
-              <a:t>13</a:t>
+              <a:t>15</a:t>
             </a:fld>
             <a:endParaRPr lang="en-US" sz="4400" dirty="0">
               <a:solidFill>
@@ -8386,13 +10395,18 @@
   <p:clrMapOvr>
     <a:masterClrMapping/>
   </p:clrMapOvr>
-  <p:transition spd="slow">
-    <p:push/>
-  </p:transition>
+  <mc:AlternateContent xmlns:mc="http://schemas.openxmlformats.org/markup-compatibility/2006">
+    <mc:Choice xmlns:p14="http://schemas.microsoft.com/office/powerpoint/2010/main" Requires="p14">
+      <p:transition p14:dur="0"/>
+    </mc:Choice>
+    <mc:Fallback>
+      <p:transition/>
+    </mc:Fallback>
+  </mc:AlternateContent>
 </p:sld>
 </file>
 
-<file path=ppt/slides/slide14.xml><?xml version="1.0" encoding="utf-8"?>
+<file path=ppt/slides/slide16.xml><?xml version="1.0" encoding="utf-8"?>
 <p:sld xmlns:a="http://schemas.openxmlformats.org/drawingml/2006/main" xmlns:r="http://schemas.openxmlformats.org/officeDocument/2006/relationships" xmlns:p="http://schemas.openxmlformats.org/presentationml/2006/main">
   <p:cSld>
     <p:spTree>
@@ -8480,7 +10494,7 @@
                 </a:effectLst>
                 <a:latin typeface="+mj-lt"/>
               </a:rPr>
-              <a:t>14</a:t>
+              <a:t>16</a:t>
             </a:fld>
             <a:endParaRPr lang="en-US" sz="4400" dirty="0">
               <a:solidFill>
@@ -8636,511 +10650,14 @@
   <p:clrMapOvr>
     <a:masterClrMapping/>
   </p:clrMapOvr>
-  <p:transition spd="slow">
-    <p:push/>
-  </p:transition>
-</p:sld>
-</file>
-
-<file path=ppt/slides/slide15.xml><?xml version="1.0" encoding="utf-8"?>
-<p:sld xmlns:a="http://schemas.openxmlformats.org/drawingml/2006/main" xmlns:r="http://schemas.openxmlformats.org/officeDocument/2006/relationships" xmlns:p="http://schemas.openxmlformats.org/presentationml/2006/main">
-  <p:cSld>
-    <p:spTree>
-      <p:nvGrpSpPr>
-        <p:cNvPr id="1" name=""/>
-        <p:cNvGrpSpPr/>
-        <p:nvPr/>
-      </p:nvGrpSpPr>
-      <p:grpSpPr>
-        <a:xfrm>
-          <a:off x="0" y="0"/>
-          <a:ext cx="0" cy="0"/>
-          <a:chOff x="0" y="0"/>
-          <a:chExt cx="0" cy="0"/>
-        </a:xfrm>
-      </p:grpSpPr>
-      <p:sp>
-        <p:nvSpPr>
-          <p:cNvPr id="2" name="Titel 1"/>
-          <p:cNvSpPr>
-            <a:spLocks noGrp="1"/>
-          </p:cNvSpPr>
-          <p:nvPr>
-            <p:ph type="title"/>
-          </p:nvPr>
-        </p:nvSpPr>
-        <p:spPr>
-          <a:xfrm>
-            <a:off x="774923" y="636677"/>
-            <a:ext cx="10653003" cy="633326"/>
-          </a:xfrm>
-        </p:spPr>
-        <p:txBody>
-          <a:bodyPr anchor="ctr">
-            <a:noAutofit/>
-          </a:bodyPr>
-          <a:lstStyle/>
-          <a:p>
-            <a:r>
-              <a:rPr lang="de-DE" sz="4400" noProof="0" dirty="0">
-                <a:effectLst>
-                  <a:outerShdw blurRad="38100" dist="38100" dir="2700000" algn="tl">
-                    <a:srgbClr val="000000">
-                      <a:alpha val="43137"/>
-                    </a:srgbClr>
-                  </a:outerShdw>
-                </a:effectLst>
-              </a:rPr>
-              <a:t>Ergebnisse</a:t>
-            </a:r>
-          </a:p>
-        </p:txBody>
-      </p:sp>
-      <p:sp>
-        <p:nvSpPr>
-          <p:cNvPr id="6" name="Foliennummernplatzhalter 5"/>
-          <p:cNvSpPr>
-            <a:spLocks noGrp="1"/>
-          </p:cNvSpPr>
-          <p:nvPr>
-            <p:ph type="sldNum" sz="quarter" idx="12"/>
-          </p:nvPr>
-        </p:nvSpPr>
-        <p:spPr>
-          <a:xfrm>
-            <a:off x="10270837" y="714371"/>
-            <a:ext cx="1291874" cy="477938"/>
-          </a:xfrm>
-        </p:spPr>
-        <p:txBody>
-          <a:bodyPr anchor="ctr"/>
-          <a:lstStyle/>
-          <a:p>
-            <a:fld id="{5D84065D-F351-4B03-BD91-D8A6B8D4B362}" type="slidenum">
-              <a:rPr lang="en-US" sz="4400" smtClean="0">
-                <a:solidFill>
-                  <a:schemeClr val="bg1"/>
-                </a:solidFill>
-                <a:effectLst>
-                  <a:outerShdw blurRad="38100" dist="38100" dir="2700000" algn="tl">
-                    <a:srgbClr val="000000">
-                      <a:alpha val="43137"/>
-                    </a:srgbClr>
-                  </a:outerShdw>
-                </a:effectLst>
-                <a:latin typeface="+mj-lt"/>
-              </a:rPr>
-              <a:t>15</a:t>
-            </a:fld>
-            <a:endParaRPr lang="en-US" sz="4400" dirty="0">
-              <a:solidFill>
-                <a:schemeClr val="bg1"/>
-              </a:solidFill>
-              <a:effectLst>
-                <a:outerShdw blurRad="38100" dist="38100" dir="2700000" algn="tl">
-                  <a:srgbClr val="000000">
-                    <a:alpha val="43137"/>
-                  </a:srgbClr>
-                </a:outerShdw>
-              </a:effectLst>
-              <a:latin typeface="+mj-lt"/>
-            </a:endParaRPr>
-          </a:p>
-        </p:txBody>
-      </p:sp>
-      <p:sp>
-        <p:nvSpPr>
-          <p:cNvPr id="7" name="Textfeld 6">
-            <a:extLst>
-              <a:ext uri="{FF2B5EF4-FFF2-40B4-BE49-F238E27FC236}">
-                <a16:creationId xmlns:a16="http://schemas.microsoft.com/office/drawing/2014/main" id="{8DAB33D4-11C8-4EDC-A458-C2B661C3316C}"/>
-              </a:ext>
-            </a:extLst>
-          </p:cNvPr>
-          <p:cNvSpPr txBox="1"/>
-          <p:nvPr/>
-        </p:nvSpPr>
-        <p:spPr>
-          <a:xfrm>
-            <a:off x="567659" y="1370364"/>
-            <a:ext cx="2576985" cy="369332"/>
-          </a:xfrm>
-          <a:prstGeom prst="rect">
-            <a:avLst/>
-          </a:prstGeom>
-          <a:noFill/>
-        </p:spPr>
-        <p:txBody>
-          <a:bodyPr wrap="square" rtlCol="0">
-            <a:spAutoFit/>
-          </a:bodyPr>
-          <a:lstStyle/>
-          <a:p>
-            <a:r>
-              <a:rPr lang="de-DE" dirty="0"/>
-              <a:t>Aktionsmenge: König</a:t>
-            </a:r>
-          </a:p>
-        </p:txBody>
-      </p:sp>
-      <p:sp>
-        <p:nvSpPr>
-          <p:cNvPr id="9" name="Textfeld 8">
-            <a:extLst>
-              <a:ext uri="{FF2B5EF4-FFF2-40B4-BE49-F238E27FC236}">
-                <a16:creationId xmlns:a16="http://schemas.microsoft.com/office/drawing/2014/main" id="{F614746A-8718-458F-B3A8-B0D2AF34D86A}"/>
-              </a:ext>
-            </a:extLst>
-          </p:cNvPr>
-          <p:cNvSpPr txBox="1"/>
-          <p:nvPr/>
-        </p:nvSpPr>
-        <p:spPr>
-          <a:xfrm>
-            <a:off x="3791415" y="1370364"/>
-            <a:ext cx="3423424" cy="369332"/>
-          </a:xfrm>
-          <a:prstGeom prst="rect">
-            <a:avLst/>
-          </a:prstGeom>
-          <a:noFill/>
-        </p:spPr>
-        <p:txBody>
-          <a:bodyPr wrap="square" rtlCol="0">
-            <a:spAutoFit/>
-          </a:bodyPr>
-          <a:lstStyle/>
-          <a:p>
-            <a:r>
-              <a:rPr lang="de-DE" dirty="0"/>
-              <a:t>Umgebung: Deterministisch</a:t>
-            </a:r>
-          </a:p>
-        </p:txBody>
-      </p:sp>
-      <p:pic>
-        <p:nvPicPr>
-          <p:cNvPr id="4" name="Grafik 3">
-            <a:extLst>
-              <a:ext uri="{FF2B5EF4-FFF2-40B4-BE49-F238E27FC236}">
-                <a16:creationId xmlns:a16="http://schemas.microsoft.com/office/drawing/2014/main" id="{CD185A56-6DA7-45BE-AB2F-B10D55B0F0F9}"/>
-              </a:ext>
-            </a:extLst>
-          </p:cNvPr>
-          <p:cNvPicPr>
-            <a:picLocks noChangeAspect="1"/>
-          </p:cNvPicPr>
-          <p:nvPr/>
-        </p:nvPicPr>
-        <p:blipFill>
-          <a:blip r:embed="rId3"/>
-          <a:stretch>
-            <a:fillRect/>
-          </a:stretch>
-        </p:blipFill>
-        <p:spPr>
-          <a:xfrm>
-            <a:off x="6124387" y="2044890"/>
-            <a:ext cx="5470205" cy="4006522"/>
-          </a:xfrm>
-          <a:prstGeom prst="rect">
-            <a:avLst/>
-          </a:prstGeom>
-        </p:spPr>
-      </p:pic>
-      <p:pic>
-        <p:nvPicPr>
-          <p:cNvPr id="11" name="Grafik 10">
-            <a:extLst>
-              <a:ext uri="{FF2B5EF4-FFF2-40B4-BE49-F238E27FC236}">
-                <a16:creationId xmlns:a16="http://schemas.microsoft.com/office/drawing/2014/main" id="{C762C38C-2C00-4ED5-AA6A-AE2A69683EB1}"/>
-              </a:ext>
-            </a:extLst>
-          </p:cNvPr>
-          <p:cNvPicPr>
-            <a:picLocks noChangeAspect="1"/>
-          </p:cNvPicPr>
-          <p:nvPr/>
-        </p:nvPicPr>
-        <p:blipFill>
-          <a:blip r:embed="rId4"/>
-          <a:stretch>
-            <a:fillRect/>
-          </a:stretch>
-        </p:blipFill>
-        <p:spPr>
-          <a:xfrm>
-            <a:off x="516067" y="2044889"/>
-            <a:ext cx="5470206" cy="4006523"/>
-          </a:xfrm>
-          <a:prstGeom prst="rect">
-            <a:avLst/>
-          </a:prstGeom>
-        </p:spPr>
-      </p:pic>
-    </p:spTree>
-    <p:extLst>
-      <p:ext uri="{BB962C8B-B14F-4D97-AF65-F5344CB8AC3E}">
-        <p14:creationId xmlns:p14="http://schemas.microsoft.com/office/powerpoint/2010/main" val="646723726"/>
-      </p:ext>
-    </p:extLst>
-  </p:cSld>
-  <p:clrMapOvr>
-    <a:masterClrMapping/>
-  </p:clrMapOvr>
-  <p:transition spd="slow">
-    <p:push/>
-  </p:transition>
-</p:sld>
-</file>
-
-<file path=ppt/slides/slide16.xml><?xml version="1.0" encoding="utf-8"?>
-<p:sld xmlns:a="http://schemas.openxmlformats.org/drawingml/2006/main" xmlns:r="http://schemas.openxmlformats.org/officeDocument/2006/relationships" xmlns:p="http://schemas.openxmlformats.org/presentationml/2006/main">
-  <p:cSld>
-    <p:spTree>
-      <p:nvGrpSpPr>
-        <p:cNvPr id="1" name=""/>
-        <p:cNvGrpSpPr/>
-        <p:nvPr/>
-      </p:nvGrpSpPr>
-      <p:grpSpPr>
-        <a:xfrm>
-          <a:off x="0" y="0"/>
-          <a:ext cx="0" cy="0"/>
-          <a:chOff x="0" y="0"/>
-          <a:chExt cx="0" cy="0"/>
-        </a:xfrm>
-      </p:grpSpPr>
-      <p:sp>
-        <p:nvSpPr>
-          <p:cNvPr id="2" name="Titel 1"/>
-          <p:cNvSpPr>
-            <a:spLocks noGrp="1"/>
-          </p:cNvSpPr>
-          <p:nvPr>
-            <p:ph type="title"/>
-          </p:nvPr>
-        </p:nvSpPr>
-        <p:spPr>
-          <a:xfrm>
-            <a:off x="774923" y="636677"/>
-            <a:ext cx="10653003" cy="633326"/>
-          </a:xfrm>
-        </p:spPr>
-        <p:txBody>
-          <a:bodyPr anchor="ctr">
-            <a:noAutofit/>
-          </a:bodyPr>
-          <a:lstStyle/>
-          <a:p>
-            <a:r>
-              <a:rPr lang="de-DE" sz="4400" noProof="0" dirty="0">
-                <a:effectLst>
-                  <a:outerShdw blurRad="38100" dist="38100" dir="2700000" algn="tl">
-                    <a:srgbClr val="000000">
-                      <a:alpha val="43137"/>
-                    </a:srgbClr>
-                  </a:outerShdw>
-                </a:effectLst>
-              </a:rPr>
-              <a:t>Ergebnisse</a:t>
-            </a:r>
-          </a:p>
-        </p:txBody>
-      </p:sp>
-      <p:sp>
-        <p:nvSpPr>
-          <p:cNvPr id="6" name="Foliennummernplatzhalter 5"/>
-          <p:cNvSpPr>
-            <a:spLocks noGrp="1"/>
-          </p:cNvSpPr>
-          <p:nvPr>
-            <p:ph type="sldNum" sz="quarter" idx="12"/>
-          </p:nvPr>
-        </p:nvSpPr>
-        <p:spPr>
-          <a:xfrm>
-            <a:off x="10270837" y="714371"/>
-            <a:ext cx="1291874" cy="477938"/>
-          </a:xfrm>
-        </p:spPr>
-        <p:txBody>
-          <a:bodyPr anchor="ctr"/>
-          <a:lstStyle/>
-          <a:p>
-            <a:fld id="{5D84065D-F351-4B03-BD91-D8A6B8D4B362}" type="slidenum">
-              <a:rPr lang="en-US" sz="4400" smtClean="0">
-                <a:solidFill>
-                  <a:schemeClr val="bg1"/>
-                </a:solidFill>
-                <a:effectLst>
-                  <a:outerShdw blurRad="38100" dist="38100" dir="2700000" algn="tl">
-                    <a:srgbClr val="000000">
-                      <a:alpha val="43137"/>
-                    </a:srgbClr>
-                  </a:outerShdw>
-                </a:effectLst>
-                <a:latin typeface="+mj-lt"/>
-              </a:rPr>
-              <a:t>16</a:t>
-            </a:fld>
-            <a:endParaRPr lang="en-US" sz="4400" dirty="0">
-              <a:solidFill>
-                <a:schemeClr val="bg1"/>
-              </a:solidFill>
-              <a:effectLst>
-                <a:outerShdw blurRad="38100" dist="38100" dir="2700000" algn="tl">
-                  <a:srgbClr val="000000">
-                    <a:alpha val="43137"/>
-                  </a:srgbClr>
-                </a:outerShdw>
-              </a:effectLst>
-              <a:latin typeface="+mj-lt"/>
-            </a:endParaRPr>
-          </a:p>
-        </p:txBody>
-      </p:sp>
-      <p:sp>
-        <p:nvSpPr>
-          <p:cNvPr id="11" name="Textfeld 10">
-            <a:extLst>
-              <a:ext uri="{FF2B5EF4-FFF2-40B4-BE49-F238E27FC236}">
-                <a16:creationId xmlns:a16="http://schemas.microsoft.com/office/drawing/2014/main" id="{7BC40BA2-307B-439E-98B3-8AFDD788DEED}"/>
-              </a:ext>
-            </a:extLst>
-          </p:cNvPr>
-          <p:cNvSpPr txBox="1"/>
-          <p:nvPr/>
-        </p:nvSpPr>
-        <p:spPr>
-          <a:xfrm>
-            <a:off x="567659" y="1370364"/>
-            <a:ext cx="3023034" cy="369332"/>
-          </a:xfrm>
-          <a:prstGeom prst="rect">
-            <a:avLst/>
-          </a:prstGeom>
-          <a:noFill/>
-        </p:spPr>
-        <p:txBody>
-          <a:bodyPr wrap="square" rtlCol="0">
-            <a:spAutoFit/>
-          </a:bodyPr>
-          <a:lstStyle/>
-          <a:p>
-            <a:r>
-              <a:rPr lang="de-DE" dirty="0"/>
-              <a:t>Aktionsmenge: König</a:t>
-            </a:r>
-          </a:p>
-        </p:txBody>
-      </p:sp>
-      <p:sp>
-        <p:nvSpPr>
-          <p:cNvPr id="12" name="Textfeld 11">
-            <a:extLst>
-              <a:ext uri="{FF2B5EF4-FFF2-40B4-BE49-F238E27FC236}">
-                <a16:creationId xmlns:a16="http://schemas.microsoft.com/office/drawing/2014/main" id="{8704B58F-E78A-477F-9428-AC41509DC4C7}"/>
-              </a:ext>
-            </a:extLst>
-          </p:cNvPr>
-          <p:cNvSpPr txBox="1"/>
-          <p:nvPr/>
-        </p:nvSpPr>
-        <p:spPr>
-          <a:xfrm>
-            <a:off x="3791415" y="1370364"/>
-            <a:ext cx="3423424" cy="369332"/>
-          </a:xfrm>
-          <a:prstGeom prst="rect">
-            <a:avLst/>
-          </a:prstGeom>
-          <a:noFill/>
-        </p:spPr>
-        <p:txBody>
-          <a:bodyPr wrap="square" rtlCol="0">
-            <a:spAutoFit/>
-          </a:bodyPr>
-          <a:lstStyle/>
-          <a:p>
-            <a:r>
-              <a:rPr lang="de-DE" dirty="0"/>
-              <a:t>Umgebung: Deterministisch</a:t>
-            </a:r>
-          </a:p>
-        </p:txBody>
-      </p:sp>
-      <p:pic>
-        <p:nvPicPr>
-          <p:cNvPr id="5" name="Grafik 4">
-            <a:extLst>
-              <a:ext uri="{FF2B5EF4-FFF2-40B4-BE49-F238E27FC236}">
-                <a16:creationId xmlns:a16="http://schemas.microsoft.com/office/drawing/2014/main" id="{8E6C5FBE-176A-4FD9-8C87-388BEF228E45}"/>
-              </a:ext>
-            </a:extLst>
-          </p:cNvPr>
-          <p:cNvPicPr>
-            <a:picLocks noChangeAspect="1"/>
-          </p:cNvPicPr>
-          <p:nvPr/>
-        </p:nvPicPr>
-        <p:blipFill rotWithShape="1">
-          <a:blip r:embed="rId3"/>
-          <a:srcRect l="23141" t="23602" r="30800" b="11229"/>
-          <a:stretch/>
-        </p:blipFill>
-        <p:spPr>
-          <a:xfrm>
-            <a:off x="567659" y="1951569"/>
-            <a:ext cx="5615605" cy="4170450"/>
-          </a:xfrm>
-          <a:prstGeom prst="rect">
-            <a:avLst/>
-          </a:prstGeom>
-        </p:spPr>
-      </p:pic>
-      <p:pic>
-        <p:nvPicPr>
-          <p:cNvPr id="9" name="Grafik 8">
-            <a:extLst>
-              <a:ext uri="{FF2B5EF4-FFF2-40B4-BE49-F238E27FC236}">
-                <a16:creationId xmlns:a16="http://schemas.microsoft.com/office/drawing/2014/main" id="{04F4E93E-8F3C-487B-9D83-277100BBF0CD}"/>
-              </a:ext>
-            </a:extLst>
-          </p:cNvPr>
-          <p:cNvPicPr>
-            <a:picLocks noChangeAspect="1"/>
-          </p:cNvPicPr>
-          <p:nvPr/>
-        </p:nvPicPr>
-        <p:blipFill rotWithShape="1">
-          <a:blip r:embed="rId4"/>
-          <a:srcRect l="23140" t="23602" r="30800" b="11229"/>
-          <a:stretch/>
-        </p:blipFill>
-        <p:spPr>
-          <a:xfrm>
-            <a:off x="6188929" y="1951569"/>
-            <a:ext cx="5615604" cy="4170450"/>
-          </a:xfrm>
-          <a:prstGeom prst="rect">
-            <a:avLst/>
-          </a:prstGeom>
-        </p:spPr>
-      </p:pic>
-    </p:spTree>
-    <p:extLst>
-      <p:ext uri="{BB962C8B-B14F-4D97-AF65-F5344CB8AC3E}">
-        <p14:creationId xmlns:p14="http://schemas.microsoft.com/office/powerpoint/2010/main" val="3787682778"/>
-      </p:ext>
-    </p:extLst>
-  </p:cSld>
-  <p:clrMapOvr>
-    <a:masterClrMapping/>
-  </p:clrMapOvr>
-  <p:transition spd="slow">
-    <p:push/>
-  </p:transition>
+  <mc:AlternateContent xmlns:mc="http://schemas.openxmlformats.org/markup-compatibility/2006">
+    <mc:Choice xmlns:p14="http://schemas.microsoft.com/office/powerpoint/2010/main" Requires="p14">
+      <p:transition p14:dur="0"/>
+    </mc:Choice>
+    <mc:Fallback>
+      <p:transition/>
+    </mc:Fallback>
+  </mc:AlternateContent>
 </p:sld>
 </file>
 
@@ -9280,7 +10797,7 @@
           <a:p>
             <a:r>
               <a:rPr lang="de-DE" dirty="0"/>
-              <a:t>Aktionsmenge: König+</a:t>
+              <a:t>Aktionsmenge: König</a:t>
             </a:r>
           </a:p>
         </p:txBody>
@@ -9322,10 +10839,10 @@
       </p:sp>
       <p:pic>
         <p:nvPicPr>
-          <p:cNvPr id="5" name="Grafik 4">
+          <p:cNvPr id="4" name="Grafik 3">
             <a:extLst>
               <a:ext uri="{FF2B5EF4-FFF2-40B4-BE49-F238E27FC236}">
-                <a16:creationId xmlns:a16="http://schemas.microsoft.com/office/drawing/2014/main" id="{98A4A5F7-66F3-41E7-AED1-283A41802EC6}"/>
+                <a16:creationId xmlns:a16="http://schemas.microsoft.com/office/drawing/2014/main" id="{CD185A56-6DA7-45BE-AB2F-B10D55B0F0F9}"/>
               </a:ext>
             </a:extLst>
           </p:cNvPr>
@@ -9342,8 +10859,8 @@
         </p:blipFill>
         <p:spPr>
           <a:xfrm>
-            <a:off x="567659" y="2020504"/>
-            <a:ext cx="5470207" cy="4006523"/>
+            <a:off x="6124387" y="2044890"/>
+            <a:ext cx="5470205" cy="4006522"/>
           </a:xfrm>
           <a:prstGeom prst="rect">
             <a:avLst/>
@@ -9352,10 +10869,10 @@
       </p:pic>
       <p:pic>
         <p:nvPicPr>
-          <p:cNvPr id="10" name="Grafik 9">
+          <p:cNvPr id="11" name="Grafik 10">
             <a:extLst>
               <a:ext uri="{FF2B5EF4-FFF2-40B4-BE49-F238E27FC236}">
-                <a16:creationId xmlns:a16="http://schemas.microsoft.com/office/drawing/2014/main" id="{8A10B67E-CEC3-4A10-97A9-B26D455D77B7}"/>
+                <a16:creationId xmlns:a16="http://schemas.microsoft.com/office/drawing/2014/main" id="{C762C38C-2C00-4ED5-AA6A-AE2A69683EB1}"/>
               </a:ext>
             </a:extLst>
           </p:cNvPr>
@@ -9372,7 +10889,7 @@
         </p:blipFill>
         <p:spPr>
           <a:xfrm>
-            <a:off x="6154135" y="2020505"/>
+            <a:off x="516067" y="2044889"/>
             <a:ext cx="5470206" cy="4006523"/>
           </a:xfrm>
           <a:prstGeom prst="rect">
@@ -9383,16 +10900,21 @@
     </p:spTree>
     <p:extLst>
       <p:ext uri="{BB962C8B-B14F-4D97-AF65-F5344CB8AC3E}">
-        <p14:creationId xmlns:p14="http://schemas.microsoft.com/office/powerpoint/2010/main" val="1401339164"/>
+        <p14:creationId xmlns:p14="http://schemas.microsoft.com/office/powerpoint/2010/main" val="646723726"/>
       </p:ext>
     </p:extLst>
   </p:cSld>
   <p:clrMapOvr>
     <a:masterClrMapping/>
   </p:clrMapOvr>
-  <p:transition spd="slow">
-    <p:push/>
-  </p:transition>
+  <mc:AlternateContent xmlns:mc="http://schemas.openxmlformats.org/markup-compatibility/2006">
+    <mc:Choice xmlns:p14="http://schemas.microsoft.com/office/powerpoint/2010/main" Requires="p14">
+      <p:transition p14:dur="0"/>
+    </mc:Choice>
+    <mc:Fallback>
+      <p:transition/>
+    </mc:Fallback>
+  </mc:AlternateContent>
 </p:sld>
 </file>
 
@@ -9532,7 +11054,7 @@
           <a:p>
             <a:r>
               <a:rPr lang="de-DE" dirty="0"/>
-              <a:t>Aktionsmenge: König+</a:t>
+              <a:t>Aktionsmenge: König</a:t>
             </a:r>
           </a:p>
         </p:txBody>
@@ -9574,10 +11096,10 @@
       </p:sp>
       <p:pic>
         <p:nvPicPr>
-          <p:cNvPr id="4" name="Grafik 3">
+          <p:cNvPr id="5" name="Grafik 4">
             <a:extLst>
               <a:ext uri="{FF2B5EF4-FFF2-40B4-BE49-F238E27FC236}">
-                <a16:creationId xmlns:a16="http://schemas.microsoft.com/office/drawing/2014/main" id="{01D30EE4-C0E0-493C-A12A-FE168111A251}"/>
+                <a16:creationId xmlns:a16="http://schemas.microsoft.com/office/drawing/2014/main" id="{8E6C5FBE-176A-4FD9-8C87-388BEF228E45}"/>
               </a:ext>
             </a:extLst>
           </p:cNvPr>
@@ -9588,13 +11110,13 @@
         </p:nvPicPr>
         <p:blipFill rotWithShape="1">
           <a:blip r:embed="rId3"/>
-          <a:srcRect l="23323" t="23602" r="30600" b="11751"/>
+          <a:srcRect l="23141" t="23602" r="30800" b="11229"/>
           <a:stretch/>
         </p:blipFill>
         <p:spPr>
           <a:xfrm>
-            <a:off x="6266984" y="2109027"/>
-            <a:ext cx="5617687" cy="4136997"/>
+            <a:off x="567659" y="1951569"/>
+            <a:ext cx="5615605" cy="4170450"/>
           </a:xfrm>
           <a:prstGeom prst="rect">
             <a:avLst/>
@@ -9603,10 +11125,10 @@
       </p:pic>
       <p:pic>
         <p:nvPicPr>
-          <p:cNvPr id="8" name="Grafik 7">
+          <p:cNvPr id="9" name="Grafik 8">
             <a:extLst>
               <a:ext uri="{FF2B5EF4-FFF2-40B4-BE49-F238E27FC236}">
-                <a16:creationId xmlns:a16="http://schemas.microsoft.com/office/drawing/2014/main" id="{8FB63241-01FF-4DCA-95D7-C793FA768001}"/>
+                <a16:creationId xmlns:a16="http://schemas.microsoft.com/office/drawing/2014/main" id="{04F4E93E-8F3C-487B-9D83-277100BBF0CD}"/>
               </a:ext>
             </a:extLst>
           </p:cNvPr>
@@ -9617,13 +11139,13 @@
         </p:nvPicPr>
         <p:blipFill rotWithShape="1">
           <a:blip r:embed="rId4"/>
-          <a:srcRect l="23323" t="23602" r="30600" b="11751"/>
+          <a:srcRect l="23140" t="23602" r="30800" b="11229"/>
           <a:stretch/>
         </p:blipFill>
         <p:spPr>
           <a:xfrm>
-            <a:off x="567659" y="2109028"/>
-            <a:ext cx="5617687" cy="4136997"/>
+            <a:off x="6188929" y="1951569"/>
+            <a:ext cx="5615604" cy="4170450"/>
           </a:xfrm>
           <a:prstGeom prst="rect">
             <a:avLst/>
@@ -9633,16 +11155,21 @@
     </p:spTree>
     <p:extLst>
       <p:ext uri="{BB962C8B-B14F-4D97-AF65-F5344CB8AC3E}">
-        <p14:creationId xmlns:p14="http://schemas.microsoft.com/office/powerpoint/2010/main" val="2824801992"/>
+        <p14:creationId xmlns:p14="http://schemas.microsoft.com/office/powerpoint/2010/main" val="3787682778"/>
       </p:ext>
     </p:extLst>
   </p:cSld>
   <p:clrMapOvr>
     <a:masterClrMapping/>
   </p:clrMapOvr>
-  <p:transition spd="slow">
-    <p:push/>
-  </p:transition>
+  <mc:AlternateContent xmlns:mc="http://schemas.openxmlformats.org/markup-compatibility/2006">
+    <mc:Choice xmlns:p14="http://schemas.microsoft.com/office/powerpoint/2010/main" Requires="p14">
+      <p:transition p14:dur="0"/>
+    </mc:Choice>
+    <mc:Fallback>
+      <p:transition/>
+    </mc:Fallback>
+  </mc:AlternateContent>
 </p:sld>
 </file>
 
@@ -9754,10 +11281,10 @@
       </p:sp>
       <p:sp>
         <p:nvSpPr>
-          <p:cNvPr id="12" name="Textfeld 11">
+          <p:cNvPr id="7" name="Textfeld 6">
             <a:extLst>
               <a:ext uri="{FF2B5EF4-FFF2-40B4-BE49-F238E27FC236}">
-                <a16:creationId xmlns:a16="http://schemas.microsoft.com/office/drawing/2014/main" id="{724F93A6-B4A3-40BD-991F-B924183D6B0C}"/>
+                <a16:creationId xmlns:a16="http://schemas.microsoft.com/office/drawing/2014/main" id="{8DAB33D4-11C8-4EDC-A458-C2B661C3316C}"/>
               </a:ext>
             </a:extLst>
           </p:cNvPr>
@@ -9767,42 +11294,7 @@
         <p:spPr>
           <a:xfrm>
             <a:off x="567659" y="1370364"/>
-            <a:ext cx="4249668" cy="369332"/>
-          </a:xfrm>
-          <a:prstGeom prst="rect">
-            <a:avLst/>
-          </a:prstGeom>
-          <a:noFill/>
-        </p:spPr>
-        <p:txBody>
-          <a:bodyPr wrap="square" rtlCol="0">
-            <a:spAutoFit/>
-          </a:bodyPr>
-          <a:lstStyle/>
-          <a:p>
-            <a:r>
-              <a:rPr lang="de-DE"/>
-              <a:t>Aktionsmenge: Normal</a:t>
-            </a:r>
-          </a:p>
-        </p:txBody>
-      </p:sp>
-      <p:sp>
-        <p:nvSpPr>
-          <p:cNvPr id="13" name="Textfeld 12">
-            <a:extLst>
-              <a:ext uri="{FF2B5EF4-FFF2-40B4-BE49-F238E27FC236}">
-                <a16:creationId xmlns:a16="http://schemas.microsoft.com/office/drawing/2014/main" id="{FC1E0ADE-BB6A-4669-99F8-F214020E2488}"/>
-              </a:ext>
-            </a:extLst>
-          </p:cNvPr>
-          <p:cNvSpPr txBox="1"/>
-          <p:nvPr/>
-        </p:nvSpPr>
-        <p:spPr>
-          <a:xfrm>
-            <a:off x="3791415" y="1370364"/>
-            <a:ext cx="3423424" cy="369332"/>
+            <a:ext cx="2576985" cy="369332"/>
           </a:xfrm>
           <a:prstGeom prst="rect">
             <a:avLst/>
@@ -9817,17 +11309,52 @@
           <a:p>
             <a:r>
               <a:rPr lang="de-DE" dirty="0"/>
-              <a:t>Umgebung: Stochastisch</a:t>
+              <a:t>Aktionsmenge: König+</a:t>
+            </a:r>
+          </a:p>
+        </p:txBody>
+      </p:sp>
+      <p:sp>
+        <p:nvSpPr>
+          <p:cNvPr id="9" name="Textfeld 8">
+            <a:extLst>
+              <a:ext uri="{FF2B5EF4-FFF2-40B4-BE49-F238E27FC236}">
+                <a16:creationId xmlns:a16="http://schemas.microsoft.com/office/drawing/2014/main" id="{F614746A-8718-458F-B3A8-B0D2AF34D86A}"/>
+              </a:ext>
+            </a:extLst>
+          </p:cNvPr>
+          <p:cNvSpPr txBox="1"/>
+          <p:nvPr/>
+        </p:nvSpPr>
+        <p:spPr>
+          <a:xfrm>
+            <a:off x="3791415" y="1370364"/>
+            <a:ext cx="3423424" cy="369332"/>
+          </a:xfrm>
+          <a:prstGeom prst="rect">
+            <a:avLst/>
+          </a:prstGeom>
+          <a:noFill/>
+        </p:spPr>
+        <p:txBody>
+          <a:bodyPr wrap="square" rtlCol="0">
+            <a:spAutoFit/>
+          </a:bodyPr>
+          <a:lstStyle/>
+          <a:p>
+            <a:r>
+              <a:rPr lang="de-DE" dirty="0"/>
+              <a:t>Umgebung: Deterministisch</a:t>
             </a:r>
           </a:p>
         </p:txBody>
       </p:sp>
       <p:pic>
         <p:nvPicPr>
-          <p:cNvPr id="4" name="Grafik 3">
+          <p:cNvPr id="5" name="Grafik 4">
             <a:extLst>
               <a:ext uri="{FF2B5EF4-FFF2-40B4-BE49-F238E27FC236}">
-                <a16:creationId xmlns:a16="http://schemas.microsoft.com/office/drawing/2014/main" id="{D4540728-DE95-425D-80AB-D1E7099F8C32}"/>
+                <a16:creationId xmlns:a16="http://schemas.microsoft.com/office/drawing/2014/main" id="{98A4A5F7-66F3-41E7-AED1-283A41802EC6}"/>
               </a:ext>
             </a:extLst>
           </p:cNvPr>
@@ -9844,8 +11371,38 @@
         </p:blipFill>
         <p:spPr>
           <a:xfrm>
-            <a:off x="2360448" y="1840057"/>
-            <a:ext cx="6285357" cy="4603561"/>
+            <a:off x="567659" y="2020504"/>
+            <a:ext cx="5470207" cy="4006523"/>
+          </a:xfrm>
+          <a:prstGeom prst="rect">
+            <a:avLst/>
+          </a:prstGeom>
+        </p:spPr>
+      </p:pic>
+      <p:pic>
+        <p:nvPicPr>
+          <p:cNvPr id="10" name="Grafik 9">
+            <a:extLst>
+              <a:ext uri="{FF2B5EF4-FFF2-40B4-BE49-F238E27FC236}">
+                <a16:creationId xmlns:a16="http://schemas.microsoft.com/office/drawing/2014/main" id="{8A10B67E-CEC3-4A10-97A9-B26D455D77B7}"/>
+              </a:ext>
+            </a:extLst>
+          </p:cNvPr>
+          <p:cNvPicPr>
+            <a:picLocks noChangeAspect="1"/>
+          </p:cNvPicPr>
+          <p:nvPr/>
+        </p:nvPicPr>
+        <p:blipFill>
+          <a:blip r:embed="rId4"/>
+          <a:stretch>
+            <a:fillRect/>
+          </a:stretch>
+        </p:blipFill>
+        <p:spPr>
+          <a:xfrm>
+            <a:off x="6154135" y="2020505"/>
+            <a:ext cx="5470206" cy="4006523"/>
           </a:xfrm>
           <a:prstGeom prst="rect">
             <a:avLst/>
@@ -9855,16 +11412,21 @@
     </p:spTree>
     <p:extLst>
       <p:ext uri="{BB962C8B-B14F-4D97-AF65-F5344CB8AC3E}">
-        <p14:creationId xmlns:p14="http://schemas.microsoft.com/office/powerpoint/2010/main" val="1442185913"/>
+        <p14:creationId xmlns:p14="http://schemas.microsoft.com/office/powerpoint/2010/main" val="1401339164"/>
       </p:ext>
     </p:extLst>
   </p:cSld>
   <p:clrMapOvr>
     <a:masterClrMapping/>
   </p:clrMapOvr>
-  <p:transition spd="slow">
-    <p:push/>
-  </p:transition>
+  <mc:AlternateContent xmlns:mc="http://schemas.openxmlformats.org/markup-compatibility/2006">
+    <mc:Choice xmlns:p14="http://schemas.microsoft.com/office/powerpoint/2010/main" Requires="p14">
+      <p:transition p14:dur="0"/>
+    </mc:Choice>
+    <mc:Fallback>
+      <p:transition/>
+    </mc:Fallback>
+  </mc:AlternateContent>
 </p:sld>
 </file>
 
@@ -10138,9 +11700,14 @@
   <p:clrMapOvr>
     <a:masterClrMapping/>
   </p:clrMapOvr>
-  <p:transition spd="slow">
-    <p:push/>
-  </p:transition>
+  <mc:AlternateContent xmlns:mc="http://schemas.openxmlformats.org/markup-compatibility/2006">
+    <mc:Choice xmlns:p14="http://schemas.microsoft.com/office/powerpoint/2010/main" Requires="p14">
+      <p:transition p14:dur="0"/>
+    </mc:Choice>
+    <mc:Fallback>
+      <p:transition/>
+    </mc:Fallback>
+  </mc:AlternateContent>
 </p:sld>
 </file>
 
@@ -10252,10 +11819,10 @@
       </p:sp>
       <p:sp>
         <p:nvSpPr>
-          <p:cNvPr id="7" name="Textfeld 6">
+          <p:cNvPr id="11" name="Textfeld 10">
             <a:extLst>
               <a:ext uri="{FF2B5EF4-FFF2-40B4-BE49-F238E27FC236}">
-                <a16:creationId xmlns:a16="http://schemas.microsoft.com/office/drawing/2014/main" id="{8DAB33D4-11C8-4EDC-A458-C2B661C3316C}"/>
+                <a16:creationId xmlns:a16="http://schemas.microsoft.com/office/drawing/2014/main" id="{7BC40BA2-307B-439E-98B3-8AFDD788DEED}"/>
               </a:ext>
             </a:extLst>
           </p:cNvPr>
@@ -10265,7 +11832,7 @@
         <p:spPr>
           <a:xfrm>
             <a:off x="567659" y="1370364"/>
-            <a:ext cx="2576985" cy="369332"/>
+            <a:ext cx="3023034" cy="369332"/>
           </a:xfrm>
           <a:prstGeom prst="rect">
             <a:avLst/>
@@ -10280,17 +11847,17 @@
           <a:p>
             <a:r>
               <a:rPr lang="de-DE" dirty="0"/>
-              <a:t>Aktionsmenge: König</a:t>
+              <a:t>Aktionsmenge: König+</a:t>
             </a:r>
           </a:p>
         </p:txBody>
       </p:sp>
       <p:sp>
         <p:nvSpPr>
-          <p:cNvPr id="9" name="Textfeld 8">
+          <p:cNvPr id="12" name="Textfeld 11">
             <a:extLst>
               <a:ext uri="{FF2B5EF4-FFF2-40B4-BE49-F238E27FC236}">
-                <a16:creationId xmlns:a16="http://schemas.microsoft.com/office/drawing/2014/main" id="{F614746A-8718-458F-B3A8-B0D2AF34D86A}"/>
+                <a16:creationId xmlns:a16="http://schemas.microsoft.com/office/drawing/2014/main" id="{8704B58F-E78A-477F-9428-AC41509DC4C7}"/>
               </a:ext>
             </a:extLst>
           </p:cNvPr>
@@ -10315,17 +11882,17 @@
           <a:p>
             <a:r>
               <a:rPr lang="de-DE" dirty="0"/>
-              <a:t>Umgebung: Stochastisch</a:t>
+              <a:t>Umgebung: Deterministisch</a:t>
             </a:r>
           </a:p>
         </p:txBody>
       </p:sp>
       <p:pic>
         <p:nvPicPr>
-          <p:cNvPr id="5" name="Grafik 4">
+          <p:cNvPr id="4" name="Grafik 3">
             <a:extLst>
               <a:ext uri="{FF2B5EF4-FFF2-40B4-BE49-F238E27FC236}">
-                <a16:creationId xmlns:a16="http://schemas.microsoft.com/office/drawing/2014/main" id="{4D3A6E18-10D6-407A-9ECE-C1B00E110BC3}"/>
+                <a16:creationId xmlns:a16="http://schemas.microsoft.com/office/drawing/2014/main" id="{01D30EE4-C0E0-493C-A12A-FE168111A251}"/>
               </a:ext>
             </a:extLst>
           </p:cNvPr>
@@ -10334,16 +11901,44 @@
           </p:cNvPicPr>
           <p:nvPr/>
         </p:nvPicPr>
-        <p:blipFill>
+        <p:blipFill rotWithShape="1">
           <a:blip r:embed="rId3"/>
-          <a:stretch>
-            <a:fillRect/>
-          </a:stretch>
+          <a:srcRect l="23323" t="23602" r="30600" b="11751"/>
+          <a:stretch/>
         </p:blipFill>
         <p:spPr>
           <a:xfrm>
-            <a:off x="2317776" y="1840057"/>
-            <a:ext cx="6370701" cy="4666069"/>
+            <a:off x="6266984" y="2109027"/>
+            <a:ext cx="5617687" cy="4136997"/>
+          </a:xfrm>
+          <a:prstGeom prst="rect">
+            <a:avLst/>
+          </a:prstGeom>
+        </p:spPr>
+      </p:pic>
+      <p:pic>
+        <p:nvPicPr>
+          <p:cNvPr id="8" name="Grafik 7">
+            <a:extLst>
+              <a:ext uri="{FF2B5EF4-FFF2-40B4-BE49-F238E27FC236}">
+                <a16:creationId xmlns:a16="http://schemas.microsoft.com/office/drawing/2014/main" id="{8FB63241-01FF-4DCA-95D7-C793FA768001}"/>
+              </a:ext>
+            </a:extLst>
+          </p:cNvPr>
+          <p:cNvPicPr>
+            <a:picLocks noChangeAspect="1"/>
+          </p:cNvPicPr>
+          <p:nvPr/>
+        </p:nvPicPr>
+        <p:blipFill rotWithShape="1">
+          <a:blip r:embed="rId4"/>
+          <a:srcRect l="23323" t="23602" r="30600" b="11751"/>
+          <a:stretch/>
+        </p:blipFill>
+        <p:spPr>
+          <a:xfrm>
+            <a:off x="567659" y="2109028"/>
+            <a:ext cx="5617687" cy="4136997"/>
           </a:xfrm>
           <a:prstGeom prst="rect">
             <a:avLst/>
@@ -10353,16 +11948,21 @@
     </p:spTree>
     <p:extLst>
       <p:ext uri="{BB962C8B-B14F-4D97-AF65-F5344CB8AC3E}">
-        <p14:creationId xmlns:p14="http://schemas.microsoft.com/office/powerpoint/2010/main" val="2124830047"/>
+        <p14:creationId xmlns:p14="http://schemas.microsoft.com/office/powerpoint/2010/main" val="2824801992"/>
       </p:ext>
     </p:extLst>
   </p:cSld>
   <p:clrMapOvr>
     <a:masterClrMapping/>
   </p:clrMapOvr>
-  <p:transition spd="slow">
-    <p:push/>
-  </p:transition>
+  <mc:AlternateContent xmlns:mc="http://schemas.openxmlformats.org/markup-compatibility/2006">
+    <mc:Choice xmlns:p14="http://schemas.microsoft.com/office/powerpoint/2010/main" Requires="p14">
+      <p:transition p14:dur="0"/>
+    </mc:Choice>
+    <mc:Fallback>
+      <p:transition/>
+    </mc:Fallback>
+  </mc:AlternateContent>
 </p:sld>
 </file>
 
@@ -10474,10 +12074,10 @@
       </p:sp>
       <p:sp>
         <p:nvSpPr>
-          <p:cNvPr id="7" name="Textfeld 6">
+          <p:cNvPr id="12" name="Textfeld 11">
             <a:extLst>
               <a:ext uri="{FF2B5EF4-FFF2-40B4-BE49-F238E27FC236}">
-                <a16:creationId xmlns:a16="http://schemas.microsoft.com/office/drawing/2014/main" id="{8DAB33D4-11C8-4EDC-A458-C2B661C3316C}"/>
+                <a16:creationId xmlns:a16="http://schemas.microsoft.com/office/drawing/2014/main" id="{724F93A6-B4A3-40BD-991F-B924183D6B0C}"/>
               </a:ext>
             </a:extLst>
           </p:cNvPr>
@@ -10487,7 +12087,7 @@
         <p:spPr>
           <a:xfrm>
             <a:off x="567659" y="1370364"/>
-            <a:ext cx="2576985" cy="369332"/>
+            <a:ext cx="4249668" cy="369332"/>
           </a:xfrm>
           <a:prstGeom prst="rect">
             <a:avLst/>
@@ -10501,18 +12101,18 @@
           <a:lstStyle/>
           <a:p>
             <a:r>
-              <a:rPr lang="de-DE" dirty="0"/>
-              <a:t>Aktionsmenge: König+</a:t>
+              <a:rPr lang="de-DE"/>
+              <a:t>Aktionsmenge: Normal</a:t>
             </a:r>
           </a:p>
         </p:txBody>
       </p:sp>
       <p:sp>
         <p:nvSpPr>
-          <p:cNvPr id="9" name="Textfeld 8">
+          <p:cNvPr id="13" name="Textfeld 12">
             <a:extLst>
               <a:ext uri="{FF2B5EF4-FFF2-40B4-BE49-F238E27FC236}">
-                <a16:creationId xmlns:a16="http://schemas.microsoft.com/office/drawing/2014/main" id="{F614746A-8718-458F-B3A8-B0D2AF34D86A}"/>
+                <a16:creationId xmlns:a16="http://schemas.microsoft.com/office/drawing/2014/main" id="{FC1E0ADE-BB6A-4669-99F8-F214020E2488}"/>
               </a:ext>
             </a:extLst>
           </p:cNvPr>
@@ -10547,7 +12147,7 @@
           <p:cNvPr id="4" name="Grafik 3">
             <a:extLst>
               <a:ext uri="{FF2B5EF4-FFF2-40B4-BE49-F238E27FC236}">
-                <a16:creationId xmlns:a16="http://schemas.microsoft.com/office/drawing/2014/main" id="{BF6C4EDD-169D-4C13-B24E-AC6DCB20038C}"/>
+                <a16:creationId xmlns:a16="http://schemas.microsoft.com/office/drawing/2014/main" id="{D4540728-DE95-425D-80AB-D1E7099F8C32}"/>
               </a:ext>
             </a:extLst>
           </p:cNvPr>
@@ -10564,8 +12164,8 @@
         </p:blipFill>
         <p:spPr>
           <a:xfrm>
-            <a:off x="2897785" y="1840057"/>
-            <a:ext cx="6407277" cy="4692858"/>
+            <a:off x="2360448" y="1840057"/>
+            <a:ext cx="6285357" cy="4603561"/>
           </a:xfrm>
           <a:prstGeom prst="rect">
             <a:avLst/>
@@ -10575,16 +12175,21 @@
     </p:spTree>
     <p:extLst>
       <p:ext uri="{BB962C8B-B14F-4D97-AF65-F5344CB8AC3E}">
-        <p14:creationId xmlns:p14="http://schemas.microsoft.com/office/powerpoint/2010/main" val="3169949565"/>
+        <p14:creationId xmlns:p14="http://schemas.microsoft.com/office/powerpoint/2010/main" val="1442185913"/>
       </p:ext>
     </p:extLst>
   </p:cSld>
   <p:clrMapOvr>
     <a:masterClrMapping/>
   </p:clrMapOvr>
-  <p:transition spd="slow">
-    <p:push/>
-  </p:transition>
+  <mc:AlternateContent xmlns:mc="http://schemas.openxmlformats.org/markup-compatibility/2006">
+    <mc:Choice xmlns:p14="http://schemas.microsoft.com/office/powerpoint/2010/main" Requires="p14">
+      <p:transition p14:dur="0"/>
+    </mc:Choice>
+    <mc:Fallback>
+      <p:transition/>
+    </mc:Fallback>
+  </mc:AlternateContent>
 </p:sld>
 </file>
 
@@ -10724,7 +12329,7 @@
           <a:p>
             <a:r>
               <a:rPr lang="de-DE" dirty="0"/>
-              <a:t>Aktionsmenge: Normal</a:t>
+              <a:t>Aktionsmenge: König</a:t>
             </a:r>
           </a:p>
         </p:txBody>
@@ -10759,52 +12364,17 @@
           <a:p>
             <a:r>
               <a:rPr lang="de-DE" dirty="0"/>
-              <a:t>Umgebung: Deterministisch</a:t>
-            </a:r>
-          </a:p>
-        </p:txBody>
-      </p:sp>
-      <p:sp>
-        <p:nvSpPr>
-          <p:cNvPr id="8" name="Textfeld 7">
-            <a:extLst>
-              <a:ext uri="{FF2B5EF4-FFF2-40B4-BE49-F238E27FC236}">
-                <a16:creationId xmlns:a16="http://schemas.microsoft.com/office/drawing/2014/main" id="{13C1E899-D7AE-4C28-A10C-DF17DF808572}"/>
-              </a:ext>
-            </a:extLst>
-          </p:cNvPr>
-          <p:cNvSpPr txBox="1"/>
-          <p:nvPr/>
-        </p:nvSpPr>
-        <p:spPr>
-          <a:xfrm>
-            <a:off x="7861610" y="1347697"/>
-            <a:ext cx="3423424" cy="369332"/>
-          </a:xfrm>
-          <a:prstGeom prst="rect">
-            <a:avLst/>
-          </a:prstGeom>
-          <a:noFill/>
-        </p:spPr>
-        <p:txBody>
-          <a:bodyPr wrap="square" rtlCol="0">
-            <a:spAutoFit/>
-          </a:bodyPr>
-          <a:lstStyle/>
-          <a:p>
-            <a:r>
-              <a:rPr lang="de-DE" dirty="0"/>
-              <a:t>Beobachten von ε = 0.1</a:t>
+              <a:t>Umgebung: Stochastisch</a:t>
             </a:r>
           </a:p>
         </p:txBody>
       </p:sp>
       <p:pic>
         <p:nvPicPr>
-          <p:cNvPr id="15" name="Grafik 14">
+          <p:cNvPr id="5" name="Grafik 4">
             <a:extLst>
               <a:ext uri="{FF2B5EF4-FFF2-40B4-BE49-F238E27FC236}">
-                <a16:creationId xmlns:a16="http://schemas.microsoft.com/office/drawing/2014/main" id="{AFE0C429-D131-4793-8EF8-9000E25E03D8}"/>
+                <a16:creationId xmlns:a16="http://schemas.microsoft.com/office/drawing/2014/main" id="{4D3A6E18-10D6-407A-9ECE-C1B00E110BC3}"/>
               </a:ext>
             </a:extLst>
           </p:cNvPr>
@@ -10821,38 +12391,8 @@
         </p:blipFill>
         <p:spPr>
           <a:xfrm>
-            <a:off x="6240522" y="2052796"/>
-            <a:ext cx="5534877" cy="4053889"/>
-          </a:xfrm>
-          <a:prstGeom prst="rect">
-            <a:avLst/>
-          </a:prstGeom>
-        </p:spPr>
-      </p:pic>
-      <p:pic>
-        <p:nvPicPr>
-          <p:cNvPr id="17" name="Grafik 16">
-            <a:extLst>
-              <a:ext uri="{FF2B5EF4-FFF2-40B4-BE49-F238E27FC236}">
-                <a16:creationId xmlns:a16="http://schemas.microsoft.com/office/drawing/2014/main" id="{0F18BA40-9680-4400-997B-9F2C8037635B}"/>
-              </a:ext>
-            </a:extLst>
-          </p:cNvPr>
-          <p:cNvPicPr>
-            <a:picLocks noChangeAspect="1"/>
-          </p:cNvPicPr>
-          <p:nvPr/>
-        </p:nvPicPr>
-        <p:blipFill>
-          <a:blip r:embed="rId4"/>
-          <a:stretch>
-            <a:fillRect/>
-          </a:stretch>
-        </p:blipFill>
-        <p:spPr>
-          <a:xfrm>
-            <a:off x="567659" y="2052795"/>
-            <a:ext cx="5534878" cy="4053890"/>
+            <a:off x="2317776" y="1840057"/>
+            <a:ext cx="6370701" cy="4666069"/>
           </a:xfrm>
           <a:prstGeom prst="rect">
             <a:avLst/>
@@ -10862,16 +12402,21 @@
     </p:spTree>
     <p:extLst>
       <p:ext uri="{BB962C8B-B14F-4D97-AF65-F5344CB8AC3E}">
-        <p14:creationId xmlns:p14="http://schemas.microsoft.com/office/powerpoint/2010/main" val="348219763"/>
+        <p14:creationId xmlns:p14="http://schemas.microsoft.com/office/powerpoint/2010/main" val="2124830047"/>
       </p:ext>
     </p:extLst>
   </p:cSld>
   <p:clrMapOvr>
     <a:masterClrMapping/>
   </p:clrMapOvr>
-  <p:transition spd="slow">
-    <p:push/>
-  </p:transition>
+  <mc:AlternateContent xmlns:mc="http://schemas.openxmlformats.org/markup-compatibility/2006">
+    <mc:Choice xmlns:p14="http://schemas.microsoft.com/office/powerpoint/2010/main" Requires="p14">
+      <p:transition p14:dur="0"/>
+    </mc:Choice>
+    <mc:Fallback>
+      <p:transition/>
+    </mc:Fallback>
+  </mc:AlternateContent>
 </p:sld>
 </file>
 
@@ -11011,7 +12556,7 @@
           <a:p>
             <a:r>
               <a:rPr lang="de-DE" dirty="0"/>
-              <a:t>Aktionsmenge: Normal</a:t>
+              <a:t>Aktionsmenge: König+</a:t>
             </a:r>
           </a:p>
         </p:txBody>
@@ -11046,42 +12591,7 @@
           <a:p>
             <a:r>
               <a:rPr lang="de-DE" dirty="0"/>
-              <a:t>Umgebung: Deterministisch</a:t>
-            </a:r>
-          </a:p>
-        </p:txBody>
-      </p:sp>
-      <p:sp>
-        <p:nvSpPr>
-          <p:cNvPr id="8" name="Textfeld 7">
-            <a:extLst>
-              <a:ext uri="{FF2B5EF4-FFF2-40B4-BE49-F238E27FC236}">
-                <a16:creationId xmlns:a16="http://schemas.microsoft.com/office/drawing/2014/main" id="{13C1E899-D7AE-4C28-A10C-DF17DF808572}"/>
-              </a:ext>
-            </a:extLst>
-          </p:cNvPr>
-          <p:cNvSpPr txBox="1"/>
-          <p:nvPr/>
-        </p:nvSpPr>
-        <p:spPr>
-          <a:xfrm>
-            <a:off x="7861610" y="1347697"/>
-            <a:ext cx="3423424" cy="369332"/>
-          </a:xfrm>
-          <a:prstGeom prst="rect">
-            <a:avLst/>
-          </a:prstGeom>
-          <a:noFill/>
-        </p:spPr>
-        <p:txBody>
-          <a:bodyPr wrap="square" rtlCol="0">
-            <a:spAutoFit/>
-          </a:bodyPr>
-          <a:lstStyle/>
-          <a:p>
-            <a:r>
-              <a:rPr lang="de-DE" dirty="0"/>
-              <a:t>Beobachten von ε = 0.2</a:t>
+              <a:t>Umgebung: Stochastisch</a:t>
             </a:r>
           </a:p>
         </p:txBody>
@@ -11091,7 +12601,7 @@
           <p:cNvPr id="4" name="Grafik 3">
             <a:extLst>
               <a:ext uri="{FF2B5EF4-FFF2-40B4-BE49-F238E27FC236}">
-                <a16:creationId xmlns:a16="http://schemas.microsoft.com/office/drawing/2014/main" id="{E06FB5E8-BEAE-49FB-81E6-DDDEA78ED1D9}"/>
+                <a16:creationId xmlns:a16="http://schemas.microsoft.com/office/drawing/2014/main" id="{BF6C4EDD-169D-4C13-B24E-AC6DCB20038C}"/>
               </a:ext>
             </a:extLst>
           </p:cNvPr>
@@ -11108,38 +12618,8 @@
         </p:blipFill>
         <p:spPr>
           <a:xfrm>
-            <a:off x="6249799" y="2052795"/>
-            <a:ext cx="5536751" cy="4055262"/>
-          </a:xfrm>
-          <a:prstGeom prst="rect">
-            <a:avLst/>
-          </a:prstGeom>
-        </p:spPr>
-      </p:pic>
-      <p:pic>
-        <p:nvPicPr>
-          <p:cNvPr id="10" name="Grafik 9">
-            <a:extLst>
-              <a:ext uri="{FF2B5EF4-FFF2-40B4-BE49-F238E27FC236}">
-                <a16:creationId xmlns:a16="http://schemas.microsoft.com/office/drawing/2014/main" id="{FDF882B3-870C-41A6-935A-F52C530C0D47}"/>
-              </a:ext>
-            </a:extLst>
-          </p:cNvPr>
-          <p:cNvPicPr>
-            <a:picLocks noChangeAspect="1"/>
-          </p:cNvPicPr>
-          <p:nvPr/>
-        </p:nvPicPr>
-        <p:blipFill>
-          <a:blip r:embed="rId4"/>
-          <a:stretch>
-            <a:fillRect/>
-          </a:stretch>
-        </p:blipFill>
-        <p:spPr>
-          <a:xfrm>
-            <a:off x="579740" y="2052795"/>
-            <a:ext cx="5536751" cy="4055262"/>
+            <a:off x="2897785" y="1840057"/>
+            <a:ext cx="6407277" cy="4692858"/>
           </a:xfrm>
           <a:prstGeom prst="rect">
             <a:avLst/>
@@ -11149,16 +12629,21 @@
     </p:spTree>
     <p:extLst>
       <p:ext uri="{BB962C8B-B14F-4D97-AF65-F5344CB8AC3E}">
-        <p14:creationId xmlns:p14="http://schemas.microsoft.com/office/powerpoint/2010/main" val="932885602"/>
+        <p14:creationId xmlns:p14="http://schemas.microsoft.com/office/powerpoint/2010/main" val="3169949565"/>
       </p:ext>
     </p:extLst>
   </p:cSld>
   <p:clrMapOvr>
     <a:masterClrMapping/>
   </p:clrMapOvr>
-  <p:transition spd="slow">
-    <p:push/>
-  </p:transition>
+  <mc:AlternateContent xmlns:mc="http://schemas.openxmlformats.org/markup-compatibility/2006">
+    <mc:Choice xmlns:p14="http://schemas.microsoft.com/office/powerpoint/2010/main" Requires="p14">
+      <p:transition p14:dur="0"/>
+    </mc:Choice>
+    <mc:Fallback>
+      <p:transition/>
+    </mc:Fallback>
+  </mc:AlternateContent>
 </p:sld>
 </file>
 
@@ -11368,17 +12853,17 @@
           <a:p>
             <a:r>
               <a:rPr lang="de-DE" dirty="0"/>
-              <a:t>Beobachten von ε = 0.3</a:t>
+              <a:t>Beobachten von ε = 0.1</a:t>
             </a:r>
           </a:p>
         </p:txBody>
       </p:sp>
       <p:pic>
         <p:nvPicPr>
-          <p:cNvPr id="4" name="Grafik 3">
+          <p:cNvPr id="15" name="Grafik 14">
             <a:extLst>
               <a:ext uri="{FF2B5EF4-FFF2-40B4-BE49-F238E27FC236}">
-                <a16:creationId xmlns:a16="http://schemas.microsoft.com/office/drawing/2014/main" id="{A0ED0180-A357-47DD-9200-532EEC85C313}"/>
+                <a16:creationId xmlns:a16="http://schemas.microsoft.com/office/drawing/2014/main" id="{AFE0C429-D131-4793-8EF8-9000E25E03D8}"/>
               </a:ext>
             </a:extLst>
           </p:cNvPr>
@@ -11395,8 +12880,8 @@
         </p:blipFill>
         <p:spPr>
           <a:xfrm>
-            <a:off x="6193755" y="2038909"/>
-            <a:ext cx="5553837" cy="4067776"/>
+            <a:off x="6240522" y="2052796"/>
+            <a:ext cx="5534877" cy="4053889"/>
           </a:xfrm>
           <a:prstGeom prst="rect">
             <a:avLst/>
@@ -11405,10 +12890,10 @@
       </p:pic>
       <p:pic>
         <p:nvPicPr>
-          <p:cNvPr id="10" name="Grafik 9">
+          <p:cNvPr id="17" name="Grafik 16">
             <a:extLst>
               <a:ext uri="{FF2B5EF4-FFF2-40B4-BE49-F238E27FC236}">
-                <a16:creationId xmlns:a16="http://schemas.microsoft.com/office/drawing/2014/main" id="{F6039C61-B1D0-4AF5-86CE-9CB5FBA6C8A3}"/>
+                <a16:creationId xmlns:a16="http://schemas.microsoft.com/office/drawing/2014/main" id="{0F18BA40-9680-4400-997B-9F2C8037635B}"/>
               </a:ext>
             </a:extLst>
           </p:cNvPr>
@@ -11425,8 +12910,8 @@
         </p:blipFill>
         <p:spPr>
           <a:xfrm>
-            <a:off x="546775" y="2038909"/>
-            <a:ext cx="5553837" cy="4067776"/>
+            <a:off x="567659" y="2052795"/>
+            <a:ext cx="5534878" cy="4053890"/>
           </a:xfrm>
           <a:prstGeom prst="rect">
             <a:avLst/>
@@ -11436,16 +12921,21 @@
     </p:spTree>
     <p:extLst>
       <p:ext uri="{BB962C8B-B14F-4D97-AF65-F5344CB8AC3E}">
-        <p14:creationId xmlns:p14="http://schemas.microsoft.com/office/powerpoint/2010/main" val="4274000806"/>
+        <p14:creationId xmlns:p14="http://schemas.microsoft.com/office/powerpoint/2010/main" val="348219763"/>
       </p:ext>
     </p:extLst>
   </p:cSld>
   <p:clrMapOvr>
     <a:masterClrMapping/>
   </p:clrMapOvr>
-  <p:transition spd="slow">
-    <p:push/>
-  </p:transition>
+  <mc:AlternateContent xmlns:mc="http://schemas.openxmlformats.org/markup-compatibility/2006">
+    <mc:Choice xmlns:p14="http://schemas.microsoft.com/office/powerpoint/2010/main" Requires="p14">
+      <p:transition p14:dur="0"/>
+    </mc:Choice>
+    <mc:Fallback>
+      <p:transition/>
+    </mc:Fallback>
+  </mc:AlternateContent>
 </p:sld>
 </file>
 
@@ -11466,66 +12956,6 @@
           <a:chExt cx="0" cy="0"/>
         </a:xfrm>
       </p:grpSpPr>
-      <p:pic>
-        <p:nvPicPr>
-          <p:cNvPr id="12" name="Grafik 11">
-            <a:extLst>
-              <a:ext uri="{FF2B5EF4-FFF2-40B4-BE49-F238E27FC236}">
-                <a16:creationId xmlns:a16="http://schemas.microsoft.com/office/drawing/2014/main" id="{833E1173-9890-402E-A916-22C609714752}"/>
-              </a:ext>
-            </a:extLst>
-          </p:cNvPr>
-          <p:cNvPicPr>
-            <a:picLocks noChangeAspect="1"/>
-          </p:cNvPicPr>
-          <p:nvPr/>
-        </p:nvPicPr>
-        <p:blipFill>
-          <a:blip r:embed="rId3"/>
-          <a:stretch>
-            <a:fillRect/>
-          </a:stretch>
-        </p:blipFill>
-        <p:spPr>
-          <a:xfrm>
-            <a:off x="546775" y="2038909"/>
-            <a:ext cx="5553837" cy="4067776"/>
-          </a:xfrm>
-          <a:prstGeom prst="rect">
-            <a:avLst/>
-          </a:prstGeom>
-        </p:spPr>
-      </p:pic>
-      <p:pic>
-        <p:nvPicPr>
-          <p:cNvPr id="5" name="Grafik 4">
-            <a:extLst>
-              <a:ext uri="{FF2B5EF4-FFF2-40B4-BE49-F238E27FC236}">
-                <a16:creationId xmlns:a16="http://schemas.microsoft.com/office/drawing/2014/main" id="{5452FB9B-3B51-4A71-BB1D-14623C152B02}"/>
-              </a:ext>
-            </a:extLst>
-          </p:cNvPr>
-          <p:cNvPicPr>
-            <a:picLocks noChangeAspect="1"/>
-          </p:cNvPicPr>
-          <p:nvPr/>
-        </p:nvPicPr>
-        <p:blipFill>
-          <a:blip r:embed="rId4"/>
-          <a:stretch>
-            <a:fillRect/>
-          </a:stretch>
-        </p:blipFill>
-        <p:spPr>
-          <a:xfrm>
-            <a:off x="6193754" y="2038909"/>
-            <a:ext cx="5553837" cy="4067776"/>
-          </a:xfrm>
-          <a:prstGeom prst="rect">
-            <a:avLst/>
-          </a:prstGeom>
-        </p:spPr>
-      </p:pic>
       <p:sp>
         <p:nvSpPr>
           <p:cNvPr id="2" name="Titel 1"/>
@@ -11715,24 +13145,89 @@
           <a:p>
             <a:r>
               <a:rPr lang="de-DE" dirty="0"/>
-              <a:t>Beobachten von r = 0</a:t>
+              <a:t>Beobachten von ε = 0.2</a:t>
             </a:r>
           </a:p>
         </p:txBody>
       </p:sp>
+      <p:pic>
+        <p:nvPicPr>
+          <p:cNvPr id="4" name="Grafik 3">
+            <a:extLst>
+              <a:ext uri="{FF2B5EF4-FFF2-40B4-BE49-F238E27FC236}">
+                <a16:creationId xmlns:a16="http://schemas.microsoft.com/office/drawing/2014/main" id="{E06FB5E8-BEAE-49FB-81E6-DDDEA78ED1D9}"/>
+              </a:ext>
+            </a:extLst>
+          </p:cNvPr>
+          <p:cNvPicPr>
+            <a:picLocks noChangeAspect="1"/>
+          </p:cNvPicPr>
+          <p:nvPr/>
+        </p:nvPicPr>
+        <p:blipFill>
+          <a:blip r:embed="rId3"/>
+          <a:stretch>
+            <a:fillRect/>
+          </a:stretch>
+        </p:blipFill>
+        <p:spPr>
+          <a:xfrm>
+            <a:off x="6249799" y="2052795"/>
+            <a:ext cx="5536751" cy="4055262"/>
+          </a:xfrm>
+          <a:prstGeom prst="rect">
+            <a:avLst/>
+          </a:prstGeom>
+        </p:spPr>
+      </p:pic>
+      <p:pic>
+        <p:nvPicPr>
+          <p:cNvPr id="10" name="Grafik 9">
+            <a:extLst>
+              <a:ext uri="{FF2B5EF4-FFF2-40B4-BE49-F238E27FC236}">
+                <a16:creationId xmlns:a16="http://schemas.microsoft.com/office/drawing/2014/main" id="{FDF882B3-870C-41A6-935A-F52C530C0D47}"/>
+              </a:ext>
+            </a:extLst>
+          </p:cNvPr>
+          <p:cNvPicPr>
+            <a:picLocks noChangeAspect="1"/>
+          </p:cNvPicPr>
+          <p:nvPr/>
+        </p:nvPicPr>
+        <p:blipFill>
+          <a:blip r:embed="rId4"/>
+          <a:stretch>
+            <a:fillRect/>
+          </a:stretch>
+        </p:blipFill>
+        <p:spPr>
+          <a:xfrm>
+            <a:off x="579740" y="2052795"/>
+            <a:ext cx="5536751" cy="4055262"/>
+          </a:xfrm>
+          <a:prstGeom prst="rect">
+            <a:avLst/>
+          </a:prstGeom>
+        </p:spPr>
+      </p:pic>
     </p:spTree>
     <p:extLst>
       <p:ext uri="{BB962C8B-B14F-4D97-AF65-F5344CB8AC3E}">
-        <p14:creationId xmlns:p14="http://schemas.microsoft.com/office/powerpoint/2010/main" val="270991888"/>
+        <p14:creationId xmlns:p14="http://schemas.microsoft.com/office/powerpoint/2010/main" val="932885602"/>
       </p:ext>
     </p:extLst>
   </p:cSld>
   <p:clrMapOvr>
     <a:masterClrMapping/>
   </p:clrMapOvr>
-  <p:transition spd="slow">
-    <p:push/>
-  </p:transition>
+  <mc:AlternateContent xmlns:mc="http://schemas.openxmlformats.org/markup-compatibility/2006">
+    <mc:Choice xmlns:p14="http://schemas.microsoft.com/office/powerpoint/2010/main" Requires="p14">
+      <p:transition p14:dur="0"/>
+    </mc:Choice>
+    <mc:Fallback>
+      <p:transition/>
+    </mc:Fallback>
+  </mc:AlternateContent>
 </p:sld>
 </file>
 
@@ -11942,17 +13437,17 @@
           <a:p>
             <a:r>
               <a:rPr lang="de-DE" dirty="0"/>
-              <a:t>Beobachten von r = 100</a:t>
+              <a:t>Beobachten von ε = 0.3</a:t>
             </a:r>
           </a:p>
         </p:txBody>
       </p:sp>
       <p:pic>
         <p:nvPicPr>
-          <p:cNvPr id="15" name="Grafik 14">
+          <p:cNvPr id="4" name="Grafik 3">
             <a:extLst>
               <a:ext uri="{FF2B5EF4-FFF2-40B4-BE49-F238E27FC236}">
-                <a16:creationId xmlns:a16="http://schemas.microsoft.com/office/drawing/2014/main" id="{AFE0C429-D131-4793-8EF8-9000E25E03D8}"/>
+                <a16:creationId xmlns:a16="http://schemas.microsoft.com/office/drawing/2014/main" id="{A0ED0180-A357-47DD-9200-532EEC85C313}"/>
               </a:ext>
             </a:extLst>
           </p:cNvPr>
@@ -11969,8 +13464,8 @@
         </p:blipFill>
         <p:spPr>
           <a:xfrm>
-            <a:off x="6240522" y="2052796"/>
-            <a:ext cx="5534877" cy="4053889"/>
+            <a:off x="6193755" y="2038909"/>
+            <a:ext cx="5553837" cy="4067776"/>
           </a:xfrm>
           <a:prstGeom prst="rect">
             <a:avLst/>
@@ -11979,10 +13474,10 @@
       </p:pic>
       <p:pic>
         <p:nvPicPr>
-          <p:cNvPr id="17" name="Grafik 16">
+          <p:cNvPr id="10" name="Grafik 9">
             <a:extLst>
               <a:ext uri="{FF2B5EF4-FFF2-40B4-BE49-F238E27FC236}">
-                <a16:creationId xmlns:a16="http://schemas.microsoft.com/office/drawing/2014/main" id="{0F18BA40-9680-4400-997B-9F2C8037635B}"/>
+                <a16:creationId xmlns:a16="http://schemas.microsoft.com/office/drawing/2014/main" id="{F6039C61-B1D0-4AF5-86CE-9CB5FBA6C8A3}"/>
               </a:ext>
             </a:extLst>
           </p:cNvPr>
@@ -11999,8 +13494,8 @@
         </p:blipFill>
         <p:spPr>
           <a:xfrm>
-            <a:off x="567659" y="2052795"/>
-            <a:ext cx="5534878" cy="4053890"/>
+            <a:off x="546775" y="2038909"/>
+            <a:ext cx="5553837" cy="4067776"/>
           </a:xfrm>
           <a:prstGeom prst="rect">
             <a:avLst/>
@@ -12010,16 +13505,21 @@
     </p:spTree>
     <p:extLst>
       <p:ext uri="{BB962C8B-B14F-4D97-AF65-F5344CB8AC3E}">
-        <p14:creationId xmlns:p14="http://schemas.microsoft.com/office/powerpoint/2010/main" val="2619476515"/>
+        <p14:creationId xmlns:p14="http://schemas.microsoft.com/office/powerpoint/2010/main" val="4274000806"/>
       </p:ext>
     </p:extLst>
   </p:cSld>
   <p:clrMapOvr>
     <a:masterClrMapping/>
   </p:clrMapOvr>
-  <p:transition spd="slow">
-    <p:push/>
-  </p:transition>
+  <mc:AlternateContent xmlns:mc="http://schemas.openxmlformats.org/markup-compatibility/2006">
+    <mc:Choice xmlns:p14="http://schemas.microsoft.com/office/powerpoint/2010/main" Requires="p14">
+      <p:transition p14:dur="0"/>
+    </mc:Choice>
+    <mc:Fallback>
+      <p:transition/>
+    </mc:Fallback>
+  </mc:AlternateContent>
 </p:sld>
 </file>
 
@@ -12042,10 +13542,10 @@
       </p:grpSpPr>
       <p:pic>
         <p:nvPicPr>
-          <p:cNvPr id="10" name="Grafik 9">
+          <p:cNvPr id="12" name="Grafik 11">
             <a:extLst>
               <a:ext uri="{FF2B5EF4-FFF2-40B4-BE49-F238E27FC236}">
-                <a16:creationId xmlns:a16="http://schemas.microsoft.com/office/drawing/2014/main" id="{BEBC4A1C-6161-4B91-AF09-2788A58A86C0}"/>
+                <a16:creationId xmlns:a16="http://schemas.microsoft.com/office/drawing/2014/main" id="{833E1173-9890-402E-A916-22C609714752}"/>
               </a:ext>
             </a:extLst>
           </p:cNvPr>
@@ -12062,8 +13562,8 @@
         </p:blipFill>
         <p:spPr>
           <a:xfrm>
-            <a:off x="577953" y="2044890"/>
-            <a:ext cx="5545670" cy="4061795"/>
+            <a:off x="546775" y="2038909"/>
+            <a:ext cx="5553837" cy="4067776"/>
           </a:xfrm>
           <a:prstGeom prst="rect">
             <a:avLst/>
@@ -12072,10 +13572,10 @@
       </p:pic>
       <p:pic>
         <p:nvPicPr>
-          <p:cNvPr id="4" name="Grafik 3">
+          <p:cNvPr id="5" name="Grafik 4">
             <a:extLst>
               <a:ext uri="{FF2B5EF4-FFF2-40B4-BE49-F238E27FC236}">
-                <a16:creationId xmlns:a16="http://schemas.microsoft.com/office/drawing/2014/main" id="{B7E35C1C-8A01-43C4-925A-199FB489175F}"/>
+                <a16:creationId xmlns:a16="http://schemas.microsoft.com/office/drawing/2014/main" id="{5452FB9B-3B51-4A71-BB1D-14623C152B02}"/>
               </a:ext>
             </a:extLst>
           </p:cNvPr>
@@ -12092,8 +13592,8 @@
         </p:blipFill>
         <p:spPr>
           <a:xfrm>
-            <a:off x="6240521" y="2052795"/>
-            <a:ext cx="5534878" cy="4053890"/>
+            <a:off x="6193754" y="2038909"/>
+            <a:ext cx="5553837" cy="4067776"/>
           </a:xfrm>
           <a:prstGeom prst="rect">
             <a:avLst/>
@@ -12289,6 +13789,590 @@
           <a:p>
             <a:r>
               <a:rPr lang="de-DE" dirty="0"/>
+              <a:t>Beobachten von r = 0</a:t>
+            </a:r>
+          </a:p>
+        </p:txBody>
+      </p:sp>
+    </p:spTree>
+    <p:extLst>
+      <p:ext uri="{BB962C8B-B14F-4D97-AF65-F5344CB8AC3E}">
+        <p14:creationId xmlns:p14="http://schemas.microsoft.com/office/powerpoint/2010/main" val="270991888"/>
+      </p:ext>
+    </p:extLst>
+  </p:cSld>
+  <p:clrMapOvr>
+    <a:masterClrMapping/>
+  </p:clrMapOvr>
+  <mc:AlternateContent xmlns:mc="http://schemas.openxmlformats.org/markup-compatibility/2006">
+    <mc:Choice xmlns:p14="http://schemas.microsoft.com/office/powerpoint/2010/main" Requires="p14">
+      <p:transition p14:dur="0"/>
+    </mc:Choice>
+    <mc:Fallback>
+      <p:transition/>
+    </mc:Fallback>
+  </mc:AlternateContent>
+</p:sld>
+</file>
+
+<file path=ppt/slides/slide28.xml><?xml version="1.0" encoding="utf-8"?>
+<p:sld xmlns:a="http://schemas.openxmlformats.org/drawingml/2006/main" xmlns:r="http://schemas.openxmlformats.org/officeDocument/2006/relationships" xmlns:p="http://schemas.openxmlformats.org/presentationml/2006/main">
+  <p:cSld>
+    <p:spTree>
+      <p:nvGrpSpPr>
+        <p:cNvPr id="1" name=""/>
+        <p:cNvGrpSpPr/>
+        <p:nvPr/>
+      </p:nvGrpSpPr>
+      <p:grpSpPr>
+        <a:xfrm>
+          <a:off x="0" y="0"/>
+          <a:ext cx="0" cy="0"/>
+          <a:chOff x="0" y="0"/>
+          <a:chExt cx="0" cy="0"/>
+        </a:xfrm>
+      </p:grpSpPr>
+      <p:sp>
+        <p:nvSpPr>
+          <p:cNvPr id="2" name="Titel 1"/>
+          <p:cNvSpPr>
+            <a:spLocks noGrp="1"/>
+          </p:cNvSpPr>
+          <p:nvPr>
+            <p:ph type="title"/>
+          </p:nvPr>
+        </p:nvSpPr>
+        <p:spPr>
+          <a:xfrm>
+            <a:off x="774923" y="636677"/>
+            <a:ext cx="10653003" cy="633326"/>
+          </a:xfrm>
+        </p:spPr>
+        <p:txBody>
+          <a:bodyPr anchor="ctr">
+            <a:noAutofit/>
+          </a:bodyPr>
+          <a:lstStyle/>
+          <a:p>
+            <a:r>
+              <a:rPr lang="de-DE" sz="4400" noProof="0" dirty="0">
+                <a:effectLst>
+                  <a:outerShdw blurRad="38100" dist="38100" dir="2700000" algn="tl">
+                    <a:srgbClr val="000000">
+                      <a:alpha val="43137"/>
+                    </a:srgbClr>
+                  </a:outerShdw>
+                </a:effectLst>
+              </a:rPr>
+              <a:t>Ergebnisse</a:t>
+            </a:r>
+          </a:p>
+        </p:txBody>
+      </p:sp>
+      <p:sp>
+        <p:nvSpPr>
+          <p:cNvPr id="6" name="Foliennummernplatzhalter 5"/>
+          <p:cNvSpPr>
+            <a:spLocks noGrp="1"/>
+          </p:cNvSpPr>
+          <p:nvPr>
+            <p:ph type="sldNum" sz="quarter" idx="12"/>
+          </p:nvPr>
+        </p:nvSpPr>
+        <p:spPr>
+          <a:xfrm>
+            <a:off x="10270837" y="714371"/>
+            <a:ext cx="1291874" cy="477938"/>
+          </a:xfrm>
+        </p:spPr>
+        <p:txBody>
+          <a:bodyPr anchor="ctr"/>
+          <a:lstStyle/>
+          <a:p>
+            <a:fld id="{5D84065D-F351-4B03-BD91-D8A6B8D4B362}" type="slidenum">
+              <a:rPr lang="en-US" sz="4400" smtClean="0">
+                <a:solidFill>
+                  <a:schemeClr val="bg1"/>
+                </a:solidFill>
+                <a:effectLst>
+                  <a:outerShdw blurRad="38100" dist="38100" dir="2700000" algn="tl">
+                    <a:srgbClr val="000000">
+                      <a:alpha val="43137"/>
+                    </a:srgbClr>
+                  </a:outerShdw>
+                </a:effectLst>
+                <a:latin typeface="+mj-lt"/>
+              </a:rPr>
+              <a:t>28</a:t>
+            </a:fld>
+            <a:endParaRPr lang="en-US" sz="4400" dirty="0">
+              <a:solidFill>
+                <a:schemeClr val="bg1"/>
+              </a:solidFill>
+              <a:effectLst>
+                <a:outerShdw blurRad="38100" dist="38100" dir="2700000" algn="tl">
+                  <a:srgbClr val="000000">
+                    <a:alpha val="43137"/>
+                  </a:srgbClr>
+                </a:outerShdw>
+              </a:effectLst>
+              <a:latin typeface="+mj-lt"/>
+            </a:endParaRPr>
+          </a:p>
+        </p:txBody>
+      </p:sp>
+      <p:sp>
+        <p:nvSpPr>
+          <p:cNvPr id="7" name="Textfeld 6">
+            <a:extLst>
+              <a:ext uri="{FF2B5EF4-FFF2-40B4-BE49-F238E27FC236}">
+                <a16:creationId xmlns:a16="http://schemas.microsoft.com/office/drawing/2014/main" id="{8DAB33D4-11C8-4EDC-A458-C2B661C3316C}"/>
+              </a:ext>
+            </a:extLst>
+          </p:cNvPr>
+          <p:cNvSpPr txBox="1"/>
+          <p:nvPr/>
+        </p:nvSpPr>
+        <p:spPr>
+          <a:xfrm>
+            <a:off x="567659" y="1370364"/>
+            <a:ext cx="2576985" cy="369332"/>
+          </a:xfrm>
+          <a:prstGeom prst="rect">
+            <a:avLst/>
+          </a:prstGeom>
+          <a:noFill/>
+        </p:spPr>
+        <p:txBody>
+          <a:bodyPr wrap="square" rtlCol="0">
+            <a:spAutoFit/>
+          </a:bodyPr>
+          <a:lstStyle/>
+          <a:p>
+            <a:r>
+              <a:rPr lang="de-DE" dirty="0"/>
+              <a:t>Aktionsmenge: Normal</a:t>
+            </a:r>
+          </a:p>
+        </p:txBody>
+      </p:sp>
+      <p:sp>
+        <p:nvSpPr>
+          <p:cNvPr id="9" name="Textfeld 8">
+            <a:extLst>
+              <a:ext uri="{FF2B5EF4-FFF2-40B4-BE49-F238E27FC236}">
+                <a16:creationId xmlns:a16="http://schemas.microsoft.com/office/drawing/2014/main" id="{F614746A-8718-458F-B3A8-B0D2AF34D86A}"/>
+              </a:ext>
+            </a:extLst>
+          </p:cNvPr>
+          <p:cNvSpPr txBox="1"/>
+          <p:nvPr/>
+        </p:nvSpPr>
+        <p:spPr>
+          <a:xfrm>
+            <a:off x="3791415" y="1370364"/>
+            <a:ext cx="3423424" cy="369332"/>
+          </a:xfrm>
+          <a:prstGeom prst="rect">
+            <a:avLst/>
+          </a:prstGeom>
+          <a:noFill/>
+        </p:spPr>
+        <p:txBody>
+          <a:bodyPr wrap="square" rtlCol="0">
+            <a:spAutoFit/>
+          </a:bodyPr>
+          <a:lstStyle/>
+          <a:p>
+            <a:r>
+              <a:rPr lang="de-DE" dirty="0"/>
+              <a:t>Umgebung: Deterministisch</a:t>
+            </a:r>
+          </a:p>
+        </p:txBody>
+      </p:sp>
+      <p:sp>
+        <p:nvSpPr>
+          <p:cNvPr id="8" name="Textfeld 7">
+            <a:extLst>
+              <a:ext uri="{FF2B5EF4-FFF2-40B4-BE49-F238E27FC236}">
+                <a16:creationId xmlns:a16="http://schemas.microsoft.com/office/drawing/2014/main" id="{13C1E899-D7AE-4C28-A10C-DF17DF808572}"/>
+              </a:ext>
+            </a:extLst>
+          </p:cNvPr>
+          <p:cNvSpPr txBox="1"/>
+          <p:nvPr/>
+        </p:nvSpPr>
+        <p:spPr>
+          <a:xfrm>
+            <a:off x="7861610" y="1347697"/>
+            <a:ext cx="3423424" cy="369332"/>
+          </a:xfrm>
+          <a:prstGeom prst="rect">
+            <a:avLst/>
+          </a:prstGeom>
+          <a:noFill/>
+        </p:spPr>
+        <p:txBody>
+          <a:bodyPr wrap="square" rtlCol="0">
+            <a:spAutoFit/>
+          </a:bodyPr>
+          <a:lstStyle/>
+          <a:p>
+            <a:r>
+              <a:rPr lang="de-DE" dirty="0"/>
+              <a:t>Beobachten von r = 100</a:t>
+            </a:r>
+          </a:p>
+        </p:txBody>
+      </p:sp>
+      <p:pic>
+        <p:nvPicPr>
+          <p:cNvPr id="15" name="Grafik 14">
+            <a:extLst>
+              <a:ext uri="{FF2B5EF4-FFF2-40B4-BE49-F238E27FC236}">
+                <a16:creationId xmlns:a16="http://schemas.microsoft.com/office/drawing/2014/main" id="{AFE0C429-D131-4793-8EF8-9000E25E03D8}"/>
+              </a:ext>
+            </a:extLst>
+          </p:cNvPr>
+          <p:cNvPicPr>
+            <a:picLocks noChangeAspect="1"/>
+          </p:cNvPicPr>
+          <p:nvPr/>
+        </p:nvPicPr>
+        <p:blipFill>
+          <a:blip r:embed="rId3"/>
+          <a:stretch>
+            <a:fillRect/>
+          </a:stretch>
+        </p:blipFill>
+        <p:spPr>
+          <a:xfrm>
+            <a:off x="6240522" y="2052796"/>
+            <a:ext cx="5534877" cy="4053889"/>
+          </a:xfrm>
+          <a:prstGeom prst="rect">
+            <a:avLst/>
+          </a:prstGeom>
+        </p:spPr>
+      </p:pic>
+      <p:pic>
+        <p:nvPicPr>
+          <p:cNvPr id="17" name="Grafik 16">
+            <a:extLst>
+              <a:ext uri="{FF2B5EF4-FFF2-40B4-BE49-F238E27FC236}">
+                <a16:creationId xmlns:a16="http://schemas.microsoft.com/office/drawing/2014/main" id="{0F18BA40-9680-4400-997B-9F2C8037635B}"/>
+              </a:ext>
+            </a:extLst>
+          </p:cNvPr>
+          <p:cNvPicPr>
+            <a:picLocks noChangeAspect="1"/>
+          </p:cNvPicPr>
+          <p:nvPr/>
+        </p:nvPicPr>
+        <p:blipFill>
+          <a:blip r:embed="rId4"/>
+          <a:stretch>
+            <a:fillRect/>
+          </a:stretch>
+        </p:blipFill>
+        <p:spPr>
+          <a:xfrm>
+            <a:off x="567659" y="2052795"/>
+            <a:ext cx="5534878" cy="4053890"/>
+          </a:xfrm>
+          <a:prstGeom prst="rect">
+            <a:avLst/>
+          </a:prstGeom>
+        </p:spPr>
+      </p:pic>
+    </p:spTree>
+    <p:extLst>
+      <p:ext uri="{BB962C8B-B14F-4D97-AF65-F5344CB8AC3E}">
+        <p14:creationId xmlns:p14="http://schemas.microsoft.com/office/powerpoint/2010/main" val="2619476515"/>
+      </p:ext>
+    </p:extLst>
+  </p:cSld>
+  <p:clrMapOvr>
+    <a:masterClrMapping/>
+  </p:clrMapOvr>
+  <mc:AlternateContent xmlns:mc="http://schemas.openxmlformats.org/markup-compatibility/2006">
+    <mc:Choice xmlns:p14="http://schemas.microsoft.com/office/powerpoint/2010/main" Requires="p14">
+      <p:transition p14:dur="0"/>
+    </mc:Choice>
+    <mc:Fallback>
+      <p:transition/>
+    </mc:Fallback>
+  </mc:AlternateContent>
+</p:sld>
+</file>
+
+<file path=ppt/slides/slide29.xml><?xml version="1.0" encoding="utf-8"?>
+<p:sld xmlns:a="http://schemas.openxmlformats.org/drawingml/2006/main" xmlns:r="http://schemas.openxmlformats.org/officeDocument/2006/relationships" xmlns:p="http://schemas.openxmlformats.org/presentationml/2006/main">
+  <p:cSld>
+    <p:spTree>
+      <p:nvGrpSpPr>
+        <p:cNvPr id="1" name=""/>
+        <p:cNvGrpSpPr/>
+        <p:nvPr/>
+      </p:nvGrpSpPr>
+      <p:grpSpPr>
+        <a:xfrm>
+          <a:off x="0" y="0"/>
+          <a:ext cx="0" cy="0"/>
+          <a:chOff x="0" y="0"/>
+          <a:chExt cx="0" cy="0"/>
+        </a:xfrm>
+      </p:grpSpPr>
+      <p:pic>
+        <p:nvPicPr>
+          <p:cNvPr id="10" name="Grafik 9">
+            <a:extLst>
+              <a:ext uri="{FF2B5EF4-FFF2-40B4-BE49-F238E27FC236}">
+                <a16:creationId xmlns:a16="http://schemas.microsoft.com/office/drawing/2014/main" id="{BEBC4A1C-6161-4B91-AF09-2788A58A86C0}"/>
+              </a:ext>
+            </a:extLst>
+          </p:cNvPr>
+          <p:cNvPicPr>
+            <a:picLocks noChangeAspect="1"/>
+          </p:cNvPicPr>
+          <p:nvPr/>
+        </p:nvPicPr>
+        <p:blipFill>
+          <a:blip r:embed="rId3"/>
+          <a:stretch>
+            <a:fillRect/>
+          </a:stretch>
+        </p:blipFill>
+        <p:spPr>
+          <a:xfrm>
+            <a:off x="577953" y="2044890"/>
+            <a:ext cx="5545670" cy="4061795"/>
+          </a:xfrm>
+          <a:prstGeom prst="rect">
+            <a:avLst/>
+          </a:prstGeom>
+        </p:spPr>
+      </p:pic>
+      <p:pic>
+        <p:nvPicPr>
+          <p:cNvPr id="4" name="Grafik 3">
+            <a:extLst>
+              <a:ext uri="{FF2B5EF4-FFF2-40B4-BE49-F238E27FC236}">
+                <a16:creationId xmlns:a16="http://schemas.microsoft.com/office/drawing/2014/main" id="{B7E35C1C-8A01-43C4-925A-199FB489175F}"/>
+              </a:ext>
+            </a:extLst>
+          </p:cNvPr>
+          <p:cNvPicPr>
+            <a:picLocks noChangeAspect="1"/>
+          </p:cNvPicPr>
+          <p:nvPr/>
+        </p:nvPicPr>
+        <p:blipFill>
+          <a:blip r:embed="rId4"/>
+          <a:stretch>
+            <a:fillRect/>
+          </a:stretch>
+        </p:blipFill>
+        <p:spPr>
+          <a:xfrm>
+            <a:off x="6240521" y="2052795"/>
+            <a:ext cx="5534878" cy="4053890"/>
+          </a:xfrm>
+          <a:prstGeom prst="rect">
+            <a:avLst/>
+          </a:prstGeom>
+        </p:spPr>
+      </p:pic>
+      <p:sp>
+        <p:nvSpPr>
+          <p:cNvPr id="2" name="Titel 1"/>
+          <p:cNvSpPr>
+            <a:spLocks noGrp="1"/>
+          </p:cNvSpPr>
+          <p:nvPr>
+            <p:ph type="title"/>
+          </p:nvPr>
+        </p:nvSpPr>
+        <p:spPr>
+          <a:xfrm>
+            <a:off x="774923" y="636677"/>
+            <a:ext cx="10653003" cy="633326"/>
+          </a:xfrm>
+        </p:spPr>
+        <p:txBody>
+          <a:bodyPr anchor="ctr">
+            <a:noAutofit/>
+          </a:bodyPr>
+          <a:lstStyle/>
+          <a:p>
+            <a:r>
+              <a:rPr lang="de-DE" sz="4400" noProof="0" dirty="0">
+                <a:effectLst>
+                  <a:outerShdw blurRad="38100" dist="38100" dir="2700000" algn="tl">
+                    <a:srgbClr val="000000">
+                      <a:alpha val="43137"/>
+                    </a:srgbClr>
+                  </a:outerShdw>
+                </a:effectLst>
+              </a:rPr>
+              <a:t>Ergebnisse</a:t>
+            </a:r>
+          </a:p>
+        </p:txBody>
+      </p:sp>
+      <p:sp>
+        <p:nvSpPr>
+          <p:cNvPr id="6" name="Foliennummernplatzhalter 5"/>
+          <p:cNvSpPr>
+            <a:spLocks noGrp="1"/>
+          </p:cNvSpPr>
+          <p:nvPr>
+            <p:ph type="sldNum" sz="quarter" idx="12"/>
+          </p:nvPr>
+        </p:nvSpPr>
+        <p:spPr>
+          <a:xfrm>
+            <a:off x="10270837" y="714371"/>
+            <a:ext cx="1291874" cy="477938"/>
+          </a:xfrm>
+        </p:spPr>
+        <p:txBody>
+          <a:bodyPr anchor="ctr"/>
+          <a:lstStyle/>
+          <a:p>
+            <a:fld id="{5D84065D-F351-4B03-BD91-D8A6B8D4B362}" type="slidenum">
+              <a:rPr lang="en-US" sz="4400" smtClean="0">
+                <a:solidFill>
+                  <a:schemeClr val="bg1"/>
+                </a:solidFill>
+                <a:effectLst>
+                  <a:outerShdw blurRad="38100" dist="38100" dir="2700000" algn="tl">
+                    <a:srgbClr val="000000">
+                      <a:alpha val="43137"/>
+                    </a:srgbClr>
+                  </a:outerShdw>
+                </a:effectLst>
+                <a:latin typeface="+mj-lt"/>
+              </a:rPr>
+              <a:t>29</a:t>
+            </a:fld>
+            <a:endParaRPr lang="en-US" sz="4400" dirty="0">
+              <a:solidFill>
+                <a:schemeClr val="bg1"/>
+              </a:solidFill>
+              <a:effectLst>
+                <a:outerShdw blurRad="38100" dist="38100" dir="2700000" algn="tl">
+                  <a:srgbClr val="000000">
+                    <a:alpha val="43137"/>
+                  </a:srgbClr>
+                </a:outerShdw>
+              </a:effectLst>
+              <a:latin typeface="+mj-lt"/>
+            </a:endParaRPr>
+          </a:p>
+        </p:txBody>
+      </p:sp>
+      <p:sp>
+        <p:nvSpPr>
+          <p:cNvPr id="7" name="Textfeld 6">
+            <a:extLst>
+              <a:ext uri="{FF2B5EF4-FFF2-40B4-BE49-F238E27FC236}">
+                <a16:creationId xmlns:a16="http://schemas.microsoft.com/office/drawing/2014/main" id="{8DAB33D4-11C8-4EDC-A458-C2B661C3316C}"/>
+              </a:ext>
+            </a:extLst>
+          </p:cNvPr>
+          <p:cNvSpPr txBox="1"/>
+          <p:nvPr/>
+        </p:nvSpPr>
+        <p:spPr>
+          <a:xfrm>
+            <a:off x="567659" y="1370364"/>
+            <a:ext cx="2576985" cy="369332"/>
+          </a:xfrm>
+          <a:prstGeom prst="rect">
+            <a:avLst/>
+          </a:prstGeom>
+          <a:noFill/>
+        </p:spPr>
+        <p:txBody>
+          <a:bodyPr wrap="square" rtlCol="0">
+            <a:spAutoFit/>
+          </a:bodyPr>
+          <a:lstStyle/>
+          <a:p>
+            <a:r>
+              <a:rPr lang="de-DE" dirty="0"/>
+              <a:t>Aktionsmenge: Normal</a:t>
+            </a:r>
+          </a:p>
+        </p:txBody>
+      </p:sp>
+      <p:sp>
+        <p:nvSpPr>
+          <p:cNvPr id="9" name="Textfeld 8">
+            <a:extLst>
+              <a:ext uri="{FF2B5EF4-FFF2-40B4-BE49-F238E27FC236}">
+                <a16:creationId xmlns:a16="http://schemas.microsoft.com/office/drawing/2014/main" id="{F614746A-8718-458F-B3A8-B0D2AF34D86A}"/>
+              </a:ext>
+            </a:extLst>
+          </p:cNvPr>
+          <p:cNvSpPr txBox="1"/>
+          <p:nvPr/>
+        </p:nvSpPr>
+        <p:spPr>
+          <a:xfrm>
+            <a:off x="3791415" y="1370364"/>
+            <a:ext cx="3423424" cy="369332"/>
+          </a:xfrm>
+          <a:prstGeom prst="rect">
+            <a:avLst/>
+          </a:prstGeom>
+          <a:noFill/>
+        </p:spPr>
+        <p:txBody>
+          <a:bodyPr wrap="square" rtlCol="0">
+            <a:spAutoFit/>
+          </a:bodyPr>
+          <a:lstStyle/>
+          <a:p>
+            <a:r>
+              <a:rPr lang="de-DE" dirty="0"/>
+              <a:t>Umgebung: Deterministisch</a:t>
+            </a:r>
+          </a:p>
+        </p:txBody>
+      </p:sp>
+      <p:sp>
+        <p:nvSpPr>
+          <p:cNvPr id="8" name="Textfeld 7">
+            <a:extLst>
+              <a:ext uri="{FF2B5EF4-FFF2-40B4-BE49-F238E27FC236}">
+                <a16:creationId xmlns:a16="http://schemas.microsoft.com/office/drawing/2014/main" id="{13C1E899-D7AE-4C28-A10C-DF17DF808572}"/>
+              </a:ext>
+            </a:extLst>
+          </p:cNvPr>
+          <p:cNvSpPr txBox="1"/>
+          <p:nvPr/>
+        </p:nvSpPr>
+        <p:spPr>
+          <a:xfrm>
+            <a:off x="7861610" y="1347697"/>
+            <a:ext cx="3423424" cy="369332"/>
+          </a:xfrm>
+          <a:prstGeom prst="rect">
+            <a:avLst/>
+          </a:prstGeom>
+          <a:noFill/>
+        </p:spPr>
+        <p:txBody>
+          <a:bodyPr wrap="square" rtlCol="0">
+            <a:spAutoFit/>
+          </a:bodyPr>
+          <a:lstStyle/>
+          <a:p>
+            <a:r>
+              <a:rPr lang="de-DE" dirty="0"/>
               <a:t>Beobachten von r = 10000</a:t>
             </a:r>
           </a:p>
@@ -12304,13 +14388,269 @@
   <p:clrMapOvr>
     <a:masterClrMapping/>
   </p:clrMapOvr>
-  <p:transition spd="slow">
-    <p:push/>
-  </p:transition>
+  <mc:AlternateContent xmlns:mc="http://schemas.openxmlformats.org/markup-compatibility/2006">
+    <mc:Choice xmlns:p14="http://schemas.microsoft.com/office/powerpoint/2010/main" Requires="p14">
+      <p:transition p14:dur="0"/>
+    </mc:Choice>
+    <mc:Fallback>
+      <p:transition/>
+    </mc:Fallback>
+  </mc:AlternateContent>
 </p:sld>
 </file>
 
-<file path=ppt/slides/slide28.xml><?xml version="1.0" encoding="utf-8"?>
+<file path=ppt/slides/slide3.xml><?xml version="1.0" encoding="utf-8"?>
+<p:sld xmlns:a="http://schemas.openxmlformats.org/drawingml/2006/main" xmlns:r="http://schemas.openxmlformats.org/officeDocument/2006/relationships" xmlns:p="http://schemas.openxmlformats.org/presentationml/2006/main">
+  <p:cSld>
+    <p:spTree>
+      <p:nvGrpSpPr>
+        <p:cNvPr id="1" name=""/>
+        <p:cNvGrpSpPr/>
+        <p:nvPr/>
+      </p:nvGrpSpPr>
+      <p:grpSpPr>
+        <a:xfrm>
+          <a:off x="0" y="0"/>
+          <a:ext cx="0" cy="0"/>
+          <a:chOff x="0" y="0"/>
+          <a:chExt cx="0" cy="0"/>
+        </a:xfrm>
+      </p:grpSpPr>
+      <p:sp>
+        <p:nvSpPr>
+          <p:cNvPr id="2" name="Titel 1"/>
+          <p:cNvSpPr>
+            <a:spLocks noGrp="1"/>
+          </p:cNvSpPr>
+          <p:nvPr>
+            <p:ph type="title"/>
+          </p:nvPr>
+        </p:nvSpPr>
+        <p:spPr>
+          <a:xfrm>
+            <a:off x="774923" y="636677"/>
+            <a:ext cx="10653003" cy="633326"/>
+          </a:xfrm>
+        </p:spPr>
+        <p:txBody>
+          <a:bodyPr anchor="ctr">
+            <a:noAutofit/>
+          </a:bodyPr>
+          <a:lstStyle/>
+          <a:p>
+            <a:r>
+              <a:rPr lang="de-DE" sz="4400" noProof="0" dirty="0">
+                <a:effectLst>
+                  <a:outerShdw blurRad="38100" dist="38100" dir="2700000" algn="tl">
+                    <a:srgbClr val="000000">
+                      <a:alpha val="43137"/>
+                    </a:srgbClr>
+                  </a:outerShdw>
+                </a:effectLst>
+              </a:rPr>
+              <a:t>Aufgabenstellung</a:t>
+            </a:r>
+          </a:p>
+        </p:txBody>
+      </p:sp>
+      <p:sp>
+        <p:nvSpPr>
+          <p:cNvPr id="6" name="Foliennummernplatzhalter 5"/>
+          <p:cNvSpPr>
+            <a:spLocks noGrp="1"/>
+          </p:cNvSpPr>
+          <p:nvPr>
+            <p:ph type="sldNum" sz="quarter" idx="12"/>
+          </p:nvPr>
+        </p:nvSpPr>
+        <p:spPr>
+          <a:xfrm>
+            <a:off x="10270837" y="714371"/>
+            <a:ext cx="1291874" cy="477938"/>
+          </a:xfrm>
+        </p:spPr>
+        <p:txBody>
+          <a:bodyPr anchor="ctr"/>
+          <a:lstStyle/>
+          <a:p>
+            <a:fld id="{5D84065D-F351-4B03-BD91-D8A6B8D4B362}" type="slidenum">
+              <a:rPr lang="en-US" sz="4400" smtClean="0">
+                <a:solidFill>
+                  <a:schemeClr val="bg1"/>
+                </a:solidFill>
+                <a:effectLst>
+                  <a:outerShdw blurRad="38100" dist="38100" dir="2700000" algn="tl">
+                    <a:srgbClr val="000000">
+                      <a:alpha val="43137"/>
+                    </a:srgbClr>
+                  </a:outerShdw>
+                </a:effectLst>
+                <a:latin typeface="+mj-lt"/>
+              </a:rPr>
+              <a:t>3</a:t>
+            </a:fld>
+            <a:endParaRPr lang="en-US" sz="4400" dirty="0">
+              <a:solidFill>
+                <a:schemeClr val="bg1"/>
+              </a:solidFill>
+              <a:effectLst>
+                <a:outerShdw blurRad="38100" dist="38100" dir="2700000" algn="tl">
+                  <a:srgbClr val="000000">
+                    <a:alpha val="43137"/>
+                  </a:srgbClr>
+                </a:outerShdw>
+              </a:effectLst>
+              <a:latin typeface="+mj-lt"/>
+            </a:endParaRPr>
+          </a:p>
+        </p:txBody>
+      </p:sp>
+      <p:sp>
+        <p:nvSpPr>
+          <p:cNvPr id="5" name="Inhaltsplatzhalter 4">
+            <a:extLst>
+              <a:ext uri="{FF2B5EF4-FFF2-40B4-BE49-F238E27FC236}">
+                <a16:creationId xmlns:a16="http://schemas.microsoft.com/office/drawing/2014/main" id="{FF14749A-873F-4B9E-84E7-A3319DAB8179}"/>
+              </a:ext>
+            </a:extLst>
+          </p:cNvPr>
+          <p:cNvSpPr>
+            <a:spLocks noGrp="1"/>
+          </p:cNvSpPr>
+          <p:nvPr>
+            <p:ph idx="1"/>
+          </p:nvPr>
+        </p:nvSpPr>
+        <p:spPr>
+          <a:xfrm>
+            <a:off x="774923" y="1408550"/>
+            <a:ext cx="10653003" cy="4992250"/>
+          </a:xfrm>
+        </p:spPr>
+        <p:txBody>
+          <a:bodyPr anchor="t">
+            <a:normAutofit/>
+          </a:bodyPr>
+          <a:lstStyle/>
+          <a:p>
+            <a:pPr>
+              <a:lnSpc>
+                <a:spcPct val="110000"/>
+              </a:lnSpc>
+            </a:pPr>
+            <a:r>
+              <a:rPr lang="de-DE" sz="2800" noProof="0" dirty="0"/>
+              <a:t>Reinforcement Learning</a:t>
+            </a:r>
+          </a:p>
+          <a:p>
+            <a:pPr>
+              <a:lnSpc>
+                <a:spcPct val="110000"/>
+              </a:lnSpc>
+            </a:pPr>
+            <a:r>
+              <a:rPr lang="en-US" sz="2800" dirty="0"/>
+              <a:t>State–action–reward–state–action </a:t>
+            </a:r>
+            <a:r>
+              <a:rPr lang="en-US" sz="2800" dirty="0">
+                <a:sym typeface="Wingdings" panose="05000000000000000000" pitchFamily="2" charset="2"/>
+              </a:rPr>
+              <a:t> SARSA</a:t>
+            </a:r>
+            <a:endParaRPr lang="de-DE" sz="2800" noProof="0" dirty="0"/>
+          </a:p>
+          <a:p>
+            <a:pPr>
+              <a:lnSpc>
+                <a:spcPct val="110000"/>
+              </a:lnSpc>
+            </a:pPr>
+            <a:r>
+              <a:rPr lang="de-DE" sz="2800" noProof="0" dirty="0"/>
+              <a:t>Bestmögliche Strategie finden</a:t>
+            </a:r>
+          </a:p>
+          <a:p>
+            <a:pPr>
+              <a:lnSpc>
+                <a:spcPct val="110000"/>
+              </a:lnSpc>
+            </a:pPr>
+            <a:r>
+              <a:rPr lang="de-DE" sz="2800" dirty="0"/>
+              <a:t>Umgebung ist für Agent unbekannt</a:t>
+            </a:r>
+          </a:p>
+          <a:p>
+            <a:pPr>
+              <a:lnSpc>
+                <a:spcPct val="110000"/>
+              </a:lnSpc>
+            </a:pPr>
+            <a:r>
+              <a:rPr lang="de-DE" sz="2800" noProof="0" dirty="0"/>
+              <a:t>Interaktion mit der Umgebung</a:t>
+            </a:r>
+          </a:p>
+          <a:p>
+            <a:pPr>
+              <a:lnSpc>
+                <a:spcPct val="110000"/>
+              </a:lnSpc>
+            </a:pPr>
+            <a:r>
+              <a:rPr lang="de-DE" sz="2800" dirty="0"/>
+              <a:t>Episodische Lernschritte</a:t>
+            </a:r>
+          </a:p>
+          <a:p>
+            <a:pPr>
+              <a:lnSpc>
+                <a:spcPct val="110000"/>
+              </a:lnSpc>
+            </a:pPr>
+            <a:r>
+              <a:rPr lang="de-DE" sz="2800" noProof="0" dirty="0"/>
+              <a:t>Stationäre Strategie</a:t>
+            </a:r>
+          </a:p>
+          <a:p>
+            <a:pPr>
+              <a:lnSpc>
+                <a:spcPct val="110000"/>
+              </a:lnSpc>
+            </a:pPr>
+            <a:r>
+              <a:rPr lang="de-DE" sz="2800" noProof="0" dirty="0"/>
+              <a:t>Deterministische und stochastische Betrachtung</a:t>
+            </a:r>
+          </a:p>
+        </p:txBody>
+      </p:sp>
+    </p:spTree>
+    <p:extLst>
+      <p:ext uri="{BB962C8B-B14F-4D97-AF65-F5344CB8AC3E}">
+        <p14:creationId xmlns:p14="http://schemas.microsoft.com/office/powerpoint/2010/main" val="1687685575"/>
+      </p:ext>
+    </p:extLst>
+  </p:cSld>
+  <p:clrMapOvr>
+    <a:masterClrMapping/>
+  </p:clrMapOvr>
+  <mc:AlternateContent xmlns:mc="http://schemas.openxmlformats.org/markup-compatibility/2006">
+    <mc:Choice xmlns:p14="http://schemas.microsoft.com/office/powerpoint/2010/main" Requires="p14">
+      <p:transition p14:dur="0"/>
+    </mc:Choice>
+    <mc:Fallback>
+      <p:transition/>
+    </mc:Fallback>
+  </mc:AlternateContent>
+</p:sld>
+</file>
+
+<file path=ppt/slides/slide30.xml><?xml version="1.0" encoding="utf-8"?>
 <p:sld xmlns:a="http://schemas.openxmlformats.org/drawingml/2006/main" xmlns:r="http://schemas.openxmlformats.org/officeDocument/2006/relationships" xmlns:p="http://schemas.openxmlformats.org/presentationml/2006/main">
   <p:cSld>
     <p:bg>
@@ -13138,255 +15478,14 @@
   <p:clrMapOvr>
     <a:masterClrMapping/>
   </p:clrMapOvr>
-  <p:transition spd="slow">
-    <p:push/>
-  </p:transition>
-</p:sld>
-</file>
-
-<file path=ppt/slides/slide3.xml><?xml version="1.0" encoding="utf-8"?>
-<p:sld xmlns:a="http://schemas.openxmlformats.org/drawingml/2006/main" xmlns:r="http://schemas.openxmlformats.org/officeDocument/2006/relationships" xmlns:p="http://schemas.openxmlformats.org/presentationml/2006/main">
-  <p:cSld>
-    <p:spTree>
-      <p:nvGrpSpPr>
-        <p:cNvPr id="1" name=""/>
-        <p:cNvGrpSpPr/>
-        <p:nvPr/>
-      </p:nvGrpSpPr>
-      <p:grpSpPr>
-        <a:xfrm>
-          <a:off x="0" y="0"/>
-          <a:ext cx="0" cy="0"/>
-          <a:chOff x="0" y="0"/>
-          <a:chExt cx="0" cy="0"/>
-        </a:xfrm>
-      </p:grpSpPr>
-      <p:sp>
-        <p:nvSpPr>
-          <p:cNvPr id="2" name="Titel 1"/>
-          <p:cNvSpPr>
-            <a:spLocks noGrp="1"/>
-          </p:cNvSpPr>
-          <p:nvPr>
-            <p:ph type="title"/>
-          </p:nvPr>
-        </p:nvSpPr>
-        <p:spPr>
-          <a:xfrm>
-            <a:off x="774923" y="636677"/>
-            <a:ext cx="10653003" cy="633326"/>
-          </a:xfrm>
-        </p:spPr>
-        <p:txBody>
-          <a:bodyPr anchor="ctr">
-            <a:noAutofit/>
-          </a:bodyPr>
-          <a:lstStyle/>
-          <a:p>
-            <a:r>
-              <a:rPr lang="de-DE" sz="4400" noProof="0" dirty="0">
-                <a:effectLst>
-                  <a:outerShdw blurRad="38100" dist="38100" dir="2700000" algn="tl">
-                    <a:srgbClr val="000000">
-                      <a:alpha val="43137"/>
-                    </a:srgbClr>
-                  </a:outerShdw>
-                </a:effectLst>
-              </a:rPr>
-              <a:t>Aufgabenstellung</a:t>
-            </a:r>
-          </a:p>
-        </p:txBody>
-      </p:sp>
-      <p:sp>
-        <p:nvSpPr>
-          <p:cNvPr id="6" name="Foliennummernplatzhalter 5"/>
-          <p:cNvSpPr>
-            <a:spLocks noGrp="1"/>
-          </p:cNvSpPr>
-          <p:nvPr>
-            <p:ph type="sldNum" sz="quarter" idx="12"/>
-          </p:nvPr>
-        </p:nvSpPr>
-        <p:spPr>
-          <a:xfrm>
-            <a:off x="10270837" y="714371"/>
-            <a:ext cx="1291874" cy="477938"/>
-          </a:xfrm>
-        </p:spPr>
-        <p:txBody>
-          <a:bodyPr anchor="ctr"/>
-          <a:lstStyle/>
-          <a:p>
-            <a:fld id="{5D84065D-F351-4B03-BD91-D8A6B8D4B362}" type="slidenum">
-              <a:rPr lang="en-US" sz="4400" smtClean="0">
-                <a:solidFill>
-                  <a:schemeClr val="bg1"/>
-                </a:solidFill>
-                <a:effectLst>
-                  <a:outerShdw blurRad="38100" dist="38100" dir="2700000" algn="tl">
-                    <a:srgbClr val="000000">
-                      <a:alpha val="43137"/>
-                    </a:srgbClr>
-                  </a:outerShdw>
-                </a:effectLst>
-                <a:latin typeface="+mj-lt"/>
-              </a:rPr>
-              <a:t>3</a:t>
-            </a:fld>
-            <a:endParaRPr lang="en-US" sz="4400" dirty="0">
-              <a:solidFill>
-                <a:schemeClr val="bg1"/>
-              </a:solidFill>
-              <a:effectLst>
-                <a:outerShdw blurRad="38100" dist="38100" dir="2700000" algn="tl">
-                  <a:srgbClr val="000000">
-                    <a:alpha val="43137"/>
-                  </a:srgbClr>
-                </a:outerShdw>
-              </a:effectLst>
-              <a:latin typeface="+mj-lt"/>
-            </a:endParaRPr>
-          </a:p>
-        </p:txBody>
-      </p:sp>
-      <p:sp>
-        <p:nvSpPr>
-          <p:cNvPr id="5" name="Inhaltsplatzhalter 4">
-            <a:extLst>
-              <a:ext uri="{FF2B5EF4-FFF2-40B4-BE49-F238E27FC236}">
-                <a16:creationId xmlns:a16="http://schemas.microsoft.com/office/drawing/2014/main" id="{FF14749A-873F-4B9E-84E7-A3319DAB8179}"/>
-              </a:ext>
-            </a:extLst>
-          </p:cNvPr>
-          <p:cNvSpPr>
-            <a:spLocks noGrp="1"/>
-          </p:cNvSpPr>
-          <p:nvPr>
-            <p:ph idx="1"/>
-          </p:nvPr>
-        </p:nvSpPr>
-        <p:spPr>
-          <a:xfrm>
-            <a:off x="774923" y="1408550"/>
-            <a:ext cx="10653003" cy="4992250"/>
-          </a:xfrm>
-        </p:spPr>
-        <p:txBody>
-          <a:bodyPr anchor="t">
-            <a:normAutofit/>
-          </a:bodyPr>
-          <a:lstStyle/>
-          <a:p>
-            <a:pPr>
-              <a:lnSpc>
-                <a:spcPct val="110000"/>
-              </a:lnSpc>
-            </a:pPr>
-            <a:r>
-              <a:rPr lang="de-DE" sz="2800" noProof="0" dirty="0"/>
-              <a:t>Reinforcement Learning</a:t>
-            </a:r>
-          </a:p>
-          <a:p>
-            <a:pPr>
-              <a:lnSpc>
-                <a:spcPct val="110000"/>
-              </a:lnSpc>
-            </a:pPr>
-            <a:r>
-              <a:rPr lang="en-US" sz="2800" dirty="0"/>
-              <a:t>State–action–reward–state–action </a:t>
-            </a:r>
-            <a:r>
-              <a:rPr lang="en-US" sz="2800" dirty="0">
-                <a:sym typeface="Wingdings" panose="05000000000000000000" pitchFamily="2" charset="2"/>
-              </a:rPr>
-              <a:t> SARSA</a:t>
-            </a:r>
-            <a:endParaRPr lang="de-DE" sz="2800" noProof="0" dirty="0"/>
-          </a:p>
-          <a:p>
-            <a:pPr>
-              <a:lnSpc>
-                <a:spcPct val="110000"/>
-              </a:lnSpc>
-            </a:pPr>
-            <a:r>
-              <a:rPr lang="de-DE" sz="2800" noProof="0" dirty="0"/>
-              <a:t>Bestmögliche Strategie finden</a:t>
-            </a:r>
-          </a:p>
-          <a:p>
-            <a:pPr>
-              <a:lnSpc>
-                <a:spcPct val="110000"/>
-              </a:lnSpc>
-            </a:pPr>
-            <a:r>
-              <a:rPr lang="de-DE" sz="2800" dirty="0"/>
-              <a:t>Umgebung ist für Agent unbekannt</a:t>
-            </a:r>
-          </a:p>
-          <a:p>
-            <a:pPr>
-              <a:lnSpc>
-                <a:spcPct val="110000"/>
-              </a:lnSpc>
-            </a:pPr>
-            <a:r>
-              <a:rPr lang="de-DE" sz="2800" noProof="0" dirty="0"/>
-              <a:t>Interaktion mit der Umgebung</a:t>
-            </a:r>
-          </a:p>
-          <a:p>
-            <a:pPr>
-              <a:lnSpc>
-                <a:spcPct val="110000"/>
-              </a:lnSpc>
-            </a:pPr>
-            <a:r>
-              <a:rPr lang="de-DE" sz="2800" dirty="0"/>
-              <a:t>Episodische Lernschritte</a:t>
-            </a:r>
-          </a:p>
-          <a:p>
-            <a:pPr>
-              <a:lnSpc>
-                <a:spcPct val="110000"/>
-              </a:lnSpc>
-            </a:pPr>
-            <a:r>
-              <a:rPr lang="de-DE" sz="2800" noProof="0" dirty="0"/>
-              <a:t>Stationäre Strategie</a:t>
-            </a:r>
-          </a:p>
-          <a:p>
-            <a:pPr>
-              <a:lnSpc>
-                <a:spcPct val="110000"/>
-              </a:lnSpc>
-            </a:pPr>
-            <a:r>
-              <a:rPr lang="de-DE" sz="2800" noProof="0" dirty="0"/>
-              <a:t>Deterministische und stochastische Betrachtung</a:t>
-            </a:r>
-          </a:p>
-        </p:txBody>
-      </p:sp>
-    </p:spTree>
-    <p:extLst>
-      <p:ext uri="{BB962C8B-B14F-4D97-AF65-F5344CB8AC3E}">
-        <p14:creationId xmlns:p14="http://schemas.microsoft.com/office/powerpoint/2010/main" val="1687685575"/>
-      </p:ext>
-    </p:extLst>
-  </p:cSld>
-  <p:clrMapOvr>
-    <a:masterClrMapping/>
-  </p:clrMapOvr>
-  <p:transition spd="slow">
-    <p:push/>
-  </p:transition>
+  <mc:AlternateContent xmlns:mc="http://schemas.openxmlformats.org/markup-compatibility/2006">
+    <mc:Choice xmlns:p14="http://schemas.microsoft.com/office/powerpoint/2010/main" Requires="p14">
+      <p:transition p14:dur="0"/>
+    </mc:Choice>
+    <mc:Fallback>
+      <p:transition/>
+    </mc:Fallback>
+  </mc:AlternateContent>
 </p:sld>
 </file>
 
@@ -13423,7 +15522,7 @@
                 <a16:creationId xmlns:a16="http://schemas.microsoft.com/office/drawing/2014/main" id="{DB691D59-8F51-4DD8-AD41-D568D29B08F8}"/>
               </a:ext>
               <a:ext uri="{C183D7F6-B498-43B3-948B-1728B52AA6E4}">
-                <adec:decorative xmlns:adec="http://schemas.microsoft.com/office/drawing/2017/decorative" xmlns="" val="1"/>
+                <adec:decorative xmlns:adec="http://schemas.microsoft.com/office/drawing/2017/decorative" val="1"/>
               </a:ext>
             </a:extLst>
           </p:cNvPr>
@@ -13477,7 +15576,7 @@
                 <a16:creationId xmlns:a16="http://schemas.microsoft.com/office/drawing/2014/main" id="{204AEF18-0627-48F3-9B3D-F7E8F050B1D4}"/>
               </a:ext>
               <a:ext uri="{C183D7F6-B498-43B3-948B-1728B52AA6E4}">
-                <adec:decorative xmlns:adec="http://schemas.microsoft.com/office/drawing/2017/decorative" xmlns="" val="1"/>
+                <adec:decorative xmlns:adec="http://schemas.microsoft.com/office/drawing/2017/decorative" val="1"/>
               </a:ext>
             </a:extLst>
           </p:cNvPr>
@@ -13531,7 +15630,7 @@
                 <a16:creationId xmlns:a16="http://schemas.microsoft.com/office/drawing/2014/main" id="{CEAEE08A-C572-438F-9753-B0D527A515A7}"/>
               </a:ext>
               <a:ext uri="{C183D7F6-B498-43B3-948B-1728B52AA6E4}">
-                <adec:decorative xmlns:adec="http://schemas.microsoft.com/office/drawing/2017/decorative" xmlns="" val="1"/>
+                <adec:decorative xmlns:adec="http://schemas.microsoft.com/office/drawing/2017/decorative" val="1"/>
               </a:ext>
             </a:extLst>
           </p:cNvPr>
@@ -13585,7 +15684,7 @@
                 <a16:creationId xmlns:a16="http://schemas.microsoft.com/office/drawing/2014/main" id="{DB93146F-62ED-4C59-844C-0935D0FB5031}"/>
               </a:ext>
               <a:ext uri="{C183D7F6-B498-43B3-948B-1728B52AA6E4}">
-                <adec:decorative xmlns:adec="http://schemas.microsoft.com/office/drawing/2017/decorative" xmlns="" val="1"/>
+                <adec:decorative xmlns:adec="http://schemas.microsoft.com/office/drawing/2017/decorative" val="1"/>
               </a:ext>
             </a:extLst>
           </p:cNvPr>
@@ -13639,7 +15738,7 @@
                 <a16:creationId xmlns:a16="http://schemas.microsoft.com/office/drawing/2014/main" id="{0883F11E-ECB3-4046-A121-A45C6FF6316B}"/>
               </a:ext>
               <a:ext uri="{C183D7F6-B498-43B3-948B-1728B52AA6E4}">
-                <adec:decorative xmlns:adec="http://schemas.microsoft.com/office/drawing/2017/decorative" xmlns="" val="1"/>
+                <adec:decorative xmlns:adec="http://schemas.microsoft.com/office/drawing/2017/decorative" val="1"/>
               </a:ext>
             </a:extLst>
           </p:cNvPr>
@@ -13728,7 +15827,7 @@
                 <a16:creationId xmlns:a16="http://schemas.microsoft.com/office/drawing/2014/main" id="{7B28B346-1639-4F05-9EBC-808A9DC6657D}"/>
               </a:ext>
               <a:ext uri="{C183D7F6-B498-43B3-948B-1728B52AA6E4}">
-                <adec:decorative xmlns:adec="http://schemas.microsoft.com/office/drawing/2017/decorative" xmlns="" val="1"/>
+                <adec:decorative xmlns:adec="http://schemas.microsoft.com/office/drawing/2017/decorative" val="1"/>
               </a:ext>
             </a:extLst>
           </p:cNvPr>
@@ -13782,7 +15881,7 @@
                 <a16:creationId xmlns:a16="http://schemas.microsoft.com/office/drawing/2014/main" id="{5CF77191-9839-40D9-B04E-85DF01BB029F}"/>
               </a:ext>
               <a:ext uri="{C183D7F6-B498-43B3-948B-1728B52AA6E4}">
-                <adec:decorative xmlns:adec="http://schemas.microsoft.com/office/drawing/2017/decorative" xmlns="" val="1"/>
+                <adec:decorative xmlns:adec="http://schemas.microsoft.com/office/drawing/2017/decorative" val="1"/>
               </a:ext>
             </a:extLst>
           </p:cNvPr>
@@ -13836,7 +15935,7 @@
                 <a16:creationId xmlns:a16="http://schemas.microsoft.com/office/drawing/2014/main" id="{BF007B11-F4C3-4A9E-AAA8-D52C8C1AD988}"/>
               </a:ext>
               <a:ext uri="{C183D7F6-B498-43B3-948B-1728B52AA6E4}">
-                <adec:decorative xmlns:adec="http://schemas.microsoft.com/office/drawing/2017/decorative" xmlns="" val="1"/>
+                <adec:decorative xmlns:adec="http://schemas.microsoft.com/office/drawing/2017/decorative" val="1"/>
               </a:ext>
             </a:extLst>
           </p:cNvPr>
@@ -13890,7 +15989,7 @@
                 <a16:creationId xmlns:a16="http://schemas.microsoft.com/office/drawing/2014/main" id="{871D0F6C-C993-4E97-A103-9448E35FEEA0}"/>
               </a:ext>
               <a:ext uri="{C183D7F6-B498-43B3-948B-1728B52AA6E4}">
-                <adec:decorative xmlns:adec="http://schemas.microsoft.com/office/drawing/2017/decorative" xmlns="" val="1"/>
+                <adec:decorative xmlns:adec="http://schemas.microsoft.com/office/drawing/2017/decorative" val="1"/>
               </a:ext>
             </a:extLst>
           </p:cNvPr>
@@ -14180,6 +16279,29 @@
                 <a:srgbClr val="EBEBEB"/>
               </a:solidFill>
             </a:endParaRPr>
+          </a:p>
+          <a:p>
+            <a:pPr>
+              <a:buClr>
+                <a:schemeClr val="bg1"/>
+              </a:buClr>
+            </a:pPr>
+            <a:r>
+              <a:rPr lang="en-US" sz="2200" dirty="0" err="1">
+                <a:solidFill>
+                  <a:srgbClr val="EBEBEB"/>
+                </a:solidFill>
+              </a:rPr>
+              <a:t>Nördlicher</a:t>
+            </a:r>
+            <a:r>
+              <a:rPr lang="en-US" sz="2200" dirty="0">
+                <a:solidFill>
+                  <a:srgbClr val="EBEBEB"/>
+                </a:solidFill>
+              </a:rPr>
+              <a:t> Wind</a:t>
+            </a:r>
           </a:p>
           <a:p>
             <a:pPr>
@@ -20396,6 +22518,77 @@
           </a:extLst>
         </p:spPr>
       </p:pic>
+      <p:sp>
+        <p:nvSpPr>
+          <p:cNvPr id="7" name="Textfeld 6">
+            <a:extLst>
+              <a:ext uri="{FF2B5EF4-FFF2-40B4-BE49-F238E27FC236}">
+                <a16:creationId xmlns:a16="http://schemas.microsoft.com/office/drawing/2014/main" id="{AC70AA01-BDB6-43EA-9045-0CE1984F1445}"/>
+              </a:ext>
+            </a:extLst>
+          </p:cNvPr>
+          <p:cNvSpPr txBox="1"/>
+          <p:nvPr/>
+        </p:nvSpPr>
+        <p:spPr>
+          <a:xfrm>
+            <a:off x="257985" y="593536"/>
+            <a:ext cx="357790" cy="369332"/>
+          </a:xfrm>
+          <a:prstGeom prst="rect">
+            <a:avLst/>
+          </a:prstGeom>
+          <a:noFill/>
+        </p:spPr>
+        <p:txBody>
+          <a:bodyPr wrap="none" rtlCol="0">
+            <a:spAutoFit/>
+          </a:bodyPr>
+          <a:lstStyle/>
+          <a:p>
+            <a:r>
+              <a:rPr lang="en-US" dirty="0"/>
+              <a:t>N</a:t>
+            </a:r>
+          </a:p>
+        </p:txBody>
+      </p:sp>
+      <p:pic>
+        <p:nvPicPr>
+          <p:cNvPr id="9" name="Grafik 8" descr="Kartenkompass">
+            <a:extLst>
+              <a:ext uri="{FF2B5EF4-FFF2-40B4-BE49-F238E27FC236}">
+                <a16:creationId xmlns:a16="http://schemas.microsoft.com/office/drawing/2014/main" id="{57099BEB-946F-44C4-894C-FCD45F2D356D}"/>
+              </a:ext>
+            </a:extLst>
+          </p:cNvPr>
+          <p:cNvPicPr>
+            <a:picLocks noChangeAspect="1"/>
+          </p:cNvPicPr>
+          <p:nvPr/>
+        </p:nvPicPr>
+        <p:blipFill>
+          <a:blip r:embed="rId6">
+            <a:extLst>
+              <a:ext uri="{96DAC541-7B7A-43D3-8B79-37D633B846F1}">
+                <asvg:svgBlip xmlns:asvg="http://schemas.microsoft.com/office/drawing/2016/SVG/main" r:embed="rId7"/>
+              </a:ext>
+            </a:extLst>
+          </a:blip>
+          <a:stretch>
+            <a:fillRect/>
+          </a:stretch>
+        </p:blipFill>
+        <p:spPr>
+          <a:xfrm>
+            <a:off x="57558" y="822386"/>
+            <a:ext cx="761409" cy="761409"/>
+          </a:xfrm>
+          <a:prstGeom prst="rect">
+            <a:avLst/>
+          </a:prstGeom>
+        </p:spPr>
+      </p:pic>
     </p:spTree>
     <p:extLst>
       <p:ext uri="{BB962C8B-B14F-4D97-AF65-F5344CB8AC3E}">
@@ -20406,9 +22599,14 @@
   <p:clrMapOvr>
     <a:masterClrMapping/>
   </p:clrMapOvr>
-  <p:transition spd="slow">
-    <p:push/>
-  </p:transition>
+  <mc:AlternateContent xmlns:mc="http://schemas.openxmlformats.org/markup-compatibility/2006">
+    <mc:Choice xmlns:p14="http://schemas.microsoft.com/office/powerpoint/2010/main" Requires="p14">
+      <p:transition p14:dur="0"/>
+    </mc:Choice>
+    <mc:Fallback>
+      <p:transition/>
+    </mc:Fallback>
+  </mc:AlternateContent>
 </p:sld>
 </file>
 
@@ -23201,9 +25399,14 @@
   <p:clrMapOvr>
     <a:masterClrMapping/>
   </p:clrMapOvr>
-  <p:transition spd="slow">
-    <p:push/>
-  </p:transition>
+  <mc:AlternateContent xmlns:mc="http://schemas.openxmlformats.org/markup-compatibility/2006">
+    <mc:Choice xmlns:p14="http://schemas.microsoft.com/office/powerpoint/2010/main" Requires="p14">
+      <p:transition p14:dur="0"/>
+    </mc:Choice>
+    <mc:Fallback>
+      <p:transition/>
+    </mc:Fallback>
+  </mc:AlternateContent>
 </p:sld>
 </file>
 
@@ -24267,9 +26470,14 @@
   <p:clrMapOvr>
     <a:masterClrMapping/>
   </p:clrMapOvr>
-  <p:transition spd="slow">
-    <p:push/>
-  </p:transition>
+  <mc:AlternateContent xmlns:mc="http://schemas.openxmlformats.org/markup-compatibility/2006">
+    <mc:Choice xmlns:p14="http://schemas.microsoft.com/office/powerpoint/2010/main" Requires="p14">
+      <p:transition p14:dur="0"/>
+    </mc:Choice>
+    <mc:Fallback>
+      <p:transition/>
+    </mc:Fallback>
+  </mc:AlternateContent>
 </p:sld>
 </file>
 
@@ -24646,7 +26854,7 @@
         </p:spPr>
         <p:txBody>
           <a:bodyPr vert="horz" lIns="91440" tIns="45720" rIns="91440" bIns="45720" rtlCol="0" anchor="t">
-            <a:normAutofit fontScale="92500" lnSpcReduction="10000"/>
+            <a:normAutofit fontScale="92500"/>
           </a:bodyPr>
           <a:lstStyle>
             <a:lvl1pPr marL="306000" indent="-306000" algn="l" defTabSz="457200" rtl="0" eaLnBrk="1" latinLnBrk="0" hangingPunct="1">
@@ -24932,7 +27140,7 @@
         </p:spPr>
         <p:txBody>
           <a:bodyPr vert="horz" lIns="91440" tIns="45720" rIns="91440" bIns="45720" rtlCol="0" anchor="t">
-            <a:normAutofit fontScale="92500" lnSpcReduction="10000"/>
+            <a:normAutofit fontScale="92500"/>
           </a:bodyPr>
           <a:lstStyle>
             <a:lvl1pPr marL="306000" indent="-306000" algn="l" defTabSz="457200" rtl="0" eaLnBrk="1" latinLnBrk="0" hangingPunct="1">
@@ -30784,9 +32992,14 @@
   <p:clrMapOvr>
     <a:masterClrMapping/>
   </p:clrMapOvr>
-  <p:transition spd="slow">
-    <p:push/>
-  </p:transition>
+  <mc:AlternateContent xmlns:mc="http://schemas.openxmlformats.org/markup-compatibility/2006">
+    <mc:Choice xmlns:p14="http://schemas.microsoft.com/office/powerpoint/2010/main" Requires="p14">
+      <p:transition p14:dur="0"/>
+    </mc:Choice>
+    <mc:Fallback>
+      <p:transition/>
+    </mc:Fallback>
+  </mc:AlternateContent>
 </p:sld>
 </file>
 
@@ -31074,9 +33287,14 @@
   <p:clrMapOvr>
     <a:masterClrMapping/>
   </p:clrMapOvr>
-  <p:transition spd="slow">
-    <p:push/>
-  </p:transition>
+  <mc:AlternateContent xmlns:mc="http://schemas.openxmlformats.org/markup-compatibility/2006">
+    <mc:Choice xmlns:p14="http://schemas.microsoft.com/office/powerpoint/2010/main" Requires="p14">
+      <p:transition p14:dur="0"/>
+    </mc:Choice>
+    <mc:Fallback>
+      <p:transition/>
+    </mc:Fallback>
+  </mc:AlternateContent>
 </p:sld>
 </file>
 
@@ -31232,19 +33450,7 @@
                   <a:rPr lang="de-DE" sz="2800" noProof="0" dirty="0">
                     <a:sym typeface="Wingdings" panose="05000000000000000000" pitchFamily="2" charset="2"/>
                   </a:rPr>
-                  <a:t> </a:t>
-                </a:r>
-                <a:r>
-                  <a:rPr lang="de-DE" sz="2800" dirty="0">
-                    <a:sym typeface="Wingdings" panose="05000000000000000000" pitchFamily="2" charset="2"/>
-                  </a:rPr>
-                  <a:t>5</a:t>
-                </a:r>
-                <a:r>
-                  <a:rPr lang="de-DE" sz="2800" noProof="0" dirty="0">
-                    <a:sym typeface="Wingdings" panose="05000000000000000000" pitchFamily="2" charset="2"/>
-                  </a:rPr>
-                  <a:t>.000 Episoden</a:t>
+                  <a:t> 5.000 Episoden</a:t>
                 </a:r>
                 <a:endParaRPr lang="de-DE" sz="2800" noProof="0" dirty="0"/>
               </a:p>
@@ -31466,9 +33672,14 @@
   <p:clrMapOvr>
     <a:masterClrMapping/>
   </p:clrMapOvr>
-  <p:transition spd="slow">
-    <p:push/>
-  </p:transition>
+  <mc:AlternateContent xmlns:mc="http://schemas.openxmlformats.org/markup-compatibility/2006">
+    <mc:Choice xmlns:p14="http://schemas.microsoft.com/office/powerpoint/2010/main" Requires="p14">
+      <p:transition p14:dur="0"/>
+    </mc:Choice>
+    <mc:Fallback>
+      <p:transition/>
+    </mc:Fallback>
+  </mc:AlternateContent>
 </p:sld>
 </file>
 
